--- a/MUSED.pptx
+++ b/MUSED.pptx
@@ -6,6 +6,9 @@
   </p:sldMasterIdLst>
   <p:sldIdLst>
     <p:sldId id="256" r:id="rId2"/>
+    <p:sldId id="257" r:id="rId3"/>
+    <p:sldId id="258" r:id="rId4"/>
+    <p:sldId id="259" r:id="rId5"/>
   </p:sldIdLst>
   <p:sldSz cx="12192000" cy="6858000"/>
   <p:notesSz cx="6858000" cy="9144000"/>
@@ -108,6 +111,11 @@
     <p:ext uri="{EFAFB233-063F-42B5-8137-9DF3F51BA10A}">
       <p15:sldGuideLst xmlns:p15="http://schemas.microsoft.com/office/powerpoint/2012/main">
         <p15:guide id="1" orient="horz" pos="2160" userDrawn="1">
+          <p15:clr>
+            <a:srgbClr val="A4A3A4"/>
+          </p15:clr>
+        </p15:guide>
+        <p15:guide id="2" pos="3840">
           <p15:clr>
             <a:srgbClr val="A4A3A4"/>
           </p15:clr>
@@ -3013,11 +3021,11 @@
           <a:lstStyle/>
           <a:p>
             <a:r>
-              <a:rPr lang="en-US" altLang="ko-KR" sz="2800" b="1" dirty="0" smtClean="0">
+              <a:rPr lang="en-US" altLang="ko-KR" sz="2000" b="1" dirty="0" smtClean="0">
                 <a:latin typeface="Gisha" panose="020B0502040204020203" pitchFamily="34" charset="-79"/>
                 <a:cs typeface="Gisha" panose="020B0502040204020203" pitchFamily="34" charset="-79"/>
               </a:rPr>
-              <a:t>MUSED</a:t>
+              <a:t> </a:t>
             </a:r>
             <a:endParaRPr lang="ko-KR" altLang="en-US" sz="2000" b="1" dirty="0">
               <a:latin typeface="Gisha" panose="020B0502040204020203" pitchFamily="34" charset="-79"/>
@@ -4900,7 +4908,11 @@
           <a:lstStyle/>
           <a:p>
             <a:pPr algn="ctr"/>
-            <a:endParaRPr lang="ko-KR" altLang="en-US"/>
+            <a:r>
+              <a:rPr lang="ko-KR" altLang="en-US" dirty="0" smtClean="0"/>
+              <a:t>사진</a:t>
+            </a:r>
+            <a:endParaRPr lang="ko-KR" altLang="en-US" dirty="0"/>
           </a:p>
         </p:txBody>
       </p:sp>
@@ -4951,7 +4963,7 @@
         <p:spPr>
           <a:xfrm>
             <a:off x="1714394" y="3926836"/>
-            <a:ext cx="1046059" cy="1783851"/>
+            <a:ext cx="959795" cy="1783851"/>
           </a:xfrm>
           <a:prstGeom prst="rect">
             <a:avLst/>
@@ -5035,7 +5047,7 @@
         </p:nvSpPr>
         <p:spPr>
           <a:xfrm>
-            <a:off x="10964175" y="6400801"/>
+            <a:off x="10964175" y="6377554"/>
             <a:ext cx="457199" cy="448573"/>
           </a:xfrm>
           <a:prstGeom prst="rect">
@@ -5083,7 +5095,7 @@
         </p:nvSpPr>
         <p:spPr>
           <a:xfrm>
-            <a:off x="11093570" y="6530196"/>
+            <a:off x="11101319" y="6499200"/>
             <a:ext cx="181155" cy="207034"/>
           </a:xfrm>
           <a:prstGeom prst="upArrow">
@@ -5242,7 +5254,15 @@
             <a:pPr algn="ctr"/>
             <a:r>
               <a:rPr lang="ko-KR" altLang="en-US" sz="1100" dirty="0" smtClean="0"/>
-              <a:t>사용자 기능</a:t>
+              <a:t>회원</a:t>
+            </a:r>
+            <a:r>
+              <a:rPr lang="ko-KR" altLang="en-US" sz="1100" dirty="0" smtClean="0"/>
+              <a:t> </a:t>
+            </a:r>
+            <a:r>
+              <a:rPr lang="ko-KR" altLang="en-US" sz="1100" dirty="0" smtClean="0"/>
+              <a:t>기능</a:t>
             </a:r>
             <a:endParaRPr lang="ko-KR" altLang="en-US" sz="1100" dirty="0"/>
           </a:p>
@@ -5256,7 +5276,7 @@
         </p:nvSpPr>
         <p:spPr>
           <a:xfrm>
-            <a:off x="9325156" y="125083"/>
+            <a:off x="8712683" y="125083"/>
             <a:ext cx="1269452" cy="301924"/>
           </a:xfrm>
           <a:prstGeom prst="rect">
@@ -5293,10 +5313,9596 @@
           </a:p>
         </p:txBody>
       </p:sp>
+      <p:sp>
+        <p:nvSpPr>
+          <p:cNvPr id="27" name="직사각형 26"/>
+          <p:cNvSpPr/>
+          <p:nvPr/>
+        </p:nvSpPr>
+        <p:spPr>
+          <a:xfrm>
+            <a:off x="10087457" y="125083"/>
+            <a:ext cx="527580" cy="301924"/>
+          </a:xfrm>
+          <a:prstGeom prst="rect">
+            <a:avLst/>
+          </a:prstGeom>
+          <a:solidFill>
+            <a:schemeClr val="bg1"/>
+          </a:solidFill>
+        </p:spPr>
+        <p:style>
+          <a:lnRef idx="1">
+            <a:schemeClr val="accent2"/>
+          </a:lnRef>
+          <a:fillRef idx="2">
+            <a:schemeClr val="accent2"/>
+          </a:fillRef>
+          <a:effectRef idx="1">
+            <a:schemeClr val="accent2"/>
+          </a:effectRef>
+          <a:fontRef idx="minor">
+            <a:schemeClr val="dk1"/>
+          </a:fontRef>
+        </p:style>
+        <p:txBody>
+          <a:bodyPr rtlCol="0" anchor="ctr"/>
+          <a:lstStyle/>
+          <a:p>
+            <a:pPr algn="ctr"/>
+            <a:r>
+              <a:rPr lang="ko-KR" altLang="en-US" sz="1100" smtClean="0"/>
+              <a:t>물품 등록</a:t>
+            </a:r>
+            <a:endParaRPr lang="ko-KR" altLang="en-US" sz="1100" dirty="0"/>
+          </a:p>
+        </p:txBody>
+      </p:sp>
+      <p:sp>
+        <p:nvSpPr>
+          <p:cNvPr id="3" name="직사각형 2"/>
+          <p:cNvSpPr/>
+          <p:nvPr/>
+        </p:nvSpPr>
+        <p:spPr>
+          <a:xfrm>
+            <a:off x="5221856" y="43133"/>
+            <a:ext cx="1748288" cy="461665"/>
+          </a:xfrm>
+          <a:prstGeom prst="rect">
+            <a:avLst/>
+          </a:prstGeom>
+        </p:spPr>
+        <p:txBody>
+          <a:bodyPr wrap="square">
+            <a:spAutoFit/>
+          </a:bodyPr>
+          <a:lstStyle/>
+          <a:p>
+            <a:pPr algn="ctr"/>
+            <a:r>
+              <a:rPr lang="en-US" altLang="ko-KR" sz="2400" b="1" dirty="0">
+                <a:latin typeface="FuturaBlack BT" pitchFamily="2" charset="0"/>
+                <a:cs typeface="Gisha" panose="020B0502040204020203" pitchFamily="34" charset="-79"/>
+              </a:rPr>
+              <a:t>MUSED</a:t>
+            </a:r>
+            <a:endParaRPr lang="ko-KR" altLang="en-US" sz="2400" dirty="0">
+              <a:latin typeface="FuturaBlack BT" pitchFamily="2" charset="0"/>
+            </a:endParaRPr>
+          </a:p>
+        </p:txBody>
+      </p:sp>
     </p:spTree>
     <p:extLst>
       <p:ext uri="{BB962C8B-B14F-4D97-AF65-F5344CB8AC3E}">
         <p14:creationId xmlns:p14="http://schemas.microsoft.com/office/powerpoint/2010/main" val="70810964"/>
+      </p:ext>
+    </p:extLst>
+  </p:cSld>
+  <p:clrMapOvr>
+    <a:masterClrMapping/>
+  </p:clrMapOvr>
+  <p:timing>
+    <p:tnLst>
+      <p:par>
+        <p:cTn id="1" dur="indefinite" restart="never" nodeType="tmRoot"/>
+      </p:par>
+    </p:tnLst>
+  </p:timing>
+</p:sld>
+</file>
+
+<file path=ppt/slides/slide2.xml><?xml version="1.0" encoding="utf-8"?>
+<p:sld xmlns:a="http://schemas.openxmlformats.org/drawingml/2006/main" xmlns:r="http://schemas.openxmlformats.org/officeDocument/2006/relationships" xmlns:p="http://schemas.openxmlformats.org/presentationml/2006/main">
+  <p:cSld>
+    <p:spTree>
+      <p:nvGrpSpPr>
+        <p:cNvPr id="1" name=""/>
+        <p:cNvGrpSpPr/>
+        <p:nvPr/>
+      </p:nvGrpSpPr>
+      <p:grpSpPr>
+        <a:xfrm>
+          <a:off x="0" y="0"/>
+          <a:ext cx="0" cy="0"/>
+          <a:chOff x="0" y="0"/>
+          <a:chExt cx="0" cy="0"/>
+        </a:xfrm>
+      </p:grpSpPr>
+      <p:graphicFrame>
+        <p:nvGraphicFramePr>
+          <p:cNvPr id="4" name="표 3"/>
+          <p:cNvGraphicFramePr>
+            <a:graphicFrameLocks noGrp="1"/>
+          </p:cNvGraphicFramePr>
+          <p:nvPr>
+            <p:extLst>
+              <p:ext uri="{D42A27DB-BD31-4B8C-83A1-F6EECF244321}">
+                <p14:modId xmlns:p14="http://schemas.microsoft.com/office/powerpoint/2010/main" val="758593889"/>
+              </p:ext>
+            </p:extLst>
+          </p:nvPr>
+        </p:nvGraphicFramePr>
+        <p:xfrm>
+          <a:off x="351386" y="491893"/>
+          <a:ext cx="11487688" cy="5876824"/>
+        </p:xfrm>
+        <a:graphic>
+          <a:graphicData uri="http://schemas.openxmlformats.org/drawingml/2006/table">
+            <a:tbl>
+              <a:tblPr>
+                <a:tableStyleId>{5C22544A-7EE6-4342-B048-85BDC9FD1C3A}</a:tableStyleId>
+              </a:tblPr>
+              <a:tblGrid>
+                <a:gridCol w="1311331"/>
+                <a:gridCol w="1311331"/>
+                <a:gridCol w="2557636"/>
+                <a:gridCol w="3153695"/>
+                <a:gridCol w="3153695"/>
+              </a:tblGrid>
+              <a:tr h="361182">
+                <a:tc>
+                  <a:txBody>
+                    <a:bodyPr/>
+                    <a:lstStyle/>
+                    <a:p>
+                      <a:pPr algn="ctr" fontAlgn="ctr"/>
+                      <a:r>
+                        <a:rPr lang="ko-KR" altLang="en-US" sz="700" u="none" strike="noStrike" dirty="0">
+                          <a:effectLst/>
+                        </a:rPr>
+                        <a:t>클라이언트</a:t>
+                      </a:r>
+                      <a:endParaRPr lang="ko-KR" altLang="en-US" sz="700" b="1" i="0" u="none" strike="noStrike" dirty="0">
+                        <a:solidFill>
+                          <a:srgbClr val="000000"/>
+                        </a:solidFill>
+                        <a:effectLst/>
+                        <a:latin typeface="맑은 고딕" panose="020B0503020000020004" pitchFamily="50" charset="-127"/>
+                        <a:ea typeface="맑은 고딕" panose="020B0503020000020004" pitchFamily="50" charset="-127"/>
+                      </a:endParaRPr>
+                    </a:p>
+                  </a:txBody>
+                  <a:tcPr marL="4523" marR="4523" marT="4523" marB="0" anchor="ctr"/>
+                </a:tc>
+                <a:tc>
+                  <a:txBody>
+                    <a:bodyPr/>
+                    <a:lstStyle/>
+                    <a:p>
+                      <a:pPr algn="ctr" fontAlgn="ctr"/>
+                      <a:r>
+                        <a:rPr lang="ko-KR" altLang="en-US" sz="700" u="none" strike="noStrike">
+                          <a:effectLst/>
+                        </a:rPr>
+                        <a:t>구분</a:t>
+                      </a:r>
+                      <a:endParaRPr lang="ko-KR" altLang="en-US" sz="700" b="1" i="0" u="none" strike="noStrike">
+                        <a:solidFill>
+                          <a:srgbClr val="000000"/>
+                        </a:solidFill>
+                        <a:effectLst/>
+                        <a:latin typeface="맑은 고딕" panose="020B0503020000020004" pitchFamily="50" charset="-127"/>
+                        <a:ea typeface="맑은 고딕" panose="020B0503020000020004" pitchFamily="50" charset="-127"/>
+                      </a:endParaRPr>
+                    </a:p>
+                  </a:txBody>
+                  <a:tcPr marL="4523" marR="4523" marT="4523" marB="0" anchor="ctr"/>
+                </a:tc>
+                <a:tc>
+                  <a:txBody>
+                    <a:bodyPr/>
+                    <a:lstStyle/>
+                    <a:p>
+                      <a:pPr algn="ctr" fontAlgn="ctr"/>
+                      <a:r>
+                        <a:rPr lang="ko-KR" altLang="en-US" sz="700" u="none" strike="noStrike">
+                          <a:effectLst/>
+                        </a:rPr>
+                        <a:t>기능</a:t>
+                      </a:r>
+                      <a:endParaRPr lang="ko-KR" altLang="en-US" sz="700" b="1" i="0" u="none" strike="noStrike">
+                        <a:solidFill>
+                          <a:srgbClr val="000000"/>
+                        </a:solidFill>
+                        <a:effectLst/>
+                        <a:latin typeface="맑은 고딕" panose="020B0503020000020004" pitchFamily="50" charset="-127"/>
+                        <a:ea typeface="맑은 고딕" panose="020B0503020000020004" pitchFamily="50" charset="-127"/>
+                      </a:endParaRPr>
+                    </a:p>
+                  </a:txBody>
+                  <a:tcPr marL="4523" marR="4523" marT="4523" marB="0" anchor="ctr"/>
+                </a:tc>
+                <a:tc>
+                  <a:txBody>
+                    <a:bodyPr/>
+                    <a:lstStyle/>
+                    <a:p>
+                      <a:pPr algn="ctr" fontAlgn="ctr"/>
+                      <a:r>
+                        <a:rPr lang="ko-KR" altLang="en-US" sz="700" u="none" strike="noStrike">
+                          <a:effectLst/>
+                        </a:rPr>
+                        <a:t>설명</a:t>
+                      </a:r>
+                      <a:endParaRPr lang="ko-KR" altLang="en-US" sz="700" b="1" i="0" u="none" strike="noStrike">
+                        <a:solidFill>
+                          <a:srgbClr val="000000"/>
+                        </a:solidFill>
+                        <a:effectLst/>
+                        <a:latin typeface="맑은 고딕" panose="020B0503020000020004" pitchFamily="50" charset="-127"/>
+                        <a:ea typeface="맑은 고딕" panose="020B0503020000020004" pitchFamily="50" charset="-127"/>
+                      </a:endParaRPr>
+                    </a:p>
+                  </a:txBody>
+                  <a:tcPr marL="4523" marR="4523" marT="4523" marB="0" anchor="ctr"/>
+                </a:tc>
+                <a:tc>
+                  <a:txBody>
+                    <a:bodyPr/>
+                    <a:lstStyle/>
+                    <a:p>
+                      <a:pPr algn="ctr" fontAlgn="ctr"/>
+                      <a:r>
+                        <a:rPr lang="ko-KR" altLang="en-US" sz="700" u="none" strike="noStrike">
+                          <a:effectLst/>
+                        </a:rPr>
+                        <a:t>세부 기능</a:t>
+                      </a:r>
+                      <a:endParaRPr lang="ko-KR" altLang="en-US" sz="700" b="1" i="0" u="none" strike="noStrike">
+                        <a:solidFill>
+                          <a:srgbClr val="000000"/>
+                        </a:solidFill>
+                        <a:effectLst/>
+                        <a:latin typeface="맑은 고딕" panose="020B0503020000020004" pitchFamily="50" charset="-127"/>
+                        <a:ea typeface="맑은 고딕" panose="020B0503020000020004" pitchFamily="50" charset="-127"/>
+                      </a:endParaRPr>
+                    </a:p>
+                  </a:txBody>
+                  <a:tcPr marL="4523" marR="4523" marT="4523" marB="0" anchor="ctr"/>
+                </a:tc>
+              </a:tr>
+              <a:tr h="180592">
+                <a:tc rowSpan="19">
+                  <a:txBody>
+                    <a:bodyPr/>
+                    <a:lstStyle/>
+                    <a:p>
+                      <a:pPr algn="ctr" fontAlgn="ctr"/>
+                      <a:r>
+                        <a:rPr lang="ko-KR" altLang="en-US" sz="700" u="none" strike="noStrike">
+                          <a:effectLst/>
+                        </a:rPr>
+                        <a:t>사용자</a:t>
+                      </a:r>
+                      <a:endParaRPr lang="ko-KR" altLang="en-US" sz="700" b="1" i="0" u="none" strike="noStrike">
+                        <a:solidFill>
+                          <a:srgbClr val="000000"/>
+                        </a:solidFill>
+                        <a:effectLst/>
+                        <a:latin typeface="맑은 고딕" panose="020B0503020000020004" pitchFamily="50" charset="-127"/>
+                        <a:ea typeface="맑은 고딕" panose="020B0503020000020004" pitchFamily="50" charset="-127"/>
+                      </a:endParaRPr>
+                    </a:p>
+                  </a:txBody>
+                  <a:tcPr marL="4523" marR="4523" marT="4523" marB="0" anchor="ctr"/>
+                </a:tc>
+                <a:tc>
+                  <a:txBody>
+                    <a:bodyPr/>
+                    <a:lstStyle/>
+                    <a:p>
+                      <a:pPr algn="ctr" fontAlgn="ctr"/>
+                      <a:r>
+                        <a:rPr lang="ko-KR" altLang="en-US" sz="700" u="none" strike="noStrike" dirty="0">
+                          <a:effectLst/>
+                        </a:rPr>
+                        <a:t>로고</a:t>
+                      </a:r>
+                      <a:endParaRPr lang="ko-KR" altLang="en-US" sz="700" b="0" i="0" u="none" strike="noStrike" dirty="0">
+                        <a:solidFill>
+                          <a:srgbClr val="000000"/>
+                        </a:solidFill>
+                        <a:effectLst/>
+                        <a:latin typeface="맑은 고딕" panose="020B0503020000020004" pitchFamily="50" charset="-127"/>
+                        <a:ea typeface="맑은 고딕" panose="020B0503020000020004" pitchFamily="50" charset="-127"/>
+                      </a:endParaRPr>
+                    </a:p>
+                  </a:txBody>
+                  <a:tcPr marL="4523" marR="4523" marT="4523" marB="0" anchor="ctr"/>
+                </a:tc>
+                <a:tc>
+                  <a:txBody>
+                    <a:bodyPr/>
+                    <a:lstStyle/>
+                    <a:p>
+                      <a:pPr algn="ctr" fontAlgn="ctr"/>
+                      <a:r>
+                        <a:rPr lang="ko-KR" altLang="en-US" sz="700" u="none" strike="noStrike" dirty="0">
+                          <a:effectLst/>
+                        </a:rPr>
+                        <a:t>웹 페이지 초기화</a:t>
+                      </a:r>
+                      <a:endParaRPr lang="ko-KR" altLang="en-US" sz="700" b="0" i="0" u="none" strike="noStrike" dirty="0">
+                        <a:solidFill>
+                          <a:srgbClr val="000000"/>
+                        </a:solidFill>
+                        <a:effectLst/>
+                        <a:latin typeface="맑은 고딕" panose="020B0503020000020004" pitchFamily="50" charset="-127"/>
+                        <a:ea typeface="맑은 고딕" panose="020B0503020000020004" pitchFamily="50" charset="-127"/>
+                      </a:endParaRPr>
+                    </a:p>
+                  </a:txBody>
+                  <a:tcPr marL="4523" marR="4523" marT="4523" marB="0" anchor="ctr"/>
+                </a:tc>
+                <a:tc>
+                  <a:txBody>
+                    <a:bodyPr/>
+                    <a:lstStyle/>
+                    <a:p>
+                      <a:pPr algn="ctr" fontAlgn="ctr"/>
+                      <a:r>
+                        <a:rPr lang="en-US" altLang="ko-KR" sz="700" u="none" strike="noStrike">
+                          <a:effectLst/>
+                        </a:rPr>
+                        <a:t>intro </a:t>
+                      </a:r>
+                      <a:r>
+                        <a:rPr lang="ko-KR" altLang="en-US" sz="700" u="none" strike="noStrike">
+                          <a:effectLst/>
+                        </a:rPr>
+                        <a:t>페이지로 이동</a:t>
+                      </a:r>
+                      <a:endParaRPr lang="ko-KR" altLang="en-US" sz="700" b="0" i="0" u="none" strike="noStrike">
+                        <a:solidFill>
+                          <a:srgbClr val="000000"/>
+                        </a:solidFill>
+                        <a:effectLst/>
+                        <a:latin typeface="맑은 고딕" panose="020B0503020000020004" pitchFamily="50" charset="-127"/>
+                        <a:ea typeface="맑은 고딕" panose="020B0503020000020004" pitchFamily="50" charset="-127"/>
+                      </a:endParaRPr>
+                    </a:p>
+                  </a:txBody>
+                  <a:tcPr marL="4523" marR="4523" marT="4523" marB="0" anchor="ctr"/>
+                </a:tc>
+                <a:tc>
+                  <a:txBody>
+                    <a:bodyPr/>
+                    <a:lstStyle/>
+                    <a:p>
+                      <a:pPr algn="ctr" fontAlgn="ctr"/>
+                      <a:r>
+                        <a:rPr lang="ko-KR" altLang="en-US" sz="700" u="none" strike="noStrike">
+                          <a:effectLst/>
+                        </a:rPr>
+                        <a:t>　</a:t>
+                      </a:r>
+                      <a:endParaRPr lang="ko-KR" altLang="en-US" sz="700" b="0" i="0" u="none" strike="noStrike">
+                        <a:solidFill>
+                          <a:srgbClr val="000000"/>
+                        </a:solidFill>
+                        <a:effectLst/>
+                        <a:latin typeface="맑은 고딕" panose="020B0503020000020004" pitchFamily="50" charset="-127"/>
+                        <a:ea typeface="맑은 고딕" panose="020B0503020000020004" pitchFamily="50" charset="-127"/>
+                      </a:endParaRPr>
+                    </a:p>
+                  </a:txBody>
+                  <a:tcPr marL="4523" marR="4523" marT="4523" marB="0" anchor="ctr"/>
+                </a:tc>
+              </a:tr>
+              <a:tr h="174571">
+                <a:tc vMerge="1">
+                  <a:txBody>
+                    <a:bodyPr/>
+                    <a:lstStyle/>
+                    <a:p>
+                      <a:pPr latinLnBrk="1"/>
+                      <a:endParaRPr lang="ko-KR" altLang="en-US"/>
+                    </a:p>
+                  </a:txBody>
+                  <a:tcPr/>
+                </a:tc>
+                <a:tc rowSpan="2">
+                  <a:txBody>
+                    <a:bodyPr/>
+                    <a:lstStyle/>
+                    <a:p>
+                      <a:pPr algn="ctr" fontAlgn="ctr"/>
+                      <a:r>
+                        <a:rPr lang="ko-KR" altLang="en-US" sz="700" u="none" strike="noStrike" dirty="0">
+                          <a:effectLst/>
+                        </a:rPr>
+                        <a:t>컨테이너</a:t>
+                      </a:r>
+                      <a:endParaRPr lang="ko-KR" altLang="en-US" sz="700" b="0" i="0" u="none" strike="noStrike" dirty="0">
+                        <a:solidFill>
+                          <a:srgbClr val="000000"/>
+                        </a:solidFill>
+                        <a:effectLst/>
+                        <a:latin typeface="맑은 고딕" panose="020B0503020000020004" pitchFamily="50" charset="-127"/>
+                        <a:ea typeface="맑은 고딕" panose="020B0503020000020004" pitchFamily="50" charset="-127"/>
+                      </a:endParaRPr>
+                    </a:p>
+                  </a:txBody>
+                  <a:tcPr marL="4523" marR="4523" marT="4523" marB="0" anchor="ctr"/>
+                </a:tc>
+                <a:tc>
+                  <a:txBody>
+                    <a:bodyPr/>
+                    <a:lstStyle/>
+                    <a:p>
+                      <a:pPr algn="ctr" fontAlgn="ctr"/>
+                      <a:r>
+                        <a:rPr lang="ko-KR" altLang="en-US" sz="700" u="none" strike="noStrike">
+                          <a:effectLst/>
+                        </a:rPr>
+                        <a:t>게시물 요약 정보 보기</a:t>
+                      </a:r>
+                      <a:endParaRPr lang="ko-KR" altLang="en-US" sz="700" b="0" i="0" u="none" strike="noStrike">
+                        <a:solidFill>
+                          <a:srgbClr val="000000"/>
+                        </a:solidFill>
+                        <a:effectLst/>
+                        <a:latin typeface="맑은 고딕" panose="020B0503020000020004" pitchFamily="50" charset="-127"/>
+                        <a:ea typeface="맑은 고딕" panose="020B0503020000020004" pitchFamily="50" charset="-127"/>
+                      </a:endParaRPr>
+                    </a:p>
+                  </a:txBody>
+                  <a:tcPr marL="4523" marR="4523" marT="4523" marB="0" anchor="ctr"/>
+                </a:tc>
+                <a:tc>
+                  <a:txBody>
+                    <a:bodyPr/>
+                    <a:lstStyle/>
+                    <a:p>
+                      <a:pPr algn="ctr" fontAlgn="ctr"/>
+                      <a:r>
+                        <a:rPr lang="ko-KR" altLang="en-US" sz="700" u="none" strike="noStrike">
+                          <a:effectLst/>
+                        </a:rPr>
+                        <a:t>게시물의 간략 정보를 목록화하여 제공</a:t>
+                      </a:r>
+                      <a:endParaRPr lang="ko-KR" altLang="en-US" sz="700" b="0" i="0" u="none" strike="noStrike">
+                        <a:solidFill>
+                          <a:srgbClr val="000000"/>
+                        </a:solidFill>
+                        <a:effectLst/>
+                        <a:latin typeface="맑은 고딕" panose="020B0503020000020004" pitchFamily="50" charset="-127"/>
+                        <a:ea typeface="맑은 고딕" panose="020B0503020000020004" pitchFamily="50" charset="-127"/>
+                      </a:endParaRPr>
+                    </a:p>
+                  </a:txBody>
+                  <a:tcPr marL="4523" marR="4523" marT="4523" marB="0" anchor="ctr"/>
+                </a:tc>
+                <a:tc>
+                  <a:txBody>
+                    <a:bodyPr/>
+                    <a:lstStyle/>
+                    <a:p>
+                      <a:pPr algn="ctr" fontAlgn="ctr"/>
+                      <a:r>
+                        <a:rPr lang="ko-KR" altLang="en-US" sz="700" u="none" strike="noStrike">
+                          <a:effectLst/>
+                        </a:rPr>
+                        <a:t>판매글 상세 정보로 이동</a:t>
+                      </a:r>
+                      <a:r>
+                        <a:rPr lang="en-US" altLang="ko-KR" sz="700" u="none" strike="noStrike">
+                          <a:effectLst/>
+                        </a:rPr>
+                        <a:t>, </a:t>
+                      </a:r>
+                      <a:r>
+                        <a:rPr lang="ko-KR" altLang="en-US" sz="700" u="none" strike="noStrike">
+                          <a:effectLst/>
+                        </a:rPr>
+                        <a:t>스크랩 하기</a:t>
+                      </a:r>
+                      <a:endParaRPr lang="ko-KR" altLang="en-US" sz="700" b="0" i="0" u="none" strike="noStrike">
+                        <a:solidFill>
+                          <a:srgbClr val="000000"/>
+                        </a:solidFill>
+                        <a:effectLst/>
+                        <a:latin typeface="맑은 고딕" panose="020B0503020000020004" pitchFamily="50" charset="-127"/>
+                        <a:ea typeface="맑은 고딕" panose="020B0503020000020004" pitchFamily="50" charset="-127"/>
+                      </a:endParaRPr>
+                    </a:p>
+                  </a:txBody>
+                  <a:tcPr marL="4523" marR="4523" marT="4523" marB="0" anchor="ctr"/>
+                </a:tc>
+              </a:tr>
+              <a:tr h="431943">
+                <a:tc vMerge="1">
+                  <a:txBody>
+                    <a:bodyPr/>
+                    <a:lstStyle/>
+                    <a:p>
+                      <a:pPr latinLnBrk="1"/>
+                      <a:endParaRPr lang="ko-KR" altLang="en-US"/>
+                    </a:p>
+                  </a:txBody>
+                  <a:tcPr/>
+                </a:tc>
+                <a:tc vMerge="1">
+                  <a:txBody>
+                    <a:bodyPr/>
+                    <a:lstStyle/>
+                    <a:p>
+                      <a:pPr latinLnBrk="1"/>
+                      <a:endParaRPr lang="ko-KR" altLang="en-US"/>
+                    </a:p>
+                  </a:txBody>
+                  <a:tcPr/>
+                </a:tc>
+                <a:tc>
+                  <a:txBody>
+                    <a:bodyPr/>
+                    <a:lstStyle/>
+                    <a:p>
+                      <a:pPr algn="ctr" fontAlgn="ctr"/>
+                      <a:r>
+                        <a:rPr lang="ko-KR" altLang="en-US" sz="700" u="none" strike="noStrike" dirty="0">
+                          <a:effectLst/>
+                        </a:rPr>
+                        <a:t>게시물 상세 정보 보기</a:t>
+                      </a:r>
+                      <a:endParaRPr lang="ko-KR" altLang="en-US" sz="700" b="0" i="0" u="none" strike="noStrike" dirty="0">
+                        <a:solidFill>
+                          <a:srgbClr val="000000"/>
+                        </a:solidFill>
+                        <a:effectLst/>
+                        <a:latin typeface="맑은 고딕" panose="020B0503020000020004" pitchFamily="50" charset="-127"/>
+                        <a:ea typeface="맑은 고딕" panose="020B0503020000020004" pitchFamily="50" charset="-127"/>
+                      </a:endParaRPr>
+                    </a:p>
+                  </a:txBody>
+                  <a:tcPr marL="4523" marR="4523" marT="4523" marB="0" anchor="ctr"/>
+                </a:tc>
+                <a:tc>
+                  <a:txBody>
+                    <a:bodyPr/>
+                    <a:lstStyle/>
+                    <a:p>
+                      <a:pPr algn="ctr" fontAlgn="ctr"/>
+                      <a:r>
+                        <a:rPr lang="ko-KR" altLang="en-US" sz="700" u="none" strike="noStrike">
+                          <a:effectLst/>
+                        </a:rPr>
+                        <a:t>게시물의 상세 정보와 관련 인터랙션을 제공</a:t>
+                      </a:r>
+                      <a:endParaRPr lang="ko-KR" altLang="en-US" sz="700" b="0" i="0" u="none" strike="noStrike">
+                        <a:solidFill>
+                          <a:srgbClr val="000000"/>
+                        </a:solidFill>
+                        <a:effectLst/>
+                        <a:latin typeface="맑은 고딕" panose="020B0503020000020004" pitchFamily="50" charset="-127"/>
+                        <a:ea typeface="맑은 고딕" panose="020B0503020000020004" pitchFamily="50" charset="-127"/>
+                      </a:endParaRPr>
+                    </a:p>
+                  </a:txBody>
+                  <a:tcPr marL="4523" marR="4523" marT="4523" marB="0" anchor="ctr"/>
+                </a:tc>
+                <a:tc>
+                  <a:txBody>
+                    <a:bodyPr/>
+                    <a:lstStyle/>
+                    <a:p>
+                      <a:pPr algn="ctr" fontAlgn="ctr"/>
+                      <a:r>
+                        <a:rPr lang="ko-KR" altLang="en-US" sz="700" u="none" strike="noStrike">
+                          <a:effectLst/>
+                        </a:rPr>
+                        <a:t> 사진 상세 조회</a:t>
+                      </a:r>
+                      <a:r>
+                        <a:rPr lang="en-US" altLang="ko-KR" sz="700" u="none" strike="noStrike">
+                          <a:effectLst/>
+                        </a:rPr>
+                        <a:t>, </a:t>
+                      </a:r>
+                      <a:r>
+                        <a:rPr lang="ko-KR" altLang="en-US" sz="700" u="none" strike="noStrike">
+                          <a:effectLst/>
+                        </a:rPr>
+                        <a:t>댓글 달기</a:t>
+                      </a:r>
+                      <a:r>
+                        <a:rPr lang="en-US" altLang="ko-KR" sz="700" u="none" strike="noStrike">
+                          <a:effectLst/>
+                        </a:rPr>
+                        <a:t>/</a:t>
+                      </a:r>
+                      <a:r>
+                        <a:rPr lang="ko-KR" altLang="en-US" sz="700" u="none" strike="noStrike">
+                          <a:effectLst/>
+                        </a:rPr>
+                        <a:t>수정</a:t>
+                      </a:r>
+                      <a:r>
+                        <a:rPr lang="en-US" altLang="ko-KR" sz="700" u="none" strike="noStrike">
+                          <a:effectLst/>
+                        </a:rPr>
+                        <a:t>/</a:t>
+                      </a:r>
+                      <a:r>
+                        <a:rPr lang="ko-KR" altLang="en-US" sz="700" u="none" strike="noStrike">
+                          <a:effectLst/>
+                        </a:rPr>
+                        <a:t>삭제</a:t>
+                      </a:r>
+                      <a:r>
+                        <a:rPr lang="en-US" altLang="ko-KR" sz="700" u="none" strike="noStrike">
+                          <a:effectLst/>
+                        </a:rPr>
+                        <a:t>, </a:t>
+                      </a:r>
+                      <a:r>
+                        <a:rPr lang="ko-KR" altLang="en-US" sz="700" u="none" strike="noStrike">
+                          <a:effectLst/>
+                        </a:rPr>
+                        <a:t>조회 카운트</a:t>
+                      </a:r>
+                      <a:r>
+                        <a:rPr lang="en-US" altLang="ko-KR" sz="700" u="none" strike="noStrike">
+                          <a:effectLst/>
+                        </a:rPr>
+                        <a:t>, </a:t>
+                      </a:r>
+                      <a:r>
+                        <a:rPr lang="ko-KR" altLang="en-US" sz="700" u="none" strike="noStrike">
+                          <a:effectLst/>
+                        </a:rPr>
+                        <a:t>판매자 연락처 열람</a:t>
+                      </a:r>
+                      <a:r>
+                        <a:rPr lang="en-US" altLang="ko-KR" sz="700" u="none" strike="noStrike">
+                          <a:effectLst/>
+                        </a:rPr>
+                        <a:t>, </a:t>
+                      </a:r>
+                      <a:r>
+                        <a:rPr lang="ko-KR" altLang="en-US" sz="700" u="none" strike="noStrike">
+                          <a:effectLst/>
+                        </a:rPr>
+                        <a:t>판매자의 작성글 조회 및 이동</a:t>
+                      </a:r>
+                      <a:r>
+                        <a:rPr lang="en-US" altLang="ko-KR" sz="700" u="none" strike="noStrike">
+                          <a:effectLst/>
+                        </a:rPr>
+                        <a:t>, </a:t>
+                      </a:r>
+                      <a:r>
+                        <a:rPr lang="ko-KR" altLang="en-US" sz="700" u="none" strike="noStrike">
+                          <a:effectLst/>
+                        </a:rPr>
+                        <a:t>스크랩 하기</a:t>
+                      </a:r>
+                      <a:endParaRPr lang="ko-KR" altLang="en-US" sz="700" b="0" i="0" u="none" strike="noStrike">
+                        <a:solidFill>
+                          <a:srgbClr val="000000"/>
+                        </a:solidFill>
+                        <a:effectLst/>
+                        <a:latin typeface="맑은 고딕" panose="020B0503020000020004" pitchFamily="50" charset="-127"/>
+                        <a:ea typeface="맑은 고딕" panose="020B0503020000020004" pitchFamily="50" charset="-127"/>
+                      </a:endParaRPr>
+                    </a:p>
+                  </a:txBody>
+                  <a:tcPr marL="4523" marR="4523" marT="4523" marB="0" anchor="ctr"/>
+                </a:tc>
+              </a:tr>
+              <a:tr h="174571">
+                <a:tc vMerge="1">
+                  <a:txBody>
+                    <a:bodyPr/>
+                    <a:lstStyle/>
+                    <a:p>
+                      <a:pPr latinLnBrk="1"/>
+                      <a:endParaRPr lang="ko-KR" altLang="en-US"/>
+                    </a:p>
+                  </a:txBody>
+                  <a:tcPr/>
+                </a:tc>
+                <a:tc>
+                  <a:txBody>
+                    <a:bodyPr/>
+                    <a:lstStyle/>
+                    <a:p>
+                      <a:pPr algn="ctr" fontAlgn="ctr"/>
+                      <a:r>
+                        <a:rPr lang="ko-KR" altLang="en-US" sz="700" u="none" strike="noStrike">
+                          <a:effectLst/>
+                        </a:rPr>
+                        <a:t>위로가기</a:t>
+                      </a:r>
+                      <a:endParaRPr lang="ko-KR" altLang="en-US" sz="700" b="0" i="0" u="none" strike="noStrike">
+                        <a:solidFill>
+                          <a:srgbClr val="000000"/>
+                        </a:solidFill>
+                        <a:effectLst/>
+                        <a:latin typeface="맑은 고딕" panose="020B0503020000020004" pitchFamily="50" charset="-127"/>
+                        <a:ea typeface="맑은 고딕" panose="020B0503020000020004" pitchFamily="50" charset="-127"/>
+                      </a:endParaRPr>
+                    </a:p>
+                  </a:txBody>
+                  <a:tcPr marL="4523" marR="4523" marT="4523" marB="0" anchor="ctr"/>
+                </a:tc>
+                <a:tc>
+                  <a:txBody>
+                    <a:bodyPr/>
+                    <a:lstStyle/>
+                    <a:p>
+                      <a:pPr algn="ctr" fontAlgn="ctr"/>
+                      <a:r>
+                        <a:rPr lang="ko-KR" altLang="en-US" sz="700" u="none" strike="noStrike">
+                          <a:effectLst/>
+                        </a:rPr>
+                        <a:t>위로가기 버튼</a:t>
+                      </a:r>
+                      <a:endParaRPr lang="ko-KR" altLang="en-US" sz="700" b="0" i="0" u="none" strike="noStrike">
+                        <a:solidFill>
+                          <a:srgbClr val="000000"/>
+                        </a:solidFill>
+                        <a:effectLst/>
+                        <a:latin typeface="맑은 고딕" panose="020B0503020000020004" pitchFamily="50" charset="-127"/>
+                        <a:ea typeface="맑은 고딕" panose="020B0503020000020004" pitchFamily="50" charset="-127"/>
+                      </a:endParaRPr>
+                    </a:p>
+                  </a:txBody>
+                  <a:tcPr marL="4523" marR="4523" marT="4523" marB="0" anchor="ctr"/>
+                </a:tc>
+                <a:tc>
+                  <a:txBody>
+                    <a:bodyPr/>
+                    <a:lstStyle/>
+                    <a:p>
+                      <a:pPr algn="ctr" fontAlgn="ctr"/>
+                      <a:r>
+                        <a:rPr lang="ko-KR" altLang="en-US" sz="700" u="none" strike="noStrike">
+                          <a:effectLst/>
+                        </a:rPr>
+                        <a:t>목록의 최상단으로 이동</a:t>
+                      </a:r>
+                      <a:endParaRPr lang="ko-KR" altLang="en-US" sz="700" b="0" i="0" u="none" strike="noStrike">
+                        <a:solidFill>
+                          <a:srgbClr val="000000"/>
+                        </a:solidFill>
+                        <a:effectLst/>
+                        <a:latin typeface="맑은 고딕" panose="020B0503020000020004" pitchFamily="50" charset="-127"/>
+                        <a:ea typeface="맑은 고딕" panose="020B0503020000020004" pitchFamily="50" charset="-127"/>
+                      </a:endParaRPr>
+                    </a:p>
+                  </a:txBody>
+                  <a:tcPr marL="4523" marR="4523" marT="4523" marB="0" anchor="ctr"/>
+                </a:tc>
+                <a:tc>
+                  <a:txBody>
+                    <a:bodyPr/>
+                    <a:lstStyle/>
+                    <a:p>
+                      <a:pPr algn="ctr" fontAlgn="ctr"/>
+                      <a:r>
+                        <a:rPr lang="ko-KR" altLang="en-US" sz="700" u="none" strike="noStrike">
+                          <a:effectLst/>
+                        </a:rPr>
+                        <a:t>　</a:t>
+                      </a:r>
+                      <a:endParaRPr lang="ko-KR" altLang="en-US" sz="700" b="0" i="0" u="none" strike="noStrike">
+                        <a:solidFill>
+                          <a:srgbClr val="000000"/>
+                        </a:solidFill>
+                        <a:effectLst/>
+                        <a:latin typeface="맑은 고딕" panose="020B0503020000020004" pitchFamily="50" charset="-127"/>
+                        <a:ea typeface="맑은 고딕" panose="020B0503020000020004" pitchFamily="50" charset="-127"/>
+                      </a:endParaRPr>
+                    </a:p>
+                  </a:txBody>
+                  <a:tcPr marL="4523" marR="4523" marT="4523" marB="0" anchor="ctr"/>
+                </a:tc>
+              </a:tr>
+              <a:tr h="349143">
+                <a:tc vMerge="1">
+                  <a:txBody>
+                    <a:bodyPr/>
+                    <a:lstStyle/>
+                    <a:p>
+                      <a:pPr latinLnBrk="1"/>
+                      <a:endParaRPr lang="ko-KR" altLang="en-US"/>
+                    </a:p>
+                  </a:txBody>
+                  <a:tcPr/>
+                </a:tc>
+                <a:tc rowSpan="3">
+                  <a:txBody>
+                    <a:bodyPr/>
+                    <a:lstStyle/>
+                    <a:p>
+                      <a:pPr algn="ctr" fontAlgn="ctr"/>
+                      <a:r>
+                        <a:rPr lang="ko-KR" altLang="en-US" sz="700" u="none" strike="noStrike" dirty="0">
+                          <a:effectLst/>
+                        </a:rPr>
+                        <a:t>회원 기능</a:t>
+                      </a:r>
+                      <a:endParaRPr lang="ko-KR" altLang="en-US" sz="700" b="0" i="0" u="none" strike="noStrike" dirty="0">
+                        <a:solidFill>
+                          <a:srgbClr val="000000"/>
+                        </a:solidFill>
+                        <a:effectLst/>
+                        <a:latin typeface="맑은 고딕" panose="020B0503020000020004" pitchFamily="50" charset="-127"/>
+                        <a:ea typeface="맑은 고딕" panose="020B0503020000020004" pitchFamily="50" charset="-127"/>
+                      </a:endParaRPr>
+                    </a:p>
+                  </a:txBody>
+                  <a:tcPr marL="4523" marR="4523" marT="4523" marB="0" anchor="ctr"/>
+                </a:tc>
+                <a:tc>
+                  <a:txBody>
+                    <a:bodyPr/>
+                    <a:lstStyle/>
+                    <a:p>
+                      <a:pPr algn="ctr" fontAlgn="ctr"/>
+                      <a:r>
+                        <a:rPr lang="ko-KR" altLang="en-US" sz="700" u="none" strike="noStrike" dirty="0">
+                          <a:effectLst/>
+                        </a:rPr>
+                        <a:t>회원가입</a:t>
+                      </a:r>
+                      <a:endParaRPr lang="ko-KR" altLang="en-US" sz="700" b="0" i="0" u="none" strike="noStrike" dirty="0">
+                        <a:solidFill>
+                          <a:srgbClr val="000000"/>
+                        </a:solidFill>
+                        <a:effectLst/>
+                        <a:latin typeface="맑은 고딕" panose="020B0503020000020004" pitchFamily="50" charset="-127"/>
+                        <a:ea typeface="맑은 고딕" panose="020B0503020000020004" pitchFamily="50" charset="-127"/>
+                      </a:endParaRPr>
+                    </a:p>
+                  </a:txBody>
+                  <a:tcPr marL="4523" marR="4523" marT="4523" marB="0" anchor="ctr"/>
+                </a:tc>
+                <a:tc>
+                  <a:txBody>
+                    <a:bodyPr/>
+                    <a:lstStyle/>
+                    <a:p>
+                      <a:pPr algn="ctr" fontAlgn="ctr"/>
+                      <a:r>
+                        <a:rPr lang="ko-KR" altLang="en-US" sz="700" u="none" strike="noStrike">
+                          <a:effectLst/>
+                        </a:rPr>
+                        <a:t>통합 아이디로 구성하여 판매와 구매 기능이 가능하게 함</a:t>
+                      </a:r>
+                      <a:endParaRPr lang="ko-KR" altLang="en-US" sz="700" b="0" i="0" u="none" strike="noStrike">
+                        <a:solidFill>
+                          <a:srgbClr val="000000"/>
+                        </a:solidFill>
+                        <a:effectLst/>
+                        <a:latin typeface="맑은 고딕" panose="020B0503020000020004" pitchFamily="50" charset="-127"/>
+                        <a:ea typeface="맑은 고딕" panose="020B0503020000020004" pitchFamily="50" charset="-127"/>
+                      </a:endParaRPr>
+                    </a:p>
+                  </a:txBody>
+                  <a:tcPr marL="4523" marR="4523" marT="4523" marB="0" anchor="ctr"/>
+                </a:tc>
+                <a:tc>
+                  <a:txBody>
+                    <a:bodyPr/>
+                    <a:lstStyle/>
+                    <a:p>
+                      <a:pPr algn="ctr" fontAlgn="ctr"/>
+                      <a:r>
+                        <a:rPr lang="ko-KR" altLang="en-US" sz="700" u="none" strike="noStrike">
+                          <a:effectLst/>
+                        </a:rPr>
+                        <a:t>페이스북</a:t>
+                      </a:r>
+                      <a:r>
+                        <a:rPr lang="en-US" altLang="ko-KR" sz="700" u="none" strike="noStrike">
+                          <a:effectLst/>
+                        </a:rPr>
+                        <a:t>, </a:t>
+                      </a:r>
+                      <a:r>
+                        <a:rPr lang="ko-KR" altLang="en-US" sz="700" u="none" strike="noStrike">
+                          <a:effectLst/>
+                        </a:rPr>
+                        <a:t>구글</a:t>
+                      </a:r>
+                      <a:r>
+                        <a:rPr lang="en-US" altLang="ko-KR" sz="700" u="none" strike="noStrike">
+                          <a:effectLst/>
+                        </a:rPr>
+                        <a:t>+ </a:t>
+                      </a:r>
+                      <a:r>
+                        <a:rPr lang="ko-KR" altLang="en-US" sz="700" u="none" strike="noStrike">
+                          <a:effectLst/>
+                        </a:rPr>
+                        <a:t>가입 </a:t>
+                      </a:r>
+                      <a:r>
+                        <a:rPr lang="en-US" altLang="ko-KR" sz="700" u="none" strike="noStrike">
+                          <a:effectLst/>
+                        </a:rPr>
+                        <a:t>api </a:t>
+                      </a:r>
+                      <a:r>
+                        <a:rPr lang="ko-KR" altLang="en-US" sz="700" u="none" strike="noStrike">
+                          <a:effectLst/>
+                        </a:rPr>
+                        <a:t>제공</a:t>
+                      </a:r>
+                      <a:endParaRPr lang="ko-KR" altLang="en-US" sz="700" b="0" i="0" u="none" strike="noStrike">
+                        <a:solidFill>
+                          <a:srgbClr val="000000"/>
+                        </a:solidFill>
+                        <a:effectLst/>
+                        <a:latin typeface="맑은 고딕" panose="020B0503020000020004" pitchFamily="50" charset="-127"/>
+                        <a:ea typeface="맑은 고딕" panose="020B0503020000020004" pitchFamily="50" charset="-127"/>
+                      </a:endParaRPr>
+                    </a:p>
+                  </a:txBody>
+                  <a:tcPr marL="4523" marR="4523" marT="4523" marB="0" anchor="ctr"/>
+                </a:tc>
+              </a:tr>
+              <a:tr h="174571">
+                <a:tc vMerge="1">
+                  <a:txBody>
+                    <a:bodyPr/>
+                    <a:lstStyle/>
+                    <a:p>
+                      <a:pPr latinLnBrk="1"/>
+                      <a:endParaRPr lang="ko-KR" altLang="en-US"/>
+                    </a:p>
+                  </a:txBody>
+                  <a:tcPr/>
+                </a:tc>
+                <a:tc vMerge="1">
+                  <a:txBody>
+                    <a:bodyPr/>
+                    <a:lstStyle/>
+                    <a:p>
+                      <a:pPr latinLnBrk="1"/>
+                      <a:endParaRPr lang="ko-KR" altLang="en-US"/>
+                    </a:p>
+                  </a:txBody>
+                  <a:tcPr/>
+                </a:tc>
+                <a:tc>
+                  <a:txBody>
+                    <a:bodyPr/>
+                    <a:lstStyle/>
+                    <a:p>
+                      <a:pPr algn="ctr" fontAlgn="ctr"/>
+                      <a:r>
+                        <a:rPr lang="ko-KR" altLang="en-US" sz="700" u="none" strike="noStrike">
+                          <a:effectLst/>
+                        </a:rPr>
+                        <a:t>로그인</a:t>
+                      </a:r>
+                      <a:endParaRPr lang="ko-KR" altLang="en-US" sz="700" b="0" i="0" u="none" strike="noStrike">
+                        <a:solidFill>
+                          <a:srgbClr val="000000"/>
+                        </a:solidFill>
+                        <a:effectLst/>
+                        <a:latin typeface="맑은 고딕" panose="020B0503020000020004" pitchFamily="50" charset="-127"/>
+                        <a:ea typeface="맑은 고딕" panose="020B0503020000020004" pitchFamily="50" charset="-127"/>
+                      </a:endParaRPr>
+                    </a:p>
+                  </a:txBody>
+                  <a:tcPr marL="4523" marR="4523" marT="4523" marB="0" anchor="ctr"/>
+                </a:tc>
+                <a:tc>
+                  <a:txBody>
+                    <a:bodyPr/>
+                    <a:lstStyle/>
+                    <a:p>
+                      <a:pPr algn="ctr" fontAlgn="ctr"/>
+                      <a:r>
+                        <a:rPr lang="ko-KR" altLang="en-US" sz="700" u="none" strike="noStrike">
+                          <a:effectLst/>
+                        </a:rPr>
+                        <a:t>가입한 아이디와 비밀번호로 로그인</a:t>
+                      </a:r>
+                      <a:endParaRPr lang="ko-KR" altLang="en-US" sz="700" b="0" i="0" u="none" strike="noStrike">
+                        <a:solidFill>
+                          <a:srgbClr val="000000"/>
+                        </a:solidFill>
+                        <a:effectLst/>
+                        <a:latin typeface="맑은 고딕" panose="020B0503020000020004" pitchFamily="50" charset="-127"/>
+                        <a:ea typeface="맑은 고딕" panose="020B0503020000020004" pitchFamily="50" charset="-127"/>
+                      </a:endParaRPr>
+                    </a:p>
+                  </a:txBody>
+                  <a:tcPr marL="4523" marR="4523" marT="4523" marB="0" anchor="ctr"/>
+                </a:tc>
+                <a:tc>
+                  <a:txBody>
+                    <a:bodyPr/>
+                    <a:lstStyle/>
+                    <a:p>
+                      <a:pPr algn="ctr" fontAlgn="ctr"/>
+                      <a:r>
+                        <a:rPr lang="ko-KR" altLang="en-US" sz="700" u="none" strike="noStrike">
+                          <a:effectLst/>
+                        </a:rPr>
+                        <a:t>　</a:t>
+                      </a:r>
+                      <a:endParaRPr lang="ko-KR" altLang="en-US" sz="700" b="0" i="0" u="none" strike="noStrike">
+                        <a:solidFill>
+                          <a:srgbClr val="000000"/>
+                        </a:solidFill>
+                        <a:effectLst/>
+                        <a:latin typeface="맑은 고딕" panose="020B0503020000020004" pitchFamily="50" charset="-127"/>
+                        <a:ea typeface="맑은 고딕" panose="020B0503020000020004" pitchFamily="50" charset="-127"/>
+                      </a:endParaRPr>
+                    </a:p>
+                  </a:txBody>
+                  <a:tcPr marL="4523" marR="4523" marT="4523" marB="0" anchor="ctr"/>
+                </a:tc>
+              </a:tr>
+              <a:tr h="174571">
+                <a:tc vMerge="1">
+                  <a:txBody>
+                    <a:bodyPr/>
+                    <a:lstStyle/>
+                    <a:p>
+                      <a:pPr latinLnBrk="1"/>
+                      <a:endParaRPr lang="ko-KR" altLang="en-US"/>
+                    </a:p>
+                  </a:txBody>
+                  <a:tcPr/>
+                </a:tc>
+                <a:tc vMerge="1">
+                  <a:txBody>
+                    <a:bodyPr/>
+                    <a:lstStyle/>
+                    <a:p>
+                      <a:pPr latinLnBrk="1"/>
+                      <a:endParaRPr lang="ko-KR" altLang="en-US"/>
+                    </a:p>
+                  </a:txBody>
+                  <a:tcPr/>
+                </a:tc>
+                <a:tc>
+                  <a:txBody>
+                    <a:bodyPr/>
+                    <a:lstStyle/>
+                    <a:p>
+                      <a:pPr algn="ctr" fontAlgn="ctr"/>
+                      <a:r>
+                        <a:rPr lang="ko-KR" altLang="en-US" sz="700" u="none" strike="noStrike">
+                          <a:effectLst/>
+                        </a:rPr>
+                        <a:t>비밀번호 찾기</a:t>
+                      </a:r>
+                      <a:endParaRPr lang="ko-KR" altLang="en-US" sz="700" b="0" i="0" u="none" strike="noStrike">
+                        <a:solidFill>
+                          <a:srgbClr val="000000"/>
+                        </a:solidFill>
+                        <a:effectLst/>
+                        <a:latin typeface="맑은 고딕" panose="020B0503020000020004" pitchFamily="50" charset="-127"/>
+                        <a:ea typeface="맑은 고딕" panose="020B0503020000020004" pitchFamily="50" charset="-127"/>
+                      </a:endParaRPr>
+                    </a:p>
+                  </a:txBody>
+                  <a:tcPr marL="4523" marR="4523" marT="4523" marB="0" anchor="ctr"/>
+                </a:tc>
+                <a:tc>
+                  <a:txBody>
+                    <a:bodyPr/>
+                    <a:lstStyle/>
+                    <a:p>
+                      <a:pPr algn="ctr" fontAlgn="ctr"/>
+                      <a:r>
+                        <a:rPr lang="ko-KR" altLang="en-US" sz="700" u="none" strike="noStrike">
+                          <a:effectLst/>
+                        </a:rPr>
+                        <a:t>이메일을 통해 비밀번호 찾기 지원</a:t>
+                      </a:r>
+                      <a:endParaRPr lang="ko-KR" altLang="en-US" sz="700" b="0" i="0" u="none" strike="noStrike">
+                        <a:solidFill>
+                          <a:srgbClr val="000000"/>
+                        </a:solidFill>
+                        <a:effectLst/>
+                        <a:latin typeface="맑은 고딕" panose="020B0503020000020004" pitchFamily="50" charset="-127"/>
+                        <a:ea typeface="맑은 고딕" panose="020B0503020000020004" pitchFamily="50" charset="-127"/>
+                      </a:endParaRPr>
+                    </a:p>
+                  </a:txBody>
+                  <a:tcPr marL="4523" marR="4523" marT="4523" marB="0" anchor="ctr"/>
+                </a:tc>
+                <a:tc>
+                  <a:txBody>
+                    <a:bodyPr/>
+                    <a:lstStyle/>
+                    <a:p>
+                      <a:pPr algn="ctr" fontAlgn="ctr"/>
+                      <a:r>
+                        <a:rPr lang="ko-KR" altLang="en-US" sz="700" u="none" strike="noStrike">
+                          <a:effectLst/>
+                        </a:rPr>
+                        <a:t>무작위 비밀번호 생성 후 이메일 발송</a:t>
+                      </a:r>
+                      <a:endParaRPr lang="ko-KR" altLang="en-US" sz="700" b="0" i="0" u="none" strike="noStrike">
+                        <a:solidFill>
+                          <a:srgbClr val="000000"/>
+                        </a:solidFill>
+                        <a:effectLst/>
+                        <a:latin typeface="맑은 고딕" panose="020B0503020000020004" pitchFamily="50" charset="-127"/>
+                        <a:ea typeface="맑은 고딕" panose="020B0503020000020004" pitchFamily="50" charset="-127"/>
+                      </a:endParaRPr>
+                    </a:p>
+                  </a:txBody>
+                  <a:tcPr marL="4523" marR="4523" marT="4523" marB="0" anchor="ctr"/>
+                </a:tc>
+              </a:tr>
+              <a:tr h="174571">
+                <a:tc vMerge="1">
+                  <a:txBody>
+                    <a:bodyPr/>
+                    <a:lstStyle/>
+                    <a:p>
+                      <a:pPr latinLnBrk="1"/>
+                      <a:endParaRPr lang="ko-KR" altLang="en-US"/>
+                    </a:p>
+                  </a:txBody>
+                  <a:tcPr/>
+                </a:tc>
+                <a:tc rowSpan="5">
+                  <a:txBody>
+                    <a:bodyPr/>
+                    <a:lstStyle/>
+                    <a:p>
+                      <a:pPr algn="ctr" fontAlgn="ctr"/>
+                      <a:r>
+                        <a:rPr lang="ko-KR" altLang="en-US" sz="700" u="none" strike="noStrike" dirty="0">
+                          <a:effectLst/>
+                        </a:rPr>
+                        <a:t>마이 페이지</a:t>
+                      </a:r>
+                      <a:endParaRPr lang="ko-KR" altLang="en-US" sz="700" b="0" i="0" u="none" strike="noStrike" dirty="0">
+                        <a:solidFill>
+                          <a:srgbClr val="000000"/>
+                        </a:solidFill>
+                        <a:effectLst/>
+                        <a:latin typeface="맑은 고딕" panose="020B0503020000020004" pitchFamily="50" charset="-127"/>
+                        <a:ea typeface="맑은 고딕" panose="020B0503020000020004" pitchFamily="50" charset="-127"/>
+                      </a:endParaRPr>
+                    </a:p>
+                  </a:txBody>
+                  <a:tcPr marL="4523" marR="4523" marT="4523" marB="0" anchor="ctr"/>
+                </a:tc>
+                <a:tc>
+                  <a:txBody>
+                    <a:bodyPr/>
+                    <a:lstStyle/>
+                    <a:p>
+                      <a:pPr algn="ctr" fontAlgn="ctr"/>
+                      <a:r>
+                        <a:rPr lang="ko-KR" altLang="en-US" sz="700" u="none" strike="noStrike">
+                          <a:effectLst/>
+                        </a:rPr>
+                        <a:t>개인정보 관리</a:t>
+                      </a:r>
+                      <a:endParaRPr lang="ko-KR" altLang="en-US" sz="700" b="0" i="0" u="none" strike="noStrike">
+                        <a:solidFill>
+                          <a:srgbClr val="000000"/>
+                        </a:solidFill>
+                        <a:effectLst/>
+                        <a:latin typeface="맑은 고딕" panose="020B0503020000020004" pitchFamily="50" charset="-127"/>
+                        <a:ea typeface="맑은 고딕" panose="020B0503020000020004" pitchFamily="50" charset="-127"/>
+                      </a:endParaRPr>
+                    </a:p>
+                  </a:txBody>
+                  <a:tcPr marL="4523" marR="4523" marT="4523" marB="0" anchor="ctr"/>
+                </a:tc>
+                <a:tc>
+                  <a:txBody>
+                    <a:bodyPr/>
+                    <a:lstStyle/>
+                    <a:p>
+                      <a:pPr algn="ctr" fontAlgn="ctr"/>
+                      <a:r>
+                        <a:rPr lang="ko-KR" altLang="en-US" sz="700" u="none" strike="noStrike">
+                          <a:effectLst/>
+                        </a:rPr>
+                        <a:t>개인 정보 조회 및 관리</a:t>
+                      </a:r>
+                      <a:endParaRPr lang="ko-KR" altLang="en-US" sz="700" b="0" i="0" u="none" strike="noStrike">
+                        <a:solidFill>
+                          <a:srgbClr val="000000"/>
+                        </a:solidFill>
+                        <a:effectLst/>
+                        <a:latin typeface="맑은 고딕" panose="020B0503020000020004" pitchFamily="50" charset="-127"/>
+                        <a:ea typeface="맑은 고딕" panose="020B0503020000020004" pitchFamily="50" charset="-127"/>
+                      </a:endParaRPr>
+                    </a:p>
+                  </a:txBody>
+                  <a:tcPr marL="4523" marR="4523" marT="4523" marB="0" anchor="ctr"/>
+                </a:tc>
+                <a:tc>
+                  <a:txBody>
+                    <a:bodyPr/>
+                    <a:lstStyle/>
+                    <a:p>
+                      <a:pPr algn="ctr" fontAlgn="ctr"/>
+                      <a:r>
+                        <a:rPr lang="ko-KR" altLang="en-US" sz="700" u="none" strike="noStrike">
+                          <a:effectLst/>
+                        </a:rPr>
+                        <a:t>개인 정보 조회</a:t>
+                      </a:r>
+                      <a:r>
+                        <a:rPr lang="en-US" altLang="ko-KR" sz="700" u="none" strike="noStrike">
+                          <a:effectLst/>
+                        </a:rPr>
+                        <a:t>, </a:t>
+                      </a:r>
+                      <a:r>
+                        <a:rPr lang="ko-KR" altLang="en-US" sz="700" u="none" strike="noStrike">
+                          <a:effectLst/>
+                        </a:rPr>
+                        <a:t>회원 정보 수정</a:t>
+                      </a:r>
+                      <a:endParaRPr lang="ko-KR" altLang="en-US" sz="700" b="0" i="0" u="none" strike="noStrike">
+                        <a:solidFill>
+                          <a:srgbClr val="000000"/>
+                        </a:solidFill>
+                        <a:effectLst/>
+                        <a:latin typeface="맑은 고딕" panose="020B0503020000020004" pitchFamily="50" charset="-127"/>
+                        <a:ea typeface="맑은 고딕" panose="020B0503020000020004" pitchFamily="50" charset="-127"/>
+                      </a:endParaRPr>
+                    </a:p>
+                  </a:txBody>
+                  <a:tcPr marL="4523" marR="4523" marT="4523" marB="0" anchor="ctr"/>
+                </a:tc>
+              </a:tr>
+              <a:tr h="174571">
+                <a:tc vMerge="1">
+                  <a:txBody>
+                    <a:bodyPr/>
+                    <a:lstStyle/>
+                    <a:p>
+                      <a:pPr latinLnBrk="1"/>
+                      <a:endParaRPr lang="ko-KR" altLang="en-US"/>
+                    </a:p>
+                  </a:txBody>
+                  <a:tcPr/>
+                </a:tc>
+                <a:tc vMerge="1">
+                  <a:txBody>
+                    <a:bodyPr/>
+                    <a:lstStyle/>
+                    <a:p>
+                      <a:pPr latinLnBrk="1"/>
+                      <a:endParaRPr lang="ko-KR" altLang="en-US"/>
+                    </a:p>
+                  </a:txBody>
+                  <a:tcPr/>
+                </a:tc>
+                <a:tc>
+                  <a:txBody>
+                    <a:bodyPr/>
+                    <a:lstStyle/>
+                    <a:p>
+                      <a:pPr algn="ctr" fontAlgn="ctr"/>
+                      <a:r>
+                        <a:rPr lang="ko-KR" altLang="en-US" sz="700" u="none" strike="noStrike">
+                          <a:effectLst/>
+                        </a:rPr>
+                        <a:t>카테고리 관리</a:t>
+                      </a:r>
+                      <a:endParaRPr lang="ko-KR" altLang="en-US" sz="700" b="0" i="0" u="none" strike="noStrike">
+                        <a:solidFill>
+                          <a:srgbClr val="000000"/>
+                        </a:solidFill>
+                        <a:effectLst/>
+                        <a:latin typeface="맑은 고딕" panose="020B0503020000020004" pitchFamily="50" charset="-127"/>
+                        <a:ea typeface="맑은 고딕" panose="020B0503020000020004" pitchFamily="50" charset="-127"/>
+                      </a:endParaRPr>
+                    </a:p>
+                  </a:txBody>
+                  <a:tcPr marL="4523" marR="4523" marT="4523" marB="0" anchor="ctr"/>
+                </a:tc>
+                <a:tc>
+                  <a:txBody>
+                    <a:bodyPr/>
+                    <a:lstStyle/>
+                    <a:p>
+                      <a:pPr algn="ctr" fontAlgn="ctr"/>
+                      <a:r>
+                        <a:rPr lang="ko-KR" altLang="en-US" sz="700" u="none" strike="noStrike">
+                          <a:effectLst/>
+                        </a:rPr>
+                        <a:t>주로 사용하는 카테고리 설정</a:t>
+                      </a:r>
+                      <a:r>
+                        <a:rPr lang="en-US" altLang="ko-KR" sz="700" u="none" strike="noStrike">
+                          <a:effectLst/>
+                        </a:rPr>
+                        <a:t>/</a:t>
+                      </a:r>
+                      <a:r>
+                        <a:rPr lang="ko-KR" altLang="en-US" sz="700" u="none" strike="noStrike">
+                          <a:effectLst/>
+                        </a:rPr>
+                        <a:t>삭제</a:t>
+                      </a:r>
+                      <a:endParaRPr lang="ko-KR" altLang="en-US" sz="700" b="0" i="0" u="none" strike="noStrike">
+                        <a:solidFill>
+                          <a:srgbClr val="000000"/>
+                        </a:solidFill>
+                        <a:effectLst/>
+                        <a:latin typeface="맑은 고딕" panose="020B0503020000020004" pitchFamily="50" charset="-127"/>
+                        <a:ea typeface="맑은 고딕" panose="020B0503020000020004" pitchFamily="50" charset="-127"/>
+                      </a:endParaRPr>
+                    </a:p>
+                  </a:txBody>
+                  <a:tcPr marL="4523" marR="4523" marT="4523" marB="0" anchor="ctr"/>
+                </a:tc>
+                <a:tc>
+                  <a:txBody>
+                    <a:bodyPr/>
+                    <a:lstStyle/>
+                    <a:p>
+                      <a:pPr algn="ctr" fontAlgn="ctr"/>
+                      <a:r>
+                        <a:rPr lang="ko-KR" altLang="en-US" sz="700" u="none" strike="noStrike">
+                          <a:effectLst/>
+                        </a:rPr>
+                        <a:t>카테고리 설정</a:t>
+                      </a:r>
+                      <a:r>
+                        <a:rPr lang="en-US" altLang="ko-KR" sz="700" u="none" strike="noStrike">
+                          <a:effectLst/>
+                        </a:rPr>
+                        <a:t>, </a:t>
+                      </a:r>
+                      <a:r>
+                        <a:rPr lang="ko-KR" altLang="en-US" sz="700" u="none" strike="noStrike">
+                          <a:effectLst/>
+                        </a:rPr>
+                        <a:t>삭제</a:t>
+                      </a:r>
+                      <a:endParaRPr lang="ko-KR" altLang="en-US" sz="700" b="0" i="0" u="none" strike="noStrike">
+                        <a:solidFill>
+                          <a:srgbClr val="000000"/>
+                        </a:solidFill>
+                        <a:effectLst/>
+                        <a:latin typeface="맑은 고딕" panose="020B0503020000020004" pitchFamily="50" charset="-127"/>
+                        <a:ea typeface="맑은 고딕" panose="020B0503020000020004" pitchFamily="50" charset="-127"/>
+                      </a:endParaRPr>
+                    </a:p>
+                  </a:txBody>
+                  <a:tcPr marL="4523" marR="4523" marT="4523" marB="0" anchor="ctr"/>
+                </a:tc>
+              </a:tr>
+              <a:tr h="349143">
+                <a:tc vMerge="1">
+                  <a:txBody>
+                    <a:bodyPr/>
+                    <a:lstStyle/>
+                    <a:p>
+                      <a:pPr latinLnBrk="1"/>
+                      <a:endParaRPr lang="ko-KR" altLang="en-US"/>
+                    </a:p>
+                  </a:txBody>
+                  <a:tcPr/>
+                </a:tc>
+                <a:tc vMerge="1">
+                  <a:txBody>
+                    <a:bodyPr/>
+                    <a:lstStyle/>
+                    <a:p>
+                      <a:pPr latinLnBrk="1"/>
+                      <a:endParaRPr lang="ko-KR" altLang="en-US"/>
+                    </a:p>
+                  </a:txBody>
+                  <a:tcPr/>
+                </a:tc>
+                <a:tc>
+                  <a:txBody>
+                    <a:bodyPr/>
+                    <a:lstStyle/>
+                    <a:p>
+                      <a:pPr algn="ctr" fontAlgn="ctr"/>
+                      <a:r>
+                        <a:rPr lang="ko-KR" altLang="en-US" sz="700" u="none" strike="noStrike">
+                          <a:effectLst/>
+                        </a:rPr>
+                        <a:t>등록한 상품 관리</a:t>
+                      </a:r>
+                      <a:endParaRPr lang="ko-KR" altLang="en-US" sz="700" b="0" i="0" u="none" strike="noStrike">
+                        <a:solidFill>
+                          <a:srgbClr val="000000"/>
+                        </a:solidFill>
+                        <a:effectLst/>
+                        <a:latin typeface="맑은 고딕" panose="020B0503020000020004" pitchFamily="50" charset="-127"/>
+                        <a:ea typeface="맑은 고딕" panose="020B0503020000020004" pitchFamily="50" charset="-127"/>
+                      </a:endParaRPr>
+                    </a:p>
+                  </a:txBody>
+                  <a:tcPr marL="4523" marR="4523" marT="4523" marB="0" anchor="ctr"/>
+                </a:tc>
+                <a:tc>
+                  <a:txBody>
+                    <a:bodyPr/>
+                    <a:lstStyle/>
+                    <a:p>
+                      <a:pPr algn="ctr" fontAlgn="ctr"/>
+                      <a:r>
+                        <a:rPr lang="ko-KR" altLang="en-US" sz="700" u="none" strike="noStrike">
+                          <a:effectLst/>
+                        </a:rPr>
+                        <a:t>유저가 작성한 게시물 조회 및 관리</a:t>
+                      </a:r>
+                      <a:endParaRPr lang="ko-KR" altLang="en-US" sz="700" b="0" i="0" u="none" strike="noStrike">
+                        <a:solidFill>
+                          <a:srgbClr val="000000"/>
+                        </a:solidFill>
+                        <a:effectLst/>
+                        <a:latin typeface="맑은 고딕" panose="020B0503020000020004" pitchFamily="50" charset="-127"/>
+                        <a:ea typeface="맑은 고딕" panose="020B0503020000020004" pitchFamily="50" charset="-127"/>
+                      </a:endParaRPr>
+                    </a:p>
+                  </a:txBody>
+                  <a:tcPr marL="4523" marR="4523" marT="4523" marB="0" anchor="ctr"/>
+                </a:tc>
+                <a:tc>
+                  <a:txBody>
+                    <a:bodyPr/>
+                    <a:lstStyle/>
+                    <a:p>
+                      <a:pPr algn="ctr" fontAlgn="ctr"/>
+                      <a:r>
+                        <a:rPr lang="ko-KR" altLang="en-US" sz="700" u="none" strike="noStrike">
+                          <a:effectLst/>
+                        </a:rPr>
+                        <a:t>게시물 리스트 조회</a:t>
+                      </a:r>
+                      <a:r>
+                        <a:rPr lang="en-US" altLang="ko-KR" sz="700" u="none" strike="noStrike">
+                          <a:effectLst/>
+                        </a:rPr>
+                        <a:t>, </a:t>
+                      </a:r>
+                      <a:r>
+                        <a:rPr lang="ko-KR" altLang="en-US" sz="700" u="none" strike="noStrike">
+                          <a:effectLst/>
+                        </a:rPr>
+                        <a:t>게시물 상세 정보로 이동</a:t>
+                      </a:r>
+                      <a:r>
+                        <a:rPr lang="en-US" altLang="ko-KR" sz="700" u="none" strike="noStrike">
+                          <a:effectLst/>
+                        </a:rPr>
+                        <a:t>, </a:t>
+                      </a:r>
+                      <a:r>
+                        <a:rPr lang="ko-KR" altLang="en-US" sz="700" u="none" strike="noStrike">
+                          <a:effectLst/>
+                        </a:rPr>
+                        <a:t>게시물 수정 및 삭제</a:t>
+                      </a:r>
+                      <a:endParaRPr lang="ko-KR" altLang="en-US" sz="700" b="0" i="0" u="none" strike="noStrike">
+                        <a:solidFill>
+                          <a:srgbClr val="000000"/>
+                        </a:solidFill>
+                        <a:effectLst/>
+                        <a:latin typeface="맑은 고딕" panose="020B0503020000020004" pitchFamily="50" charset="-127"/>
+                        <a:ea typeface="맑은 고딕" panose="020B0503020000020004" pitchFamily="50" charset="-127"/>
+                      </a:endParaRPr>
+                    </a:p>
+                  </a:txBody>
+                  <a:tcPr marL="4523" marR="4523" marT="4523" marB="0" anchor="ctr"/>
+                </a:tc>
+              </a:tr>
+              <a:tr h="289969">
+                <a:tc vMerge="1">
+                  <a:txBody>
+                    <a:bodyPr/>
+                    <a:lstStyle/>
+                    <a:p>
+                      <a:pPr latinLnBrk="1"/>
+                      <a:endParaRPr lang="ko-KR" altLang="en-US"/>
+                    </a:p>
+                  </a:txBody>
+                  <a:tcPr/>
+                </a:tc>
+                <a:tc vMerge="1">
+                  <a:txBody>
+                    <a:bodyPr/>
+                    <a:lstStyle/>
+                    <a:p>
+                      <a:pPr latinLnBrk="1"/>
+                      <a:endParaRPr lang="ko-KR" altLang="en-US"/>
+                    </a:p>
+                  </a:txBody>
+                  <a:tcPr/>
+                </a:tc>
+                <a:tc>
+                  <a:txBody>
+                    <a:bodyPr/>
+                    <a:lstStyle/>
+                    <a:p>
+                      <a:pPr algn="ctr" fontAlgn="ctr"/>
+                      <a:r>
+                        <a:rPr lang="ko-KR" altLang="en-US" sz="700" u="none" strike="noStrike">
+                          <a:effectLst/>
+                        </a:rPr>
+                        <a:t>등록한 글 관리</a:t>
+                      </a:r>
+                      <a:endParaRPr lang="ko-KR" altLang="en-US" sz="700" b="0" i="0" u="none" strike="noStrike">
+                        <a:solidFill>
+                          <a:srgbClr val="000000"/>
+                        </a:solidFill>
+                        <a:effectLst/>
+                        <a:latin typeface="맑은 고딕" panose="020B0503020000020004" pitchFamily="50" charset="-127"/>
+                        <a:ea typeface="맑은 고딕" panose="020B0503020000020004" pitchFamily="50" charset="-127"/>
+                      </a:endParaRPr>
+                    </a:p>
+                  </a:txBody>
+                  <a:tcPr marL="4523" marR="4523" marT="4523" marB="0" anchor="ctr"/>
+                </a:tc>
+                <a:tc>
+                  <a:txBody>
+                    <a:bodyPr/>
+                    <a:lstStyle/>
+                    <a:p>
+                      <a:pPr algn="ctr" fontAlgn="ctr"/>
+                      <a:r>
+                        <a:rPr lang="ko-KR" altLang="en-US" sz="700" u="none" strike="noStrike">
+                          <a:effectLst/>
+                        </a:rPr>
+                        <a:t>유저가 작성한 글 조회 및 관리</a:t>
+                      </a:r>
+                      <a:endParaRPr lang="ko-KR" altLang="en-US" sz="700" b="0" i="0" u="none" strike="noStrike">
+                        <a:solidFill>
+                          <a:srgbClr val="000000"/>
+                        </a:solidFill>
+                        <a:effectLst/>
+                        <a:latin typeface="맑은 고딕" panose="020B0503020000020004" pitchFamily="50" charset="-127"/>
+                        <a:ea typeface="맑은 고딕" panose="020B0503020000020004" pitchFamily="50" charset="-127"/>
+                      </a:endParaRPr>
+                    </a:p>
+                  </a:txBody>
+                  <a:tcPr marL="4523" marR="4523" marT="4523" marB="0" anchor="ctr"/>
+                </a:tc>
+                <a:tc>
+                  <a:txBody>
+                    <a:bodyPr/>
+                    <a:lstStyle/>
+                    <a:p>
+                      <a:pPr algn="ctr" fontAlgn="ctr"/>
+                      <a:r>
+                        <a:rPr lang="ko-KR" altLang="en-US" sz="700" u="none" strike="noStrike">
+                          <a:effectLst/>
+                        </a:rPr>
+                        <a:t>작성글 리스트 조회</a:t>
+                      </a:r>
+                      <a:r>
+                        <a:rPr lang="en-US" altLang="ko-KR" sz="700" u="none" strike="noStrike">
+                          <a:effectLst/>
+                        </a:rPr>
+                        <a:t>, </a:t>
+                      </a:r>
+                      <a:r>
+                        <a:rPr lang="ko-KR" altLang="en-US" sz="700" u="none" strike="noStrike">
+                          <a:effectLst/>
+                        </a:rPr>
+                        <a:t>글 상세 정보로 이동</a:t>
+                      </a:r>
+                      <a:r>
+                        <a:rPr lang="en-US" altLang="ko-KR" sz="700" u="none" strike="noStrike">
+                          <a:effectLst/>
+                        </a:rPr>
+                        <a:t>, </a:t>
+                      </a:r>
+                      <a:r>
+                        <a:rPr lang="ko-KR" altLang="en-US" sz="700" u="none" strike="noStrike">
+                          <a:effectLst/>
+                        </a:rPr>
+                        <a:t>글 수정 및 삭제</a:t>
+                      </a:r>
+                      <a:endParaRPr lang="ko-KR" altLang="en-US" sz="700" b="0" i="0" u="none" strike="noStrike">
+                        <a:solidFill>
+                          <a:srgbClr val="000000"/>
+                        </a:solidFill>
+                        <a:effectLst/>
+                        <a:latin typeface="맑은 고딕" panose="020B0503020000020004" pitchFamily="50" charset="-127"/>
+                        <a:ea typeface="맑은 고딕" panose="020B0503020000020004" pitchFamily="50" charset="-127"/>
+                      </a:endParaRPr>
+                    </a:p>
+                  </a:txBody>
+                  <a:tcPr marL="4523" marR="4523" marT="4523" marB="0" anchor="ctr"/>
+                </a:tc>
+              </a:tr>
+              <a:tr h="289969">
+                <a:tc vMerge="1">
+                  <a:txBody>
+                    <a:bodyPr/>
+                    <a:lstStyle/>
+                    <a:p>
+                      <a:pPr latinLnBrk="1"/>
+                      <a:endParaRPr lang="ko-KR" altLang="en-US"/>
+                    </a:p>
+                  </a:txBody>
+                  <a:tcPr/>
+                </a:tc>
+                <a:tc vMerge="1">
+                  <a:txBody>
+                    <a:bodyPr/>
+                    <a:lstStyle/>
+                    <a:p>
+                      <a:pPr latinLnBrk="1"/>
+                      <a:endParaRPr lang="ko-KR" altLang="en-US"/>
+                    </a:p>
+                  </a:txBody>
+                  <a:tcPr/>
+                </a:tc>
+                <a:tc>
+                  <a:txBody>
+                    <a:bodyPr/>
+                    <a:lstStyle/>
+                    <a:p>
+                      <a:pPr algn="ctr" fontAlgn="ctr"/>
+                      <a:r>
+                        <a:rPr lang="ko-KR" altLang="en-US" sz="700" u="none" strike="noStrike">
+                          <a:effectLst/>
+                        </a:rPr>
+                        <a:t>회원탈퇴</a:t>
+                      </a:r>
+                      <a:endParaRPr lang="ko-KR" altLang="en-US" sz="700" b="0" i="0" u="none" strike="noStrike">
+                        <a:solidFill>
+                          <a:srgbClr val="000000"/>
+                        </a:solidFill>
+                        <a:effectLst/>
+                        <a:latin typeface="맑은 고딕" panose="020B0503020000020004" pitchFamily="50" charset="-127"/>
+                        <a:ea typeface="맑은 고딕" panose="020B0503020000020004" pitchFamily="50" charset="-127"/>
+                      </a:endParaRPr>
+                    </a:p>
+                  </a:txBody>
+                  <a:tcPr marL="4523" marR="4523" marT="4523" marB="0" anchor="ctr"/>
+                </a:tc>
+                <a:tc>
+                  <a:txBody>
+                    <a:bodyPr/>
+                    <a:lstStyle/>
+                    <a:p>
+                      <a:pPr algn="ctr" fontAlgn="ctr"/>
+                      <a:r>
+                        <a:rPr lang="ko-KR" altLang="en-US" sz="700" u="none" strike="noStrike">
+                          <a:effectLst/>
+                        </a:rPr>
+                        <a:t>탈퇴 후 일부 정보를 제외하고 유저 정보 삭제</a:t>
+                      </a:r>
+                      <a:endParaRPr lang="ko-KR" altLang="en-US" sz="700" b="0" i="0" u="none" strike="noStrike">
+                        <a:solidFill>
+                          <a:srgbClr val="000000"/>
+                        </a:solidFill>
+                        <a:effectLst/>
+                        <a:latin typeface="맑은 고딕" panose="020B0503020000020004" pitchFamily="50" charset="-127"/>
+                        <a:ea typeface="맑은 고딕" panose="020B0503020000020004" pitchFamily="50" charset="-127"/>
+                      </a:endParaRPr>
+                    </a:p>
+                  </a:txBody>
+                  <a:tcPr marL="4523" marR="4523" marT="4523" marB="0" anchor="ctr"/>
+                </a:tc>
+                <a:tc>
+                  <a:txBody>
+                    <a:bodyPr/>
+                    <a:lstStyle/>
+                    <a:p>
+                      <a:pPr algn="ctr" fontAlgn="ctr"/>
+                      <a:r>
+                        <a:rPr lang="ko-KR" altLang="en-US" sz="700" u="none" strike="noStrike">
+                          <a:effectLst/>
+                        </a:rPr>
+                        <a:t>　</a:t>
+                      </a:r>
+                      <a:endParaRPr lang="ko-KR" altLang="en-US" sz="700" b="0" i="0" u="none" strike="noStrike">
+                        <a:solidFill>
+                          <a:srgbClr val="000000"/>
+                        </a:solidFill>
+                        <a:effectLst/>
+                        <a:latin typeface="맑은 고딕" panose="020B0503020000020004" pitchFamily="50" charset="-127"/>
+                        <a:ea typeface="맑은 고딕" panose="020B0503020000020004" pitchFamily="50" charset="-127"/>
+                      </a:endParaRPr>
+                    </a:p>
+                  </a:txBody>
+                  <a:tcPr marL="4523" marR="4523" marT="4523" marB="0" anchor="ctr"/>
+                </a:tc>
+              </a:tr>
+              <a:tr h="174571">
+                <a:tc vMerge="1">
+                  <a:txBody>
+                    <a:bodyPr/>
+                    <a:lstStyle/>
+                    <a:p>
+                      <a:pPr latinLnBrk="1"/>
+                      <a:endParaRPr lang="ko-KR" altLang="en-US"/>
+                    </a:p>
+                  </a:txBody>
+                  <a:tcPr/>
+                </a:tc>
+                <a:tc rowSpan="2">
+                  <a:txBody>
+                    <a:bodyPr/>
+                    <a:lstStyle/>
+                    <a:p>
+                      <a:pPr algn="ctr" fontAlgn="ctr"/>
+                      <a:r>
+                        <a:rPr lang="ko-KR" altLang="en-US" sz="700" u="none" strike="noStrike" dirty="0">
+                          <a:effectLst/>
+                        </a:rPr>
+                        <a:t>물품 등록</a:t>
+                      </a:r>
+                      <a:endParaRPr lang="ko-KR" altLang="en-US" sz="700" b="0" i="0" u="none" strike="noStrike" dirty="0">
+                        <a:solidFill>
+                          <a:srgbClr val="000000"/>
+                        </a:solidFill>
+                        <a:effectLst/>
+                        <a:latin typeface="맑은 고딕" panose="020B0503020000020004" pitchFamily="50" charset="-127"/>
+                        <a:ea typeface="맑은 고딕" panose="020B0503020000020004" pitchFamily="50" charset="-127"/>
+                      </a:endParaRPr>
+                    </a:p>
+                  </a:txBody>
+                  <a:tcPr marL="4523" marR="4523" marT="4523" marB="0" anchor="ctr"/>
+                </a:tc>
+                <a:tc>
+                  <a:txBody>
+                    <a:bodyPr/>
+                    <a:lstStyle/>
+                    <a:p>
+                      <a:pPr algn="ctr" fontAlgn="ctr"/>
+                      <a:r>
+                        <a:rPr lang="ko-KR" altLang="en-US" sz="700" u="none" strike="noStrike">
+                          <a:effectLst/>
+                        </a:rPr>
+                        <a:t>사진 업로드</a:t>
+                      </a:r>
+                      <a:endParaRPr lang="ko-KR" altLang="en-US" sz="700" b="0" i="0" u="none" strike="noStrike">
+                        <a:solidFill>
+                          <a:srgbClr val="000000"/>
+                        </a:solidFill>
+                        <a:effectLst/>
+                        <a:latin typeface="맑은 고딕" panose="020B0503020000020004" pitchFamily="50" charset="-127"/>
+                        <a:ea typeface="맑은 고딕" panose="020B0503020000020004" pitchFamily="50" charset="-127"/>
+                      </a:endParaRPr>
+                    </a:p>
+                  </a:txBody>
+                  <a:tcPr marL="4523" marR="4523" marT="4523" marB="0" anchor="ctr"/>
+                </a:tc>
+                <a:tc>
+                  <a:txBody>
+                    <a:bodyPr/>
+                    <a:lstStyle/>
+                    <a:p>
+                      <a:pPr algn="ctr" fontAlgn="ctr"/>
+                      <a:r>
+                        <a:rPr lang="ko-KR" altLang="en-US" sz="700" u="none" strike="noStrike">
+                          <a:effectLst/>
+                        </a:rPr>
+                        <a:t>물품에 관련된 사진 복수 업로드</a:t>
+                      </a:r>
+                      <a:endParaRPr lang="ko-KR" altLang="en-US" sz="700" b="0" i="0" u="none" strike="noStrike">
+                        <a:solidFill>
+                          <a:srgbClr val="000000"/>
+                        </a:solidFill>
+                        <a:effectLst/>
+                        <a:latin typeface="맑은 고딕" panose="020B0503020000020004" pitchFamily="50" charset="-127"/>
+                        <a:ea typeface="맑은 고딕" panose="020B0503020000020004" pitchFamily="50" charset="-127"/>
+                      </a:endParaRPr>
+                    </a:p>
+                  </a:txBody>
+                  <a:tcPr marL="4523" marR="4523" marT="4523" marB="0" anchor="ctr"/>
+                </a:tc>
+                <a:tc>
+                  <a:txBody>
+                    <a:bodyPr/>
+                    <a:lstStyle/>
+                    <a:p>
+                      <a:pPr algn="ctr" fontAlgn="ctr"/>
+                      <a:r>
+                        <a:rPr lang="en-US" altLang="ko-KR" sz="700" u="none" strike="noStrike">
+                          <a:effectLst/>
+                        </a:rPr>
+                        <a:t>DB </a:t>
+                      </a:r>
+                      <a:r>
+                        <a:rPr lang="ko-KR" altLang="en-US" sz="700" u="none" strike="noStrike">
+                          <a:effectLst/>
+                        </a:rPr>
+                        <a:t>업로드시 리사이징</a:t>
+                      </a:r>
+                      <a:endParaRPr lang="ko-KR" altLang="en-US" sz="700" b="0" i="0" u="none" strike="noStrike">
+                        <a:solidFill>
+                          <a:srgbClr val="000000"/>
+                        </a:solidFill>
+                        <a:effectLst/>
+                        <a:latin typeface="맑은 고딕" panose="020B0503020000020004" pitchFamily="50" charset="-127"/>
+                        <a:ea typeface="맑은 고딕" panose="020B0503020000020004" pitchFamily="50" charset="-127"/>
+                      </a:endParaRPr>
+                    </a:p>
+                  </a:txBody>
+                  <a:tcPr marL="4523" marR="4523" marT="4523" marB="0" anchor="ctr"/>
+                </a:tc>
+              </a:tr>
+              <a:tr h="174571">
+                <a:tc vMerge="1">
+                  <a:txBody>
+                    <a:bodyPr/>
+                    <a:lstStyle/>
+                    <a:p>
+                      <a:pPr latinLnBrk="1"/>
+                      <a:endParaRPr lang="ko-KR" altLang="en-US"/>
+                    </a:p>
+                  </a:txBody>
+                  <a:tcPr/>
+                </a:tc>
+                <a:tc vMerge="1">
+                  <a:txBody>
+                    <a:bodyPr/>
+                    <a:lstStyle/>
+                    <a:p>
+                      <a:pPr latinLnBrk="1"/>
+                      <a:endParaRPr lang="ko-KR" altLang="en-US"/>
+                    </a:p>
+                  </a:txBody>
+                  <a:tcPr/>
+                </a:tc>
+                <a:tc>
+                  <a:txBody>
+                    <a:bodyPr/>
+                    <a:lstStyle/>
+                    <a:p>
+                      <a:pPr algn="ctr" fontAlgn="ctr"/>
+                      <a:r>
+                        <a:rPr lang="ko-KR" altLang="en-US" sz="700" u="none" strike="noStrike">
+                          <a:effectLst/>
+                        </a:rPr>
+                        <a:t>물품 상세 내용 입력</a:t>
+                      </a:r>
+                      <a:endParaRPr lang="ko-KR" altLang="en-US" sz="700" b="0" i="0" u="none" strike="noStrike">
+                        <a:solidFill>
+                          <a:srgbClr val="000000"/>
+                        </a:solidFill>
+                        <a:effectLst/>
+                        <a:latin typeface="맑은 고딕" panose="020B0503020000020004" pitchFamily="50" charset="-127"/>
+                        <a:ea typeface="맑은 고딕" panose="020B0503020000020004" pitchFamily="50" charset="-127"/>
+                      </a:endParaRPr>
+                    </a:p>
+                  </a:txBody>
+                  <a:tcPr marL="4523" marR="4523" marT="4523" marB="0" anchor="ctr"/>
+                </a:tc>
+                <a:tc>
+                  <a:txBody>
+                    <a:bodyPr/>
+                    <a:lstStyle/>
+                    <a:p>
+                      <a:pPr algn="ctr" fontAlgn="ctr"/>
+                      <a:r>
+                        <a:rPr lang="ko-KR" altLang="en-US" sz="700" u="none" strike="noStrike">
+                          <a:effectLst/>
+                        </a:rPr>
+                        <a:t>물품의 이름과 설명 등의 정보 입력</a:t>
+                      </a:r>
+                      <a:endParaRPr lang="ko-KR" altLang="en-US" sz="700" b="0" i="0" u="none" strike="noStrike">
+                        <a:solidFill>
+                          <a:srgbClr val="000000"/>
+                        </a:solidFill>
+                        <a:effectLst/>
+                        <a:latin typeface="맑은 고딕" panose="020B0503020000020004" pitchFamily="50" charset="-127"/>
+                        <a:ea typeface="맑은 고딕" panose="020B0503020000020004" pitchFamily="50" charset="-127"/>
+                      </a:endParaRPr>
+                    </a:p>
+                  </a:txBody>
+                  <a:tcPr marL="4523" marR="4523" marT="4523" marB="0" anchor="ctr"/>
+                </a:tc>
+                <a:tc>
+                  <a:txBody>
+                    <a:bodyPr/>
+                    <a:lstStyle/>
+                    <a:p>
+                      <a:pPr algn="ctr" fontAlgn="ctr"/>
+                      <a:r>
+                        <a:rPr lang="ko-KR" altLang="en-US" sz="700" u="none" strike="noStrike">
+                          <a:effectLst/>
+                        </a:rPr>
+                        <a:t>물품 정보 입력시 자동완성 기능 제공</a:t>
+                      </a:r>
+                      <a:endParaRPr lang="ko-KR" altLang="en-US" sz="700" b="0" i="0" u="none" strike="noStrike">
+                        <a:solidFill>
+                          <a:srgbClr val="000000"/>
+                        </a:solidFill>
+                        <a:effectLst/>
+                        <a:latin typeface="맑은 고딕" panose="020B0503020000020004" pitchFamily="50" charset="-127"/>
+                        <a:ea typeface="맑은 고딕" panose="020B0503020000020004" pitchFamily="50" charset="-127"/>
+                      </a:endParaRPr>
+                    </a:p>
+                  </a:txBody>
+                  <a:tcPr marL="4523" marR="4523" marT="4523" marB="0" anchor="ctr"/>
+                </a:tc>
+              </a:tr>
+              <a:tr h="349143">
+                <a:tc vMerge="1">
+                  <a:txBody>
+                    <a:bodyPr/>
+                    <a:lstStyle/>
+                    <a:p>
+                      <a:pPr latinLnBrk="1"/>
+                      <a:endParaRPr lang="ko-KR" altLang="en-US"/>
+                    </a:p>
+                  </a:txBody>
+                  <a:tcPr/>
+                </a:tc>
+                <a:tc>
+                  <a:txBody>
+                    <a:bodyPr/>
+                    <a:lstStyle/>
+                    <a:p>
+                      <a:pPr algn="ctr" fontAlgn="ctr"/>
+                      <a:r>
+                        <a:rPr lang="ko-KR" altLang="en-US" sz="700" u="none" strike="noStrike">
+                          <a:effectLst/>
+                        </a:rPr>
+                        <a:t>스크랩 모아보기</a:t>
+                      </a:r>
+                      <a:endParaRPr lang="ko-KR" altLang="en-US" sz="700" b="0" i="0" u="none" strike="noStrike">
+                        <a:solidFill>
+                          <a:srgbClr val="000000"/>
+                        </a:solidFill>
+                        <a:effectLst/>
+                        <a:latin typeface="맑은 고딕" panose="020B0503020000020004" pitchFamily="50" charset="-127"/>
+                        <a:ea typeface="맑은 고딕" panose="020B0503020000020004" pitchFamily="50" charset="-127"/>
+                      </a:endParaRPr>
+                    </a:p>
+                  </a:txBody>
+                  <a:tcPr marL="4523" marR="4523" marT="4523" marB="0" anchor="ctr"/>
+                </a:tc>
+                <a:tc>
+                  <a:txBody>
+                    <a:bodyPr/>
+                    <a:lstStyle/>
+                    <a:p>
+                      <a:pPr algn="ctr" fontAlgn="ctr"/>
+                      <a:r>
+                        <a:rPr lang="ko-KR" altLang="en-US" sz="700" u="none" strike="noStrike">
+                          <a:effectLst/>
+                        </a:rPr>
+                        <a:t>스크랩 된 게시물 목록 열람</a:t>
+                      </a:r>
+                      <a:endParaRPr lang="ko-KR" altLang="en-US" sz="700" b="0" i="0" u="none" strike="noStrike">
+                        <a:solidFill>
+                          <a:srgbClr val="000000"/>
+                        </a:solidFill>
+                        <a:effectLst/>
+                        <a:latin typeface="맑은 고딕" panose="020B0503020000020004" pitchFamily="50" charset="-127"/>
+                        <a:ea typeface="맑은 고딕" panose="020B0503020000020004" pitchFamily="50" charset="-127"/>
+                      </a:endParaRPr>
+                    </a:p>
+                  </a:txBody>
+                  <a:tcPr marL="4523" marR="4523" marT="4523" marB="0" anchor="ctr"/>
+                </a:tc>
+                <a:tc>
+                  <a:txBody>
+                    <a:bodyPr/>
+                    <a:lstStyle/>
+                    <a:p>
+                      <a:pPr algn="ctr" fontAlgn="ctr"/>
+                      <a:r>
+                        <a:rPr lang="ko-KR" altLang="en-US" sz="700" u="none" strike="noStrike">
+                          <a:effectLst/>
+                        </a:rPr>
+                        <a:t>이용자가 스크랩 한 게시물만 모아보기</a:t>
+                      </a:r>
+                      <a:endParaRPr lang="ko-KR" altLang="en-US" sz="700" b="0" i="0" u="none" strike="noStrike">
+                        <a:solidFill>
+                          <a:srgbClr val="000000"/>
+                        </a:solidFill>
+                        <a:effectLst/>
+                        <a:latin typeface="맑은 고딕" panose="020B0503020000020004" pitchFamily="50" charset="-127"/>
+                        <a:ea typeface="맑은 고딕" panose="020B0503020000020004" pitchFamily="50" charset="-127"/>
+                      </a:endParaRPr>
+                    </a:p>
+                  </a:txBody>
+                  <a:tcPr marL="4523" marR="4523" marT="4523" marB="0" anchor="ctr"/>
+                </a:tc>
+                <a:tc>
+                  <a:txBody>
+                    <a:bodyPr/>
+                    <a:lstStyle/>
+                    <a:p>
+                      <a:pPr algn="ctr" fontAlgn="ctr"/>
+                      <a:r>
+                        <a:rPr lang="ko-KR" altLang="en-US" sz="700" u="none" strike="noStrike">
+                          <a:effectLst/>
+                        </a:rPr>
+                        <a:t>게시물 상세보기</a:t>
+                      </a:r>
+                      <a:r>
+                        <a:rPr lang="en-US" altLang="ko-KR" sz="700" u="none" strike="noStrike">
+                          <a:effectLst/>
+                        </a:rPr>
+                        <a:t>, </a:t>
+                      </a:r>
+                      <a:r>
+                        <a:rPr lang="ko-KR" altLang="en-US" sz="700" u="none" strike="noStrike">
+                          <a:effectLst/>
+                        </a:rPr>
+                        <a:t>삭제하기</a:t>
+                      </a:r>
+                      <a:endParaRPr lang="ko-KR" altLang="en-US" sz="700" b="0" i="0" u="none" strike="noStrike">
+                        <a:solidFill>
+                          <a:srgbClr val="000000"/>
+                        </a:solidFill>
+                        <a:effectLst/>
+                        <a:latin typeface="맑은 고딕" panose="020B0503020000020004" pitchFamily="50" charset="-127"/>
+                        <a:ea typeface="맑은 고딕" panose="020B0503020000020004" pitchFamily="50" charset="-127"/>
+                      </a:endParaRPr>
+                    </a:p>
+                  </a:txBody>
+                  <a:tcPr marL="4523" marR="4523" marT="4523" marB="0" anchor="ctr"/>
+                </a:tc>
+              </a:tr>
+              <a:tr h="174571">
+                <a:tc vMerge="1">
+                  <a:txBody>
+                    <a:bodyPr/>
+                    <a:lstStyle/>
+                    <a:p>
+                      <a:pPr latinLnBrk="1"/>
+                      <a:endParaRPr lang="ko-KR" altLang="en-US"/>
+                    </a:p>
+                  </a:txBody>
+                  <a:tcPr/>
+                </a:tc>
+                <a:tc>
+                  <a:txBody>
+                    <a:bodyPr/>
+                    <a:lstStyle/>
+                    <a:p>
+                      <a:pPr algn="ctr" fontAlgn="ctr"/>
+                      <a:r>
+                        <a:rPr lang="ko-KR" altLang="en-US" sz="700" u="none" strike="noStrike">
+                          <a:effectLst/>
+                        </a:rPr>
+                        <a:t>카테고리 조회</a:t>
+                      </a:r>
+                      <a:endParaRPr lang="ko-KR" altLang="en-US" sz="700" b="0" i="0" u="none" strike="noStrike">
+                        <a:solidFill>
+                          <a:srgbClr val="000000"/>
+                        </a:solidFill>
+                        <a:effectLst/>
+                        <a:latin typeface="맑은 고딕" panose="020B0503020000020004" pitchFamily="50" charset="-127"/>
+                        <a:ea typeface="맑은 고딕" panose="020B0503020000020004" pitchFamily="50" charset="-127"/>
+                      </a:endParaRPr>
+                    </a:p>
+                  </a:txBody>
+                  <a:tcPr marL="4523" marR="4523" marT="4523" marB="0" anchor="ctr"/>
+                </a:tc>
+                <a:tc>
+                  <a:txBody>
+                    <a:bodyPr/>
+                    <a:lstStyle/>
+                    <a:p>
+                      <a:pPr algn="ctr" fontAlgn="ctr"/>
+                      <a:r>
+                        <a:rPr lang="ko-KR" altLang="en-US" sz="700" u="none" strike="noStrike">
+                          <a:effectLst/>
+                        </a:rPr>
+                        <a:t>카테고리 조회</a:t>
+                      </a:r>
+                      <a:endParaRPr lang="ko-KR" altLang="en-US" sz="700" b="0" i="0" u="none" strike="noStrike">
+                        <a:solidFill>
+                          <a:srgbClr val="000000"/>
+                        </a:solidFill>
+                        <a:effectLst/>
+                        <a:latin typeface="맑은 고딕" panose="020B0503020000020004" pitchFamily="50" charset="-127"/>
+                        <a:ea typeface="맑은 고딕" panose="020B0503020000020004" pitchFamily="50" charset="-127"/>
+                      </a:endParaRPr>
+                    </a:p>
+                  </a:txBody>
+                  <a:tcPr marL="4523" marR="4523" marT="4523" marB="0" anchor="ctr"/>
+                </a:tc>
+                <a:tc>
+                  <a:txBody>
+                    <a:bodyPr/>
+                    <a:lstStyle/>
+                    <a:p>
+                      <a:pPr algn="ctr" fontAlgn="ctr"/>
+                      <a:r>
+                        <a:rPr lang="ko-KR" altLang="en-US" sz="700" u="none" strike="noStrike">
+                          <a:effectLst/>
+                        </a:rPr>
+                        <a:t>각각의 카테고리 별로 게시물 조회</a:t>
+                      </a:r>
+                      <a:endParaRPr lang="ko-KR" altLang="en-US" sz="700" b="0" i="0" u="none" strike="noStrike">
+                        <a:solidFill>
+                          <a:srgbClr val="000000"/>
+                        </a:solidFill>
+                        <a:effectLst/>
+                        <a:latin typeface="맑은 고딕" panose="020B0503020000020004" pitchFamily="50" charset="-127"/>
+                        <a:ea typeface="맑은 고딕" panose="020B0503020000020004" pitchFamily="50" charset="-127"/>
+                      </a:endParaRPr>
+                    </a:p>
+                  </a:txBody>
+                  <a:tcPr marL="4523" marR="4523" marT="4523" marB="0" anchor="ctr"/>
+                </a:tc>
+                <a:tc>
+                  <a:txBody>
+                    <a:bodyPr/>
+                    <a:lstStyle/>
+                    <a:p>
+                      <a:pPr algn="ctr" fontAlgn="ctr"/>
+                      <a:r>
+                        <a:rPr lang="ko-KR" altLang="en-US" sz="700" u="none" strike="noStrike">
+                          <a:effectLst/>
+                        </a:rPr>
+                        <a:t>대분류</a:t>
+                      </a:r>
+                      <a:r>
+                        <a:rPr lang="en-US" altLang="ko-KR" sz="700" u="none" strike="noStrike">
+                          <a:effectLst/>
+                        </a:rPr>
+                        <a:t>/</a:t>
+                      </a:r>
+                      <a:r>
+                        <a:rPr lang="ko-KR" altLang="en-US" sz="700" u="none" strike="noStrike">
+                          <a:effectLst/>
+                        </a:rPr>
+                        <a:t>중분류에 따라 카테고리 열람</a:t>
+                      </a:r>
+                      <a:endParaRPr lang="ko-KR" altLang="en-US" sz="700" b="0" i="0" u="none" strike="noStrike">
+                        <a:solidFill>
+                          <a:srgbClr val="000000"/>
+                        </a:solidFill>
+                        <a:effectLst/>
+                        <a:latin typeface="맑은 고딕" panose="020B0503020000020004" pitchFamily="50" charset="-127"/>
+                        <a:ea typeface="맑은 고딕" panose="020B0503020000020004" pitchFamily="50" charset="-127"/>
+                      </a:endParaRPr>
+                    </a:p>
+                  </a:txBody>
+                  <a:tcPr marL="4523" marR="4523" marT="4523" marB="0" anchor="ctr"/>
+                </a:tc>
+              </a:tr>
+              <a:tr h="349143">
+                <a:tc vMerge="1">
+                  <a:txBody>
+                    <a:bodyPr/>
+                    <a:lstStyle/>
+                    <a:p>
+                      <a:pPr latinLnBrk="1"/>
+                      <a:endParaRPr lang="ko-KR" altLang="en-US"/>
+                    </a:p>
+                  </a:txBody>
+                  <a:tcPr/>
+                </a:tc>
+                <a:tc>
+                  <a:txBody>
+                    <a:bodyPr/>
+                    <a:lstStyle/>
+                    <a:p>
+                      <a:pPr algn="ctr" fontAlgn="ctr"/>
+                      <a:r>
+                        <a:rPr lang="ko-KR" altLang="en-US" sz="700" u="none" strike="noStrike">
+                          <a:effectLst/>
+                        </a:rPr>
+                        <a:t>검색 기능</a:t>
+                      </a:r>
+                      <a:endParaRPr lang="ko-KR" altLang="en-US" sz="700" b="0" i="0" u="none" strike="noStrike">
+                        <a:solidFill>
+                          <a:srgbClr val="000000"/>
+                        </a:solidFill>
+                        <a:effectLst/>
+                        <a:latin typeface="맑은 고딕" panose="020B0503020000020004" pitchFamily="50" charset="-127"/>
+                        <a:ea typeface="맑은 고딕" panose="020B0503020000020004" pitchFamily="50" charset="-127"/>
+                      </a:endParaRPr>
+                    </a:p>
+                  </a:txBody>
+                  <a:tcPr marL="4523" marR="4523" marT="4523" marB="0" anchor="ctr"/>
+                </a:tc>
+                <a:tc>
+                  <a:txBody>
+                    <a:bodyPr/>
+                    <a:lstStyle/>
+                    <a:p>
+                      <a:pPr algn="ctr" fontAlgn="ctr"/>
+                      <a:r>
+                        <a:rPr lang="ko-KR" altLang="en-US" sz="700" u="none" strike="noStrike">
+                          <a:effectLst/>
+                        </a:rPr>
+                        <a:t>검색하기</a:t>
+                      </a:r>
+                      <a:endParaRPr lang="ko-KR" altLang="en-US" sz="700" b="0" i="0" u="none" strike="noStrike">
+                        <a:solidFill>
+                          <a:srgbClr val="000000"/>
+                        </a:solidFill>
+                        <a:effectLst/>
+                        <a:latin typeface="맑은 고딕" panose="020B0503020000020004" pitchFamily="50" charset="-127"/>
+                        <a:ea typeface="맑은 고딕" panose="020B0503020000020004" pitchFamily="50" charset="-127"/>
+                      </a:endParaRPr>
+                    </a:p>
+                  </a:txBody>
+                  <a:tcPr marL="4523" marR="4523" marT="4523" marB="0" anchor="ctr"/>
+                </a:tc>
+                <a:tc>
+                  <a:txBody>
+                    <a:bodyPr/>
+                    <a:lstStyle/>
+                    <a:p>
+                      <a:pPr algn="ctr" fontAlgn="ctr"/>
+                      <a:r>
+                        <a:rPr lang="ko-KR" altLang="en-US" sz="700" u="none" strike="noStrike">
+                          <a:effectLst/>
+                        </a:rPr>
+                        <a:t>카테고리</a:t>
+                      </a:r>
+                      <a:r>
+                        <a:rPr lang="en-US" altLang="ko-KR" sz="700" u="none" strike="noStrike">
+                          <a:effectLst/>
+                        </a:rPr>
+                        <a:t>, </a:t>
+                      </a:r>
+                      <a:r>
+                        <a:rPr lang="ko-KR" altLang="en-US" sz="700" u="none" strike="noStrike">
+                          <a:effectLst/>
+                        </a:rPr>
+                        <a:t>지역 조건</a:t>
+                      </a:r>
+                      <a:r>
+                        <a:rPr lang="en-US" altLang="ko-KR" sz="700" u="none" strike="noStrike">
+                          <a:effectLst/>
+                        </a:rPr>
+                        <a:t>, </a:t>
+                      </a:r>
+                      <a:r>
+                        <a:rPr lang="ko-KR" altLang="en-US" sz="700" u="none" strike="noStrike">
+                          <a:effectLst/>
+                        </a:rPr>
+                        <a:t>키워드 조합으로 다중 조건 검색</a:t>
+                      </a:r>
+                      <a:endParaRPr lang="ko-KR" altLang="en-US" sz="700" b="0" i="0" u="none" strike="noStrike">
+                        <a:solidFill>
+                          <a:srgbClr val="000000"/>
+                        </a:solidFill>
+                        <a:effectLst/>
+                        <a:latin typeface="맑은 고딕" panose="020B0503020000020004" pitchFamily="50" charset="-127"/>
+                        <a:ea typeface="맑은 고딕" panose="020B0503020000020004" pitchFamily="50" charset="-127"/>
+                      </a:endParaRPr>
+                    </a:p>
+                  </a:txBody>
+                  <a:tcPr marL="4523" marR="4523" marT="4523" marB="0" anchor="ctr"/>
+                </a:tc>
+                <a:tc>
+                  <a:txBody>
+                    <a:bodyPr/>
+                    <a:lstStyle/>
+                    <a:p>
+                      <a:pPr algn="ctr" fontAlgn="ctr"/>
+                      <a:r>
+                        <a:rPr lang="ko-KR" altLang="en-US" sz="700" u="none" strike="noStrike">
+                          <a:effectLst/>
+                        </a:rPr>
+                        <a:t>　</a:t>
+                      </a:r>
+                      <a:endParaRPr lang="ko-KR" altLang="en-US" sz="700" b="0" i="0" u="none" strike="noStrike">
+                        <a:solidFill>
+                          <a:srgbClr val="000000"/>
+                        </a:solidFill>
+                        <a:effectLst/>
+                        <a:latin typeface="맑은 고딕" panose="020B0503020000020004" pitchFamily="50" charset="-127"/>
+                        <a:ea typeface="맑은 고딕" panose="020B0503020000020004" pitchFamily="50" charset="-127"/>
+                      </a:endParaRPr>
+                    </a:p>
+                  </a:txBody>
+                  <a:tcPr marL="4523" marR="4523" marT="4523" marB="0" anchor="ctr"/>
+                </a:tc>
+              </a:tr>
+              <a:tr h="174571">
+                <a:tc vMerge="1">
+                  <a:txBody>
+                    <a:bodyPr/>
+                    <a:lstStyle/>
+                    <a:p>
+                      <a:pPr latinLnBrk="1"/>
+                      <a:endParaRPr lang="ko-KR" altLang="en-US"/>
+                    </a:p>
+                  </a:txBody>
+                  <a:tcPr/>
+                </a:tc>
+                <a:tc rowSpan="2">
+                  <a:txBody>
+                    <a:bodyPr/>
+                    <a:lstStyle/>
+                    <a:p>
+                      <a:pPr algn="ctr" fontAlgn="ctr"/>
+                      <a:r>
+                        <a:rPr lang="ko-KR" altLang="en-US" sz="700" u="none" strike="noStrike">
+                          <a:effectLst/>
+                        </a:rPr>
+                        <a:t>화면 구성</a:t>
+                      </a:r>
+                      <a:endParaRPr lang="ko-KR" altLang="en-US" sz="700" b="0" i="0" u="none" strike="noStrike">
+                        <a:solidFill>
+                          <a:srgbClr val="000000"/>
+                        </a:solidFill>
+                        <a:effectLst/>
+                        <a:latin typeface="맑은 고딕" panose="020B0503020000020004" pitchFamily="50" charset="-127"/>
+                        <a:ea typeface="맑은 고딕" panose="020B0503020000020004" pitchFamily="50" charset="-127"/>
+                      </a:endParaRPr>
+                    </a:p>
+                  </a:txBody>
+                  <a:tcPr marL="4523" marR="4523" marT="4523" marB="0" anchor="ctr"/>
+                </a:tc>
+                <a:tc>
+                  <a:txBody>
+                    <a:bodyPr/>
+                    <a:lstStyle/>
+                    <a:p>
+                      <a:pPr algn="ctr" fontAlgn="ctr"/>
+                      <a:r>
+                        <a:rPr lang="ko-KR" altLang="en-US" sz="700" u="none" strike="noStrike">
+                          <a:effectLst/>
+                        </a:rPr>
+                        <a:t>그리드 목록 구성</a:t>
+                      </a:r>
+                      <a:endParaRPr lang="ko-KR" altLang="en-US" sz="700" b="0" i="0" u="none" strike="noStrike">
+                        <a:solidFill>
+                          <a:srgbClr val="000000"/>
+                        </a:solidFill>
+                        <a:effectLst/>
+                        <a:latin typeface="맑은 고딕" panose="020B0503020000020004" pitchFamily="50" charset="-127"/>
+                        <a:ea typeface="맑은 고딕" panose="020B0503020000020004" pitchFamily="50" charset="-127"/>
+                      </a:endParaRPr>
+                    </a:p>
+                  </a:txBody>
+                  <a:tcPr marL="4523" marR="4523" marT="4523" marB="0" anchor="ctr"/>
+                </a:tc>
+                <a:tc>
+                  <a:txBody>
+                    <a:bodyPr/>
+                    <a:lstStyle/>
+                    <a:p>
+                      <a:pPr algn="ctr" fontAlgn="ctr"/>
+                      <a:r>
+                        <a:rPr lang="ko-KR" altLang="en-US" sz="700" u="none" strike="noStrike">
+                          <a:effectLst/>
+                        </a:rPr>
+                        <a:t>핀터레스트 형식의 목록으로 디자인</a:t>
+                      </a:r>
+                      <a:endParaRPr lang="ko-KR" altLang="en-US" sz="700" b="0" i="0" u="none" strike="noStrike">
+                        <a:solidFill>
+                          <a:srgbClr val="000000"/>
+                        </a:solidFill>
+                        <a:effectLst/>
+                        <a:latin typeface="맑은 고딕" panose="020B0503020000020004" pitchFamily="50" charset="-127"/>
+                        <a:ea typeface="맑은 고딕" panose="020B0503020000020004" pitchFamily="50" charset="-127"/>
+                      </a:endParaRPr>
+                    </a:p>
+                  </a:txBody>
+                  <a:tcPr marL="4523" marR="4523" marT="4523" marB="0" anchor="ctr"/>
+                </a:tc>
+                <a:tc>
+                  <a:txBody>
+                    <a:bodyPr/>
+                    <a:lstStyle/>
+                    <a:p>
+                      <a:pPr algn="ctr" fontAlgn="ctr"/>
+                      <a:r>
+                        <a:rPr lang="ko-KR" altLang="en-US" sz="700" u="none" strike="noStrike">
+                          <a:effectLst/>
+                        </a:rPr>
+                        <a:t>최대 </a:t>
+                      </a:r>
+                      <a:r>
+                        <a:rPr lang="en-US" altLang="ko-KR" sz="700" u="none" strike="noStrike">
+                          <a:effectLst/>
+                        </a:rPr>
+                        <a:t>4</a:t>
+                      </a:r>
+                      <a:r>
+                        <a:rPr lang="ko-KR" altLang="en-US" sz="700" u="none" strike="noStrike">
+                          <a:effectLst/>
+                        </a:rPr>
+                        <a:t>열</a:t>
+                      </a:r>
+                      <a:r>
+                        <a:rPr lang="en-US" altLang="ko-KR" sz="700" u="none" strike="noStrike">
+                          <a:effectLst/>
+                        </a:rPr>
+                        <a:t>, </a:t>
+                      </a:r>
+                      <a:r>
+                        <a:rPr lang="ko-KR" altLang="en-US" sz="700" u="none" strike="noStrike">
+                          <a:effectLst/>
+                        </a:rPr>
+                        <a:t>모바일 </a:t>
+                      </a:r>
+                      <a:r>
+                        <a:rPr lang="en-US" altLang="ko-KR" sz="700" u="none" strike="noStrike">
+                          <a:effectLst/>
+                        </a:rPr>
+                        <a:t>1</a:t>
+                      </a:r>
+                      <a:r>
+                        <a:rPr lang="ko-KR" altLang="en-US" sz="700" u="none" strike="noStrike">
+                          <a:effectLst/>
+                        </a:rPr>
+                        <a:t>열</a:t>
+                      </a:r>
+                      <a:r>
+                        <a:rPr lang="en-US" altLang="ko-KR" sz="700" u="none" strike="noStrike">
+                          <a:effectLst/>
+                        </a:rPr>
+                        <a:t>(</a:t>
+                      </a:r>
+                      <a:r>
+                        <a:rPr lang="ko-KR" altLang="en-US" sz="700" u="none" strike="noStrike">
+                          <a:effectLst/>
+                        </a:rPr>
+                        <a:t>사진 없이</a:t>
+                      </a:r>
+                      <a:r>
+                        <a:rPr lang="en-US" altLang="ko-KR" sz="700" u="none" strike="noStrike">
+                          <a:effectLst/>
+                        </a:rPr>
+                        <a:t>)</a:t>
+                      </a:r>
+                      <a:endParaRPr lang="en-US" altLang="ko-KR" sz="700" b="0" i="0" u="none" strike="noStrike">
+                        <a:solidFill>
+                          <a:srgbClr val="000000"/>
+                        </a:solidFill>
+                        <a:effectLst/>
+                        <a:latin typeface="맑은 고딕" panose="020B0503020000020004" pitchFamily="50" charset="-127"/>
+                        <a:ea typeface="맑은 고딕" panose="020B0503020000020004" pitchFamily="50" charset="-127"/>
+                      </a:endParaRPr>
+                    </a:p>
+                  </a:txBody>
+                  <a:tcPr marL="4523" marR="4523" marT="4523" marB="0" anchor="ctr"/>
+                </a:tc>
+              </a:tr>
+              <a:tr h="355163">
+                <a:tc vMerge="1">
+                  <a:txBody>
+                    <a:bodyPr/>
+                    <a:lstStyle/>
+                    <a:p>
+                      <a:pPr latinLnBrk="1"/>
+                      <a:endParaRPr lang="ko-KR" altLang="en-US"/>
+                    </a:p>
+                  </a:txBody>
+                  <a:tcPr/>
+                </a:tc>
+                <a:tc vMerge="1">
+                  <a:txBody>
+                    <a:bodyPr/>
+                    <a:lstStyle/>
+                    <a:p>
+                      <a:pPr latinLnBrk="1"/>
+                      <a:endParaRPr lang="ko-KR" altLang="en-US"/>
+                    </a:p>
+                  </a:txBody>
+                  <a:tcPr/>
+                </a:tc>
+                <a:tc>
+                  <a:txBody>
+                    <a:bodyPr/>
+                    <a:lstStyle/>
+                    <a:p>
+                      <a:pPr algn="ctr" fontAlgn="ctr"/>
+                      <a:r>
+                        <a:rPr lang="ko-KR" altLang="en-US" sz="700" u="none" strike="noStrike">
+                          <a:effectLst/>
+                        </a:rPr>
+                        <a:t>반응형 웹</a:t>
+                      </a:r>
+                      <a:endParaRPr lang="ko-KR" altLang="en-US" sz="700" b="0" i="0" u="none" strike="noStrike">
+                        <a:solidFill>
+                          <a:srgbClr val="000000"/>
+                        </a:solidFill>
+                        <a:effectLst/>
+                        <a:latin typeface="맑은 고딕" panose="020B0503020000020004" pitchFamily="50" charset="-127"/>
+                        <a:ea typeface="맑은 고딕" panose="020B0503020000020004" pitchFamily="50" charset="-127"/>
+                      </a:endParaRPr>
+                    </a:p>
+                  </a:txBody>
+                  <a:tcPr marL="4523" marR="4523" marT="4523" marB="0" anchor="ctr"/>
+                </a:tc>
+                <a:tc>
+                  <a:txBody>
+                    <a:bodyPr/>
+                    <a:lstStyle/>
+                    <a:p>
+                      <a:pPr algn="ctr" fontAlgn="ctr"/>
+                      <a:r>
+                        <a:rPr lang="en-US" altLang="ko-KR" sz="700" u="none" strike="noStrike">
+                          <a:effectLst/>
+                        </a:rPr>
+                        <a:t>PC, </a:t>
+                      </a:r>
+                      <a:r>
+                        <a:rPr lang="ko-KR" altLang="en-US" sz="700" u="none" strike="noStrike">
+                          <a:effectLst/>
+                        </a:rPr>
+                        <a:t>모바일</a:t>
+                      </a:r>
+                      <a:r>
+                        <a:rPr lang="en-US" altLang="ko-KR" sz="700" u="none" strike="noStrike">
+                          <a:effectLst/>
+                        </a:rPr>
+                        <a:t>, </a:t>
+                      </a:r>
+                      <a:r>
+                        <a:rPr lang="ko-KR" altLang="en-US" sz="700" u="none" strike="noStrike">
+                          <a:effectLst/>
+                        </a:rPr>
+                        <a:t>태블릿의 대표 해상도에 맞는 반응형 웹</a:t>
+                      </a:r>
+                      <a:endParaRPr lang="ko-KR" altLang="en-US" sz="700" b="0" i="0" u="none" strike="noStrike">
+                        <a:solidFill>
+                          <a:srgbClr val="000000"/>
+                        </a:solidFill>
+                        <a:effectLst/>
+                        <a:latin typeface="맑은 고딕" panose="020B0503020000020004" pitchFamily="50" charset="-127"/>
+                        <a:ea typeface="맑은 고딕" panose="020B0503020000020004" pitchFamily="50" charset="-127"/>
+                      </a:endParaRPr>
+                    </a:p>
+                  </a:txBody>
+                  <a:tcPr marL="4523" marR="4523" marT="4523" marB="0" anchor="ctr"/>
+                </a:tc>
+                <a:tc>
+                  <a:txBody>
+                    <a:bodyPr/>
+                    <a:lstStyle/>
+                    <a:p>
+                      <a:pPr algn="ctr" fontAlgn="ctr"/>
+                      <a:r>
+                        <a:rPr lang="ko-KR" altLang="en-US" sz="700" u="none" strike="noStrike" dirty="0" err="1">
+                          <a:effectLst/>
+                        </a:rPr>
+                        <a:t>모바일</a:t>
+                      </a:r>
+                      <a:r>
+                        <a:rPr lang="en-US" altLang="ko-KR" sz="700" u="none" strike="noStrike" dirty="0">
+                          <a:effectLst/>
+                        </a:rPr>
+                        <a:t>(320, 480px), </a:t>
+                      </a:r>
+                      <a:r>
+                        <a:rPr lang="ko-KR" altLang="en-US" sz="700" u="none" strike="noStrike" dirty="0" err="1">
+                          <a:effectLst/>
+                        </a:rPr>
+                        <a:t>태블릿</a:t>
+                      </a:r>
+                      <a:r>
+                        <a:rPr lang="en-US" altLang="ko-KR" sz="700" u="none" strike="noStrike" dirty="0">
+                          <a:effectLst/>
+                        </a:rPr>
+                        <a:t>(768, 1024px), PC(1080, 1280, 1920px)</a:t>
+                      </a:r>
+                      <a:r>
+                        <a:rPr lang="ko-KR" altLang="en-US" sz="700" u="none" strike="noStrike" dirty="0">
+                          <a:effectLst/>
+                        </a:rPr>
+                        <a:t>의 </a:t>
+                      </a:r>
+                      <a:r>
+                        <a:rPr lang="ko-KR" altLang="en-US" sz="700" u="none" strike="noStrike" dirty="0" err="1">
+                          <a:effectLst/>
+                        </a:rPr>
+                        <a:t>가로폭</a:t>
+                      </a:r>
+                      <a:r>
+                        <a:rPr lang="ko-KR" altLang="en-US" sz="700" u="none" strike="noStrike" dirty="0">
+                          <a:effectLst/>
+                        </a:rPr>
+                        <a:t> 기반</a:t>
+                      </a:r>
+                      <a:endParaRPr lang="ko-KR" altLang="en-US" sz="700" b="0" i="0" u="none" strike="noStrike" dirty="0">
+                        <a:solidFill>
+                          <a:srgbClr val="000000"/>
+                        </a:solidFill>
+                        <a:effectLst/>
+                        <a:latin typeface="맑은 고딕" panose="020B0503020000020004" pitchFamily="50" charset="-127"/>
+                        <a:ea typeface="맑은 고딕" panose="020B0503020000020004" pitchFamily="50" charset="-127"/>
+                      </a:endParaRPr>
+                    </a:p>
+                  </a:txBody>
+                  <a:tcPr marL="4523" marR="4523" marT="4523" marB="0" anchor="ctr"/>
+                </a:tc>
+              </a:tr>
+              <a:tr h="180592">
+                <a:tc rowSpan="4">
+                  <a:txBody>
+                    <a:bodyPr/>
+                    <a:lstStyle/>
+                    <a:p>
+                      <a:pPr algn="ctr" fontAlgn="ctr"/>
+                      <a:r>
+                        <a:rPr lang="ko-KR" altLang="en-US" sz="700" u="none" strike="noStrike">
+                          <a:effectLst/>
+                        </a:rPr>
+                        <a:t>관리자</a:t>
+                      </a:r>
+                      <a:endParaRPr lang="ko-KR" altLang="en-US" sz="700" b="1" i="0" u="none" strike="noStrike">
+                        <a:solidFill>
+                          <a:srgbClr val="000000"/>
+                        </a:solidFill>
+                        <a:effectLst/>
+                        <a:latin typeface="맑은 고딕" panose="020B0503020000020004" pitchFamily="50" charset="-127"/>
+                        <a:ea typeface="맑은 고딕" panose="020B0503020000020004" pitchFamily="50" charset="-127"/>
+                      </a:endParaRPr>
+                    </a:p>
+                  </a:txBody>
+                  <a:tcPr marL="4523" marR="4523" marT="4523" marB="0" anchor="ctr"/>
+                </a:tc>
+                <a:tc rowSpan="2">
+                  <a:txBody>
+                    <a:bodyPr/>
+                    <a:lstStyle/>
+                    <a:p>
+                      <a:pPr algn="ctr" fontAlgn="ctr"/>
+                      <a:r>
+                        <a:rPr lang="ko-KR" altLang="en-US" sz="700" u="none" strike="noStrike">
+                          <a:effectLst/>
+                        </a:rPr>
+                        <a:t>회원 관리</a:t>
+                      </a:r>
+                      <a:endParaRPr lang="ko-KR" altLang="en-US" sz="700" b="0" i="0" u="none" strike="noStrike">
+                        <a:solidFill>
+                          <a:srgbClr val="000000"/>
+                        </a:solidFill>
+                        <a:effectLst/>
+                        <a:latin typeface="맑은 고딕" panose="020B0503020000020004" pitchFamily="50" charset="-127"/>
+                        <a:ea typeface="맑은 고딕" panose="020B0503020000020004" pitchFamily="50" charset="-127"/>
+                      </a:endParaRPr>
+                    </a:p>
+                  </a:txBody>
+                  <a:tcPr marL="4523" marR="4523" marT="4523" marB="0" anchor="ctr"/>
+                </a:tc>
+                <a:tc>
+                  <a:txBody>
+                    <a:bodyPr/>
+                    <a:lstStyle/>
+                    <a:p>
+                      <a:pPr algn="ctr" fontAlgn="ctr"/>
+                      <a:r>
+                        <a:rPr lang="ko-KR" altLang="en-US" sz="700" u="none" strike="noStrike">
+                          <a:effectLst/>
+                        </a:rPr>
+                        <a:t>회원 정보 조회 및 관리</a:t>
+                      </a:r>
+                      <a:endParaRPr lang="ko-KR" altLang="en-US" sz="700" b="0" i="0" u="none" strike="noStrike">
+                        <a:solidFill>
+                          <a:srgbClr val="000000"/>
+                        </a:solidFill>
+                        <a:effectLst/>
+                        <a:latin typeface="맑은 고딕" panose="020B0503020000020004" pitchFamily="50" charset="-127"/>
+                        <a:ea typeface="맑은 고딕" panose="020B0503020000020004" pitchFamily="50" charset="-127"/>
+                      </a:endParaRPr>
+                    </a:p>
+                  </a:txBody>
+                  <a:tcPr marL="4523" marR="4523" marT="4523" marB="0" anchor="ctr"/>
+                </a:tc>
+                <a:tc>
+                  <a:txBody>
+                    <a:bodyPr/>
+                    <a:lstStyle/>
+                    <a:p>
+                      <a:pPr algn="ctr" fontAlgn="ctr"/>
+                      <a:r>
+                        <a:rPr lang="ko-KR" altLang="en-US" sz="700" u="none" strike="noStrike">
+                          <a:effectLst/>
+                        </a:rPr>
+                        <a:t>가입 회원 정보 조회 및 관리</a:t>
+                      </a:r>
+                      <a:endParaRPr lang="ko-KR" altLang="en-US" sz="700" b="0" i="0" u="none" strike="noStrike">
+                        <a:solidFill>
+                          <a:srgbClr val="000000"/>
+                        </a:solidFill>
+                        <a:effectLst/>
+                        <a:latin typeface="맑은 고딕" panose="020B0503020000020004" pitchFamily="50" charset="-127"/>
+                        <a:ea typeface="맑은 고딕" panose="020B0503020000020004" pitchFamily="50" charset="-127"/>
+                      </a:endParaRPr>
+                    </a:p>
+                  </a:txBody>
+                  <a:tcPr marL="4523" marR="4523" marT="4523" marB="0" anchor="ctr"/>
+                </a:tc>
+                <a:tc>
+                  <a:txBody>
+                    <a:bodyPr/>
+                    <a:lstStyle/>
+                    <a:p>
+                      <a:pPr algn="ctr" fontAlgn="ctr"/>
+                      <a:r>
+                        <a:rPr lang="ko-KR" altLang="en-US" sz="700" u="none" strike="noStrike">
+                          <a:effectLst/>
+                        </a:rPr>
+                        <a:t>회원 정보 조회</a:t>
+                      </a:r>
+                      <a:r>
+                        <a:rPr lang="en-US" altLang="ko-KR" sz="700" u="none" strike="noStrike">
+                          <a:effectLst/>
+                        </a:rPr>
+                        <a:t>, </a:t>
+                      </a:r>
+                      <a:r>
+                        <a:rPr lang="ko-KR" altLang="en-US" sz="700" u="none" strike="noStrike">
+                          <a:effectLst/>
+                        </a:rPr>
+                        <a:t>회원 삭제</a:t>
+                      </a:r>
+                      <a:endParaRPr lang="ko-KR" altLang="en-US" sz="700" b="0" i="0" u="none" strike="noStrike">
+                        <a:solidFill>
+                          <a:srgbClr val="000000"/>
+                        </a:solidFill>
+                        <a:effectLst/>
+                        <a:latin typeface="맑은 고딕" panose="020B0503020000020004" pitchFamily="50" charset="-127"/>
+                        <a:ea typeface="맑은 고딕" panose="020B0503020000020004" pitchFamily="50" charset="-127"/>
+                      </a:endParaRPr>
+                    </a:p>
+                  </a:txBody>
+                  <a:tcPr marL="4523" marR="4523" marT="4523" marB="0" anchor="ctr"/>
+                </a:tc>
+              </a:tr>
+              <a:tr h="174571">
+                <a:tc vMerge="1">
+                  <a:txBody>
+                    <a:bodyPr/>
+                    <a:lstStyle/>
+                    <a:p>
+                      <a:pPr latinLnBrk="1"/>
+                      <a:endParaRPr lang="ko-KR" altLang="en-US"/>
+                    </a:p>
+                  </a:txBody>
+                  <a:tcPr/>
+                </a:tc>
+                <a:tc vMerge="1">
+                  <a:txBody>
+                    <a:bodyPr/>
+                    <a:lstStyle/>
+                    <a:p>
+                      <a:pPr latinLnBrk="1"/>
+                      <a:endParaRPr lang="ko-KR" altLang="en-US"/>
+                    </a:p>
+                  </a:txBody>
+                  <a:tcPr/>
+                </a:tc>
+                <a:tc>
+                  <a:txBody>
+                    <a:bodyPr/>
+                    <a:lstStyle/>
+                    <a:p>
+                      <a:pPr algn="ctr" fontAlgn="ctr"/>
+                      <a:r>
+                        <a:rPr lang="ko-KR" altLang="en-US" sz="700" u="none" strike="noStrike">
+                          <a:effectLst/>
+                        </a:rPr>
+                        <a:t>회원 검색</a:t>
+                      </a:r>
+                      <a:endParaRPr lang="ko-KR" altLang="en-US" sz="700" b="0" i="0" u="none" strike="noStrike">
+                        <a:solidFill>
+                          <a:srgbClr val="000000"/>
+                        </a:solidFill>
+                        <a:effectLst/>
+                        <a:latin typeface="맑은 고딕" panose="020B0503020000020004" pitchFamily="50" charset="-127"/>
+                        <a:ea typeface="맑은 고딕" panose="020B0503020000020004" pitchFamily="50" charset="-127"/>
+                      </a:endParaRPr>
+                    </a:p>
+                  </a:txBody>
+                  <a:tcPr marL="4523" marR="4523" marT="4523" marB="0" anchor="ctr"/>
+                </a:tc>
+                <a:tc>
+                  <a:txBody>
+                    <a:bodyPr/>
+                    <a:lstStyle/>
+                    <a:p>
+                      <a:pPr algn="ctr" fontAlgn="ctr"/>
+                      <a:r>
+                        <a:rPr lang="ko-KR" altLang="en-US" sz="700" u="none" strike="noStrike">
+                          <a:effectLst/>
+                        </a:rPr>
+                        <a:t>특정 회원을 검색하여 정보 표시</a:t>
+                      </a:r>
+                      <a:endParaRPr lang="ko-KR" altLang="en-US" sz="700" b="0" i="0" u="none" strike="noStrike">
+                        <a:solidFill>
+                          <a:srgbClr val="000000"/>
+                        </a:solidFill>
+                        <a:effectLst/>
+                        <a:latin typeface="맑은 고딕" panose="020B0503020000020004" pitchFamily="50" charset="-127"/>
+                        <a:ea typeface="맑은 고딕" panose="020B0503020000020004" pitchFamily="50" charset="-127"/>
+                      </a:endParaRPr>
+                    </a:p>
+                  </a:txBody>
+                  <a:tcPr marL="4523" marR="4523" marT="4523" marB="0" anchor="ctr"/>
+                </a:tc>
+                <a:tc>
+                  <a:txBody>
+                    <a:bodyPr/>
+                    <a:lstStyle/>
+                    <a:p>
+                      <a:pPr algn="ctr" fontAlgn="ctr"/>
+                      <a:r>
+                        <a:rPr lang="ko-KR" altLang="en-US" sz="700" u="none" strike="noStrike">
+                          <a:effectLst/>
+                        </a:rPr>
+                        <a:t>　</a:t>
+                      </a:r>
+                      <a:endParaRPr lang="ko-KR" altLang="en-US" sz="700" b="0" i="0" u="none" strike="noStrike">
+                        <a:solidFill>
+                          <a:srgbClr val="000000"/>
+                        </a:solidFill>
+                        <a:effectLst/>
+                        <a:latin typeface="맑은 고딕" panose="020B0503020000020004" pitchFamily="50" charset="-127"/>
+                        <a:ea typeface="맑은 고딕" panose="020B0503020000020004" pitchFamily="50" charset="-127"/>
+                      </a:endParaRPr>
+                    </a:p>
+                  </a:txBody>
+                  <a:tcPr marL="4523" marR="4523" marT="4523" marB="0" anchor="ctr"/>
+                </a:tc>
+              </a:tr>
+              <a:tr h="289969">
+                <a:tc vMerge="1">
+                  <a:txBody>
+                    <a:bodyPr/>
+                    <a:lstStyle/>
+                    <a:p>
+                      <a:pPr latinLnBrk="1"/>
+                      <a:endParaRPr lang="ko-KR" altLang="en-US"/>
+                    </a:p>
+                  </a:txBody>
+                  <a:tcPr/>
+                </a:tc>
+                <a:tc rowSpan="2">
+                  <a:txBody>
+                    <a:bodyPr/>
+                    <a:lstStyle/>
+                    <a:p>
+                      <a:pPr algn="ctr" fontAlgn="ctr"/>
+                      <a:r>
+                        <a:rPr lang="ko-KR" altLang="en-US" sz="700" u="none" strike="noStrike">
+                          <a:effectLst/>
+                        </a:rPr>
+                        <a:t>게시물 관리</a:t>
+                      </a:r>
+                      <a:endParaRPr lang="ko-KR" altLang="en-US" sz="700" b="0" i="0" u="none" strike="noStrike">
+                        <a:solidFill>
+                          <a:srgbClr val="000000"/>
+                        </a:solidFill>
+                        <a:effectLst/>
+                        <a:latin typeface="맑은 고딕" panose="020B0503020000020004" pitchFamily="50" charset="-127"/>
+                        <a:ea typeface="맑은 고딕" panose="020B0503020000020004" pitchFamily="50" charset="-127"/>
+                      </a:endParaRPr>
+                    </a:p>
+                  </a:txBody>
+                  <a:tcPr marL="4523" marR="4523" marT="4523" marB="0" anchor="ctr"/>
+                </a:tc>
+                <a:tc>
+                  <a:txBody>
+                    <a:bodyPr/>
+                    <a:lstStyle/>
+                    <a:p>
+                      <a:pPr algn="ctr" fontAlgn="ctr"/>
+                      <a:r>
+                        <a:rPr lang="ko-KR" altLang="en-US" sz="700" u="none" strike="noStrike">
+                          <a:effectLst/>
+                        </a:rPr>
+                        <a:t>게시물 조회 및 관리</a:t>
+                      </a:r>
+                      <a:endParaRPr lang="ko-KR" altLang="en-US" sz="700" b="0" i="0" u="none" strike="noStrike">
+                        <a:solidFill>
+                          <a:srgbClr val="000000"/>
+                        </a:solidFill>
+                        <a:effectLst/>
+                        <a:latin typeface="맑은 고딕" panose="020B0503020000020004" pitchFamily="50" charset="-127"/>
+                        <a:ea typeface="맑은 고딕" panose="020B0503020000020004" pitchFamily="50" charset="-127"/>
+                      </a:endParaRPr>
+                    </a:p>
+                  </a:txBody>
+                  <a:tcPr marL="4523" marR="4523" marT="4523" marB="0" anchor="ctr"/>
+                </a:tc>
+                <a:tc>
+                  <a:txBody>
+                    <a:bodyPr/>
+                    <a:lstStyle/>
+                    <a:p>
+                      <a:pPr algn="ctr" fontAlgn="ctr"/>
+                      <a:r>
+                        <a:rPr lang="ko-KR" altLang="en-US" sz="700" u="none" strike="noStrike">
+                          <a:effectLst/>
+                        </a:rPr>
+                        <a:t>게시물 조회 및 관리</a:t>
+                      </a:r>
+                      <a:endParaRPr lang="ko-KR" altLang="en-US" sz="700" b="0" i="0" u="none" strike="noStrike">
+                        <a:solidFill>
+                          <a:srgbClr val="000000"/>
+                        </a:solidFill>
+                        <a:effectLst/>
+                        <a:latin typeface="맑은 고딕" panose="020B0503020000020004" pitchFamily="50" charset="-127"/>
+                        <a:ea typeface="맑은 고딕" panose="020B0503020000020004" pitchFamily="50" charset="-127"/>
+                      </a:endParaRPr>
+                    </a:p>
+                  </a:txBody>
+                  <a:tcPr marL="4523" marR="4523" marT="4523" marB="0" anchor="ctr"/>
+                </a:tc>
+                <a:tc>
+                  <a:txBody>
+                    <a:bodyPr/>
+                    <a:lstStyle/>
+                    <a:p>
+                      <a:pPr algn="ctr" fontAlgn="ctr"/>
+                      <a:r>
+                        <a:rPr lang="ko-KR" altLang="en-US" sz="700" u="none" strike="noStrike">
+                          <a:effectLst/>
+                        </a:rPr>
+                        <a:t>게시물 목록 보기</a:t>
+                      </a:r>
+                      <a:r>
+                        <a:rPr lang="en-US" altLang="ko-KR" sz="700" u="none" strike="noStrike">
+                          <a:effectLst/>
+                        </a:rPr>
+                        <a:t>, </a:t>
+                      </a:r>
+                      <a:r>
+                        <a:rPr lang="ko-KR" altLang="en-US" sz="700" u="none" strike="noStrike">
+                          <a:effectLst/>
+                        </a:rPr>
+                        <a:t>게시물 상세 정보 보기</a:t>
+                      </a:r>
+                      <a:r>
+                        <a:rPr lang="en-US" altLang="ko-KR" sz="700" u="none" strike="noStrike">
+                          <a:effectLst/>
+                        </a:rPr>
+                        <a:t>, </a:t>
+                      </a:r>
+                      <a:r>
+                        <a:rPr lang="ko-KR" altLang="en-US" sz="700" u="none" strike="noStrike">
+                          <a:effectLst/>
+                        </a:rPr>
+                        <a:t>게시물 삭제</a:t>
+                      </a:r>
+                      <a:endParaRPr lang="ko-KR" altLang="en-US" sz="700" b="0" i="0" u="none" strike="noStrike">
+                        <a:solidFill>
+                          <a:srgbClr val="000000"/>
+                        </a:solidFill>
+                        <a:effectLst/>
+                        <a:latin typeface="맑은 고딕" panose="020B0503020000020004" pitchFamily="50" charset="-127"/>
+                        <a:ea typeface="맑은 고딕" panose="020B0503020000020004" pitchFamily="50" charset="-127"/>
+                      </a:endParaRPr>
+                    </a:p>
+                  </a:txBody>
+                  <a:tcPr marL="4523" marR="4523" marT="4523" marB="0" anchor="ctr"/>
+                </a:tc>
+              </a:tr>
+              <a:tr h="180592">
+                <a:tc vMerge="1">
+                  <a:txBody>
+                    <a:bodyPr/>
+                    <a:lstStyle/>
+                    <a:p>
+                      <a:pPr latinLnBrk="1"/>
+                      <a:endParaRPr lang="ko-KR" altLang="en-US"/>
+                    </a:p>
+                  </a:txBody>
+                  <a:tcPr/>
+                </a:tc>
+                <a:tc vMerge="1">
+                  <a:txBody>
+                    <a:bodyPr/>
+                    <a:lstStyle/>
+                    <a:p>
+                      <a:pPr latinLnBrk="1"/>
+                      <a:endParaRPr lang="ko-KR" altLang="en-US"/>
+                    </a:p>
+                  </a:txBody>
+                  <a:tcPr/>
+                </a:tc>
+                <a:tc>
+                  <a:txBody>
+                    <a:bodyPr/>
+                    <a:lstStyle/>
+                    <a:p>
+                      <a:pPr algn="ctr" fontAlgn="ctr"/>
+                      <a:r>
+                        <a:rPr lang="ko-KR" altLang="en-US" sz="700" u="none" strike="noStrike">
+                          <a:effectLst/>
+                        </a:rPr>
+                        <a:t>게시물 검색</a:t>
+                      </a:r>
+                      <a:endParaRPr lang="ko-KR" altLang="en-US" sz="700" b="0" i="0" u="none" strike="noStrike">
+                        <a:solidFill>
+                          <a:srgbClr val="000000"/>
+                        </a:solidFill>
+                        <a:effectLst/>
+                        <a:latin typeface="맑은 고딕" panose="020B0503020000020004" pitchFamily="50" charset="-127"/>
+                        <a:ea typeface="맑은 고딕" panose="020B0503020000020004" pitchFamily="50" charset="-127"/>
+                      </a:endParaRPr>
+                    </a:p>
+                  </a:txBody>
+                  <a:tcPr marL="4523" marR="4523" marT="4523" marB="0" anchor="ctr"/>
+                </a:tc>
+                <a:tc>
+                  <a:txBody>
+                    <a:bodyPr/>
+                    <a:lstStyle/>
+                    <a:p>
+                      <a:pPr algn="ctr" fontAlgn="ctr"/>
+                      <a:r>
+                        <a:rPr lang="ko-KR" altLang="en-US" sz="700" u="none" strike="noStrike">
+                          <a:effectLst/>
+                        </a:rPr>
+                        <a:t>특정 게시물을 검색하여 정보 표시</a:t>
+                      </a:r>
+                      <a:endParaRPr lang="ko-KR" altLang="en-US" sz="700" b="0" i="0" u="none" strike="noStrike">
+                        <a:solidFill>
+                          <a:srgbClr val="000000"/>
+                        </a:solidFill>
+                        <a:effectLst/>
+                        <a:latin typeface="맑은 고딕" panose="020B0503020000020004" pitchFamily="50" charset="-127"/>
+                        <a:ea typeface="맑은 고딕" panose="020B0503020000020004" pitchFamily="50" charset="-127"/>
+                      </a:endParaRPr>
+                    </a:p>
+                  </a:txBody>
+                  <a:tcPr marL="4523" marR="4523" marT="4523" marB="0" anchor="ctr"/>
+                </a:tc>
+                <a:tc>
+                  <a:txBody>
+                    <a:bodyPr/>
+                    <a:lstStyle/>
+                    <a:p>
+                      <a:pPr algn="ctr" fontAlgn="ctr"/>
+                      <a:r>
+                        <a:rPr lang="ko-KR" altLang="en-US" sz="700" u="none" strike="noStrike" dirty="0">
+                          <a:effectLst/>
+                        </a:rPr>
+                        <a:t>　</a:t>
+                      </a:r>
+                      <a:endParaRPr lang="ko-KR" altLang="en-US" sz="700" b="0" i="0" u="none" strike="noStrike" dirty="0">
+                        <a:solidFill>
+                          <a:srgbClr val="000000"/>
+                        </a:solidFill>
+                        <a:effectLst/>
+                        <a:latin typeface="맑은 고딕" panose="020B0503020000020004" pitchFamily="50" charset="-127"/>
+                        <a:ea typeface="맑은 고딕" panose="020B0503020000020004" pitchFamily="50" charset="-127"/>
+                      </a:endParaRPr>
+                    </a:p>
+                  </a:txBody>
+                  <a:tcPr marL="4523" marR="4523" marT="4523" marB="0" anchor="ctr"/>
+                </a:tc>
+              </a:tr>
+            </a:tbl>
+          </a:graphicData>
+        </a:graphic>
+      </p:graphicFrame>
+    </p:spTree>
+    <p:extLst>
+      <p:ext uri="{BB962C8B-B14F-4D97-AF65-F5344CB8AC3E}">
+        <p14:creationId xmlns:p14="http://schemas.microsoft.com/office/powerpoint/2010/main" val="97650646"/>
+      </p:ext>
+    </p:extLst>
+  </p:cSld>
+  <p:clrMapOvr>
+    <a:masterClrMapping/>
+  </p:clrMapOvr>
+  <p:timing>
+    <p:tnLst>
+      <p:par>
+        <p:cTn id="1" dur="indefinite" restart="never" nodeType="tmRoot"/>
+      </p:par>
+    </p:tnLst>
+  </p:timing>
+</p:sld>
+</file>
+
+<file path=ppt/slides/slide3.xml><?xml version="1.0" encoding="utf-8"?>
+<p:sld xmlns:a="http://schemas.openxmlformats.org/drawingml/2006/main" xmlns:r="http://schemas.openxmlformats.org/officeDocument/2006/relationships" xmlns:p="http://schemas.openxmlformats.org/presentationml/2006/main">
+  <p:cSld>
+    <p:spTree>
+      <p:nvGrpSpPr>
+        <p:cNvPr id="1" name=""/>
+        <p:cNvGrpSpPr/>
+        <p:nvPr/>
+      </p:nvGrpSpPr>
+      <p:grpSpPr>
+        <a:xfrm>
+          <a:off x="0" y="0"/>
+          <a:ext cx="0" cy="0"/>
+          <a:chOff x="0" y="0"/>
+          <a:chExt cx="0" cy="0"/>
+        </a:xfrm>
+      </p:grpSpPr>
+      <p:graphicFrame>
+        <p:nvGraphicFramePr>
+          <p:cNvPr id="6" name="표 5"/>
+          <p:cNvGraphicFramePr>
+            <a:graphicFrameLocks noGrp="1"/>
+          </p:cNvGraphicFramePr>
+          <p:nvPr>
+            <p:extLst>
+              <p:ext uri="{D42A27DB-BD31-4B8C-83A1-F6EECF244321}">
+                <p14:modId xmlns:p14="http://schemas.microsoft.com/office/powerpoint/2010/main" val="6622783"/>
+              </p:ext>
+            </p:extLst>
+          </p:nvPr>
+        </p:nvGraphicFramePr>
+        <p:xfrm>
+          <a:off x="1408984" y="1656267"/>
+          <a:ext cx="9374036" cy="3545460"/>
+        </p:xfrm>
+        <a:graphic>
+          <a:graphicData uri="http://schemas.openxmlformats.org/drawingml/2006/table">
+            <a:tbl>
+              <a:tblPr/>
+              <a:tblGrid>
+                <a:gridCol w="687517"/>
+                <a:gridCol w="978391"/>
+                <a:gridCol w="1097384"/>
+                <a:gridCol w="1877450"/>
+                <a:gridCol w="912283"/>
+                <a:gridCol w="1189934"/>
+                <a:gridCol w="1718794"/>
+                <a:gridCol w="912283"/>
+              </a:tblGrid>
+              <a:tr h="393940">
+                <a:tc gridSpan="8">
+                  <a:txBody>
+                    <a:bodyPr/>
+                    <a:lstStyle/>
+                    <a:p>
+                      <a:pPr algn="ctr" fontAlgn="ctr"/>
+                      <a:r>
+                        <a:rPr lang="ko-KR" altLang="en-US" sz="1100" b="0" i="0" u="none" strike="noStrike" dirty="0">
+                          <a:solidFill>
+                            <a:srgbClr val="FFFFFF"/>
+                          </a:solidFill>
+                          <a:effectLst/>
+                          <a:latin typeface="맑은 고딕" panose="020B0503020000020004" pitchFamily="50" charset="-127"/>
+                          <a:ea typeface="맑은 고딕" panose="020B0503020000020004" pitchFamily="50" charset="-127"/>
+                        </a:rPr>
+                        <a:t>카테고리</a:t>
+                      </a:r>
+                    </a:p>
+                  </a:txBody>
+                  <a:tcPr marL="7620" marR="7620" marT="7620" marB="0" anchor="ctr">
+                    <a:lnL>
+                      <a:noFill/>
+                    </a:lnL>
+                    <a:lnR>
+                      <a:noFill/>
+                    </a:lnR>
+                    <a:lnT>
+                      <a:noFill/>
+                    </a:lnT>
+                    <a:lnB>
+                      <a:noFill/>
+                    </a:lnB>
+                    <a:solidFill>
+                      <a:srgbClr val="F4B084"/>
+                    </a:solidFill>
+                  </a:tcPr>
+                </a:tc>
+                <a:tc hMerge="1">
+                  <a:txBody>
+                    <a:bodyPr/>
+                    <a:lstStyle/>
+                    <a:p>
+                      <a:pPr latinLnBrk="1"/>
+                      <a:endParaRPr lang="ko-KR" altLang="en-US"/>
+                    </a:p>
+                  </a:txBody>
+                  <a:tcPr/>
+                </a:tc>
+                <a:tc hMerge="1">
+                  <a:txBody>
+                    <a:bodyPr/>
+                    <a:lstStyle/>
+                    <a:p>
+                      <a:pPr latinLnBrk="1"/>
+                      <a:endParaRPr lang="ko-KR" altLang="en-US"/>
+                    </a:p>
+                  </a:txBody>
+                  <a:tcPr/>
+                </a:tc>
+                <a:tc hMerge="1">
+                  <a:txBody>
+                    <a:bodyPr/>
+                    <a:lstStyle/>
+                    <a:p>
+                      <a:pPr latinLnBrk="1"/>
+                      <a:endParaRPr lang="ko-KR" altLang="en-US"/>
+                    </a:p>
+                  </a:txBody>
+                  <a:tcPr/>
+                </a:tc>
+                <a:tc hMerge="1">
+                  <a:txBody>
+                    <a:bodyPr/>
+                    <a:lstStyle/>
+                    <a:p>
+                      <a:pPr latinLnBrk="1"/>
+                      <a:endParaRPr lang="ko-KR" altLang="en-US"/>
+                    </a:p>
+                  </a:txBody>
+                  <a:tcPr/>
+                </a:tc>
+                <a:tc hMerge="1">
+                  <a:txBody>
+                    <a:bodyPr/>
+                    <a:lstStyle/>
+                    <a:p>
+                      <a:pPr latinLnBrk="1"/>
+                      <a:endParaRPr lang="ko-KR" altLang="en-US"/>
+                    </a:p>
+                  </a:txBody>
+                  <a:tcPr/>
+                </a:tc>
+                <a:tc hMerge="1">
+                  <a:txBody>
+                    <a:bodyPr/>
+                    <a:lstStyle/>
+                    <a:p>
+                      <a:pPr latinLnBrk="1"/>
+                      <a:endParaRPr lang="ko-KR" altLang="en-US"/>
+                    </a:p>
+                  </a:txBody>
+                  <a:tcPr/>
+                </a:tc>
+                <a:tc hMerge="1">
+                  <a:txBody>
+                    <a:bodyPr/>
+                    <a:lstStyle/>
+                    <a:p>
+                      <a:pPr latinLnBrk="1"/>
+                      <a:endParaRPr lang="ko-KR" altLang="en-US"/>
+                    </a:p>
+                  </a:txBody>
+                  <a:tcPr/>
+                </a:tc>
+              </a:tr>
+              <a:tr h="393940">
+                <a:tc>
+                  <a:txBody>
+                    <a:bodyPr/>
+                    <a:lstStyle/>
+                    <a:p>
+                      <a:pPr algn="ctr" fontAlgn="ctr"/>
+                      <a:r>
+                        <a:rPr lang="ko-KR" altLang="en-US" sz="1100" b="0" i="0" u="none" strike="noStrike" dirty="0" err="1">
+                          <a:solidFill>
+                            <a:srgbClr val="006100"/>
+                          </a:solidFill>
+                          <a:effectLst/>
+                          <a:latin typeface="맑은 고딕" panose="020B0503020000020004" pitchFamily="50" charset="-127"/>
+                          <a:ea typeface="맑은 고딕" panose="020B0503020000020004" pitchFamily="50" charset="-127"/>
+                        </a:rPr>
+                        <a:t>대분류</a:t>
+                      </a:r>
+                      <a:endParaRPr lang="ko-KR" altLang="en-US" sz="1100" b="0" i="0" u="none" strike="noStrike" dirty="0">
+                        <a:solidFill>
+                          <a:srgbClr val="006100"/>
+                        </a:solidFill>
+                        <a:effectLst/>
+                        <a:latin typeface="맑은 고딕" panose="020B0503020000020004" pitchFamily="50" charset="-127"/>
+                        <a:ea typeface="맑은 고딕" panose="020B0503020000020004" pitchFamily="50" charset="-127"/>
+                      </a:endParaRPr>
+                    </a:p>
+                  </a:txBody>
+                  <a:tcPr marL="7620" marR="7620" marT="7620" marB="0" anchor="ctr">
+                    <a:lnL>
+                      <a:noFill/>
+                    </a:lnL>
+                    <a:lnR>
+                      <a:noFill/>
+                    </a:lnR>
+                    <a:lnT>
+                      <a:noFill/>
+                    </a:lnT>
+                    <a:lnB>
+                      <a:noFill/>
+                    </a:lnB>
+                    <a:solidFill>
+                      <a:srgbClr val="C6EFCE"/>
+                    </a:solidFill>
+                  </a:tcPr>
+                </a:tc>
+                <a:tc>
+                  <a:txBody>
+                    <a:bodyPr/>
+                    <a:lstStyle/>
+                    <a:p>
+                      <a:pPr algn="ctr" fontAlgn="ctr"/>
+                      <a:r>
+                        <a:rPr lang="ko-KR" altLang="en-US" sz="1100" b="0" i="0" u="none" strike="noStrike">
+                          <a:solidFill>
+                            <a:srgbClr val="006100"/>
+                          </a:solidFill>
+                          <a:effectLst/>
+                          <a:latin typeface="맑은 고딕" panose="020B0503020000020004" pitchFamily="50" charset="-127"/>
+                          <a:ea typeface="맑은 고딕" panose="020B0503020000020004" pitchFamily="50" charset="-127"/>
+                        </a:rPr>
+                        <a:t>일렉</a:t>
+                      </a:r>
+                    </a:p>
+                  </a:txBody>
+                  <a:tcPr marL="7620" marR="7620" marT="7620" marB="0" anchor="ctr">
+                    <a:lnL>
+                      <a:noFill/>
+                    </a:lnL>
+                    <a:lnR>
+                      <a:noFill/>
+                    </a:lnR>
+                    <a:lnT>
+                      <a:noFill/>
+                    </a:lnT>
+                    <a:lnB>
+                      <a:noFill/>
+                    </a:lnB>
+                    <a:solidFill>
+                      <a:srgbClr val="C6EFCE"/>
+                    </a:solidFill>
+                  </a:tcPr>
+                </a:tc>
+                <a:tc>
+                  <a:txBody>
+                    <a:bodyPr/>
+                    <a:lstStyle/>
+                    <a:p>
+                      <a:pPr algn="ctr" fontAlgn="ctr"/>
+                      <a:r>
+                        <a:rPr lang="ko-KR" altLang="en-US" sz="1100" b="0" i="0" u="none" strike="noStrike">
+                          <a:solidFill>
+                            <a:srgbClr val="006100"/>
+                          </a:solidFill>
+                          <a:effectLst/>
+                          <a:latin typeface="맑은 고딕" panose="020B0503020000020004" pitchFamily="50" charset="-127"/>
+                          <a:ea typeface="맑은 고딕" panose="020B0503020000020004" pitchFamily="50" charset="-127"/>
+                        </a:rPr>
+                        <a:t>베이스</a:t>
+                      </a:r>
+                    </a:p>
+                  </a:txBody>
+                  <a:tcPr marL="7620" marR="7620" marT="7620" marB="0" anchor="ctr">
+                    <a:lnL>
+                      <a:noFill/>
+                    </a:lnL>
+                    <a:lnR>
+                      <a:noFill/>
+                    </a:lnR>
+                    <a:lnT>
+                      <a:noFill/>
+                    </a:lnT>
+                    <a:lnB>
+                      <a:noFill/>
+                    </a:lnB>
+                    <a:solidFill>
+                      <a:srgbClr val="C6EFCE"/>
+                    </a:solidFill>
+                  </a:tcPr>
+                </a:tc>
+                <a:tc>
+                  <a:txBody>
+                    <a:bodyPr/>
+                    <a:lstStyle/>
+                    <a:p>
+                      <a:pPr algn="ctr" fontAlgn="ctr"/>
+                      <a:r>
+                        <a:rPr lang="ko-KR" altLang="en-US" sz="1100" b="0" i="0" u="none" strike="noStrike">
+                          <a:solidFill>
+                            <a:srgbClr val="006100"/>
+                          </a:solidFill>
+                          <a:effectLst/>
+                          <a:latin typeface="맑은 고딕" panose="020B0503020000020004" pitchFamily="50" charset="-127"/>
+                          <a:ea typeface="맑은 고딕" panose="020B0503020000020004" pitchFamily="50" charset="-127"/>
+                        </a:rPr>
+                        <a:t>어쿠스틱</a:t>
+                      </a:r>
+                      <a:r>
+                        <a:rPr lang="en-US" altLang="ko-KR" sz="1100" b="0" i="0" u="none" strike="noStrike">
+                          <a:solidFill>
+                            <a:srgbClr val="006100"/>
+                          </a:solidFill>
+                          <a:effectLst/>
+                          <a:latin typeface="맑은 고딕" panose="020B0503020000020004" pitchFamily="50" charset="-127"/>
+                          <a:ea typeface="맑은 고딕" panose="020B0503020000020004" pitchFamily="50" charset="-127"/>
+                        </a:rPr>
+                        <a:t>/</a:t>
+                      </a:r>
+                      <a:r>
+                        <a:rPr lang="ko-KR" altLang="en-US" sz="1100" b="0" i="0" u="none" strike="noStrike">
+                          <a:solidFill>
+                            <a:srgbClr val="006100"/>
+                          </a:solidFill>
+                          <a:effectLst/>
+                          <a:latin typeface="맑은 고딕" panose="020B0503020000020004" pitchFamily="50" charset="-127"/>
+                          <a:ea typeface="맑은 고딕" panose="020B0503020000020004" pitchFamily="50" charset="-127"/>
+                        </a:rPr>
+                        <a:t>클래식</a:t>
+                      </a:r>
+                    </a:p>
+                  </a:txBody>
+                  <a:tcPr marL="7620" marR="7620" marT="7620" marB="0" anchor="ctr">
+                    <a:lnL>
+                      <a:noFill/>
+                    </a:lnL>
+                    <a:lnR>
+                      <a:noFill/>
+                    </a:lnR>
+                    <a:lnT>
+                      <a:noFill/>
+                    </a:lnT>
+                    <a:lnB>
+                      <a:noFill/>
+                    </a:lnB>
+                    <a:solidFill>
+                      <a:srgbClr val="C6EFCE"/>
+                    </a:solidFill>
+                  </a:tcPr>
+                </a:tc>
+                <a:tc>
+                  <a:txBody>
+                    <a:bodyPr/>
+                    <a:lstStyle/>
+                    <a:p>
+                      <a:pPr algn="ctr" fontAlgn="ctr"/>
+                      <a:r>
+                        <a:rPr lang="ko-KR" altLang="en-US" sz="1100" b="0" i="0" u="none" strike="noStrike">
+                          <a:solidFill>
+                            <a:srgbClr val="006100"/>
+                          </a:solidFill>
+                          <a:effectLst/>
+                          <a:latin typeface="맑은 고딕" panose="020B0503020000020004" pitchFamily="50" charset="-127"/>
+                          <a:ea typeface="맑은 고딕" panose="020B0503020000020004" pitchFamily="50" charset="-127"/>
+                        </a:rPr>
+                        <a:t>드럼</a:t>
+                      </a:r>
+                    </a:p>
+                  </a:txBody>
+                  <a:tcPr marL="7620" marR="7620" marT="7620" marB="0" anchor="ctr">
+                    <a:lnL>
+                      <a:noFill/>
+                    </a:lnL>
+                    <a:lnR>
+                      <a:noFill/>
+                    </a:lnR>
+                    <a:lnT>
+                      <a:noFill/>
+                    </a:lnT>
+                    <a:lnB>
+                      <a:noFill/>
+                    </a:lnB>
+                    <a:solidFill>
+                      <a:srgbClr val="C6EFCE"/>
+                    </a:solidFill>
+                  </a:tcPr>
+                </a:tc>
+                <a:tc>
+                  <a:txBody>
+                    <a:bodyPr/>
+                    <a:lstStyle/>
+                    <a:p>
+                      <a:pPr algn="ctr" fontAlgn="ctr"/>
+                      <a:r>
+                        <a:rPr lang="ko-KR" altLang="en-US" sz="1100" b="0" i="0" u="none" strike="noStrike">
+                          <a:solidFill>
+                            <a:srgbClr val="006100"/>
+                          </a:solidFill>
+                          <a:effectLst/>
+                          <a:latin typeface="맑은 고딕" panose="020B0503020000020004" pitchFamily="50" charset="-127"/>
+                          <a:ea typeface="맑은 고딕" panose="020B0503020000020004" pitchFamily="50" charset="-127"/>
+                        </a:rPr>
+                        <a:t>건반</a:t>
+                      </a:r>
+                    </a:p>
+                  </a:txBody>
+                  <a:tcPr marL="7620" marR="7620" marT="7620" marB="0" anchor="ctr">
+                    <a:lnL>
+                      <a:noFill/>
+                    </a:lnL>
+                    <a:lnR>
+                      <a:noFill/>
+                    </a:lnR>
+                    <a:lnT>
+                      <a:noFill/>
+                    </a:lnT>
+                    <a:lnB>
+                      <a:noFill/>
+                    </a:lnB>
+                    <a:solidFill>
+                      <a:srgbClr val="C6EFCE"/>
+                    </a:solidFill>
+                  </a:tcPr>
+                </a:tc>
+                <a:tc>
+                  <a:txBody>
+                    <a:bodyPr/>
+                    <a:lstStyle/>
+                    <a:p>
+                      <a:pPr algn="ctr" fontAlgn="ctr"/>
+                      <a:r>
+                        <a:rPr lang="ko-KR" altLang="en-US" sz="1100" b="0" i="0" u="none" strike="noStrike">
+                          <a:solidFill>
+                            <a:srgbClr val="006100"/>
+                          </a:solidFill>
+                          <a:effectLst/>
+                          <a:latin typeface="맑은 고딕" panose="020B0503020000020004" pitchFamily="50" charset="-127"/>
+                          <a:ea typeface="맑은 고딕" panose="020B0503020000020004" pitchFamily="50" charset="-127"/>
+                        </a:rPr>
+                        <a:t>레코딩</a:t>
+                      </a:r>
+                    </a:p>
+                  </a:txBody>
+                  <a:tcPr marL="7620" marR="7620" marT="7620" marB="0" anchor="ctr">
+                    <a:lnL>
+                      <a:noFill/>
+                    </a:lnL>
+                    <a:lnR>
+                      <a:noFill/>
+                    </a:lnR>
+                    <a:lnT>
+                      <a:noFill/>
+                    </a:lnT>
+                    <a:lnB>
+                      <a:noFill/>
+                    </a:lnB>
+                    <a:solidFill>
+                      <a:srgbClr val="C6EFCE"/>
+                    </a:solidFill>
+                  </a:tcPr>
+                </a:tc>
+                <a:tc>
+                  <a:txBody>
+                    <a:bodyPr/>
+                    <a:lstStyle/>
+                    <a:p>
+                      <a:pPr algn="ctr" fontAlgn="ctr"/>
+                      <a:r>
+                        <a:rPr lang="ko-KR" altLang="en-US" sz="1100" b="0" i="0" u="none" strike="noStrike">
+                          <a:solidFill>
+                            <a:srgbClr val="006100"/>
+                          </a:solidFill>
+                          <a:effectLst/>
+                          <a:latin typeface="맑은 고딕" panose="020B0503020000020004" pitchFamily="50" charset="-127"/>
+                          <a:ea typeface="맑은 고딕" panose="020B0503020000020004" pitchFamily="50" charset="-127"/>
+                        </a:rPr>
+                        <a:t>서적</a:t>
+                      </a:r>
+                    </a:p>
+                  </a:txBody>
+                  <a:tcPr marL="7620" marR="7620" marT="7620" marB="0" anchor="ctr">
+                    <a:lnL>
+                      <a:noFill/>
+                    </a:lnL>
+                    <a:lnR>
+                      <a:noFill/>
+                    </a:lnR>
+                    <a:lnT>
+                      <a:noFill/>
+                    </a:lnT>
+                    <a:lnB>
+                      <a:noFill/>
+                    </a:lnB>
+                    <a:solidFill>
+                      <a:srgbClr val="C6EFCE"/>
+                    </a:solidFill>
+                  </a:tcPr>
+                </a:tc>
+              </a:tr>
+              <a:tr h="393940">
+                <a:tc>
+                  <a:txBody>
+                    <a:bodyPr/>
+                    <a:lstStyle/>
+                    <a:p>
+                      <a:pPr algn="ctr" fontAlgn="ctr"/>
+                      <a:r>
+                        <a:rPr lang="ko-KR" altLang="en-US" sz="1100" b="0" i="0" u="none" strike="noStrike">
+                          <a:solidFill>
+                            <a:srgbClr val="9C6500"/>
+                          </a:solidFill>
+                          <a:effectLst/>
+                          <a:latin typeface="맑은 고딕" panose="020B0503020000020004" pitchFamily="50" charset="-127"/>
+                          <a:ea typeface="맑은 고딕" panose="020B0503020000020004" pitchFamily="50" charset="-127"/>
+                        </a:rPr>
+                        <a:t>중분류</a:t>
+                      </a:r>
+                    </a:p>
+                  </a:txBody>
+                  <a:tcPr marL="7620" marR="7620" marT="7620" marB="0" anchor="ctr">
+                    <a:lnL>
+                      <a:noFill/>
+                    </a:lnL>
+                    <a:lnR>
+                      <a:noFill/>
+                    </a:lnR>
+                    <a:lnT>
+                      <a:noFill/>
+                    </a:lnT>
+                    <a:lnB>
+                      <a:noFill/>
+                    </a:lnB>
+                    <a:solidFill>
+                      <a:srgbClr val="FFEB9C"/>
+                    </a:solidFill>
+                  </a:tcPr>
+                </a:tc>
+                <a:tc>
+                  <a:txBody>
+                    <a:bodyPr/>
+                    <a:lstStyle/>
+                    <a:p>
+                      <a:pPr algn="ctr" fontAlgn="ctr"/>
+                      <a:r>
+                        <a:rPr lang="ko-KR" altLang="en-US" sz="1100" b="0" i="0" u="none" strike="noStrike" dirty="0" err="1">
+                          <a:solidFill>
+                            <a:srgbClr val="9C6500"/>
+                          </a:solidFill>
+                          <a:effectLst/>
+                          <a:latin typeface="맑은 고딕" panose="020B0503020000020004" pitchFamily="50" charset="-127"/>
+                          <a:ea typeface="맑은 고딕" panose="020B0503020000020004" pitchFamily="50" charset="-127"/>
+                        </a:rPr>
+                        <a:t>일렉기타</a:t>
+                      </a:r>
+                      <a:endParaRPr lang="ko-KR" altLang="en-US" sz="1100" b="0" i="0" u="none" strike="noStrike" dirty="0">
+                        <a:solidFill>
+                          <a:srgbClr val="9C6500"/>
+                        </a:solidFill>
+                        <a:effectLst/>
+                        <a:latin typeface="맑은 고딕" panose="020B0503020000020004" pitchFamily="50" charset="-127"/>
+                        <a:ea typeface="맑은 고딕" panose="020B0503020000020004" pitchFamily="50" charset="-127"/>
+                      </a:endParaRPr>
+                    </a:p>
+                  </a:txBody>
+                  <a:tcPr marL="7620" marR="7620" marT="7620" marB="0" anchor="ctr">
+                    <a:lnL>
+                      <a:noFill/>
+                    </a:lnL>
+                    <a:lnR>
+                      <a:noFill/>
+                    </a:lnR>
+                    <a:lnT>
+                      <a:noFill/>
+                    </a:lnT>
+                    <a:lnB>
+                      <a:noFill/>
+                    </a:lnB>
+                    <a:solidFill>
+                      <a:srgbClr val="FFEB9C"/>
+                    </a:solidFill>
+                  </a:tcPr>
+                </a:tc>
+                <a:tc>
+                  <a:txBody>
+                    <a:bodyPr/>
+                    <a:lstStyle/>
+                    <a:p>
+                      <a:pPr algn="ctr" fontAlgn="ctr"/>
+                      <a:r>
+                        <a:rPr lang="ko-KR" altLang="en-US" sz="1100" b="0" i="0" u="none" strike="noStrike">
+                          <a:solidFill>
+                            <a:srgbClr val="9C6500"/>
+                          </a:solidFill>
+                          <a:effectLst/>
+                          <a:latin typeface="맑은 고딕" panose="020B0503020000020004" pitchFamily="50" charset="-127"/>
+                          <a:ea typeface="맑은 고딕" panose="020B0503020000020004" pitchFamily="50" charset="-127"/>
+                        </a:rPr>
+                        <a:t>베이스기타</a:t>
+                      </a:r>
+                    </a:p>
+                  </a:txBody>
+                  <a:tcPr marL="7620" marR="7620" marT="7620" marB="0" anchor="ctr">
+                    <a:lnL>
+                      <a:noFill/>
+                    </a:lnL>
+                    <a:lnR>
+                      <a:noFill/>
+                    </a:lnR>
+                    <a:lnT>
+                      <a:noFill/>
+                    </a:lnT>
+                    <a:lnB>
+                      <a:noFill/>
+                    </a:lnB>
+                    <a:solidFill>
+                      <a:srgbClr val="FFEB9C"/>
+                    </a:solidFill>
+                  </a:tcPr>
+                </a:tc>
+                <a:tc>
+                  <a:txBody>
+                    <a:bodyPr/>
+                    <a:lstStyle/>
+                    <a:p>
+                      <a:pPr algn="ctr" fontAlgn="ctr"/>
+                      <a:r>
+                        <a:rPr lang="ko-KR" altLang="en-US" sz="1100" b="0" i="0" u="none" strike="noStrike">
+                          <a:solidFill>
+                            <a:srgbClr val="9C6500"/>
+                          </a:solidFill>
+                          <a:effectLst/>
+                          <a:latin typeface="맑은 고딕" panose="020B0503020000020004" pitchFamily="50" charset="-127"/>
+                          <a:ea typeface="맑은 고딕" panose="020B0503020000020004" pitchFamily="50" charset="-127"/>
+                        </a:rPr>
+                        <a:t>어쿠스틱기타</a:t>
+                      </a:r>
+                    </a:p>
+                  </a:txBody>
+                  <a:tcPr marL="7620" marR="7620" marT="7620" marB="0" anchor="ctr">
+                    <a:lnL>
+                      <a:noFill/>
+                    </a:lnL>
+                    <a:lnR>
+                      <a:noFill/>
+                    </a:lnR>
+                    <a:lnT>
+                      <a:noFill/>
+                    </a:lnT>
+                    <a:lnB>
+                      <a:noFill/>
+                    </a:lnB>
+                    <a:solidFill>
+                      <a:srgbClr val="FFEB9C"/>
+                    </a:solidFill>
+                  </a:tcPr>
+                </a:tc>
+                <a:tc>
+                  <a:txBody>
+                    <a:bodyPr/>
+                    <a:lstStyle/>
+                    <a:p>
+                      <a:pPr algn="ctr" fontAlgn="ctr"/>
+                      <a:r>
+                        <a:rPr lang="ko-KR" altLang="en-US" sz="1100" b="0" i="0" u="none" strike="noStrike">
+                          <a:solidFill>
+                            <a:srgbClr val="9C6500"/>
+                          </a:solidFill>
+                          <a:effectLst/>
+                          <a:latin typeface="맑은 고딕" panose="020B0503020000020004" pitchFamily="50" charset="-127"/>
+                          <a:ea typeface="맑은 고딕" panose="020B0503020000020004" pitchFamily="50" charset="-127"/>
+                        </a:rPr>
+                        <a:t>세트</a:t>
+                      </a:r>
+                    </a:p>
+                  </a:txBody>
+                  <a:tcPr marL="7620" marR="7620" marT="7620" marB="0" anchor="ctr">
+                    <a:lnL>
+                      <a:noFill/>
+                    </a:lnL>
+                    <a:lnR>
+                      <a:noFill/>
+                    </a:lnR>
+                    <a:lnT>
+                      <a:noFill/>
+                    </a:lnT>
+                    <a:lnB>
+                      <a:noFill/>
+                    </a:lnB>
+                    <a:solidFill>
+                      <a:srgbClr val="FFEB9C"/>
+                    </a:solidFill>
+                  </a:tcPr>
+                </a:tc>
+                <a:tc>
+                  <a:txBody>
+                    <a:bodyPr/>
+                    <a:lstStyle/>
+                    <a:p>
+                      <a:pPr algn="ctr" fontAlgn="ctr"/>
+                      <a:r>
+                        <a:rPr lang="ko-KR" altLang="en-US" sz="1100" b="0" i="0" u="none" strike="noStrike">
+                          <a:solidFill>
+                            <a:srgbClr val="9C6500"/>
+                          </a:solidFill>
+                          <a:effectLst/>
+                          <a:latin typeface="맑은 고딕" panose="020B0503020000020004" pitchFamily="50" charset="-127"/>
+                          <a:ea typeface="맑은 고딕" panose="020B0503020000020004" pitchFamily="50" charset="-127"/>
+                        </a:rPr>
+                        <a:t>키보드</a:t>
+                      </a:r>
+                      <a:r>
+                        <a:rPr lang="en-US" altLang="ko-KR" sz="1100" b="0" i="0" u="none" strike="noStrike">
+                          <a:solidFill>
+                            <a:srgbClr val="9C6500"/>
+                          </a:solidFill>
+                          <a:effectLst/>
+                          <a:latin typeface="맑은 고딕" panose="020B0503020000020004" pitchFamily="50" charset="-127"/>
+                          <a:ea typeface="맑은 고딕" panose="020B0503020000020004" pitchFamily="50" charset="-127"/>
+                        </a:rPr>
+                        <a:t>/</a:t>
+                      </a:r>
+                      <a:r>
+                        <a:rPr lang="ko-KR" altLang="en-US" sz="1100" b="0" i="0" u="none" strike="noStrike">
+                          <a:solidFill>
+                            <a:srgbClr val="9C6500"/>
+                          </a:solidFill>
+                          <a:effectLst/>
+                          <a:latin typeface="맑은 고딕" panose="020B0503020000020004" pitchFamily="50" charset="-127"/>
+                          <a:ea typeface="맑은 고딕" panose="020B0503020000020004" pitchFamily="50" charset="-127"/>
+                        </a:rPr>
+                        <a:t>신디</a:t>
+                      </a:r>
+                    </a:p>
+                  </a:txBody>
+                  <a:tcPr marL="7620" marR="7620" marT="7620" marB="0" anchor="ctr">
+                    <a:lnL>
+                      <a:noFill/>
+                    </a:lnL>
+                    <a:lnR>
+                      <a:noFill/>
+                    </a:lnR>
+                    <a:lnT>
+                      <a:noFill/>
+                    </a:lnT>
+                    <a:lnB>
+                      <a:noFill/>
+                    </a:lnB>
+                    <a:solidFill>
+                      <a:srgbClr val="FFEB9C"/>
+                    </a:solidFill>
+                  </a:tcPr>
+                </a:tc>
+                <a:tc>
+                  <a:txBody>
+                    <a:bodyPr/>
+                    <a:lstStyle/>
+                    <a:p>
+                      <a:pPr algn="ctr" fontAlgn="ctr"/>
+                      <a:r>
+                        <a:rPr lang="ko-KR" altLang="en-US" sz="1100" b="0" i="0" u="none" strike="noStrike">
+                          <a:solidFill>
+                            <a:srgbClr val="9C6500"/>
+                          </a:solidFill>
+                          <a:effectLst/>
+                          <a:latin typeface="맑은 고딕" panose="020B0503020000020004" pitchFamily="50" charset="-127"/>
+                          <a:ea typeface="맑은 고딕" panose="020B0503020000020004" pitchFamily="50" charset="-127"/>
+                        </a:rPr>
+                        <a:t>오디오인터페이스</a:t>
+                      </a:r>
+                    </a:p>
+                  </a:txBody>
+                  <a:tcPr marL="7620" marR="7620" marT="7620" marB="0" anchor="ctr">
+                    <a:lnL>
+                      <a:noFill/>
+                    </a:lnL>
+                    <a:lnR>
+                      <a:noFill/>
+                    </a:lnR>
+                    <a:lnT>
+                      <a:noFill/>
+                    </a:lnT>
+                    <a:lnB>
+                      <a:noFill/>
+                    </a:lnB>
+                    <a:solidFill>
+                      <a:srgbClr val="FFEB9C"/>
+                    </a:solidFill>
+                  </a:tcPr>
+                </a:tc>
+                <a:tc>
+                  <a:txBody>
+                    <a:bodyPr/>
+                    <a:lstStyle/>
+                    <a:p>
+                      <a:pPr algn="ctr" fontAlgn="ctr"/>
+                      <a:r>
+                        <a:rPr lang="ko-KR" altLang="en-US" sz="1100" b="0" i="0" u="none" strike="noStrike">
+                          <a:solidFill>
+                            <a:srgbClr val="9C6500"/>
+                          </a:solidFill>
+                          <a:effectLst/>
+                          <a:latin typeface="맑은 고딕" panose="020B0503020000020004" pitchFamily="50" charset="-127"/>
+                          <a:ea typeface="맑은 고딕" panose="020B0503020000020004" pitchFamily="50" charset="-127"/>
+                        </a:rPr>
+                        <a:t>기타</a:t>
+                      </a:r>
+                    </a:p>
+                  </a:txBody>
+                  <a:tcPr marL="7620" marR="7620" marT="7620" marB="0" anchor="ctr">
+                    <a:lnL>
+                      <a:noFill/>
+                    </a:lnL>
+                    <a:lnR>
+                      <a:noFill/>
+                    </a:lnR>
+                    <a:lnT>
+                      <a:noFill/>
+                    </a:lnT>
+                    <a:lnB>
+                      <a:noFill/>
+                    </a:lnB>
+                    <a:solidFill>
+                      <a:srgbClr val="FFEB9C"/>
+                    </a:solidFill>
+                  </a:tcPr>
+                </a:tc>
+              </a:tr>
+              <a:tr h="393940">
+                <a:tc>
+                  <a:txBody>
+                    <a:bodyPr/>
+                    <a:lstStyle/>
+                    <a:p>
+                      <a:pPr algn="ctr" fontAlgn="ctr"/>
+                      <a:r>
+                        <a:rPr lang="ko-KR" altLang="en-US" sz="1100" b="0" i="0" u="none" strike="noStrike">
+                          <a:solidFill>
+                            <a:srgbClr val="9C6500"/>
+                          </a:solidFill>
+                          <a:effectLst/>
+                          <a:latin typeface="맑은 고딕" panose="020B0503020000020004" pitchFamily="50" charset="-127"/>
+                          <a:ea typeface="맑은 고딕" panose="020B0503020000020004" pitchFamily="50" charset="-127"/>
+                        </a:rPr>
+                        <a:t>　</a:t>
+                      </a:r>
+                    </a:p>
+                  </a:txBody>
+                  <a:tcPr marL="7620" marR="7620" marT="7620" marB="0" anchor="ctr">
+                    <a:lnL>
+                      <a:noFill/>
+                    </a:lnL>
+                    <a:lnR>
+                      <a:noFill/>
+                    </a:lnR>
+                    <a:lnT>
+                      <a:noFill/>
+                    </a:lnT>
+                    <a:lnB>
+                      <a:noFill/>
+                    </a:lnB>
+                    <a:solidFill>
+                      <a:srgbClr val="FFEB9C"/>
+                    </a:solidFill>
+                  </a:tcPr>
+                </a:tc>
+                <a:tc>
+                  <a:txBody>
+                    <a:bodyPr/>
+                    <a:lstStyle/>
+                    <a:p>
+                      <a:pPr algn="ctr" fontAlgn="ctr"/>
+                      <a:r>
+                        <a:rPr lang="ko-KR" altLang="en-US" sz="1100" b="0" i="0" u="none" strike="noStrike">
+                          <a:solidFill>
+                            <a:srgbClr val="9C6500"/>
+                          </a:solidFill>
+                          <a:effectLst/>
+                          <a:latin typeface="맑은 고딕" panose="020B0503020000020004" pitchFamily="50" charset="-127"/>
+                          <a:ea typeface="맑은 고딕" panose="020B0503020000020004" pitchFamily="50" charset="-127"/>
+                        </a:rPr>
+                        <a:t>앰프</a:t>
+                      </a:r>
+                    </a:p>
+                  </a:txBody>
+                  <a:tcPr marL="7620" marR="7620" marT="7620" marB="0" anchor="ctr">
+                    <a:lnL>
+                      <a:noFill/>
+                    </a:lnL>
+                    <a:lnR>
+                      <a:noFill/>
+                    </a:lnR>
+                    <a:lnT>
+                      <a:noFill/>
+                    </a:lnT>
+                    <a:lnB>
+                      <a:noFill/>
+                    </a:lnB>
+                    <a:solidFill>
+                      <a:srgbClr val="FFEB9C"/>
+                    </a:solidFill>
+                  </a:tcPr>
+                </a:tc>
+                <a:tc>
+                  <a:txBody>
+                    <a:bodyPr/>
+                    <a:lstStyle/>
+                    <a:p>
+                      <a:pPr algn="ctr" fontAlgn="ctr"/>
+                      <a:r>
+                        <a:rPr lang="ko-KR" altLang="en-US" sz="1100" b="0" i="0" u="none" strike="noStrike">
+                          <a:solidFill>
+                            <a:srgbClr val="9C6500"/>
+                          </a:solidFill>
+                          <a:effectLst/>
+                          <a:latin typeface="맑은 고딕" panose="020B0503020000020004" pitchFamily="50" charset="-127"/>
+                          <a:ea typeface="맑은 고딕" panose="020B0503020000020004" pitchFamily="50" charset="-127"/>
+                        </a:rPr>
+                        <a:t>앰프</a:t>
+                      </a:r>
+                    </a:p>
+                  </a:txBody>
+                  <a:tcPr marL="7620" marR="7620" marT="7620" marB="0" anchor="ctr">
+                    <a:lnL>
+                      <a:noFill/>
+                    </a:lnL>
+                    <a:lnR>
+                      <a:noFill/>
+                    </a:lnR>
+                    <a:lnT>
+                      <a:noFill/>
+                    </a:lnT>
+                    <a:lnB>
+                      <a:noFill/>
+                    </a:lnB>
+                    <a:solidFill>
+                      <a:srgbClr val="FFEB9C"/>
+                    </a:solidFill>
+                  </a:tcPr>
+                </a:tc>
+                <a:tc>
+                  <a:txBody>
+                    <a:bodyPr/>
+                    <a:lstStyle/>
+                    <a:p>
+                      <a:pPr algn="ctr" fontAlgn="ctr"/>
+                      <a:r>
+                        <a:rPr lang="ko-KR" altLang="en-US" sz="1100" b="0" i="0" u="none" strike="noStrike">
+                          <a:solidFill>
+                            <a:srgbClr val="9C6500"/>
+                          </a:solidFill>
+                          <a:effectLst/>
+                          <a:latin typeface="맑은 고딕" panose="020B0503020000020004" pitchFamily="50" charset="-127"/>
+                          <a:ea typeface="맑은 고딕" panose="020B0503020000020004" pitchFamily="50" charset="-127"/>
+                        </a:rPr>
+                        <a:t>앰프</a:t>
+                      </a:r>
+                    </a:p>
+                  </a:txBody>
+                  <a:tcPr marL="7620" marR="7620" marT="7620" marB="0" anchor="ctr">
+                    <a:lnL>
+                      <a:noFill/>
+                    </a:lnL>
+                    <a:lnR>
+                      <a:noFill/>
+                    </a:lnR>
+                    <a:lnT>
+                      <a:noFill/>
+                    </a:lnT>
+                    <a:lnB>
+                      <a:noFill/>
+                    </a:lnB>
+                    <a:solidFill>
+                      <a:srgbClr val="FFEB9C"/>
+                    </a:solidFill>
+                  </a:tcPr>
+                </a:tc>
+                <a:tc>
+                  <a:txBody>
+                    <a:bodyPr/>
+                    <a:lstStyle/>
+                    <a:p>
+                      <a:pPr algn="ctr" fontAlgn="ctr"/>
+                      <a:r>
+                        <a:rPr lang="ko-KR" altLang="en-US" sz="1100" b="0" i="0" u="none" strike="noStrike">
+                          <a:solidFill>
+                            <a:srgbClr val="9C6500"/>
+                          </a:solidFill>
+                          <a:effectLst/>
+                          <a:latin typeface="맑은 고딕" panose="020B0503020000020004" pitchFamily="50" charset="-127"/>
+                          <a:ea typeface="맑은 고딕" panose="020B0503020000020004" pitchFamily="50" charset="-127"/>
+                        </a:rPr>
+                        <a:t>스네어</a:t>
+                      </a:r>
+                    </a:p>
+                  </a:txBody>
+                  <a:tcPr marL="7620" marR="7620" marT="7620" marB="0" anchor="ctr">
+                    <a:lnL>
+                      <a:noFill/>
+                    </a:lnL>
+                    <a:lnR>
+                      <a:noFill/>
+                    </a:lnR>
+                    <a:lnT>
+                      <a:noFill/>
+                    </a:lnT>
+                    <a:lnB>
+                      <a:noFill/>
+                    </a:lnB>
+                    <a:solidFill>
+                      <a:srgbClr val="FFEB9C"/>
+                    </a:solidFill>
+                  </a:tcPr>
+                </a:tc>
+                <a:tc>
+                  <a:txBody>
+                    <a:bodyPr/>
+                    <a:lstStyle/>
+                    <a:p>
+                      <a:pPr algn="ctr" fontAlgn="ctr"/>
+                      <a:r>
+                        <a:rPr lang="ko-KR" altLang="en-US" sz="1100" b="0" i="0" u="none" strike="noStrike">
+                          <a:solidFill>
+                            <a:srgbClr val="9C6500"/>
+                          </a:solidFill>
+                          <a:effectLst/>
+                          <a:latin typeface="맑은 고딕" panose="020B0503020000020004" pitchFamily="50" charset="-127"/>
+                          <a:ea typeface="맑은 고딕" panose="020B0503020000020004" pitchFamily="50" charset="-127"/>
+                        </a:rPr>
+                        <a:t>키보드앰프</a:t>
+                      </a:r>
+                    </a:p>
+                  </a:txBody>
+                  <a:tcPr marL="7620" marR="7620" marT="7620" marB="0" anchor="ctr">
+                    <a:lnL>
+                      <a:noFill/>
+                    </a:lnL>
+                    <a:lnR>
+                      <a:noFill/>
+                    </a:lnR>
+                    <a:lnT>
+                      <a:noFill/>
+                    </a:lnT>
+                    <a:lnB>
+                      <a:noFill/>
+                    </a:lnB>
+                    <a:solidFill>
+                      <a:srgbClr val="FFEB9C"/>
+                    </a:solidFill>
+                  </a:tcPr>
+                </a:tc>
+                <a:tc>
+                  <a:txBody>
+                    <a:bodyPr/>
+                    <a:lstStyle/>
+                    <a:p>
+                      <a:pPr algn="ctr" fontAlgn="ctr"/>
+                      <a:r>
+                        <a:rPr lang="ko-KR" altLang="en-US" sz="1100" b="0" i="0" u="none" strike="noStrike">
+                          <a:solidFill>
+                            <a:srgbClr val="9C6500"/>
+                          </a:solidFill>
+                          <a:effectLst/>
+                          <a:latin typeface="맑은 고딕" panose="020B0503020000020004" pitchFamily="50" charset="-127"/>
+                          <a:ea typeface="맑은 고딕" panose="020B0503020000020004" pitchFamily="50" charset="-127"/>
+                        </a:rPr>
+                        <a:t>스피커</a:t>
+                      </a:r>
+                      <a:r>
+                        <a:rPr lang="en-US" altLang="ko-KR" sz="1100" b="0" i="0" u="none" strike="noStrike">
+                          <a:solidFill>
+                            <a:srgbClr val="9C6500"/>
+                          </a:solidFill>
+                          <a:effectLst/>
+                          <a:latin typeface="맑은 고딕" panose="020B0503020000020004" pitchFamily="50" charset="-127"/>
+                          <a:ea typeface="맑은 고딕" panose="020B0503020000020004" pitchFamily="50" charset="-127"/>
+                        </a:rPr>
+                        <a:t>/</a:t>
+                      </a:r>
+                      <a:r>
+                        <a:rPr lang="ko-KR" altLang="en-US" sz="1100" b="0" i="0" u="none" strike="noStrike">
+                          <a:solidFill>
+                            <a:srgbClr val="9C6500"/>
+                          </a:solidFill>
+                          <a:effectLst/>
+                          <a:latin typeface="맑은 고딕" panose="020B0503020000020004" pitchFamily="50" charset="-127"/>
+                          <a:ea typeface="맑은 고딕" panose="020B0503020000020004" pitchFamily="50" charset="-127"/>
+                        </a:rPr>
+                        <a:t>헤드폰</a:t>
+                      </a:r>
+                    </a:p>
+                  </a:txBody>
+                  <a:tcPr marL="7620" marR="7620" marT="7620" marB="0" anchor="ctr">
+                    <a:lnL>
+                      <a:noFill/>
+                    </a:lnL>
+                    <a:lnR>
+                      <a:noFill/>
+                    </a:lnR>
+                    <a:lnT>
+                      <a:noFill/>
+                    </a:lnT>
+                    <a:lnB>
+                      <a:noFill/>
+                    </a:lnB>
+                    <a:solidFill>
+                      <a:srgbClr val="FFEB9C"/>
+                    </a:solidFill>
+                  </a:tcPr>
+                </a:tc>
+                <a:tc>
+                  <a:txBody>
+                    <a:bodyPr/>
+                    <a:lstStyle/>
+                    <a:p>
+                      <a:pPr algn="ctr" fontAlgn="ctr"/>
+                      <a:r>
+                        <a:rPr lang="ko-KR" altLang="en-US" sz="1100" b="0" i="0" u="none" strike="noStrike">
+                          <a:solidFill>
+                            <a:srgbClr val="9C6500"/>
+                          </a:solidFill>
+                          <a:effectLst/>
+                          <a:latin typeface="맑은 고딕" panose="020B0503020000020004" pitchFamily="50" charset="-127"/>
+                          <a:ea typeface="맑은 고딕" panose="020B0503020000020004" pitchFamily="50" charset="-127"/>
+                        </a:rPr>
+                        <a:t>드럼</a:t>
+                      </a:r>
+                    </a:p>
+                  </a:txBody>
+                  <a:tcPr marL="7620" marR="7620" marT="7620" marB="0" anchor="ctr">
+                    <a:lnL>
+                      <a:noFill/>
+                    </a:lnL>
+                    <a:lnR>
+                      <a:noFill/>
+                    </a:lnR>
+                    <a:lnT>
+                      <a:noFill/>
+                    </a:lnT>
+                    <a:lnB>
+                      <a:noFill/>
+                    </a:lnB>
+                    <a:solidFill>
+                      <a:srgbClr val="FFEB9C"/>
+                    </a:solidFill>
+                  </a:tcPr>
+                </a:tc>
+              </a:tr>
+              <a:tr h="393940">
+                <a:tc>
+                  <a:txBody>
+                    <a:bodyPr/>
+                    <a:lstStyle/>
+                    <a:p>
+                      <a:pPr algn="ctr" fontAlgn="ctr"/>
+                      <a:r>
+                        <a:rPr lang="ko-KR" altLang="en-US" sz="1100" b="0" i="0" u="none" strike="noStrike">
+                          <a:solidFill>
+                            <a:srgbClr val="9C6500"/>
+                          </a:solidFill>
+                          <a:effectLst/>
+                          <a:latin typeface="맑은 고딕" panose="020B0503020000020004" pitchFamily="50" charset="-127"/>
+                          <a:ea typeface="맑은 고딕" panose="020B0503020000020004" pitchFamily="50" charset="-127"/>
+                        </a:rPr>
+                        <a:t>　</a:t>
+                      </a:r>
+                    </a:p>
+                  </a:txBody>
+                  <a:tcPr marL="7620" marR="7620" marT="7620" marB="0" anchor="ctr">
+                    <a:lnL>
+                      <a:noFill/>
+                    </a:lnL>
+                    <a:lnR>
+                      <a:noFill/>
+                    </a:lnR>
+                    <a:lnT>
+                      <a:noFill/>
+                    </a:lnT>
+                    <a:lnB>
+                      <a:noFill/>
+                    </a:lnB>
+                    <a:solidFill>
+                      <a:srgbClr val="FFEB9C"/>
+                    </a:solidFill>
+                  </a:tcPr>
+                </a:tc>
+                <a:tc>
+                  <a:txBody>
+                    <a:bodyPr/>
+                    <a:lstStyle/>
+                    <a:p>
+                      <a:pPr algn="ctr" fontAlgn="ctr"/>
+                      <a:r>
+                        <a:rPr lang="ko-KR" altLang="en-US" sz="1100" b="0" i="0" u="none" strike="noStrike">
+                          <a:solidFill>
+                            <a:srgbClr val="9C6500"/>
+                          </a:solidFill>
+                          <a:effectLst/>
+                          <a:latin typeface="맑은 고딕" panose="020B0503020000020004" pitchFamily="50" charset="-127"/>
+                          <a:ea typeface="맑은 고딕" panose="020B0503020000020004" pitchFamily="50" charset="-127"/>
+                        </a:rPr>
+                        <a:t>이펙터</a:t>
+                      </a:r>
+                    </a:p>
+                  </a:txBody>
+                  <a:tcPr marL="7620" marR="7620" marT="7620" marB="0" anchor="ctr">
+                    <a:lnL>
+                      <a:noFill/>
+                    </a:lnL>
+                    <a:lnR>
+                      <a:noFill/>
+                    </a:lnR>
+                    <a:lnT>
+                      <a:noFill/>
+                    </a:lnT>
+                    <a:lnB>
+                      <a:noFill/>
+                    </a:lnB>
+                    <a:solidFill>
+                      <a:srgbClr val="FFEB9C"/>
+                    </a:solidFill>
+                  </a:tcPr>
+                </a:tc>
+                <a:tc>
+                  <a:txBody>
+                    <a:bodyPr/>
+                    <a:lstStyle/>
+                    <a:p>
+                      <a:pPr algn="ctr" fontAlgn="ctr"/>
+                      <a:r>
+                        <a:rPr lang="ko-KR" altLang="en-US" sz="1100" b="0" i="0" u="none" strike="noStrike">
+                          <a:solidFill>
+                            <a:srgbClr val="9C6500"/>
+                          </a:solidFill>
+                          <a:effectLst/>
+                          <a:latin typeface="맑은 고딕" panose="020B0503020000020004" pitchFamily="50" charset="-127"/>
+                          <a:ea typeface="맑은 고딕" panose="020B0503020000020004" pitchFamily="50" charset="-127"/>
+                        </a:rPr>
+                        <a:t>이펙터</a:t>
+                      </a:r>
+                    </a:p>
+                  </a:txBody>
+                  <a:tcPr marL="7620" marR="7620" marT="7620" marB="0" anchor="ctr">
+                    <a:lnL>
+                      <a:noFill/>
+                    </a:lnL>
+                    <a:lnR>
+                      <a:noFill/>
+                    </a:lnR>
+                    <a:lnT>
+                      <a:noFill/>
+                    </a:lnT>
+                    <a:lnB>
+                      <a:noFill/>
+                    </a:lnB>
+                    <a:solidFill>
+                      <a:srgbClr val="FFEB9C"/>
+                    </a:solidFill>
+                  </a:tcPr>
+                </a:tc>
+                <a:tc>
+                  <a:txBody>
+                    <a:bodyPr/>
+                    <a:lstStyle/>
+                    <a:p>
+                      <a:pPr algn="ctr" fontAlgn="ctr"/>
+                      <a:r>
+                        <a:rPr lang="ko-KR" altLang="en-US" sz="1100" b="0" i="0" u="none" strike="noStrike">
+                          <a:solidFill>
+                            <a:srgbClr val="9C6500"/>
+                          </a:solidFill>
+                          <a:effectLst/>
+                          <a:latin typeface="맑은 고딕" panose="020B0503020000020004" pitchFamily="50" charset="-127"/>
+                          <a:ea typeface="맑은 고딕" panose="020B0503020000020004" pitchFamily="50" charset="-127"/>
+                        </a:rPr>
+                        <a:t>이펙터</a:t>
+                      </a:r>
+                    </a:p>
+                  </a:txBody>
+                  <a:tcPr marL="7620" marR="7620" marT="7620" marB="0" anchor="ctr">
+                    <a:lnL>
+                      <a:noFill/>
+                    </a:lnL>
+                    <a:lnR>
+                      <a:noFill/>
+                    </a:lnR>
+                    <a:lnT>
+                      <a:noFill/>
+                    </a:lnT>
+                    <a:lnB>
+                      <a:noFill/>
+                    </a:lnB>
+                    <a:solidFill>
+                      <a:srgbClr val="FFEB9C"/>
+                    </a:solidFill>
+                  </a:tcPr>
+                </a:tc>
+                <a:tc>
+                  <a:txBody>
+                    <a:bodyPr/>
+                    <a:lstStyle/>
+                    <a:p>
+                      <a:pPr algn="ctr" fontAlgn="ctr"/>
+                      <a:r>
+                        <a:rPr lang="ko-KR" altLang="en-US" sz="1100" b="0" i="0" u="none" strike="noStrike">
+                          <a:solidFill>
+                            <a:srgbClr val="9C6500"/>
+                          </a:solidFill>
+                          <a:effectLst/>
+                          <a:latin typeface="맑은 고딕" panose="020B0503020000020004" pitchFamily="50" charset="-127"/>
+                          <a:ea typeface="맑은 고딕" panose="020B0503020000020004" pitchFamily="50" charset="-127"/>
+                        </a:rPr>
+                        <a:t>심벌</a:t>
+                      </a:r>
+                    </a:p>
+                  </a:txBody>
+                  <a:tcPr marL="7620" marR="7620" marT="7620" marB="0" anchor="ctr">
+                    <a:lnL>
+                      <a:noFill/>
+                    </a:lnL>
+                    <a:lnR>
+                      <a:noFill/>
+                    </a:lnR>
+                    <a:lnT>
+                      <a:noFill/>
+                    </a:lnT>
+                    <a:lnB>
+                      <a:noFill/>
+                    </a:lnB>
+                    <a:solidFill>
+                      <a:srgbClr val="FFEB9C"/>
+                    </a:solidFill>
+                  </a:tcPr>
+                </a:tc>
+                <a:tc>
+                  <a:txBody>
+                    <a:bodyPr/>
+                    <a:lstStyle/>
+                    <a:p>
+                      <a:pPr algn="ctr" fontAlgn="ctr"/>
+                      <a:r>
+                        <a:rPr lang="ko-KR" altLang="en-US" sz="1100" b="0" i="0" u="none" strike="noStrike">
+                          <a:solidFill>
+                            <a:srgbClr val="9C6500"/>
+                          </a:solidFill>
+                          <a:effectLst/>
+                          <a:latin typeface="맑은 고딕" panose="020B0503020000020004" pitchFamily="50" charset="-127"/>
+                          <a:ea typeface="맑은 고딕" panose="020B0503020000020004" pitchFamily="50" charset="-127"/>
+                        </a:rPr>
+                        <a:t>악세서리</a:t>
+                      </a:r>
+                    </a:p>
+                  </a:txBody>
+                  <a:tcPr marL="7620" marR="7620" marT="7620" marB="0" anchor="ctr">
+                    <a:lnL>
+                      <a:noFill/>
+                    </a:lnL>
+                    <a:lnR>
+                      <a:noFill/>
+                    </a:lnR>
+                    <a:lnT>
+                      <a:noFill/>
+                    </a:lnT>
+                    <a:lnB>
+                      <a:noFill/>
+                    </a:lnB>
+                    <a:solidFill>
+                      <a:srgbClr val="FFEB9C"/>
+                    </a:solidFill>
+                  </a:tcPr>
+                </a:tc>
+                <a:tc>
+                  <a:txBody>
+                    <a:bodyPr/>
+                    <a:lstStyle/>
+                    <a:p>
+                      <a:pPr algn="ctr" fontAlgn="ctr"/>
+                      <a:r>
+                        <a:rPr lang="ko-KR" altLang="en-US" sz="1100" b="0" i="0" u="none" strike="noStrike">
+                          <a:solidFill>
+                            <a:srgbClr val="9C6500"/>
+                          </a:solidFill>
+                          <a:effectLst/>
+                          <a:latin typeface="맑은 고딕" panose="020B0503020000020004" pitchFamily="50" charset="-127"/>
+                          <a:ea typeface="맑은 고딕" panose="020B0503020000020004" pitchFamily="50" charset="-127"/>
+                        </a:rPr>
+                        <a:t>미디건반</a:t>
+                      </a:r>
+                    </a:p>
+                  </a:txBody>
+                  <a:tcPr marL="7620" marR="7620" marT="7620" marB="0" anchor="ctr">
+                    <a:lnL>
+                      <a:noFill/>
+                    </a:lnL>
+                    <a:lnR>
+                      <a:noFill/>
+                    </a:lnR>
+                    <a:lnT>
+                      <a:noFill/>
+                    </a:lnT>
+                    <a:lnB>
+                      <a:noFill/>
+                    </a:lnB>
+                    <a:solidFill>
+                      <a:srgbClr val="FFEB9C"/>
+                    </a:solidFill>
+                  </a:tcPr>
+                </a:tc>
+                <a:tc>
+                  <a:txBody>
+                    <a:bodyPr/>
+                    <a:lstStyle/>
+                    <a:p>
+                      <a:pPr algn="ctr" fontAlgn="ctr"/>
+                      <a:r>
+                        <a:rPr lang="ko-KR" altLang="en-US" sz="1100" b="0" i="0" u="none" strike="noStrike">
+                          <a:solidFill>
+                            <a:srgbClr val="9C6500"/>
+                          </a:solidFill>
+                          <a:effectLst/>
+                          <a:latin typeface="맑은 고딕" panose="020B0503020000020004" pitchFamily="50" charset="-127"/>
+                          <a:ea typeface="맑은 고딕" panose="020B0503020000020004" pitchFamily="50" charset="-127"/>
+                        </a:rPr>
+                        <a:t>건반</a:t>
+                      </a:r>
+                    </a:p>
+                  </a:txBody>
+                  <a:tcPr marL="7620" marR="7620" marT="7620" marB="0" anchor="ctr">
+                    <a:lnL>
+                      <a:noFill/>
+                    </a:lnL>
+                    <a:lnR>
+                      <a:noFill/>
+                    </a:lnR>
+                    <a:lnT>
+                      <a:noFill/>
+                    </a:lnT>
+                    <a:lnB>
+                      <a:noFill/>
+                    </a:lnB>
+                    <a:solidFill>
+                      <a:srgbClr val="FFEB9C"/>
+                    </a:solidFill>
+                  </a:tcPr>
+                </a:tc>
+              </a:tr>
+              <a:tr h="393940">
+                <a:tc>
+                  <a:txBody>
+                    <a:bodyPr/>
+                    <a:lstStyle/>
+                    <a:p>
+                      <a:pPr algn="ctr" fontAlgn="ctr"/>
+                      <a:r>
+                        <a:rPr lang="ko-KR" altLang="en-US" sz="1100" b="0" i="0" u="none" strike="noStrike">
+                          <a:solidFill>
+                            <a:srgbClr val="9C6500"/>
+                          </a:solidFill>
+                          <a:effectLst/>
+                          <a:latin typeface="맑은 고딕" panose="020B0503020000020004" pitchFamily="50" charset="-127"/>
+                          <a:ea typeface="맑은 고딕" panose="020B0503020000020004" pitchFamily="50" charset="-127"/>
+                        </a:rPr>
+                        <a:t>　</a:t>
+                      </a:r>
+                    </a:p>
+                  </a:txBody>
+                  <a:tcPr marL="7620" marR="7620" marT="7620" marB="0" anchor="ctr">
+                    <a:lnL>
+                      <a:noFill/>
+                    </a:lnL>
+                    <a:lnR>
+                      <a:noFill/>
+                    </a:lnR>
+                    <a:lnT>
+                      <a:noFill/>
+                    </a:lnT>
+                    <a:lnB>
+                      <a:noFill/>
+                    </a:lnB>
+                    <a:solidFill>
+                      <a:srgbClr val="FFEB9C"/>
+                    </a:solidFill>
+                  </a:tcPr>
+                </a:tc>
+                <a:tc>
+                  <a:txBody>
+                    <a:bodyPr/>
+                    <a:lstStyle/>
+                    <a:p>
+                      <a:pPr algn="ctr" fontAlgn="ctr"/>
+                      <a:r>
+                        <a:rPr lang="ko-KR" altLang="en-US" sz="1100" b="0" i="0" u="none" strike="noStrike">
+                          <a:solidFill>
+                            <a:srgbClr val="9C6500"/>
+                          </a:solidFill>
+                          <a:effectLst/>
+                          <a:latin typeface="맑은 고딕" panose="020B0503020000020004" pitchFamily="50" charset="-127"/>
+                          <a:ea typeface="맑은 고딕" panose="020B0503020000020004" pitchFamily="50" charset="-127"/>
+                        </a:rPr>
+                        <a:t>픽업</a:t>
+                      </a:r>
+                      <a:r>
+                        <a:rPr lang="en-US" altLang="ko-KR" sz="1100" b="0" i="0" u="none" strike="noStrike">
+                          <a:solidFill>
+                            <a:srgbClr val="9C6500"/>
+                          </a:solidFill>
+                          <a:effectLst/>
+                          <a:latin typeface="맑은 고딕" panose="020B0503020000020004" pitchFamily="50" charset="-127"/>
+                          <a:ea typeface="맑은 고딕" panose="020B0503020000020004" pitchFamily="50" charset="-127"/>
+                        </a:rPr>
+                        <a:t>/</a:t>
+                      </a:r>
+                      <a:r>
+                        <a:rPr lang="ko-KR" altLang="en-US" sz="1100" b="0" i="0" u="none" strike="noStrike">
+                          <a:solidFill>
+                            <a:srgbClr val="9C6500"/>
+                          </a:solidFill>
+                          <a:effectLst/>
+                          <a:latin typeface="맑은 고딕" panose="020B0503020000020004" pitchFamily="50" charset="-127"/>
+                          <a:ea typeface="맑은 고딕" panose="020B0503020000020004" pitchFamily="50" charset="-127"/>
+                        </a:rPr>
+                        <a:t>파츠</a:t>
+                      </a:r>
+                    </a:p>
+                  </a:txBody>
+                  <a:tcPr marL="7620" marR="7620" marT="7620" marB="0" anchor="ctr">
+                    <a:lnL>
+                      <a:noFill/>
+                    </a:lnL>
+                    <a:lnR>
+                      <a:noFill/>
+                    </a:lnR>
+                    <a:lnT>
+                      <a:noFill/>
+                    </a:lnT>
+                    <a:lnB>
+                      <a:noFill/>
+                    </a:lnB>
+                    <a:solidFill>
+                      <a:srgbClr val="FFEB9C"/>
+                    </a:solidFill>
+                  </a:tcPr>
+                </a:tc>
+                <a:tc>
+                  <a:txBody>
+                    <a:bodyPr/>
+                    <a:lstStyle/>
+                    <a:p>
+                      <a:pPr algn="ctr" fontAlgn="ctr"/>
+                      <a:r>
+                        <a:rPr lang="ko-KR" altLang="en-US" sz="1100" b="0" i="0" u="none" strike="noStrike">
+                          <a:solidFill>
+                            <a:srgbClr val="9C6500"/>
+                          </a:solidFill>
+                          <a:effectLst/>
+                          <a:latin typeface="맑은 고딕" panose="020B0503020000020004" pitchFamily="50" charset="-127"/>
+                          <a:ea typeface="맑은 고딕" panose="020B0503020000020004" pitchFamily="50" charset="-127"/>
+                        </a:rPr>
+                        <a:t>픽업</a:t>
+                      </a:r>
+                      <a:r>
+                        <a:rPr lang="en-US" altLang="ko-KR" sz="1100" b="0" i="0" u="none" strike="noStrike">
+                          <a:solidFill>
+                            <a:srgbClr val="9C6500"/>
+                          </a:solidFill>
+                          <a:effectLst/>
+                          <a:latin typeface="맑은 고딕" panose="020B0503020000020004" pitchFamily="50" charset="-127"/>
+                          <a:ea typeface="맑은 고딕" panose="020B0503020000020004" pitchFamily="50" charset="-127"/>
+                        </a:rPr>
+                        <a:t>/</a:t>
+                      </a:r>
+                      <a:r>
+                        <a:rPr lang="ko-KR" altLang="en-US" sz="1100" b="0" i="0" u="none" strike="noStrike">
+                          <a:solidFill>
+                            <a:srgbClr val="9C6500"/>
+                          </a:solidFill>
+                          <a:effectLst/>
+                          <a:latin typeface="맑은 고딕" panose="020B0503020000020004" pitchFamily="50" charset="-127"/>
+                          <a:ea typeface="맑은 고딕" panose="020B0503020000020004" pitchFamily="50" charset="-127"/>
+                        </a:rPr>
+                        <a:t>파츠</a:t>
+                      </a:r>
+                    </a:p>
+                  </a:txBody>
+                  <a:tcPr marL="7620" marR="7620" marT="7620" marB="0" anchor="ctr">
+                    <a:lnL>
+                      <a:noFill/>
+                    </a:lnL>
+                    <a:lnR>
+                      <a:noFill/>
+                    </a:lnR>
+                    <a:lnT>
+                      <a:noFill/>
+                    </a:lnT>
+                    <a:lnB>
+                      <a:noFill/>
+                    </a:lnB>
+                    <a:solidFill>
+                      <a:srgbClr val="FFEB9C"/>
+                    </a:solidFill>
+                  </a:tcPr>
+                </a:tc>
+                <a:tc>
+                  <a:txBody>
+                    <a:bodyPr/>
+                    <a:lstStyle/>
+                    <a:p>
+                      <a:pPr algn="ctr" fontAlgn="ctr"/>
+                      <a:r>
+                        <a:rPr lang="ko-KR" altLang="en-US" sz="1100" b="0" i="0" u="none" strike="noStrike">
+                          <a:solidFill>
+                            <a:srgbClr val="9C6500"/>
+                          </a:solidFill>
+                          <a:effectLst/>
+                          <a:latin typeface="맑은 고딕" panose="020B0503020000020004" pitchFamily="50" charset="-127"/>
+                          <a:ea typeface="맑은 고딕" panose="020B0503020000020004" pitchFamily="50" charset="-127"/>
+                        </a:rPr>
+                        <a:t>픽업</a:t>
+                      </a:r>
+                      <a:r>
+                        <a:rPr lang="en-US" altLang="ko-KR" sz="1100" b="0" i="0" u="none" strike="noStrike">
+                          <a:solidFill>
+                            <a:srgbClr val="9C6500"/>
+                          </a:solidFill>
+                          <a:effectLst/>
+                          <a:latin typeface="맑은 고딕" panose="020B0503020000020004" pitchFamily="50" charset="-127"/>
+                          <a:ea typeface="맑은 고딕" panose="020B0503020000020004" pitchFamily="50" charset="-127"/>
+                        </a:rPr>
+                        <a:t>/</a:t>
+                      </a:r>
+                      <a:r>
+                        <a:rPr lang="ko-KR" altLang="en-US" sz="1100" b="0" i="0" u="none" strike="noStrike">
+                          <a:solidFill>
+                            <a:srgbClr val="9C6500"/>
+                          </a:solidFill>
+                          <a:effectLst/>
+                          <a:latin typeface="맑은 고딕" panose="020B0503020000020004" pitchFamily="50" charset="-127"/>
+                          <a:ea typeface="맑은 고딕" panose="020B0503020000020004" pitchFamily="50" charset="-127"/>
+                        </a:rPr>
+                        <a:t>파츠</a:t>
+                      </a:r>
+                      <a:r>
+                        <a:rPr lang="en-US" altLang="ko-KR" sz="1100" b="0" i="0" u="none" strike="noStrike">
+                          <a:solidFill>
+                            <a:srgbClr val="9C6500"/>
+                          </a:solidFill>
+                          <a:effectLst/>
+                          <a:latin typeface="맑은 고딕" panose="020B0503020000020004" pitchFamily="50" charset="-127"/>
+                          <a:ea typeface="맑은 고딕" panose="020B0503020000020004" pitchFamily="50" charset="-127"/>
+                        </a:rPr>
+                        <a:t>/</a:t>
+                      </a:r>
+                      <a:r>
+                        <a:rPr lang="ko-KR" altLang="en-US" sz="1100" b="0" i="0" u="none" strike="noStrike">
+                          <a:solidFill>
+                            <a:srgbClr val="9C6500"/>
+                          </a:solidFill>
+                          <a:effectLst/>
+                          <a:latin typeface="맑은 고딕" panose="020B0503020000020004" pitchFamily="50" charset="-127"/>
+                          <a:ea typeface="맑은 고딕" panose="020B0503020000020004" pitchFamily="50" charset="-127"/>
+                        </a:rPr>
+                        <a:t>악세서리</a:t>
+                      </a:r>
+                    </a:p>
+                  </a:txBody>
+                  <a:tcPr marL="7620" marR="7620" marT="7620" marB="0" anchor="ctr">
+                    <a:lnL>
+                      <a:noFill/>
+                    </a:lnL>
+                    <a:lnR>
+                      <a:noFill/>
+                    </a:lnR>
+                    <a:lnT>
+                      <a:noFill/>
+                    </a:lnT>
+                    <a:lnB>
+                      <a:noFill/>
+                    </a:lnB>
+                    <a:solidFill>
+                      <a:srgbClr val="FFEB9C"/>
+                    </a:solidFill>
+                  </a:tcPr>
+                </a:tc>
+                <a:tc>
+                  <a:txBody>
+                    <a:bodyPr/>
+                    <a:lstStyle/>
+                    <a:p>
+                      <a:pPr algn="ctr" fontAlgn="ctr"/>
+                      <a:r>
+                        <a:rPr lang="ko-KR" altLang="en-US" sz="1100" b="0" i="0" u="none" strike="noStrike">
+                          <a:solidFill>
+                            <a:srgbClr val="9C6500"/>
+                          </a:solidFill>
+                          <a:effectLst/>
+                          <a:latin typeface="맑은 고딕" panose="020B0503020000020004" pitchFamily="50" charset="-127"/>
+                          <a:ea typeface="맑은 고딕" panose="020B0503020000020004" pitchFamily="50" charset="-127"/>
+                        </a:rPr>
+                        <a:t>전자드럼</a:t>
+                      </a:r>
+                    </a:p>
+                  </a:txBody>
+                  <a:tcPr marL="7620" marR="7620" marT="7620" marB="0" anchor="ctr">
+                    <a:lnL>
+                      <a:noFill/>
+                    </a:lnL>
+                    <a:lnR>
+                      <a:noFill/>
+                    </a:lnR>
+                    <a:lnT>
+                      <a:noFill/>
+                    </a:lnT>
+                    <a:lnB>
+                      <a:noFill/>
+                    </a:lnB>
+                    <a:solidFill>
+                      <a:srgbClr val="FFEB9C"/>
+                    </a:solidFill>
+                  </a:tcPr>
+                </a:tc>
+                <a:tc>
+                  <a:txBody>
+                    <a:bodyPr/>
+                    <a:lstStyle/>
+                    <a:p>
+                      <a:pPr algn="ctr" fontAlgn="ctr"/>
+                      <a:r>
+                        <a:rPr lang="ko-KR" altLang="en-US" sz="1100" b="0" i="0" u="none" strike="noStrike">
+                          <a:solidFill>
+                            <a:srgbClr val="9C6500"/>
+                          </a:solidFill>
+                          <a:effectLst/>
+                          <a:latin typeface="맑은 고딕" panose="020B0503020000020004" pitchFamily="50" charset="-127"/>
+                          <a:ea typeface="맑은 고딕" panose="020B0503020000020004" pitchFamily="50" charset="-127"/>
+                        </a:rPr>
+                        <a:t>아코디언</a:t>
+                      </a:r>
+                    </a:p>
+                  </a:txBody>
+                  <a:tcPr marL="7620" marR="7620" marT="7620" marB="0" anchor="ctr">
+                    <a:lnL>
+                      <a:noFill/>
+                    </a:lnL>
+                    <a:lnR>
+                      <a:noFill/>
+                    </a:lnR>
+                    <a:lnT>
+                      <a:noFill/>
+                    </a:lnT>
+                    <a:lnB>
+                      <a:noFill/>
+                    </a:lnB>
+                    <a:solidFill>
+                      <a:srgbClr val="FFEB9C"/>
+                    </a:solidFill>
+                  </a:tcPr>
+                </a:tc>
+                <a:tc>
+                  <a:txBody>
+                    <a:bodyPr/>
+                    <a:lstStyle/>
+                    <a:p>
+                      <a:pPr algn="ctr" fontAlgn="ctr"/>
+                      <a:r>
+                        <a:rPr lang="ko-KR" altLang="en-US" sz="1100" b="0" i="0" u="none" strike="noStrike">
+                          <a:solidFill>
+                            <a:srgbClr val="9C6500"/>
+                          </a:solidFill>
+                          <a:effectLst/>
+                          <a:latin typeface="맑은 고딕" panose="020B0503020000020004" pitchFamily="50" charset="-127"/>
+                          <a:ea typeface="맑은 고딕" panose="020B0503020000020004" pitchFamily="50" charset="-127"/>
+                        </a:rPr>
+                        <a:t>레코더</a:t>
+                      </a:r>
+                    </a:p>
+                  </a:txBody>
+                  <a:tcPr marL="7620" marR="7620" marT="7620" marB="0" anchor="ctr">
+                    <a:lnL>
+                      <a:noFill/>
+                    </a:lnL>
+                    <a:lnR>
+                      <a:noFill/>
+                    </a:lnR>
+                    <a:lnT>
+                      <a:noFill/>
+                    </a:lnT>
+                    <a:lnB>
+                      <a:noFill/>
+                    </a:lnB>
+                    <a:solidFill>
+                      <a:srgbClr val="FFEB9C"/>
+                    </a:solidFill>
+                  </a:tcPr>
+                </a:tc>
+                <a:tc>
+                  <a:txBody>
+                    <a:bodyPr/>
+                    <a:lstStyle/>
+                    <a:p>
+                      <a:pPr algn="ctr" fontAlgn="ctr"/>
+                      <a:r>
+                        <a:rPr lang="ko-KR" altLang="en-US" sz="1100" b="0" i="0" u="none" strike="noStrike">
+                          <a:solidFill>
+                            <a:srgbClr val="9C6500"/>
+                          </a:solidFill>
+                          <a:effectLst/>
+                          <a:latin typeface="맑은 고딕" panose="020B0503020000020004" pitchFamily="50" charset="-127"/>
+                          <a:ea typeface="맑은 고딕" panose="020B0503020000020004" pitchFamily="50" charset="-127"/>
+                        </a:rPr>
+                        <a:t>레코딩</a:t>
+                      </a:r>
+                    </a:p>
+                  </a:txBody>
+                  <a:tcPr marL="7620" marR="7620" marT="7620" marB="0" anchor="ctr">
+                    <a:lnL>
+                      <a:noFill/>
+                    </a:lnL>
+                    <a:lnR>
+                      <a:noFill/>
+                    </a:lnR>
+                    <a:lnT>
+                      <a:noFill/>
+                    </a:lnT>
+                    <a:lnB>
+                      <a:noFill/>
+                    </a:lnB>
+                    <a:solidFill>
+                      <a:srgbClr val="FFEB9C"/>
+                    </a:solidFill>
+                  </a:tcPr>
+                </a:tc>
+              </a:tr>
+              <a:tr h="393940">
+                <a:tc>
+                  <a:txBody>
+                    <a:bodyPr/>
+                    <a:lstStyle/>
+                    <a:p>
+                      <a:pPr algn="ctr" fontAlgn="ctr"/>
+                      <a:r>
+                        <a:rPr lang="ko-KR" altLang="en-US" sz="1100" b="0" i="0" u="none" strike="noStrike">
+                          <a:solidFill>
+                            <a:srgbClr val="9C6500"/>
+                          </a:solidFill>
+                          <a:effectLst/>
+                          <a:latin typeface="맑은 고딕" panose="020B0503020000020004" pitchFamily="50" charset="-127"/>
+                          <a:ea typeface="맑은 고딕" panose="020B0503020000020004" pitchFamily="50" charset="-127"/>
+                        </a:rPr>
+                        <a:t>　</a:t>
+                      </a:r>
+                    </a:p>
+                  </a:txBody>
+                  <a:tcPr marL="7620" marR="7620" marT="7620" marB="0" anchor="ctr">
+                    <a:lnL>
+                      <a:noFill/>
+                    </a:lnL>
+                    <a:lnR>
+                      <a:noFill/>
+                    </a:lnR>
+                    <a:lnT>
+                      <a:noFill/>
+                    </a:lnT>
+                    <a:lnB>
+                      <a:noFill/>
+                    </a:lnB>
+                    <a:solidFill>
+                      <a:srgbClr val="FFEB9C"/>
+                    </a:solidFill>
+                  </a:tcPr>
+                </a:tc>
+                <a:tc>
+                  <a:txBody>
+                    <a:bodyPr/>
+                    <a:lstStyle/>
+                    <a:p>
+                      <a:pPr algn="ctr" fontAlgn="ctr"/>
+                      <a:r>
+                        <a:rPr lang="ko-KR" altLang="en-US" sz="1100" b="0" i="0" u="none" strike="noStrike">
+                          <a:solidFill>
+                            <a:srgbClr val="9C6500"/>
+                          </a:solidFill>
+                          <a:effectLst/>
+                          <a:latin typeface="맑은 고딕" panose="020B0503020000020004" pitchFamily="50" charset="-127"/>
+                          <a:ea typeface="맑은 고딕" panose="020B0503020000020004" pitchFamily="50" charset="-127"/>
+                        </a:rPr>
+                        <a:t>악세서리</a:t>
+                      </a:r>
+                    </a:p>
+                  </a:txBody>
+                  <a:tcPr marL="7620" marR="7620" marT="7620" marB="0" anchor="ctr">
+                    <a:lnL>
+                      <a:noFill/>
+                    </a:lnL>
+                    <a:lnR>
+                      <a:noFill/>
+                    </a:lnR>
+                    <a:lnT>
+                      <a:noFill/>
+                    </a:lnT>
+                    <a:lnB>
+                      <a:noFill/>
+                    </a:lnB>
+                    <a:solidFill>
+                      <a:srgbClr val="FFEB9C"/>
+                    </a:solidFill>
+                  </a:tcPr>
+                </a:tc>
+                <a:tc>
+                  <a:txBody>
+                    <a:bodyPr/>
+                    <a:lstStyle/>
+                    <a:p>
+                      <a:pPr algn="ctr" fontAlgn="ctr"/>
+                      <a:r>
+                        <a:rPr lang="ko-KR" altLang="en-US" sz="1100" b="0" i="0" u="none" strike="noStrike">
+                          <a:solidFill>
+                            <a:srgbClr val="9C6500"/>
+                          </a:solidFill>
+                          <a:effectLst/>
+                          <a:latin typeface="맑은 고딕" panose="020B0503020000020004" pitchFamily="50" charset="-127"/>
+                          <a:ea typeface="맑은 고딕" panose="020B0503020000020004" pitchFamily="50" charset="-127"/>
+                        </a:rPr>
+                        <a:t>악세서리</a:t>
+                      </a:r>
+                    </a:p>
+                  </a:txBody>
+                  <a:tcPr marL="7620" marR="7620" marT="7620" marB="0" anchor="ctr">
+                    <a:lnL>
+                      <a:noFill/>
+                    </a:lnL>
+                    <a:lnR>
+                      <a:noFill/>
+                    </a:lnR>
+                    <a:lnT>
+                      <a:noFill/>
+                    </a:lnT>
+                    <a:lnB>
+                      <a:noFill/>
+                    </a:lnB>
+                    <a:solidFill>
+                      <a:srgbClr val="FFEB9C"/>
+                    </a:solidFill>
+                  </a:tcPr>
+                </a:tc>
+                <a:tc>
+                  <a:txBody>
+                    <a:bodyPr/>
+                    <a:lstStyle/>
+                    <a:p>
+                      <a:pPr algn="ctr" fontAlgn="ctr"/>
+                      <a:r>
+                        <a:rPr lang="ko-KR" altLang="en-US" sz="1100" b="0" i="0" u="none" strike="noStrike">
+                          <a:solidFill>
+                            <a:srgbClr val="9C6500"/>
+                          </a:solidFill>
+                          <a:effectLst/>
+                          <a:latin typeface="맑은 고딕" panose="020B0503020000020004" pitchFamily="50" charset="-127"/>
+                          <a:ea typeface="맑은 고딕" panose="020B0503020000020004" pitchFamily="50" charset="-127"/>
+                        </a:rPr>
+                        <a:t>클래식기타</a:t>
+                      </a:r>
+                    </a:p>
+                  </a:txBody>
+                  <a:tcPr marL="7620" marR="7620" marT="7620" marB="0" anchor="ctr">
+                    <a:lnL>
+                      <a:noFill/>
+                    </a:lnL>
+                    <a:lnR>
+                      <a:noFill/>
+                    </a:lnR>
+                    <a:lnT>
+                      <a:noFill/>
+                    </a:lnT>
+                    <a:lnB>
+                      <a:noFill/>
+                    </a:lnB>
+                    <a:solidFill>
+                      <a:srgbClr val="FFEB9C"/>
+                    </a:solidFill>
+                  </a:tcPr>
+                </a:tc>
+                <a:tc>
+                  <a:txBody>
+                    <a:bodyPr/>
+                    <a:lstStyle/>
+                    <a:p>
+                      <a:pPr algn="ctr" fontAlgn="ctr"/>
+                      <a:r>
+                        <a:rPr lang="ko-KR" altLang="en-US" sz="1100" b="0" i="0" u="none" strike="noStrike">
+                          <a:solidFill>
+                            <a:srgbClr val="9C6500"/>
+                          </a:solidFill>
+                          <a:effectLst/>
+                          <a:latin typeface="맑은 고딕" panose="020B0503020000020004" pitchFamily="50" charset="-127"/>
+                          <a:ea typeface="맑은 고딕" panose="020B0503020000020004" pitchFamily="50" charset="-127"/>
+                        </a:rPr>
+                        <a:t>퍼커션</a:t>
+                      </a:r>
+                    </a:p>
+                  </a:txBody>
+                  <a:tcPr marL="7620" marR="7620" marT="7620" marB="0" anchor="ctr">
+                    <a:lnL>
+                      <a:noFill/>
+                    </a:lnL>
+                    <a:lnR>
+                      <a:noFill/>
+                    </a:lnR>
+                    <a:lnT>
+                      <a:noFill/>
+                    </a:lnT>
+                    <a:lnB>
+                      <a:noFill/>
+                    </a:lnB>
+                    <a:solidFill>
+                      <a:srgbClr val="FFEB9C"/>
+                    </a:solidFill>
+                  </a:tcPr>
+                </a:tc>
+                <a:tc>
+                  <a:txBody>
+                    <a:bodyPr/>
+                    <a:lstStyle/>
+                    <a:p>
+                      <a:pPr algn="ctr" fontAlgn="ctr"/>
+                      <a:r>
+                        <a:rPr lang="ko-KR" altLang="en-US" sz="1100" b="0" i="0" u="none" strike="noStrike">
+                          <a:solidFill>
+                            <a:srgbClr val="9C6500"/>
+                          </a:solidFill>
+                          <a:effectLst/>
+                          <a:latin typeface="맑은 고딕" panose="020B0503020000020004" pitchFamily="50" charset="-127"/>
+                          <a:ea typeface="맑은 고딕" panose="020B0503020000020004" pitchFamily="50" charset="-127"/>
+                        </a:rPr>
+                        <a:t>　</a:t>
+                      </a:r>
+                    </a:p>
+                  </a:txBody>
+                  <a:tcPr marL="7620" marR="7620" marT="7620" marB="0" anchor="ctr">
+                    <a:lnL>
+                      <a:noFill/>
+                    </a:lnL>
+                    <a:lnR>
+                      <a:noFill/>
+                    </a:lnR>
+                    <a:lnT>
+                      <a:noFill/>
+                    </a:lnT>
+                    <a:lnB>
+                      <a:noFill/>
+                    </a:lnB>
+                    <a:solidFill>
+                      <a:srgbClr val="FFEB9C"/>
+                    </a:solidFill>
+                  </a:tcPr>
+                </a:tc>
+                <a:tc>
+                  <a:txBody>
+                    <a:bodyPr/>
+                    <a:lstStyle/>
+                    <a:p>
+                      <a:pPr algn="ctr" fontAlgn="ctr"/>
+                      <a:r>
+                        <a:rPr lang="ko-KR" altLang="en-US" sz="1100" b="0" i="0" u="none" strike="noStrike">
+                          <a:solidFill>
+                            <a:srgbClr val="9C6500"/>
+                          </a:solidFill>
+                          <a:effectLst/>
+                          <a:latin typeface="맑은 고딕" panose="020B0503020000020004" pitchFamily="50" charset="-127"/>
+                          <a:ea typeface="맑은 고딕" panose="020B0503020000020004" pitchFamily="50" charset="-127"/>
+                        </a:rPr>
+                        <a:t>마이크</a:t>
+                      </a:r>
+                    </a:p>
+                  </a:txBody>
+                  <a:tcPr marL="7620" marR="7620" marT="7620" marB="0" anchor="ctr">
+                    <a:lnL>
+                      <a:noFill/>
+                    </a:lnL>
+                    <a:lnR>
+                      <a:noFill/>
+                    </a:lnR>
+                    <a:lnT>
+                      <a:noFill/>
+                    </a:lnT>
+                    <a:lnB>
+                      <a:noFill/>
+                    </a:lnB>
+                    <a:solidFill>
+                      <a:srgbClr val="FFEB9C"/>
+                    </a:solidFill>
+                  </a:tcPr>
+                </a:tc>
+                <a:tc>
+                  <a:txBody>
+                    <a:bodyPr/>
+                    <a:lstStyle/>
+                    <a:p>
+                      <a:pPr algn="ctr" fontAlgn="ctr"/>
+                      <a:r>
+                        <a:rPr lang="ko-KR" altLang="en-US" sz="1100" b="0" i="0" u="none" strike="noStrike">
+                          <a:solidFill>
+                            <a:srgbClr val="9C6500"/>
+                          </a:solidFill>
+                          <a:effectLst/>
+                          <a:latin typeface="맑은 고딕" panose="020B0503020000020004" pitchFamily="50" charset="-127"/>
+                          <a:ea typeface="맑은 고딕" panose="020B0503020000020004" pitchFamily="50" charset="-127"/>
+                        </a:rPr>
+                        <a:t>음악이론</a:t>
+                      </a:r>
+                    </a:p>
+                  </a:txBody>
+                  <a:tcPr marL="7620" marR="7620" marT="7620" marB="0" anchor="ctr">
+                    <a:lnL>
+                      <a:noFill/>
+                    </a:lnL>
+                    <a:lnR>
+                      <a:noFill/>
+                    </a:lnR>
+                    <a:lnT>
+                      <a:noFill/>
+                    </a:lnT>
+                    <a:lnB>
+                      <a:noFill/>
+                    </a:lnB>
+                    <a:solidFill>
+                      <a:srgbClr val="FFEB9C"/>
+                    </a:solidFill>
+                  </a:tcPr>
+                </a:tc>
+              </a:tr>
+              <a:tr h="393940">
+                <a:tc>
+                  <a:txBody>
+                    <a:bodyPr/>
+                    <a:lstStyle/>
+                    <a:p>
+                      <a:pPr algn="ctr" fontAlgn="ctr"/>
+                      <a:r>
+                        <a:rPr lang="ko-KR" altLang="en-US" sz="1100" b="0" i="0" u="none" strike="noStrike">
+                          <a:solidFill>
+                            <a:srgbClr val="9C6500"/>
+                          </a:solidFill>
+                          <a:effectLst/>
+                          <a:latin typeface="맑은 고딕" panose="020B0503020000020004" pitchFamily="50" charset="-127"/>
+                          <a:ea typeface="맑은 고딕" panose="020B0503020000020004" pitchFamily="50" charset="-127"/>
+                        </a:rPr>
+                        <a:t>　</a:t>
+                      </a:r>
+                    </a:p>
+                  </a:txBody>
+                  <a:tcPr marL="7620" marR="7620" marT="7620" marB="0" anchor="ctr">
+                    <a:lnL>
+                      <a:noFill/>
+                    </a:lnL>
+                    <a:lnR>
+                      <a:noFill/>
+                    </a:lnR>
+                    <a:lnT>
+                      <a:noFill/>
+                    </a:lnT>
+                    <a:lnB>
+                      <a:noFill/>
+                    </a:lnB>
+                    <a:solidFill>
+                      <a:srgbClr val="FFEB9C"/>
+                    </a:solidFill>
+                  </a:tcPr>
+                </a:tc>
+                <a:tc>
+                  <a:txBody>
+                    <a:bodyPr/>
+                    <a:lstStyle/>
+                    <a:p>
+                      <a:pPr algn="ctr" fontAlgn="ctr"/>
+                      <a:r>
+                        <a:rPr lang="ko-KR" altLang="en-US" sz="1100" b="0" i="0" u="none" strike="noStrike">
+                          <a:solidFill>
+                            <a:srgbClr val="9C6500"/>
+                          </a:solidFill>
+                          <a:effectLst/>
+                          <a:latin typeface="맑은 고딕" panose="020B0503020000020004" pitchFamily="50" charset="-127"/>
+                          <a:ea typeface="맑은 고딕" panose="020B0503020000020004" pitchFamily="50" charset="-127"/>
+                        </a:rPr>
+                        <a:t>　</a:t>
+                      </a:r>
+                    </a:p>
+                  </a:txBody>
+                  <a:tcPr marL="7620" marR="7620" marT="7620" marB="0" anchor="ctr">
+                    <a:lnL>
+                      <a:noFill/>
+                    </a:lnL>
+                    <a:lnR>
+                      <a:noFill/>
+                    </a:lnR>
+                    <a:lnT>
+                      <a:noFill/>
+                    </a:lnT>
+                    <a:lnB>
+                      <a:noFill/>
+                    </a:lnB>
+                    <a:solidFill>
+                      <a:srgbClr val="FFEB9C"/>
+                    </a:solidFill>
+                  </a:tcPr>
+                </a:tc>
+                <a:tc>
+                  <a:txBody>
+                    <a:bodyPr/>
+                    <a:lstStyle/>
+                    <a:p>
+                      <a:pPr algn="ctr" fontAlgn="ctr"/>
+                      <a:r>
+                        <a:rPr lang="ko-KR" altLang="en-US" sz="1100" b="0" i="0" u="none" strike="noStrike">
+                          <a:solidFill>
+                            <a:srgbClr val="9C6500"/>
+                          </a:solidFill>
+                          <a:effectLst/>
+                          <a:latin typeface="맑은 고딕" panose="020B0503020000020004" pitchFamily="50" charset="-127"/>
+                          <a:ea typeface="맑은 고딕" panose="020B0503020000020004" pitchFamily="50" charset="-127"/>
+                        </a:rPr>
+                        <a:t>　</a:t>
+                      </a:r>
+                    </a:p>
+                  </a:txBody>
+                  <a:tcPr marL="7620" marR="7620" marT="7620" marB="0" anchor="ctr">
+                    <a:lnL>
+                      <a:noFill/>
+                    </a:lnL>
+                    <a:lnR>
+                      <a:noFill/>
+                    </a:lnR>
+                    <a:lnT>
+                      <a:noFill/>
+                    </a:lnT>
+                    <a:lnB>
+                      <a:noFill/>
+                    </a:lnB>
+                    <a:solidFill>
+                      <a:srgbClr val="FFEB9C"/>
+                    </a:solidFill>
+                  </a:tcPr>
+                </a:tc>
+                <a:tc>
+                  <a:txBody>
+                    <a:bodyPr/>
+                    <a:lstStyle/>
+                    <a:p>
+                      <a:pPr algn="ctr" fontAlgn="ctr"/>
+                      <a:r>
+                        <a:rPr lang="ko-KR" altLang="en-US" sz="1100" b="0" i="0" u="none" strike="noStrike">
+                          <a:solidFill>
+                            <a:srgbClr val="9C6500"/>
+                          </a:solidFill>
+                          <a:effectLst/>
+                          <a:latin typeface="맑은 고딕" panose="020B0503020000020004" pitchFamily="50" charset="-127"/>
+                          <a:ea typeface="맑은 고딕" panose="020B0503020000020004" pitchFamily="50" charset="-127"/>
+                        </a:rPr>
+                        <a:t>우쿨렐레</a:t>
+                      </a:r>
+                    </a:p>
+                  </a:txBody>
+                  <a:tcPr marL="7620" marR="7620" marT="7620" marB="0" anchor="ctr">
+                    <a:lnL>
+                      <a:noFill/>
+                    </a:lnL>
+                    <a:lnR>
+                      <a:noFill/>
+                    </a:lnR>
+                    <a:lnT>
+                      <a:noFill/>
+                    </a:lnT>
+                    <a:lnB>
+                      <a:noFill/>
+                    </a:lnB>
+                    <a:solidFill>
+                      <a:srgbClr val="FFEB9C"/>
+                    </a:solidFill>
+                  </a:tcPr>
+                </a:tc>
+                <a:tc>
+                  <a:txBody>
+                    <a:bodyPr/>
+                    <a:lstStyle/>
+                    <a:p>
+                      <a:pPr algn="ctr" fontAlgn="ctr"/>
+                      <a:r>
+                        <a:rPr lang="ko-KR" altLang="en-US" sz="1100" b="0" i="0" u="none" strike="noStrike">
+                          <a:solidFill>
+                            <a:srgbClr val="9C6500"/>
+                          </a:solidFill>
+                          <a:effectLst/>
+                          <a:latin typeface="맑은 고딕" panose="020B0503020000020004" pitchFamily="50" charset="-127"/>
+                          <a:ea typeface="맑은 고딕" panose="020B0503020000020004" pitchFamily="50" charset="-127"/>
+                        </a:rPr>
+                        <a:t>하드웨어</a:t>
+                      </a:r>
+                    </a:p>
+                  </a:txBody>
+                  <a:tcPr marL="7620" marR="7620" marT="7620" marB="0" anchor="ctr">
+                    <a:lnL>
+                      <a:noFill/>
+                    </a:lnL>
+                    <a:lnR>
+                      <a:noFill/>
+                    </a:lnR>
+                    <a:lnT>
+                      <a:noFill/>
+                    </a:lnT>
+                    <a:lnB>
+                      <a:noFill/>
+                    </a:lnB>
+                    <a:solidFill>
+                      <a:srgbClr val="FFEB9C"/>
+                    </a:solidFill>
+                  </a:tcPr>
+                </a:tc>
+                <a:tc>
+                  <a:txBody>
+                    <a:bodyPr/>
+                    <a:lstStyle/>
+                    <a:p>
+                      <a:pPr algn="ctr" fontAlgn="ctr"/>
+                      <a:r>
+                        <a:rPr lang="ko-KR" altLang="en-US" sz="1100" b="0" i="0" u="none" strike="noStrike">
+                          <a:solidFill>
+                            <a:srgbClr val="9C6500"/>
+                          </a:solidFill>
+                          <a:effectLst/>
+                          <a:latin typeface="맑은 고딕" panose="020B0503020000020004" pitchFamily="50" charset="-127"/>
+                          <a:ea typeface="맑은 고딕" panose="020B0503020000020004" pitchFamily="50" charset="-127"/>
+                        </a:rPr>
+                        <a:t>　</a:t>
+                      </a:r>
+                    </a:p>
+                  </a:txBody>
+                  <a:tcPr marL="7620" marR="7620" marT="7620" marB="0" anchor="ctr">
+                    <a:lnL>
+                      <a:noFill/>
+                    </a:lnL>
+                    <a:lnR>
+                      <a:noFill/>
+                    </a:lnR>
+                    <a:lnT>
+                      <a:noFill/>
+                    </a:lnT>
+                    <a:lnB>
+                      <a:noFill/>
+                    </a:lnB>
+                    <a:solidFill>
+                      <a:srgbClr val="FFEB9C"/>
+                    </a:solidFill>
+                  </a:tcPr>
+                </a:tc>
+                <a:tc>
+                  <a:txBody>
+                    <a:bodyPr/>
+                    <a:lstStyle/>
+                    <a:p>
+                      <a:pPr algn="ctr" fontAlgn="ctr"/>
+                      <a:r>
+                        <a:rPr lang="ko-KR" altLang="en-US" sz="1100" b="0" i="0" u="none" strike="noStrike">
+                          <a:solidFill>
+                            <a:srgbClr val="9C6500"/>
+                          </a:solidFill>
+                          <a:effectLst/>
+                          <a:latin typeface="맑은 고딕" panose="020B0503020000020004" pitchFamily="50" charset="-127"/>
+                          <a:ea typeface="맑은 고딕" panose="020B0503020000020004" pitchFamily="50" charset="-127"/>
+                        </a:rPr>
+                        <a:t>믹서</a:t>
+                      </a:r>
+                    </a:p>
+                  </a:txBody>
+                  <a:tcPr marL="7620" marR="7620" marT="7620" marB="0" anchor="ctr">
+                    <a:lnL>
+                      <a:noFill/>
+                    </a:lnL>
+                    <a:lnR>
+                      <a:noFill/>
+                    </a:lnR>
+                    <a:lnT>
+                      <a:noFill/>
+                    </a:lnT>
+                    <a:lnB>
+                      <a:noFill/>
+                    </a:lnB>
+                    <a:solidFill>
+                      <a:srgbClr val="FFEB9C"/>
+                    </a:solidFill>
+                  </a:tcPr>
+                </a:tc>
+                <a:tc>
+                  <a:txBody>
+                    <a:bodyPr/>
+                    <a:lstStyle/>
+                    <a:p>
+                      <a:pPr algn="ctr" fontAlgn="ctr"/>
+                      <a:r>
+                        <a:rPr lang="ko-KR" altLang="en-US" sz="1100" b="0" i="0" u="none" strike="noStrike">
+                          <a:solidFill>
+                            <a:srgbClr val="9C6500"/>
+                          </a:solidFill>
+                          <a:effectLst/>
+                          <a:latin typeface="맑은 고딕" panose="020B0503020000020004" pitchFamily="50" charset="-127"/>
+                          <a:ea typeface="맑은 고딕" panose="020B0503020000020004" pitchFamily="50" charset="-127"/>
+                        </a:rPr>
+                        <a:t>　</a:t>
+                      </a:r>
+                    </a:p>
+                  </a:txBody>
+                  <a:tcPr marL="7620" marR="7620" marT="7620" marB="0" anchor="ctr">
+                    <a:lnL>
+                      <a:noFill/>
+                    </a:lnL>
+                    <a:lnR>
+                      <a:noFill/>
+                    </a:lnR>
+                    <a:lnT>
+                      <a:noFill/>
+                    </a:lnT>
+                    <a:lnB>
+                      <a:noFill/>
+                    </a:lnB>
+                    <a:solidFill>
+                      <a:srgbClr val="FFEB9C"/>
+                    </a:solidFill>
+                  </a:tcPr>
+                </a:tc>
+              </a:tr>
+              <a:tr h="393940">
+                <a:tc>
+                  <a:txBody>
+                    <a:bodyPr/>
+                    <a:lstStyle/>
+                    <a:p>
+                      <a:pPr algn="ctr" fontAlgn="ctr"/>
+                      <a:r>
+                        <a:rPr lang="ko-KR" altLang="en-US" sz="1100" b="0" i="0" u="none" strike="noStrike">
+                          <a:solidFill>
+                            <a:srgbClr val="9C6500"/>
+                          </a:solidFill>
+                          <a:effectLst/>
+                          <a:latin typeface="맑은 고딕" panose="020B0503020000020004" pitchFamily="50" charset="-127"/>
+                          <a:ea typeface="맑은 고딕" panose="020B0503020000020004" pitchFamily="50" charset="-127"/>
+                        </a:rPr>
+                        <a:t>　</a:t>
+                      </a:r>
+                    </a:p>
+                  </a:txBody>
+                  <a:tcPr marL="7620" marR="7620" marT="7620" marB="0" anchor="ctr">
+                    <a:lnL>
+                      <a:noFill/>
+                    </a:lnL>
+                    <a:lnR>
+                      <a:noFill/>
+                    </a:lnR>
+                    <a:lnT>
+                      <a:noFill/>
+                    </a:lnT>
+                    <a:lnB>
+                      <a:noFill/>
+                    </a:lnB>
+                    <a:solidFill>
+                      <a:srgbClr val="FFEB9C"/>
+                    </a:solidFill>
+                  </a:tcPr>
+                </a:tc>
+                <a:tc>
+                  <a:txBody>
+                    <a:bodyPr/>
+                    <a:lstStyle/>
+                    <a:p>
+                      <a:pPr algn="ctr" fontAlgn="ctr"/>
+                      <a:r>
+                        <a:rPr lang="ko-KR" altLang="en-US" sz="1100" b="0" i="0" u="none" strike="noStrike" dirty="0">
+                          <a:solidFill>
+                            <a:srgbClr val="9C6500"/>
+                          </a:solidFill>
+                          <a:effectLst/>
+                          <a:latin typeface="맑은 고딕" panose="020B0503020000020004" pitchFamily="50" charset="-127"/>
+                          <a:ea typeface="맑은 고딕" panose="020B0503020000020004" pitchFamily="50" charset="-127"/>
+                        </a:rPr>
+                        <a:t>　</a:t>
+                      </a:r>
+                    </a:p>
+                  </a:txBody>
+                  <a:tcPr marL="7620" marR="7620" marT="7620" marB="0" anchor="ctr">
+                    <a:lnL>
+                      <a:noFill/>
+                    </a:lnL>
+                    <a:lnR>
+                      <a:noFill/>
+                    </a:lnR>
+                    <a:lnT>
+                      <a:noFill/>
+                    </a:lnT>
+                    <a:lnB>
+                      <a:noFill/>
+                    </a:lnB>
+                    <a:solidFill>
+                      <a:srgbClr val="FFEB9C"/>
+                    </a:solidFill>
+                  </a:tcPr>
+                </a:tc>
+                <a:tc>
+                  <a:txBody>
+                    <a:bodyPr/>
+                    <a:lstStyle/>
+                    <a:p>
+                      <a:pPr algn="ctr" fontAlgn="ctr"/>
+                      <a:r>
+                        <a:rPr lang="ko-KR" altLang="en-US" sz="1100" b="0" i="0" u="none" strike="noStrike">
+                          <a:solidFill>
+                            <a:srgbClr val="9C6500"/>
+                          </a:solidFill>
+                          <a:effectLst/>
+                          <a:latin typeface="맑은 고딕" panose="020B0503020000020004" pitchFamily="50" charset="-127"/>
+                          <a:ea typeface="맑은 고딕" panose="020B0503020000020004" pitchFamily="50" charset="-127"/>
+                        </a:rPr>
+                        <a:t>　</a:t>
+                      </a:r>
+                    </a:p>
+                  </a:txBody>
+                  <a:tcPr marL="7620" marR="7620" marT="7620" marB="0" anchor="ctr">
+                    <a:lnL>
+                      <a:noFill/>
+                    </a:lnL>
+                    <a:lnR>
+                      <a:noFill/>
+                    </a:lnR>
+                    <a:lnT>
+                      <a:noFill/>
+                    </a:lnT>
+                    <a:lnB>
+                      <a:noFill/>
+                    </a:lnB>
+                    <a:solidFill>
+                      <a:srgbClr val="FFEB9C"/>
+                    </a:solidFill>
+                  </a:tcPr>
+                </a:tc>
+                <a:tc>
+                  <a:txBody>
+                    <a:bodyPr/>
+                    <a:lstStyle/>
+                    <a:p>
+                      <a:pPr algn="ctr" fontAlgn="ctr"/>
+                      <a:r>
+                        <a:rPr lang="ko-KR" altLang="en-US" sz="1100" b="0" i="0" u="none" strike="noStrike">
+                          <a:solidFill>
+                            <a:srgbClr val="9C6500"/>
+                          </a:solidFill>
+                          <a:effectLst/>
+                          <a:latin typeface="맑은 고딕" panose="020B0503020000020004" pitchFamily="50" charset="-127"/>
+                          <a:ea typeface="맑은 고딕" panose="020B0503020000020004" pitchFamily="50" charset="-127"/>
+                        </a:rPr>
+                        <a:t>　</a:t>
+                      </a:r>
+                    </a:p>
+                  </a:txBody>
+                  <a:tcPr marL="7620" marR="7620" marT="7620" marB="0" anchor="ctr">
+                    <a:lnL>
+                      <a:noFill/>
+                    </a:lnL>
+                    <a:lnR>
+                      <a:noFill/>
+                    </a:lnR>
+                    <a:lnT>
+                      <a:noFill/>
+                    </a:lnT>
+                    <a:lnB>
+                      <a:noFill/>
+                    </a:lnB>
+                    <a:solidFill>
+                      <a:srgbClr val="FFEB9C"/>
+                    </a:solidFill>
+                  </a:tcPr>
+                </a:tc>
+                <a:tc>
+                  <a:txBody>
+                    <a:bodyPr/>
+                    <a:lstStyle/>
+                    <a:p>
+                      <a:pPr algn="ctr" fontAlgn="ctr"/>
+                      <a:r>
+                        <a:rPr lang="ko-KR" altLang="en-US" sz="1100" b="0" i="0" u="none" strike="noStrike">
+                          <a:solidFill>
+                            <a:srgbClr val="9C6500"/>
+                          </a:solidFill>
+                          <a:effectLst/>
+                          <a:latin typeface="맑은 고딕" panose="020B0503020000020004" pitchFamily="50" charset="-127"/>
+                          <a:ea typeface="맑은 고딕" panose="020B0503020000020004" pitchFamily="50" charset="-127"/>
+                        </a:rPr>
+                        <a:t>악세서리</a:t>
+                      </a:r>
+                    </a:p>
+                  </a:txBody>
+                  <a:tcPr marL="7620" marR="7620" marT="7620" marB="0" anchor="ctr">
+                    <a:lnL>
+                      <a:noFill/>
+                    </a:lnL>
+                    <a:lnR>
+                      <a:noFill/>
+                    </a:lnR>
+                    <a:lnT>
+                      <a:noFill/>
+                    </a:lnT>
+                    <a:lnB>
+                      <a:noFill/>
+                    </a:lnB>
+                    <a:solidFill>
+                      <a:srgbClr val="FFEB9C"/>
+                    </a:solidFill>
+                  </a:tcPr>
+                </a:tc>
+                <a:tc>
+                  <a:txBody>
+                    <a:bodyPr/>
+                    <a:lstStyle/>
+                    <a:p>
+                      <a:pPr algn="ctr" fontAlgn="ctr"/>
+                      <a:r>
+                        <a:rPr lang="ko-KR" altLang="en-US" sz="1100" b="0" i="0" u="none" strike="noStrike">
+                          <a:solidFill>
+                            <a:srgbClr val="9C6500"/>
+                          </a:solidFill>
+                          <a:effectLst/>
+                          <a:latin typeface="맑은 고딕" panose="020B0503020000020004" pitchFamily="50" charset="-127"/>
+                          <a:ea typeface="맑은 고딕" panose="020B0503020000020004" pitchFamily="50" charset="-127"/>
+                        </a:rPr>
+                        <a:t>　</a:t>
+                      </a:r>
+                    </a:p>
+                  </a:txBody>
+                  <a:tcPr marL="7620" marR="7620" marT="7620" marB="0" anchor="ctr">
+                    <a:lnL>
+                      <a:noFill/>
+                    </a:lnL>
+                    <a:lnR>
+                      <a:noFill/>
+                    </a:lnR>
+                    <a:lnT>
+                      <a:noFill/>
+                    </a:lnT>
+                    <a:lnB>
+                      <a:noFill/>
+                    </a:lnB>
+                    <a:solidFill>
+                      <a:srgbClr val="FFEB9C"/>
+                    </a:solidFill>
+                  </a:tcPr>
+                </a:tc>
+                <a:tc>
+                  <a:txBody>
+                    <a:bodyPr/>
+                    <a:lstStyle/>
+                    <a:p>
+                      <a:pPr algn="ctr" fontAlgn="ctr"/>
+                      <a:r>
+                        <a:rPr lang="ko-KR" altLang="en-US" sz="1100" b="0" i="0" u="none" strike="noStrike">
+                          <a:solidFill>
+                            <a:srgbClr val="9C6500"/>
+                          </a:solidFill>
+                          <a:effectLst/>
+                          <a:latin typeface="맑은 고딕" panose="020B0503020000020004" pitchFamily="50" charset="-127"/>
+                          <a:ea typeface="맑은 고딕" panose="020B0503020000020004" pitchFamily="50" charset="-127"/>
+                        </a:rPr>
+                        <a:t>악세서리</a:t>
+                      </a:r>
+                    </a:p>
+                  </a:txBody>
+                  <a:tcPr marL="7620" marR="7620" marT="7620" marB="0" anchor="ctr">
+                    <a:lnL>
+                      <a:noFill/>
+                    </a:lnL>
+                    <a:lnR>
+                      <a:noFill/>
+                    </a:lnR>
+                    <a:lnT>
+                      <a:noFill/>
+                    </a:lnT>
+                    <a:lnB>
+                      <a:noFill/>
+                    </a:lnB>
+                    <a:solidFill>
+                      <a:srgbClr val="FFEB9C"/>
+                    </a:solidFill>
+                  </a:tcPr>
+                </a:tc>
+                <a:tc>
+                  <a:txBody>
+                    <a:bodyPr/>
+                    <a:lstStyle/>
+                    <a:p>
+                      <a:pPr algn="ctr" fontAlgn="ctr"/>
+                      <a:r>
+                        <a:rPr lang="ko-KR" altLang="en-US" sz="1100" b="0" i="0" u="none" strike="noStrike" dirty="0">
+                          <a:solidFill>
+                            <a:srgbClr val="9C6500"/>
+                          </a:solidFill>
+                          <a:effectLst/>
+                          <a:latin typeface="맑은 고딕" panose="020B0503020000020004" pitchFamily="50" charset="-127"/>
+                          <a:ea typeface="맑은 고딕" panose="020B0503020000020004" pitchFamily="50" charset="-127"/>
+                        </a:rPr>
+                        <a:t>　</a:t>
+                      </a:r>
+                    </a:p>
+                  </a:txBody>
+                  <a:tcPr marL="7620" marR="7620" marT="7620" marB="0" anchor="ctr">
+                    <a:lnL>
+                      <a:noFill/>
+                    </a:lnL>
+                    <a:lnR>
+                      <a:noFill/>
+                    </a:lnR>
+                    <a:lnT>
+                      <a:noFill/>
+                    </a:lnT>
+                    <a:lnB>
+                      <a:noFill/>
+                    </a:lnB>
+                    <a:solidFill>
+                      <a:srgbClr val="FFEB9C"/>
+                    </a:solidFill>
+                  </a:tcPr>
+                </a:tc>
+              </a:tr>
+            </a:tbl>
+          </a:graphicData>
+        </a:graphic>
+      </p:graphicFrame>
+    </p:spTree>
+    <p:extLst>
+      <p:ext uri="{BB962C8B-B14F-4D97-AF65-F5344CB8AC3E}">
+        <p14:creationId xmlns:p14="http://schemas.microsoft.com/office/powerpoint/2010/main" val="430323224"/>
+      </p:ext>
+    </p:extLst>
+  </p:cSld>
+  <p:clrMapOvr>
+    <a:masterClrMapping/>
+  </p:clrMapOvr>
+  <p:timing>
+    <p:tnLst>
+      <p:par>
+        <p:cTn id="1" dur="indefinite" restart="never" nodeType="tmRoot"/>
+      </p:par>
+    </p:tnLst>
+  </p:timing>
+</p:sld>
+</file>
+
+<file path=ppt/slides/slide4.xml><?xml version="1.0" encoding="utf-8"?>
+<p:sld xmlns:a="http://schemas.openxmlformats.org/drawingml/2006/main" xmlns:r="http://schemas.openxmlformats.org/officeDocument/2006/relationships" xmlns:p="http://schemas.openxmlformats.org/presentationml/2006/main">
+  <p:cSld>
+    <p:spTree>
+      <p:nvGrpSpPr>
+        <p:cNvPr id="1" name=""/>
+        <p:cNvGrpSpPr/>
+        <p:nvPr/>
+      </p:nvGrpSpPr>
+      <p:grpSpPr>
+        <a:xfrm>
+          <a:off x="0" y="0"/>
+          <a:ext cx="0" cy="0"/>
+          <a:chOff x="0" y="0"/>
+          <a:chExt cx="0" cy="0"/>
+        </a:xfrm>
+      </p:grpSpPr>
+      <p:graphicFrame>
+        <p:nvGraphicFramePr>
+          <p:cNvPr id="5" name="표 4"/>
+          <p:cNvGraphicFramePr>
+            <a:graphicFrameLocks noGrp="1"/>
+          </p:cNvGraphicFramePr>
+          <p:nvPr>
+            <p:extLst>
+              <p:ext uri="{D42A27DB-BD31-4B8C-83A1-F6EECF244321}">
+                <p14:modId xmlns:p14="http://schemas.microsoft.com/office/powerpoint/2010/main" val="3140632095"/>
+              </p:ext>
+            </p:extLst>
+          </p:nvPr>
+        </p:nvGraphicFramePr>
+        <p:xfrm>
+          <a:off x="2659811" y="1052425"/>
+          <a:ext cx="6872378" cy="4753152"/>
+        </p:xfrm>
+        <a:graphic>
+          <a:graphicData uri="http://schemas.openxmlformats.org/drawingml/2006/table">
+            <a:tbl>
+              <a:tblPr/>
+              <a:tblGrid>
+                <a:gridCol w="1323130"/>
+                <a:gridCol w="1678598"/>
+                <a:gridCol w="2409282"/>
+                <a:gridCol w="1461368"/>
+              </a:tblGrid>
+              <a:tr h="304689">
+                <a:tc>
+                  <a:txBody>
+                    <a:bodyPr/>
+                    <a:lstStyle/>
+                    <a:p>
+                      <a:pPr algn="l" fontAlgn="ctr"/>
+                      <a:r>
+                        <a:rPr lang="ko-KR" altLang="en-US" sz="1100" b="0" i="0" u="none" strike="noStrike" dirty="0">
+                          <a:solidFill>
+                            <a:srgbClr val="FFFFFF"/>
+                          </a:solidFill>
+                          <a:effectLst/>
+                          <a:latin typeface="맑은 고딕" panose="020B0503020000020004" pitchFamily="50" charset="-127"/>
+                          <a:ea typeface="맑은 고딕" panose="020B0503020000020004" pitchFamily="50" charset="-127"/>
+                        </a:rPr>
+                        <a:t>　</a:t>
+                      </a:r>
+                    </a:p>
+                  </a:txBody>
+                  <a:tcPr marL="7620" marR="7620" marT="7620" marB="0" anchor="ctr">
+                    <a:lnL w="25400" cap="flat" cmpd="dbl" algn="ctr">
+                      <a:solidFill>
+                        <a:srgbClr val="5B9BD5"/>
+                      </a:solidFill>
+                      <a:prstDash val="solid"/>
+                      <a:round/>
+                      <a:headEnd type="none" w="med" len="med"/>
+                      <a:tailEnd type="none" w="med" len="med"/>
+                    </a:lnL>
+                    <a:lnR w="19050" cap="flat" cmpd="sng" algn="ctr">
+                      <a:solidFill>
+                        <a:srgbClr val="5B9BD5"/>
+                      </a:solidFill>
+                      <a:prstDash val="solid"/>
+                      <a:round/>
+                      <a:headEnd type="none" w="med" len="med"/>
+                      <a:tailEnd type="none" w="med" len="med"/>
+                    </a:lnR>
+                    <a:lnT w="25400" cap="flat" cmpd="dbl" algn="ctr">
+                      <a:solidFill>
+                        <a:srgbClr val="5B9BD5"/>
+                      </a:solidFill>
+                      <a:prstDash val="solid"/>
+                      <a:round/>
+                      <a:headEnd type="none" w="med" len="med"/>
+                      <a:tailEnd type="none" w="med" len="med"/>
+                    </a:lnT>
+                    <a:lnB w="6350" cap="flat" cmpd="sng" algn="ctr">
+                      <a:solidFill>
+                        <a:srgbClr val="5B9BD5"/>
+                      </a:solidFill>
+                      <a:prstDash val="solid"/>
+                      <a:round/>
+                      <a:headEnd type="none" w="med" len="med"/>
+                      <a:tailEnd type="none" w="med" len="med"/>
+                    </a:lnB>
+                    <a:solidFill>
+                      <a:srgbClr val="ED7D31"/>
+                    </a:solidFill>
+                  </a:tcPr>
+                </a:tc>
+                <a:tc>
+                  <a:txBody>
+                    <a:bodyPr/>
+                    <a:lstStyle/>
+                    <a:p>
+                      <a:pPr algn="ctr" fontAlgn="ctr"/>
+                      <a:r>
+                        <a:rPr lang="ko-KR" altLang="en-US" sz="1100" b="0" i="0" u="none" strike="noStrike">
+                          <a:solidFill>
+                            <a:srgbClr val="FFFFFF"/>
+                          </a:solidFill>
+                          <a:effectLst/>
+                          <a:latin typeface="맑은 고딕" panose="020B0503020000020004" pitchFamily="50" charset="-127"/>
+                          <a:ea typeface="맑은 고딕" panose="020B0503020000020004" pitchFamily="50" charset="-127"/>
+                        </a:rPr>
+                        <a:t>사용자 정보</a:t>
+                      </a:r>
+                    </a:p>
+                  </a:txBody>
+                  <a:tcPr marL="7620" marR="7620" marT="7620" marB="0" anchor="ctr">
+                    <a:lnL w="19050" cap="flat" cmpd="sng" algn="ctr">
+                      <a:solidFill>
+                        <a:srgbClr val="5B9BD5"/>
+                      </a:solidFill>
+                      <a:prstDash val="solid"/>
+                      <a:round/>
+                      <a:headEnd type="none" w="med" len="med"/>
+                      <a:tailEnd type="none" w="med" len="med"/>
+                    </a:lnL>
+                    <a:lnR w="6350" cap="flat" cmpd="sng" algn="ctr">
+                      <a:solidFill>
+                        <a:srgbClr val="5B9BD5"/>
+                      </a:solidFill>
+                      <a:prstDash val="solid"/>
+                      <a:round/>
+                      <a:headEnd type="none" w="med" len="med"/>
+                      <a:tailEnd type="none" w="med" len="med"/>
+                    </a:lnR>
+                    <a:lnT w="25400" cap="flat" cmpd="dbl" algn="ctr">
+                      <a:solidFill>
+                        <a:srgbClr val="5B9BD5"/>
+                      </a:solidFill>
+                      <a:prstDash val="solid"/>
+                      <a:round/>
+                      <a:headEnd type="none" w="med" len="med"/>
+                      <a:tailEnd type="none" w="med" len="med"/>
+                    </a:lnT>
+                    <a:lnB w="6350" cap="flat" cmpd="sng" algn="ctr">
+                      <a:solidFill>
+                        <a:srgbClr val="5B9BD5"/>
+                      </a:solidFill>
+                      <a:prstDash val="solid"/>
+                      <a:round/>
+                      <a:headEnd type="none" w="med" len="med"/>
+                      <a:tailEnd type="none" w="med" len="med"/>
+                    </a:lnB>
+                    <a:solidFill>
+                      <a:srgbClr val="ED7D31"/>
+                    </a:solidFill>
+                  </a:tcPr>
+                </a:tc>
+                <a:tc>
+                  <a:txBody>
+                    <a:bodyPr/>
+                    <a:lstStyle/>
+                    <a:p>
+                      <a:pPr algn="ctr" fontAlgn="ctr"/>
+                      <a:r>
+                        <a:rPr lang="ko-KR" altLang="en-US" sz="1100" b="0" i="0" u="none" strike="noStrike">
+                          <a:solidFill>
+                            <a:srgbClr val="FFFFFF"/>
+                          </a:solidFill>
+                          <a:effectLst/>
+                          <a:latin typeface="맑은 고딕" panose="020B0503020000020004" pitchFamily="50" charset="-127"/>
+                          <a:ea typeface="맑은 고딕" panose="020B0503020000020004" pitchFamily="50" charset="-127"/>
+                        </a:rPr>
+                        <a:t>게시글 정보</a:t>
+                      </a:r>
+                    </a:p>
+                  </a:txBody>
+                  <a:tcPr marL="7620" marR="7620" marT="7620" marB="0" anchor="ctr">
+                    <a:lnL w="6350" cap="flat" cmpd="sng" algn="ctr">
+                      <a:solidFill>
+                        <a:srgbClr val="5B9BD5"/>
+                      </a:solidFill>
+                      <a:prstDash val="solid"/>
+                      <a:round/>
+                      <a:headEnd type="none" w="med" len="med"/>
+                      <a:tailEnd type="none" w="med" len="med"/>
+                    </a:lnL>
+                    <a:lnR w="6350" cap="flat" cmpd="sng" algn="ctr">
+                      <a:solidFill>
+                        <a:srgbClr val="5B9BD5"/>
+                      </a:solidFill>
+                      <a:prstDash val="solid"/>
+                      <a:round/>
+                      <a:headEnd type="none" w="med" len="med"/>
+                      <a:tailEnd type="none" w="med" len="med"/>
+                    </a:lnR>
+                    <a:lnT w="25400" cap="flat" cmpd="dbl" algn="ctr">
+                      <a:solidFill>
+                        <a:srgbClr val="5B9BD5"/>
+                      </a:solidFill>
+                      <a:prstDash val="solid"/>
+                      <a:round/>
+                      <a:headEnd type="none" w="med" len="med"/>
+                      <a:tailEnd type="none" w="med" len="med"/>
+                    </a:lnT>
+                    <a:lnB w="6350" cap="flat" cmpd="sng" algn="ctr">
+                      <a:solidFill>
+                        <a:srgbClr val="5B9BD5"/>
+                      </a:solidFill>
+                      <a:prstDash val="solid"/>
+                      <a:round/>
+                      <a:headEnd type="none" w="med" len="med"/>
+                      <a:tailEnd type="none" w="med" len="med"/>
+                    </a:lnB>
+                    <a:solidFill>
+                      <a:srgbClr val="ED7D31"/>
+                    </a:solidFill>
+                  </a:tcPr>
+                </a:tc>
+                <a:tc>
+                  <a:txBody>
+                    <a:bodyPr/>
+                    <a:lstStyle/>
+                    <a:p>
+                      <a:pPr algn="ctr" fontAlgn="ctr"/>
+                      <a:r>
+                        <a:rPr lang="ko-KR" altLang="en-US" sz="1100" b="0" i="0" u="none" strike="noStrike">
+                          <a:solidFill>
+                            <a:srgbClr val="FFFFFF"/>
+                          </a:solidFill>
+                          <a:effectLst/>
+                          <a:latin typeface="맑은 고딕" panose="020B0503020000020004" pitchFamily="50" charset="-127"/>
+                          <a:ea typeface="맑은 고딕" panose="020B0503020000020004" pitchFamily="50" charset="-127"/>
+                        </a:rPr>
+                        <a:t>스크랩 목록</a:t>
+                      </a:r>
+                    </a:p>
+                  </a:txBody>
+                  <a:tcPr marL="7620" marR="7620" marT="7620" marB="0" anchor="ctr">
+                    <a:lnL w="6350" cap="flat" cmpd="sng" algn="ctr">
+                      <a:solidFill>
+                        <a:srgbClr val="5B9BD5"/>
+                      </a:solidFill>
+                      <a:prstDash val="solid"/>
+                      <a:round/>
+                      <a:headEnd type="none" w="med" len="med"/>
+                      <a:tailEnd type="none" w="med" len="med"/>
+                    </a:lnL>
+                    <a:lnR w="25400" cap="flat" cmpd="dbl" algn="ctr">
+                      <a:solidFill>
+                        <a:srgbClr val="5B9BD5"/>
+                      </a:solidFill>
+                      <a:prstDash val="solid"/>
+                      <a:round/>
+                      <a:headEnd type="none" w="med" len="med"/>
+                      <a:tailEnd type="none" w="med" len="med"/>
+                    </a:lnR>
+                    <a:lnT w="25400" cap="flat" cmpd="dbl" algn="ctr">
+                      <a:solidFill>
+                        <a:srgbClr val="5B9BD5"/>
+                      </a:solidFill>
+                      <a:prstDash val="solid"/>
+                      <a:round/>
+                      <a:headEnd type="none" w="med" len="med"/>
+                      <a:tailEnd type="none" w="med" len="med"/>
+                    </a:lnT>
+                    <a:lnB w="6350" cap="flat" cmpd="sng" algn="ctr">
+                      <a:solidFill>
+                        <a:srgbClr val="5B9BD5"/>
+                      </a:solidFill>
+                      <a:prstDash val="solid"/>
+                      <a:round/>
+                      <a:headEnd type="none" w="med" len="med"/>
+                      <a:tailEnd type="none" w="med" len="med"/>
+                    </a:lnB>
+                    <a:solidFill>
+                      <a:srgbClr val="ED7D31"/>
+                    </a:solidFill>
+                  </a:tcPr>
+                </a:tc>
+              </a:tr>
+              <a:tr h="294533">
+                <a:tc rowSpan="9">
+                  <a:txBody>
+                    <a:bodyPr/>
+                    <a:lstStyle/>
+                    <a:p>
+                      <a:pPr algn="ctr" fontAlgn="ctr"/>
+                      <a:r>
+                        <a:rPr lang="ko-KR" altLang="en-US" sz="1100" b="0" i="0" u="none" strike="noStrike">
+                          <a:solidFill>
+                            <a:srgbClr val="9C6500"/>
+                          </a:solidFill>
+                          <a:effectLst/>
+                          <a:latin typeface="맑은 고딕" panose="020B0503020000020004" pitchFamily="50" charset="-127"/>
+                          <a:ea typeface="맑은 고딕" panose="020B0503020000020004" pitchFamily="50" charset="-127"/>
+                        </a:rPr>
+                        <a:t>사용자 입력</a:t>
+                      </a:r>
+                    </a:p>
+                  </a:txBody>
+                  <a:tcPr marL="7620" marR="7620" marT="7620" marB="0" anchor="ctr">
+                    <a:lnL w="25400" cap="flat" cmpd="dbl" algn="ctr">
+                      <a:solidFill>
+                        <a:srgbClr val="5B9BD5"/>
+                      </a:solidFill>
+                      <a:prstDash val="solid"/>
+                      <a:round/>
+                      <a:headEnd type="none" w="med" len="med"/>
+                      <a:tailEnd type="none" w="med" len="med"/>
+                    </a:lnL>
+                    <a:lnR w="19050" cap="flat" cmpd="sng" algn="ctr">
+                      <a:solidFill>
+                        <a:srgbClr val="5B9BD5"/>
+                      </a:solidFill>
+                      <a:prstDash val="solid"/>
+                      <a:round/>
+                      <a:headEnd type="none" w="med" len="med"/>
+                      <a:tailEnd type="none" w="med" len="med"/>
+                    </a:lnR>
+                    <a:lnT w="6350" cap="flat" cmpd="sng" algn="ctr">
+                      <a:solidFill>
+                        <a:srgbClr val="5B9BD5"/>
+                      </a:solidFill>
+                      <a:prstDash val="solid"/>
+                      <a:round/>
+                      <a:headEnd type="none" w="med" len="med"/>
+                      <a:tailEnd type="none" w="med" len="med"/>
+                    </a:lnT>
+                    <a:lnB w="6350" cap="flat" cmpd="sng" algn="ctr">
+                      <a:solidFill>
+                        <a:srgbClr val="5B9BD5"/>
+                      </a:solidFill>
+                      <a:prstDash val="solid"/>
+                      <a:round/>
+                      <a:headEnd type="none" w="med" len="med"/>
+                      <a:tailEnd type="none" w="med" len="med"/>
+                    </a:lnB>
+                    <a:solidFill>
+                      <a:srgbClr val="FFEB9C"/>
+                    </a:solidFill>
+                  </a:tcPr>
+                </a:tc>
+                <a:tc>
+                  <a:txBody>
+                    <a:bodyPr/>
+                    <a:lstStyle/>
+                    <a:p>
+                      <a:pPr algn="ctr" fontAlgn="ctr"/>
+                      <a:r>
+                        <a:rPr lang="en-US" sz="1100" b="0" i="0" u="none" strike="noStrike">
+                          <a:solidFill>
+                            <a:srgbClr val="9C6500"/>
+                          </a:solidFill>
+                          <a:effectLst/>
+                          <a:latin typeface="맑은 고딕" panose="020B0503020000020004" pitchFamily="50" charset="-127"/>
+                          <a:ea typeface="맑은 고딕" panose="020B0503020000020004" pitchFamily="50" charset="-127"/>
+                        </a:rPr>
+                        <a:t>db id</a:t>
+                      </a:r>
+                    </a:p>
+                  </a:txBody>
+                  <a:tcPr marL="7620" marR="7620" marT="7620" marB="0" anchor="ctr">
+                    <a:lnL w="19050" cap="flat" cmpd="sng" algn="ctr">
+                      <a:solidFill>
+                        <a:srgbClr val="5B9BD5"/>
+                      </a:solidFill>
+                      <a:prstDash val="solid"/>
+                      <a:round/>
+                      <a:headEnd type="none" w="med" len="med"/>
+                      <a:tailEnd type="none" w="med" len="med"/>
+                    </a:lnL>
+                    <a:lnR w="6350" cap="flat" cmpd="sng" algn="ctr">
+                      <a:solidFill>
+                        <a:srgbClr val="5B9BD5"/>
+                      </a:solidFill>
+                      <a:prstDash val="solid"/>
+                      <a:round/>
+                      <a:headEnd type="none" w="med" len="med"/>
+                      <a:tailEnd type="none" w="med" len="med"/>
+                    </a:lnR>
+                    <a:lnT w="6350" cap="flat" cmpd="sng" algn="ctr">
+                      <a:solidFill>
+                        <a:srgbClr val="5B9BD5"/>
+                      </a:solidFill>
+                      <a:prstDash val="solid"/>
+                      <a:round/>
+                      <a:headEnd type="none" w="med" len="med"/>
+                      <a:tailEnd type="none" w="med" len="med"/>
+                    </a:lnT>
+                    <a:lnB w="6350" cap="flat" cmpd="sng" algn="ctr">
+                      <a:solidFill>
+                        <a:srgbClr val="5B9BD5"/>
+                      </a:solidFill>
+                      <a:prstDash val="solid"/>
+                      <a:round/>
+                      <a:headEnd type="none" w="med" len="med"/>
+                      <a:tailEnd type="none" w="med" len="med"/>
+                    </a:lnB>
+                    <a:solidFill>
+                      <a:srgbClr val="FFEB9C"/>
+                    </a:solidFill>
+                  </a:tcPr>
+                </a:tc>
+                <a:tc>
+                  <a:txBody>
+                    <a:bodyPr/>
+                    <a:lstStyle/>
+                    <a:p>
+                      <a:pPr algn="ctr" fontAlgn="ctr"/>
+                      <a:r>
+                        <a:rPr lang="en-US" sz="1100" b="0" i="0" u="none" strike="noStrike">
+                          <a:solidFill>
+                            <a:srgbClr val="9C6500"/>
+                          </a:solidFill>
+                          <a:effectLst/>
+                          <a:latin typeface="맑은 고딕" panose="020B0503020000020004" pitchFamily="50" charset="-127"/>
+                          <a:ea typeface="맑은 고딕" panose="020B0503020000020004" pitchFamily="50" charset="-127"/>
+                        </a:rPr>
+                        <a:t>db id</a:t>
+                      </a:r>
+                    </a:p>
+                  </a:txBody>
+                  <a:tcPr marL="7620" marR="7620" marT="7620" marB="0" anchor="ctr">
+                    <a:lnL w="6350" cap="flat" cmpd="sng" algn="ctr">
+                      <a:solidFill>
+                        <a:srgbClr val="5B9BD5"/>
+                      </a:solidFill>
+                      <a:prstDash val="solid"/>
+                      <a:round/>
+                      <a:headEnd type="none" w="med" len="med"/>
+                      <a:tailEnd type="none" w="med" len="med"/>
+                    </a:lnL>
+                    <a:lnR w="6350" cap="flat" cmpd="sng" algn="ctr">
+                      <a:solidFill>
+                        <a:srgbClr val="5B9BD5"/>
+                      </a:solidFill>
+                      <a:prstDash val="solid"/>
+                      <a:round/>
+                      <a:headEnd type="none" w="med" len="med"/>
+                      <a:tailEnd type="none" w="med" len="med"/>
+                    </a:lnR>
+                    <a:lnT w="6350" cap="flat" cmpd="sng" algn="ctr">
+                      <a:solidFill>
+                        <a:srgbClr val="5B9BD5"/>
+                      </a:solidFill>
+                      <a:prstDash val="solid"/>
+                      <a:round/>
+                      <a:headEnd type="none" w="med" len="med"/>
+                      <a:tailEnd type="none" w="med" len="med"/>
+                    </a:lnT>
+                    <a:lnB w="6350" cap="flat" cmpd="sng" algn="ctr">
+                      <a:solidFill>
+                        <a:srgbClr val="5B9BD5"/>
+                      </a:solidFill>
+                      <a:prstDash val="solid"/>
+                      <a:round/>
+                      <a:headEnd type="none" w="med" len="med"/>
+                      <a:tailEnd type="none" w="med" len="med"/>
+                    </a:lnB>
+                    <a:solidFill>
+                      <a:srgbClr val="FFEB9C"/>
+                    </a:solidFill>
+                  </a:tcPr>
+                </a:tc>
+                <a:tc>
+                  <a:txBody>
+                    <a:bodyPr/>
+                    <a:lstStyle/>
+                    <a:p>
+                      <a:pPr algn="ctr" fontAlgn="ctr"/>
+                      <a:r>
+                        <a:rPr lang="ko-KR" altLang="en-US" sz="1100" b="0" i="0" u="none" strike="noStrike">
+                          <a:solidFill>
+                            <a:srgbClr val="9C6500"/>
+                          </a:solidFill>
+                          <a:effectLst/>
+                          <a:latin typeface="맑은 고딕" panose="020B0503020000020004" pitchFamily="50" charset="-127"/>
+                          <a:ea typeface="맑은 고딕" panose="020B0503020000020004" pitchFamily="50" charset="-127"/>
+                        </a:rPr>
+                        <a:t>　</a:t>
+                      </a:r>
+                    </a:p>
+                  </a:txBody>
+                  <a:tcPr marL="7620" marR="7620" marT="7620" marB="0" anchor="ctr">
+                    <a:lnL w="6350" cap="flat" cmpd="sng" algn="ctr">
+                      <a:solidFill>
+                        <a:srgbClr val="5B9BD5"/>
+                      </a:solidFill>
+                      <a:prstDash val="solid"/>
+                      <a:round/>
+                      <a:headEnd type="none" w="med" len="med"/>
+                      <a:tailEnd type="none" w="med" len="med"/>
+                    </a:lnL>
+                    <a:lnR w="25400" cap="flat" cmpd="dbl" algn="ctr">
+                      <a:solidFill>
+                        <a:srgbClr val="5B9BD5"/>
+                      </a:solidFill>
+                      <a:prstDash val="solid"/>
+                      <a:round/>
+                      <a:headEnd type="none" w="med" len="med"/>
+                      <a:tailEnd type="none" w="med" len="med"/>
+                    </a:lnR>
+                    <a:lnT w="6350" cap="flat" cmpd="sng" algn="ctr">
+                      <a:solidFill>
+                        <a:srgbClr val="5B9BD5"/>
+                      </a:solidFill>
+                      <a:prstDash val="solid"/>
+                      <a:round/>
+                      <a:headEnd type="none" w="med" len="med"/>
+                      <a:tailEnd type="none" w="med" len="med"/>
+                    </a:lnT>
+                    <a:lnB w="6350" cap="flat" cmpd="sng" algn="ctr">
+                      <a:solidFill>
+                        <a:srgbClr val="5B9BD5"/>
+                      </a:solidFill>
+                      <a:prstDash val="solid"/>
+                      <a:round/>
+                      <a:headEnd type="none" w="med" len="med"/>
+                      <a:tailEnd type="none" w="med" len="med"/>
+                    </a:lnB>
+                    <a:solidFill>
+                      <a:srgbClr val="FFEB9C"/>
+                    </a:solidFill>
+                  </a:tcPr>
+                </a:tc>
+              </a:tr>
+              <a:tr h="294533">
+                <a:tc vMerge="1">
+                  <a:txBody>
+                    <a:bodyPr/>
+                    <a:lstStyle/>
+                    <a:p>
+                      <a:pPr latinLnBrk="1"/>
+                      <a:endParaRPr lang="ko-KR" altLang="en-US"/>
+                    </a:p>
+                  </a:txBody>
+                  <a:tcPr/>
+                </a:tc>
+                <a:tc>
+                  <a:txBody>
+                    <a:bodyPr/>
+                    <a:lstStyle/>
+                    <a:p>
+                      <a:pPr algn="ctr" fontAlgn="ctr"/>
+                      <a:r>
+                        <a:rPr lang="ko-KR" altLang="en-US" sz="1100" b="0" i="0" u="none" strike="noStrike" dirty="0">
+                          <a:solidFill>
+                            <a:srgbClr val="9C6500"/>
+                          </a:solidFill>
+                          <a:effectLst/>
+                          <a:latin typeface="맑은 고딕" panose="020B0503020000020004" pitchFamily="50" charset="-127"/>
+                          <a:ea typeface="맑은 고딕" panose="020B0503020000020004" pitchFamily="50" charset="-127"/>
+                        </a:rPr>
+                        <a:t>사용자 </a:t>
+                      </a:r>
+                      <a:r>
+                        <a:rPr lang="en-US" sz="1100" b="0" i="0" u="none" strike="noStrike" dirty="0">
+                          <a:solidFill>
+                            <a:srgbClr val="9C6500"/>
+                          </a:solidFill>
+                          <a:effectLst/>
+                          <a:latin typeface="맑은 고딕" panose="020B0503020000020004" pitchFamily="50" charset="-127"/>
+                          <a:ea typeface="맑은 고딕" panose="020B0503020000020004" pitchFamily="50" charset="-127"/>
+                        </a:rPr>
+                        <a:t>id</a:t>
+                      </a:r>
+                    </a:p>
+                  </a:txBody>
+                  <a:tcPr marL="7620" marR="7620" marT="7620" marB="0" anchor="ctr">
+                    <a:lnL w="19050" cap="flat" cmpd="sng" algn="ctr">
+                      <a:solidFill>
+                        <a:srgbClr val="5B9BD5"/>
+                      </a:solidFill>
+                      <a:prstDash val="solid"/>
+                      <a:round/>
+                      <a:headEnd type="none" w="med" len="med"/>
+                      <a:tailEnd type="none" w="med" len="med"/>
+                    </a:lnL>
+                    <a:lnR w="6350" cap="flat" cmpd="sng" algn="ctr">
+                      <a:solidFill>
+                        <a:srgbClr val="5B9BD5"/>
+                      </a:solidFill>
+                      <a:prstDash val="solid"/>
+                      <a:round/>
+                      <a:headEnd type="none" w="med" len="med"/>
+                      <a:tailEnd type="none" w="med" len="med"/>
+                    </a:lnR>
+                    <a:lnT w="6350" cap="flat" cmpd="sng" algn="ctr">
+                      <a:solidFill>
+                        <a:srgbClr val="5B9BD5"/>
+                      </a:solidFill>
+                      <a:prstDash val="solid"/>
+                      <a:round/>
+                      <a:headEnd type="none" w="med" len="med"/>
+                      <a:tailEnd type="none" w="med" len="med"/>
+                    </a:lnT>
+                    <a:lnB w="6350" cap="flat" cmpd="sng" algn="ctr">
+                      <a:solidFill>
+                        <a:srgbClr val="5B9BD5"/>
+                      </a:solidFill>
+                      <a:prstDash val="solid"/>
+                      <a:round/>
+                      <a:headEnd type="none" w="med" len="med"/>
+                      <a:tailEnd type="none" w="med" len="med"/>
+                    </a:lnB>
+                    <a:solidFill>
+                      <a:srgbClr val="FFEB9C"/>
+                    </a:solidFill>
+                  </a:tcPr>
+                </a:tc>
+                <a:tc>
+                  <a:txBody>
+                    <a:bodyPr/>
+                    <a:lstStyle/>
+                    <a:p>
+                      <a:pPr algn="ctr" fontAlgn="ctr"/>
+                      <a:r>
+                        <a:rPr lang="ko-KR" altLang="en-US" sz="1100" b="0" i="0" u="none" strike="noStrike" dirty="0">
+                          <a:solidFill>
+                            <a:srgbClr val="9C6500"/>
+                          </a:solidFill>
+                          <a:effectLst/>
+                          <a:latin typeface="맑은 고딕" panose="020B0503020000020004" pitchFamily="50" charset="-127"/>
+                          <a:ea typeface="맑은 고딕" panose="020B0503020000020004" pitchFamily="50" charset="-127"/>
+                        </a:rPr>
+                        <a:t>카테고리 선택</a:t>
+                      </a:r>
+                    </a:p>
+                  </a:txBody>
+                  <a:tcPr marL="7620" marR="7620" marT="7620" marB="0" anchor="ctr">
+                    <a:lnL w="6350" cap="flat" cmpd="sng" algn="ctr">
+                      <a:solidFill>
+                        <a:srgbClr val="5B9BD5"/>
+                      </a:solidFill>
+                      <a:prstDash val="solid"/>
+                      <a:round/>
+                      <a:headEnd type="none" w="med" len="med"/>
+                      <a:tailEnd type="none" w="med" len="med"/>
+                    </a:lnL>
+                    <a:lnR w="6350" cap="flat" cmpd="sng" algn="ctr">
+                      <a:solidFill>
+                        <a:srgbClr val="5B9BD5"/>
+                      </a:solidFill>
+                      <a:prstDash val="solid"/>
+                      <a:round/>
+                      <a:headEnd type="none" w="med" len="med"/>
+                      <a:tailEnd type="none" w="med" len="med"/>
+                    </a:lnR>
+                    <a:lnT w="6350" cap="flat" cmpd="sng" algn="ctr">
+                      <a:solidFill>
+                        <a:srgbClr val="5B9BD5"/>
+                      </a:solidFill>
+                      <a:prstDash val="solid"/>
+                      <a:round/>
+                      <a:headEnd type="none" w="med" len="med"/>
+                      <a:tailEnd type="none" w="med" len="med"/>
+                    </a:lnT>
+                    <a:lnB w="12700" cap="flat" cmpd="sng" algn="ctr">
+                      <a:solidFill>
+                        <a:schemeClr val="tx1"/>
+                      </a:solidFill>
+                      <a:prstDash val="solid"/>
+                      <a:round/>
+                      <a:headEnd type="none" w="med" len="med"/>
+                      <a:tailEnd type="none" w="med" len="med"/>
+                    </a:lnB>
+                    <a:solidFill>
+                      <a:srgbClr val="FFEB9C"/>
+                    </a:solidFill>
+                  </a:tcPr>
+                </a:tc>
+                <a:tc>
+                  <a:txBody>
+                    <a:bodyPr/>
+                    <a:lstStyle/>
+                    <a:p>
+                      <a:pPr algn="ctr" fontAlgn="ctr"/>
+                      <a:r>
+                        <a:rPr lang="ko-KR" altLang="en-US" sz="1100" b="0" i="0" u="none" strike="noStrike">
+                          <a:solidFill>
+                            <a:srgbClr val="9C6500"/>
+                          </a:solidFill>
+                          <a:effectLst/>
+                          <a:latin typeface="맑은 고딕" panose="020B0503020000020004" pitchFamily="50" charset="-127"/>
+                          <a:ea typeface="맑은 고딕" panose="020B0503020000020004" pitchFamily="50" charset="-127"/>
+                        </a:rPr>
+                        <a:t>　</a:t>
+                      </a:r>
+                    </a:p>
+                  </a:txBody>
+                  <a:tcPr marL="7620" marR="7620" marT="7620" marB="0" anchor="ctr">
+                    <a:lnL w="6350" cap="flat" cmpd="sng" algn="ctr">
+                      <a:solidFill>
+                        <a:srgbClr val="5B9BD5"/>
+                      </a:solidFill>
+                      <a:prstDash val="solid"/>
+                      <a:round/>
+                      <a:headEnd type="none" w="med" len="med"/>
+                      <a:tailEnd type="none" w="med" len="med"/>
+                    </a:lnL>
+                    <a:lnR w="25400" cap="flat" cmpd="dbl" algn="ctr">
+                      <a:solidFill>
+                        <a:srgbClr val="5B9BD5"/>
+                      </a:solidFill>
+                      <a:prstDash val="solid"/>
+                      <a:round/>
+                      <a:headEnd type="none" w="med" len="med"/>
+                      <a:tailEnd type="none" w="med" len="med"/>
+                    </a:lnR>
+                    <a:lnT w="6350" cap="flat" cmpd="sng" algn="ctr">
+                      <a:solidFill>
+                        <a:srgbClr val="5B9BD5"/>
+                      </a:solidFill>
+                      <a:prstDash val="solid"/>
+                      <a:round/>
+                      <a:headEnd type="none" w="med" len="med"/>
+                      <a:tailEnd type="none" w="med" len="med"/>
+                    </a:lnT>
+                    <a:lnB w="6350" cap="flat" cmpd="sng" algn="ctr">
+                      <a:solidFill>
+                        <a:srgbClr val="5B9BD5"/>
+                      </a:solidFill>
+                      <a:prstDash val="solid"/>
+                      <a:round/>
+                      <a:headEnd type="none" w="med" len="med"/>
+                      <a:tailEnd type="none" w="med" len="med"/>
+                    </a:lnB>
+                    <a:solidFill>
+                      <a:srgbClr val="FFEB9C"/>
+                    </a:solidFill>
+                  </a:tcPr>
+                </a:tc>
+              </a:tr>
+              <a:tr h="304689">
+                <a:tc vMerge="1">
+                  <a:txBody>
+                    <a:bodyPr/>
+                    <a:lstStyle/>
+                    <a:p>
+                      <a:pPr latinLnBrk="1"/>
+                      <a:endParaRPr lang="ko-KR" altLang="en-US"/>
+                    </a:p>
+                  </a:txBody>
+                  <a:tcPr/>
+                </a:tc>
+                <a:tc>
+                  <a:txBody>
+                    <a:bodyPr/>
+                    <a:lstStyle/>
+                    <a:p>
+                      <a:pPr algn="ctr" fontAlgn="ctr"/>
+                      <a:r>
+                        <a:rPr lang="ko-KR" altLang="en-US" sz="1100" b="0" i="0" u="none" strike="noStrike" dirty="0">
+                          <a:solidFill>
+                            <a:srgbClr val="9C6500"/>
+                          </a:solidFill>
+                          <a:effectLst/>
+                          <a:latin typeface="맑은 고딕" panose="020B0503020000020004" pitchFamily="50" charset="-127"/>
+                          <a:ea typeface="맑은 고딕" panose="020B0503020000020004" pitchFamily="50" charset="-127"/>
+                        </a:rPr>
+                        <a:t>비밀번호</a:t>
+                      </a:r>
+                    </a:p>
+                  </a:txBody>
+                  <a:tcPr marL="7620" marR="7620" marT="7620" marB="0" anchor="ctr">
+                    <a:lnL w="19050" cap="flat" cmpd="sng" algn="ctr">
+                      <a:solidFill>
+                        <a:srgbClr val="5B9BD5"/>
+                      </a:solidFill>
+                      <a:prstDash val="solid"/>
+                      <a:round/>
+                      <a:headEnd type="none" w="med" len="med"/>
+                      <a:tailEnd type="none" w="med" len="med"/>
+                    </a:lnL>
+                    <a:lnR w="12700" cap="flat" cmpd="sng" algn="ctr">
+                      <a:solidFill>
+                        <a:schemeClr val="tx1"/>
+                      </a:solidFill>
+                      <a:prstDash val="solid"/>
+                      <a:round/>
+                      <a:headEnd type="none" w="med" len="med"/>
+                      <a:tailEnd type="none" w="med" len="med"/>
+                    </a:lnR>
+                    <a:lnT w="6350" cap="flat" cmpd="sng" algn="ctr">
+                      <a:solidFill>
+                        <a:srgbClr val="5B9BD5"/>
+                      </a:solidFill>
+                      <a:prstDash val="solid"/>
+                      <a:round/>
+                      <a:headEnd type="none" w="med" len="med"/>
+                      <a:tailEnd type="none" w="med" len="med"/>
+                    </a:lnT>
+                    <a:lnB w="6350" cap="flat" cmpd="sng" algn="ctr">
+                      <a:solidFill>
+                        <a:srgbClr val="5B9BD5"/>
+                      </a:solidFill>
+                      <a:prstDash val="solid"/>
+                      <a:round/>
+                      <a:headEnd type="none" w="med" len="med"/>
+                      <a:tailEnd type="none" w="med" len="med"/>
+                    </a:lnB>
+                    <a:solidFill>
+                      <a:srgbClr val="FFEB9C"/>
+                    </a:solidFill>
+                  </a:tcPr>
+                </a:tc>
+                <a:tc>
+                  <a:txBody>
+                    <a:bodyPr/>
+                    <a:lstStyle/>
+                    <a:p>
+                      <a:pPr algn="ctr" fontAlgn="ctr"/>
+                      <a:r>
+                        <a:rPr lang="ko-KR" altLang="en-US" sz="1100" b="0" i="0" u="none" strike="noStrike" dirty="0">
+                          <a:solidFill>
+                            <a:srgbClr val="9C6500"/>
+                          </a:solidFill>
+                          <a:effectLst/>
+                          <a:latin typeface="맑은 고딕" panose="020B0503020000020004" pitchFamily="50" charset="-127"/>
+                          <a:ea typeface="맑은 고딕" panose="020B0503020000020004" pitchFamily="50" charset="-127"/>
+                        </a:rPr>
+                        <a:t>사진</a:t>
+                      </a:r>
+                    </a:p>
+                  </a:txBody>
+                  <a:tcPr marL="7620" marR="7620" marT="7620" marB="0" anchor="ctr">
+                    <a:lnL w="12700" cap="flat" cmpd="sng" algn="ctr">
+                      <a:solidFill>
+                        <a:schemeClr val="tx1"/>
+                      </a:solidFill>
+                      <a:prstDash val="solid"/>
+                      <a:round/>
+                      <a:headEnd type="none" w="med" len="med"/>
+                      <a:tailEnd type="none" w="med" len="med"/>
+                    </a:lnL>
+                    <a:lnR w="12700" cap="flat" cmpd="sng" algn="ctr">
+                      <a:solidFill>
+                        <a:schemeClr val="tx1"/>
+                      </a:solidFill>
+                      <a:prstDash val="solid"/>
+                      <a:round/>
+                      <a:headEnd type="none" w="med" len="med"/>
+                      <a:tailEnd type="none" w="med" len="med"/>
+                    </a:lnR>
+                    <a:lnT w="12700" cap="flat" cmpd="sng" algn="ctr">
+                      <a:solidFill>
+                        <a:schemeClr val="tx1"/>
+                      </a:solidFill>
+                      <a:prstDash val="solid"/>
+                      <a:round/>
+                      <a:headEnd type="none" w="med" len="med"/>
+                      <a:tailEnd type="none" w="med" len="med"/>
+                    </a:lnT>
+                    <a:lnB w="6350" cap="flat" cmpd="sng" algn="ctr">
+                      <a:solidFill>
+                        <a:srgbClr val="5B9BD5"/>
+                      </a:solidFill>
+                      <a:prstDash val="solid"/>
+                      <a:round/>
+                      <a:headEnd type="none" w="med" len="med"/>
+                      <a:tailEnd type="none" w="med" len="med"/>
+                    </a:lnB>
+                    <a:solidFill>
+                      <a:srgbClr val="FFEB9C"/>
+                    </a:solidFill>
+                  </a:tcPr>
+                </a:tc>
+                <a:tc>
+                  <a:txBody>
+                    <a:bodyPr/>
+                    <a:lstStyle/>
+                    <a:p>
+                      <a:pPr algn="ctr" fontAlgn="ctr"/>
+                      <a:r>
+                        <a:rPr lang="ko-KR" altLang="en-US" sz="1100" b="0" i="0" u="none" strike="noStrike">
+                          <a:solidFill>
+                            <a:srgbClr val="9C6500"/>
+                          </a:solidFill>
+                          <a:effectLst/>
+                          <a:latin typeface="맑은 고딕" panose="020B0503020000020004" pitchFamily="50" charset="-127"/>
+                          <a:ea typeface="맑은 고딕" panose="020B0503020000020004" pitchFamily="50" charset="-127"/>
+                        </a:rPr>
+                        <a:t>　</a:t>
+                      </a:r>
+                    </a:p>
+                  </a:txBody>
+                  <a:tcPr marL="7620" marR="7620" marT="7620" marB="0" anchor="ctr">
+                    <a:lnL w="12700" cap="flat" cmpd="sng" algn="ctr">
+                      <a:solidFill>
+                        <a:schemeClr val="tx1"/>
+                      </a:solidFill>
+                      <a:prstDash val="solid"/>
+                      <a:round/>
+                      <a:headEnd type="none" w="med" len="med"/>
+                      <a:tailEnd type="none" w="med" len="med"/>
+                    </a:lnL>
+                    <a:lnR w="25400" cap="flat" cmpd="dbl" algn="ctr">
+                      <a:solidFill>
+                        <a:srgbClr val="5B9BD5"/>
+                      </a:solidFill>
+                      <a:prstDash val="solid"/>
+                      <a:round/>
+                      <a:headEnd type="none" w="med" len="med"/>
+                      <a:tailEnd type="none" w="med" len="med"/>
+                    </a:lnR>
+                    <a:lnT w="6350" cap="flat" cmpd="sng" algn="ctr">
+                      <a:solidFill>
+                        <a:srgbClr val="5B9BD5"/>
+                      </a:solidFill>
+                      <a:prstDash val="solid"/>
+                      <a:round/>
+                      <a:headEnd type="none" w="med" len="med"/>
+                      <a:tailEnd type="none" w="med" len="med"/>
+                    </a:lnT>
+                    <a:lnB w="6350" cap="flat" cmpd="sng" algn="ctr">
+                      <a:solidFill>
+                        <a:srgbClr val="5B9BD5"/>
+                      </a:solidFill>
+                      <a:prstDash val="solid"/>
+                      <a:round/>
+                      <a:headEnd type="none" w="med" len="med"/>
+                      <a:tailEnd type="none" w="med" len="med"/>
+                    </a:lnB>
+                    <a:solidFill>
+                      <a:srgbClr val="FFEB9C"/>
+                    </a:solidFill>
+                  </a:tcPr>
+                </a:tc>
+              </a:tr>
+              <a:tr h="304689">
+                <a:tc vMerge="1">
+                  <a:txBody>
+                    <a:bodyPr/>
+                    <a:lstStyle/>
+                    <a:p>
+                      <a:pPr latinLnBrk="1"/>
+                      <a:endParaRPr lang="ko-KR" altLang="en-US"/>
+                    </a:p>
+                  </a:txBody>
+                  <a:tcPr/>
+                </a:tc>
+                <a:tc>
+                  <a:txBody>
+                    <a:bodyPr/>
+                    <a:lstStyle/>
+                    <a:p>
+                      <a:pPr algn="ctr" fontAlgn="ctr"/>
+                      <a:r>
+                        <a:rPr lang="ko-KR" altLang="en-US" sz="1100" b="0" i="0" u="none" strike="noStrike" dirty="0">
+                          <a:solidFill>
+                            <a:srgbClr val="9C6500"/>
+                          </a:solidFill>
+                          <a:effectLst/>
+                          <a:latin typeface="맑은 고딕" panose="020B0503020000020004" pitchFamily="50" charset="-127"/>
+                          <a:ea typeface="맑은 고딕" panose="020B0503020000020004" pitchFamily="50" charset="-127"/>
+                        </a:rPr>
+                        <a:t>이름</a:t>
+                      </a:r>
+                    </a:p>
+                  </a:txBody>
+                  <a:tcPr marL="7620" marR="7620" marT="7620" marB="0" anchor="ctr">
+                    <a:lnL w="19050" cap="flat" cmpd="sng" algn="ctr">
+                      <a:solidFill>
+                        <a:srgbClr val="5B9BD5"/>
+                      </a:solidFill>
+                      <a:prstDash val="solid"/>
+                      <a:round/>
+                      <a:headEnd type="none" w="med" len="med"/>
+                      <a:tailEnd type="none" w="med" len="med"/>
+                    </a:lnL>
+                    <a:lnR w="12700" cap="flat" cmpd="sng" algn="ctr">
+                      <a:solidFill>
+                        <a:schemeClr val="tx1"/>
+                      </a:solidFill>
+                      <a:prstDash val="solid"/>
+                      <a:round/>
+                      <a:headEnd type="none" w="med" len="med"/>
+                      <a:tailEnd type="none" w="med" len="med"/>
+                    </a:lnR>
+                    <a:lnT w="6350" cap="flat" cmpd="sng" algn="ctr">
+                      <a:solidFill>
+                        <a:srgbClr val="5B9BD5"/>
+                      </a:solidFill>
+                      <a:prstDash val="solid"/>
+                      <a:round/>
+                      <a:headEnd type="none" w="med" len="med"/>
+                      <a:tailEnd type="none" w="med" len="med"/>
+                    </a:lnT>
+                    <a:lnB w="6350" cap="flat" cmpd="sng" algn="ctr">
+                      <a:solidFill>
+                        <a:srgbClr val="5B9BD5"/>
+                      </a:solidFill>
+                      <a:prstDash val="solid"/>
+                      <a:round/>
+                      <a:headEnd type="none" w="med" len="med"/>
+                      <a:tailEnd type="none" w="med" len="med"/>
+                    </a:lnB>
+                    <a:solidFill>
+                      <a:srgbClr val="FFEB9C"/>
+                    </a:solidFill>
+                  </a:tcPr>
+                </a:tc>
+                <a:tc>
+                  <a:txBody>
+                    <a:bodyPr/>
+                    <a:lstStyle/>
+                    <a:p>
+                      <a:pPr algn="ctr" fontAlgn="ctr"/>
+                      <a:r>
+                        <a:rPr lang="ko-KR" altLang="en-US" sz="1100" b="0" i="0" u="none" strike="noStrike">
+                          <a:solidFill>
+                            <a:srgbClr val="9C6500"/>
+                          </a:solidFill>
+                          <a:effectLst/>
+                          <a:latin typeface="맑은 고딕" panose="020B0503020000020004" pitchFamily="50" charset="-127"/>
+                          <a:ea typeface="맑은 고딕" panose="020B0503020000020004" pitchFamily="50" charset="-127"/>
+                        </a:rPr>
+                        <a:t>브랜드</a:t>
+                      </a:r>
+                    </a:p>
+                  </a:txBody>
+                  <a:tcPr marL="7620" marR="7620" marT="7620" marB="0" anchor="ctr">
+                    <a:lnL w="12700" cap="flat" cmpd="sng" algn="ctr">
+                      <a:solidFill>
+                        <a:schemeClr val="tx1"/>
+                      </a:solidFill>
+                      <a:prstDash val="solid"/>
+                      <a:round/>
+                      <a:headEnd type="none" w="med" len="med"/>
+                      <a:tailEnd type="none" w="med" len="med"/>
+                    </a:lnL>
+                    <a:lnR w="12700" cap="flat" cmpd="sng" algn="ctr">
+                      <a:solidFill>
+                        <a:schemeClr val="tx1"/>
+                      </a:solidFill>
+                      <a:prstDash val="solid"/>
+                      <a:round/>
+                      <a:headEnd type="none" w="med" len="med"/>
+                      <a:tailEnd type="none" w="med" len="med"/>
+                    </a:lnR>
+                    <a:lnT w="6350" cap="flat" cmpd="sng" algn="ctr">
+                      <a:solidFill>
+                        <a:srgbClr val="5B9BD5"/>
+                      </a:solidFill>
+                      <a:prstDash val="solid"/>
+                      <a:round/>
+                      <a:headEnd type="none" w="med" len="med"/>
+                      <a:tailEnd type="none" w="med" len="med"/>
+                    </a:lnT>
+                    <a:lnB w="6350" cap="flat" cmpd="sng" algn="ctr">
+                      <a:solidFill>
+                        <a:srgbClr val="5B9BD5"/>
+                      </a:solidFill>
+                      <a:prstDash val="solid"/>
+                      <a:round/>
+                      <a:headEnd type="none" w="med" len="med"/>
+                      <a:tailEnd type="none" w="med" len="med"/>
+                    </a:lnB>
+                    <a:solidFill>
+                      <a:srgbClr val="FFEB9C"/>
+                    </a:solidFill>
+                  </a:tcPr>
+                </a:tc>
+                <a:tc>
+                  <a:txBody>
+                    <a:bodyPr/>
+                    <a:lstStyle/>
+                    <a:p>
+                      <a:pPr algn="ctr" fontAlgn="ctr"/>
+                      <a:r>
+                        <a:rPr lang="ko-KR" altLang="en-US" sz="1100" b="0" i="0" u="none" strike="noStrike">
+                          <a:solidFill>
+                            <a:srgbClr val="9C6500"/>
+                          </a:solidFill>
+                          <a:effectLst/>
+                          <a:latin typeface="맑은 고딕" panose="020B0503020000020004" pitchFamily="50" charset="-127"/>
+                          <a:ea typeface="맑은 고딕" panose="020B0503020000020004" pitchFamily="50" charset="-127"/>
+                        </a:rPr>
+                        <a:t>　</a:t>
+                      </a:r>
+                    </a:p>
+                  </a:txBody>
+                  <a:tcPr marL="7620" marR="7620" marT="7620" marB="0" anchor="ctr">
+                    <a:lnL w="12700" cap="flat" cmpd="sng" algn="ctr">
+                      <a:solidFill>
+                        <a:schemeClr val="tx1"/>
+                      </a:solidFill>
+                      <a:prstDash val="solid"/>
+                      <a:round/>
+                      <a:headEnd type="none" w="med" len="med"/>
+                      <a:tailEnd type="none" w="med" len="med"/>
+                    </a:lnL>
+                    <a:lnR w="25400" cap="flat" cmpd="dbl" algn="ctr">
+                      <a:solidFill>
+                        <a:srgbClr val="5B9BD5"/>
+                      </a:solidFill>
+                      <a:prstDash val="solid"/>
+                      <a:round/>
+                      <a:headEnd type="none" w="med" len="med"/>
+                      <a:tailEnd type="none" w="med" len="med"/>
+                    </a:lnR>
+                    <a:lnT w="6350" cap="flat" cmpd="sng" algn="ctr">
+                      <a:solidFill>
+                        <a:srgbClr val="5B9BD5"/>
+                      </a:solidFill>
+                      <a:prstDash val="solid"/>
+                      <a:round/>
+                      <a:headEnd type="none" w="med" len="med"/>
+                      <a:tailEnd type="none" w="med" len="med"/>
+                    </a:lnT>
+                    <a:lnB w="6350" cap="flat" cmpd="sng" algn="ctr">
+                      <a:solidFill>
+                        <a:srgbClr val="5B9BD5"/>
+                      </a:solidFill>
+                      <a:prstDash val="solid"/>
+                      <a:round/>
+                      <a:headEnd type="none" w="med" len="med"/>
+                      <a:tailEnd type="none" w="med" len="med"/>
+                    </a:lnB>
+                    <a:solidFill>
+                      <a:srgbClr val="FFEB9C"/>
+                    </a:solidFill>
+                  </a:tcPr>
+                </a:tc>
+              </a:tr>
+              <a:tr h="294533">
+                <a:tc vMerge="1">
+                  <a:txBody>
+                    <a:bodyPr/>
+                    <a:lstStyle/>
+                    <a:p>
+                      <a:pPr latinLnBrk="1"/>
+                      <a:endParaRPr lang="ko-KR" altLang="en-US"/>
+                    </a:p>
+                  </a:txBody>
+                  <a:tcPr/>
+                </a:tc>
+                <a:tc>
+                  <a:txBody>
+                    <a:bodyPr/>
+                    <a:lstStyle/>
+                    <a:p>
+                      <a:pPr algn="ctr" fontAlgn="ctr"/>
+                      <a:r>
+                        <a:rPr lang="ko-KR" altLang="en-US" sz="1100" b="0" i="0" u="none" strike="noStrike">
+                          <a:solidFill>
+                            <a:srgbClr val="9C6500"/>
+                          </a:solidFill>
+                          <a:effectLst/>
+                          <a:latin typeface="맑은 고딕" panose="020B0503020000020004" pitchFamily="50" charset="-127"/>
+                          <a:ea typeface="맑은 고딕" panose="020B0503020000020004" pitchFamily="50" charset="-127"/>
+                        </a:rPr>
+                        <a:t>지역</a:t>
+                      </a:r>
+                      <a:r>
+                        <a:rPr lang="en-US" altLang="ko-KR" sz="1100" b="0" i="0" u="none" strike="noStrike">
+                          <a:solidFill>
+                            <a:srgbClr val="9C6500"/>
+                          </a:solidFill>
+                          <a:effectLst/>
+                          <a:latin typeface="맑은 고딕" panose="020B0503020000020004" pitchFamily="50" charset="-127"/>
+                          <a:ea typeface="맑은 고딕" panose="020B0503020000020004" pitchFamily="50" charset="-127"/>
+                        </a:rPr>
+                        <a:t>(</a:t>
+                      </a:r>
+                      <a:r>
+                        <a:rPr lang="ko-KR" altLang="en-US" sz="1100" b="0" i="0" u="none" strike="noStrike">
+                          <a:solidFill>
+                            <a:srgbClr val="9C6500"/>
+                          </a:solidFill>
+                          <a:effectLst/>
+                          <a:latin typeface="맑은 고딕" panose="020B0503020000020004" pitchFamily="50" charset="-127"/>
+                          <a:ea typeface="맑은 고딕" panose="020B0503020000020004" pitchFamily="50" charset="-127"/>
+                        </a:rPr>
+                        <a:t>거래 장소</a:t>
+                      </a:r>
+                      <a:r>
+                        <a:rPr lang="en-US" altLang="ko-KR" sz="1100" b="0" i="0" u="none" strike="noStrike">
+                          <a:solidFill>
+                            <a:srgbClr val="9C6500"/>
+                          </a:solidFill>
+                          <a:effectLst/>
+                          <a:latin typeface="맑은 고딕" panose="020B0503020000020004" pitchFamily="50" charset="-127"/>
+                          <a:ea typeface="맑은 고딕" panose="020B0503020000020004" pitchFamily="50" charset="-127"/>
+                        </a:rPr>
+                        <a:t>)</a:t>
+                      </a:r>
+                    </a:p>
+                  </a:txBody>
+                  <a:tcPr marL="7620" marR="7620" marT="7620" marB="0" anchor="ctr">
+                    <a:lnL w="19050" cap="flat" cmpd="sng" algn="ctr">
+                      <a:solidFill>
+                        <a:srgbClr val="5B9BD5"/>
+                      </a:solidFill>
+                      <a:prstDash val="solid"/>
+                      <a:round/>
+                      <a:headEnd type="none" w="med" len="med"/>
+                      <a:tailEnd type="none" w="med" len="med"/>
+                    </a:lnL>
+                    <a:lnR w="12700" cap="flat" cmpd="sng" algn="ctr">
+                      <a:solidFill>
+                        <a:schemeClr val="tx1"/>
+                      </a:solidFill>
+                      <a:prstDash val="solid"/>
+                      <a:round/>
+                      <a:headEnd type="none" w="med" len="med"/>
+                      <a:tailEnd type="none" w="med" len="med"/>
+                    </a:lnR>
+                    <a:lnT w="6350" cap="flat" cmpd="sng" algn="ctr">
+                      <a:solidFill>
+                        <a:srgbClr val="5B9BD5"/>
+                      </a:solidFill>
+                      <a:prstDash val="solid"/>
+                      <a:round/>
+                      <a:headEnd type="none" w="med" len="med"/>
+                      <a:tailEnd type="none" w="med" len="med"/>
+                    </a:lnT>
+                    <a:lnB w="6350" cap="flat" cmpd="sng" algn="ctr">
+                      <a:solidFill>
+                        <a:srgbClr val="5B9BD5"/>
+                      </a:solidFill>
+                      <a:prstDash val="solid"/>
+                      <a:round/>
+                      <a:headEnd type="none" w="med" len="med"/>
+                      <a:tailEnd type="none" w="med" len="med"/>
+                    </a:lnB>
+                    <a:solidFill>
+                      <a:srgbClr val="FFEB9C"/>
+                    </a:solidFill>
+                  </a:tcPr>
+                </a:tc>
+                <a:tc>
+                  <a:txBody>
+                    <a:bodyPr/>
+                    <a:lstStyle/>
+                    <a:p>
+                      <a:pPr algn="ctr" fontAlgn="ctr"/>
+                      <a:r>
+                        <a:rPr lang="ko-KR" altLang="en-US" sz="1100" b="0" i="0" u="none" strike="noStrike">
+                          <a:solidFill>
+                            <a:srgbClr val="9C6500"/>
+                          </a:solidFill>
+                          <a:effectLst/>
+                          <a:latin typeface="맑은 고딕" panose="020B0503020000020004" pitchFamily="50" charset="-127"/>
+                          <a:ea typeface="맑은 고딕" panose="020B0503020000020004" pitchFamily="50" charset="-127"/>
+                        </a:rPr>
+                        <a:t>제품명</a:t>
+                      </a:r>
+                    </a:p>
+                  </a:txBody>
+                  <a:tcPr marL="7620" marR="7620" marT="7620" marB="0" anchor="ctr">
+                    <a:lnL w="12700" cap="flat" cmpd="sng" algn="ctr">
+                      <a:solidFill>
+                        <a:schemeClr val="tx1"/>
+                      </a:solidFill>
+                      <a:prstDash val="solid"/>
+                      <a:round/>
+                      <a:headEnd type="none" w="med" len="med"/>
+                      <a:tailEnd type="none" w="med" len="med"/>
+                    </a:lnL>
+                    <a:lnR w="12700" cap="flat" cmpd="sng" algn="ctr">
+                      <a:solidFill>
+                        <a:schemeClr val="tx1"/>
+                      </a:solidFill>
+                      <a:prstDash val="solid"/>
+                      <a:round/>
+                      <a:headEnd type="none" w="med" len="med"/>
+                      <a:tailEnd type="none" w="med" len="med"/>
+                    </a:lnR>
+                    <a:lnT w="6350" cap="flat" cmpd="sng" algn="ctr">
+                      <a:solidFill>
+                        <a:srgbClr val="5B9BD5"/>
+                      </a:solidFill>
+                      <a:prstDash val="solid"/>
+                      <a:round/>
+                      <a:headEnd type="none" w="med" len="med"/>
+                      <a:tailEnd type="none" w="med" len="med"/>
+                    </a:lnT>
+                    <a:lnB w="6350" cap="flat" cmpd="sng" algn="ctr">
+                      <a:solidFill>
+                        <a:srgbClr val="5B9BD5"/>
+                      </a:solidFill>
+                      <a:prstDash val="solid"/>
+                      <a:round/>
+                      <a:headEnd type="none" w="med" len="med"/>
+                      <a:tailEnd type="none" w="med" len="med"/>
+                    </a:lnB>
+                    <a:solidFill>
+                      <a:srgbClr val="FFEB9C"/>
+                    </a:solidFill>
+                  </a:tcPr>
+                </a:tc>
+                <a:tc>
+                  <a:txBody>
+                    <a:bodyPr/>
+                    <a:lstStyle/>
+                    <a:p>
+                      <a:pPr algn="ctr" fontAlgn="ctr"/>
+                      <a:r>
+                        <a:rPr lang="ko-KR" altLang="en-US" sz="1100" b="0" i="0" u="none" strike="noStrike">
+                          <a:solidFill>
+                            <a:srgbClr val="9C6500"/>
+                          </a:solidFill>
+                          <a:effectLst/>
+                          <a:latin typeface="맑은 고딕" panose="020B0503020000020004" pitchFamily="50" charset="-127"/>
+                          <a:ea typeface="맑은 고딕" panose="020B0503020000020004" pitchFamily="50" charset="-127"/>
+                        </a:rPr>
+                        <a:t>　</a:t>
+                      </a:r>
+                    </a:p>
+                  </a:txBody>
+                  <a:tcPr marL="7620" marR="7620" marT="7620" marB="0" anchor="ctr">
+                    <a:lnL w="12700" cap="flat" cmpd="sng" algn="ctr">
+                      <a:solidFill>
+                        <a:schemeClr val="tx1"/>
+                      </a:solidFill>
+                      <a:prstDash val="solid"/>
+                      <a:round/>
+                      <a:headEnd type="none" w="med" len="med"/>
+                      <a:tailEnd type="none" w="med" len="med"/>
+                    </a:lnL>
+                    <a:lnR w="25400" cap="flat" cmpd="dbl" algn="ctr">
+                      <a:solidFill>
+                        <a:srgbClr val="5B9BD5"/>
+                      </a:solidFill>
+                      <a:prstDash val="solid"/>
+                      <a:round/>
+                      <a:headEnd type="none" w="med" len="med"/>
+                      <a:tailEnd type="none" w="med" len="med"/>
+                    </a:lnR>
+                    <a:lnT w="6350" cap="flat" cmpd="sng" algn="ctr">
+                      <a:solidFill>
+                        <a:srgbClr val="5B9BD5"/>
+                      </a:solidFill>
+                      <a:prstDash val="solid"/>
+                      <a:round/>
+                      <a:headEnd type="none" w="med" len="med"/>
+                      <a:tailEnd type="none" w="med" len="med"/>
+                    </a:lnT>
+                    <a:lnB w="6350" cap="flat" cmpd="sng" algn="ctr">
+                      <a:solidFill>
+                        <a:srgbClr val="5B9BD5"/>
+                      </a:solidFill>
+                      <a:prstDash val="solid"/>
+                      <a:round/>
+                      <a:headEnd type="none" w="med" len="med"/>
+                      <a:tailEnd type="none" w="med" len="med"/>
+                    </a:lnB>
+                    <a:solidFill>
+                      <a:srgbClr val="FFEB9C"/>
+                    </a:solidFill>
+                  </a:tcPr>
+                </a:tc>
+              </a:tr>
+              <a:tr h="294533">
+                <a:tc vMerge="1">
+                  <a:txBody>
+                    <a:bodyPr/>
+                    <a:lstStyle/>
+                    <a:p>
+                      <a:pPr latinLnBrk="1"/>
+                      <a:endParaRPr lang="ko-KR" altLang="en-US"/>
+                    </a:p>
+                  </a:txBody>
+                  <a:tcPr/>
+                </a:tc>
+                <a:tc>
+                  <a:txBody>
+                    <a:bodyPr/>
+                    <a:lstStyle/>
+                    <a:p>
+                      <a:pPr algn="ctr" fontAlgn="ctr"/>
+                      <a:r>
+                        <a:rPr lang="ko-KR" altLang="en-US" sz="1100" b="0" i="0" u="none" strike="noStrike">
+                          <a:solidFill>
+                            <a:srgbClr val="9C6500"/>
+                          </a:solidFill>
+                          <a:effectLst/>
+                          <a:latin typeface="맑은 고딕" panose="020B0503020000020004" pitchFamily="50" charset="-127"/>
+                          <a:ea typeface="맑은 고딕" panose="020B0503020000020004" pitchFamily="50" charset="-127"/>
+                        </a:rPr>
+                        <a:t>전화번호</a:t>
+                      </a:r>
+                    </a:p>
+                  </a:txBody>
+                  <a:tcPr marL="7620" marR="7620" marT="7620" marB="0" anchor="ctr">
+                    <a:lnL w="19050" cap="flat" cmpd="sng" algn="ctr">
+                      <a:solidFill>
+                        <a:srgbClr val="5B9BD5"/>
+                      </a:solidFill>
+                      <a:prstDash val="solid"/>
+                      <a:round/>
+                      <a:headEnd type="none" w="med" len="med"/>
+                      <a:tailEnd type="none" w="med" len="med"/>
+                    </a:lnL>
+                    <a:lnR w="12700" cap="flat" cmpd="sng" algn="ctr">
+                      <a:solidFill>
+                        <a:schemeClr val="tx1"/>
+                      </a:solidFill>
+                      <a:prstDash val="solid"/>
+                      <a:round/>
+                      <a:headEnd type="none" w="med" len="med"/>
+                      <a:tailEnd type="none" w="med" len="med"/>
+                    </a:lnR>
+                    <a:lnT w="6350" cap="flat" cmpd="sng" algn="ctr">
+                      <a:solidFill>
+                        <a:srgbClr val="5B9BD5"/>
+                      </a:solidFill>
+                      <a:prstDash val="solid"/>
+                      <a:round/>
+                      <a:headEnd type="none" w="med" len="med"/>
+                      <a:tailEnd type="none" w="med" len="med"/>
+                    </a:lnT>
+                    <a:lnB w="6350" cap="flat" cmpd="sng" algn="ctr">
+                      <a:solidFill>
+                        <a:srgbClr val="5B9BD5"/>
+                      </a:solidFill>
+                      <a:prstDash val="solid"/>
+                      <a:round/>
+                      <a:headEnd type="none" w="med" len="med"/>
+                      <a:tailEnd type="none" w="med" len="med"/>
+                    </a:lnB>
+                    <a:solidFill>
+                      <a:srgbClr val="FFEB9C"/>
+                    </a:solidFill>
+                  </a:tcPr>
+                </a:tc>
+                <a:tc>
+                  <a:txBody>
+                    <a:bodyPr/>
+                    <a:lstStyle/>
+                    <a:p>
+                      <a:pPr algn="ctr" fontAlgn="ctr"/>
+                      <a:r>
+                        <a:rPr lang="ko-KR" altLang="en-US" sz="1100" b="0" i="0" u="none" strike="noStrike">
+                          <a:solidFill>
+                            <a:srgbClr val="9C6500"/>
+                          </a:solidFill>
+                          <a:effectLst/>
+                          <a:latin typeface="맑은 고딕" panose="020B0503020000020004" pitchFamily="50" charset="-127"/>
+                          <a:ea typeface="맑은 고딕" panose="020B0503020000020004" pitchFamily="50" charset="-127"/>
+                        </a:rPr>
+                        <a:t>특징</a:t>
+                      </a:r>
+                      <a:r>
+                        <a:rPr lang="en-US" altLang="ko-KR" sz="1100" b="0" i="0" u="none" strike="noStrike">
+                          <a:solidFill>
+                            <a:srgbClr val="9C6500"/>
+                          </a:solidFill>
+                          <a:effectLst/>
+                          <a:latin typeface="맑은 고딕" panose="020B0503020000020004" pitchFamily="50" charset="-127"/>
+                          <a:ea typeface="맑은 고딕" panose="020B0503020000020004" pitchFamily="50" charset="-127"/>
+                        </a:rPr>
+                        <a:t>(</a:t>
+                      </a:r>
+                      <a:r>
+                        <a:rPr lang="ko-KR" altLang="en-US" sz="1100" b="0" i="0" u="none" strike="noStrike">
+                          <a:solidFill>
+                            <a:srgbClr val="9C6500"/>
+                          </a:solidFill>
+                          <a:effectLst/>
+                          <a:latin typeface="맑은 고딕" panose="020B0503020000020004" pitchFamily="50" charset="-127"/>
+                          <a:ea typeface="맑은 고딕" panose="020B0503020000020004" pitchFamily="50" charset="-127"/>
+                        </a:rPr>
+                        <a:t>체크박스</a:t>
+                      </a:r>
+                      <a:r>
+                        <a:rPr lang="en-US" altLang="ko-KR" sz="1100" b="0" i="0" u="none" strike="noStrike">
+                          <a:solidFill>
+                            <a:srgbClr val="9C6500"/>
+                          </a:solidFill>
+                          <a:effectLst/>
+                          <a:latin typeface="맑은 고딕" panose="020B0503020000020004" pitchFamily="50" charset="-127"/>
+                          <a:ea typeface="맑은 고딕" panose="020B0503020000020004" pitchFamily="50" charset="-127"/>
+                        </a:rPr>
+                        <a:t>)</a:t>
+                      </a:r>
+                    </a:p>
+                  </a:txBody>
+                  <a:tcPr marL="7620" marR="7620" marT="7620" marB="0" anchor="ctr">
+                    <a:lnL w="12700" cap="flat" cmpd="sng" algn="ctr">
+                      <a:solidFill>
+                        <a:schemeClr val="tx1"/>
+                      </a:solidFill>
+                      <a:prstDash val="solid"/>
+                      <a:round/>
+                      <a:headEnd type="none" w="med" len="med"/>
+                      <a:tailEnd type="none" w="med" len="med"/>
+                    </a:lnL>
+                    <a:lnR w="12700" cap="flat" cmpd="sng" algn="ctr">
+                      <a:solidFill>
+                        <a:schemeClr val="tx1"/>
+                      </a:solidFill>
+                      <a:prstDash val="solid"/>
+                      <a:round/>
+                      <a:headEnd type="none" w="med" len="med"/>
+                      <a:tailEnd type="none" w="med" len="med"/>
+                    </a:lnR>
+                    <a:lnT w="6350" cap="flat" cmpd="sng" algn="ctr">
+                      <a:solidFill>
+                        <a:srgbClr val="5B9BD5"/>
+                      </a:solidFill>
+                      <a:prstDash val="solid"/>
+                      <a:round/>
+                      <a:headEnd type="none" w="med" len="med"/>
+                      <a:tailEnd type="none" w="med" len="med"/>
+                    </a:lnT>
+                    <a:lnB w="6350" cap="flat" cmpd="sng" algn="ctr">
+                      <a:solidFill>
+                        <a:srgbClr val="5B9BD5"/>
+                      </a:solidFill>
+                      <a:prstDash val="solid"/>
+                      <a:round/>
+                      <a:headEnd type="none" w="med" len="med"/>
+                      <a:tailEnd type="none" w="med" len="med"/>
+                    </a:lnB>
+                    <a:solidFill>
+                      <a:srgbClr val="FFEB9C"/>
+                    </a:solidFill>
+                  </a:tcPr>
+                </a:tc>
+                <a:tc>
+                  <a:txBody>
+                    <a:bodyPr/>
+                    <a:lstStyle/>
+                    <a:p>
+                      <a:pPr algn="ctr" fontAlgn="ctr"/>
+                      <a:r>
+                        <a:rPr lang="ko-KR" altLang="en-US" sz="1100" b="0" i="0" u="none" strike="noStrike">
+                          <a:solidFill>
+                            <a:srgbClr val="9C6500"/>
+                          </a:solidFill>
+                          <a:effectLst/>
+                          <a:latin typeface="맑은 고딕" panose="020B0503020000020004" pitchFamily="50" charset="-127"/>
+                          <a:ea typeface="맑은 고딕" panose="020B0503020000020004" pitchFamily="50" charset="-127"/>
+                        </a:rPr>
+                        <a:t>　</a:t>
+                      </a:r>
+                    </a:p>
+                  </a:txBody>
+                  <a:tcPr marL="7620" marR="7620" marT="7620" marB="0" anchor="ctr">
+                    <a:lnL w="12700" cap="flat" cmpd="sng" algn="ctr">
+                      <a:solidFill>
+                        <a:schemeClr val="tx1"/>
+                      </a:solidFill>
+                      <a:prstDash val="solid"/>
+                      <a:round/>
+                      <a:headEnd type="none" w="med" len="med"/>
+                      <a:tailEnd type="none" w="med" len="med"/>
+                    </a:lnL>
+                    <a:lnR w="25400" cap="flat" cmpd="dbl" algn="ctr">
+                      <a:solidFill>
+                        <a:srgbClr val="5B9BD5"/>
+                      </a:solidFill>
+                      <a:prstDash val="solid"/>
+                      <a:round/>
+                      <a:headEnd type="none" w="med" len="med"/>
+                      <a:tailEnd type="none" w="med" len="med"/>
+                    </a:lnR>
+                    <a:lnT w="6350" cap="flat" cmpd="sng" algn="ctr">
+                      <a:solidFill>
+                        <a:srgbClr val="5B9BD5"/>
+                      </a:solidFill>
+                      <a:prstDash val="solid"/>
+                      <a:round/>
+                      <a:headEnd type="none" w="med" len="med"/>
+                      <a:tailEnd type="none" w="med" len="med"/>
+                    </a:lnT>
+                    <a:lnB w="6350" cap="flat" cmpd="sng" algn="ctr">
+                      <a:solidFill>
+                        <a:srgbClr val="5B9BD5"/>
+                      </a:solidFill>
+                      <a:prstDash val="solid"/>
+                      <a:round/>
+                      <a:headEnd type="none" w="med" len="med"/>
+                      <a:tailEnd type="none" w="med" len="med"/>
+                    </a:lnB>
+                    <a:solidFill>
+                      <a:srgbClr val="FFEB9C"/>
+                    </a:solidFill>
+                  </a:tcPr>
+                </a:tc>
+              </a:tr>
+              <a:tr h="294533">
+                <a:tc vMerge="1">
+                  <a:txBody>
+                    <a:bodyPr/>
+                    <a:lstStyle/>
+                    <a:p>
+                      <a:pPr latinLnBrk="1"/>
+                      <a:endParaRPr lang="ko-KR" altLang="en-US"/>
+                    </a:p>
+                  </a:txBody>
+                  <a:tcPr/>
+                </a:tc>
+                <a:tc>
+                  <a:txBody>
+                    <a:bodyPr/>
+                    <a:lstStyle/>
+                    <a:p>
+                      <a:pPr algn="ctr" fontAlgn="ctr"/>
+                      <a:r>
+                        <a:rPr lang="ko-KR" altLang="en-US" sz="1100" b="0" i="0" u="none" strike="noStrike">
+                          <a:solidFill>
+                            <a:srgbClr val="9C6500"/>
+                          </a:solidFill>
+                          <a:effectLst/>
+                          <a:latin typeface="맑은 고딕" panose="020B0503020000020004" pitchFamily="50" charset="-127"/>
+                          <a:ea typeface="맑은 고딕" panose="020B0503020000020004" pitchFamily="50" charset="-127"/>
+                        </a:rPr>
+                        <a:t>　</a:t>
+                      </a:r>
+                    </a:p>
+                  </a:txBody>
+                  <a:tcPr marL="7620" marR="7620" marT="7620" marB="0" anchor="ctr">
+                    <a:lnL w="19050" cap="flat" cmpd="sng" algn="ctr">
+                      <a:solidFill>
+                        <a:srgbClr val="5B9BD5"/>
+                      </a:solidFill>
+                      <a:prstDash val="solid"/>
+                      <a:round/>
+                      <a:headEnd type="none" w="med" len="med"/>
+                      <a:tailEnd type="none" w="med" len="med"/>
+                    </a:lnL>
+                    <a:lnR w="12700" cap="flat" cmpd="sng" algn="ctr">
+                      <a:solidFill>
+                        <a:schemeClr val="tx1"/>
+                      </a:solidFill>
+                      <a:prstDash val="solid"/>
+                      <a:round/>
+                      <a:headEnd type="none" w="med" len="med"/>
+                      <a:tailEnd type="none" w="med" len="med"/>
+                    </a:lnR>
+                    <a:lnT w="6350" cap="flat" cmpd="sng" algn="ctr">
+                      <a:solidFill>
+                        <a:srgbClr val="5B9BD5"/>
+                      </a:solidFill>
+                      <a:prstDash val="solid"/>
+                      <a:round/>
+                      <a:headEnd type="none" w="med" len="med"/>
+                      <a:tailEnd type="none" w="med" len="med"/>
+                    </a:lnT>
+                    <a:lnB w="6350" cap="flat" cmpd="sng" algn="ctr">
+                      <a:solidFill>
+                        <a:srgbClr val="5B9BD5"/>
+                      </a:solidFill>
+                      <a:prstDash val="solid"/>
+                      <a:round/>
+                      <a:headEnd type="none" w="med" len="med"/>
+                      <a:tailEnd type="none" w="med" len="med"/>
+                    </a:lnB>
+                    <a:solidFill>
+                      <a:srgbClr val="FFEB9C"/>
+                    </a:solidFill>
+                  </a:tcPr>
+                </a:tc>
+                <a:tc>
+                  <a:txBody>
+                    <a:bodyPr/>
+                    <a:lstStyle/>
+                    <a:p>
+                      <a:pPr algn="ctr" fontAlgn="ctr"/>
+                      <a:r>
+                        <a:rPr lang="ko-KR" altLang="en-US" sz="1100" b="0" i="0" u="none" strike="noStrike">
+                          <a:solidFill>
+                            <a:srgbClr val="9C6500"/>
+                          </a:solidFill>
+                          <a:effectLst/>
+                          <a:latin typeface="맑은 고딕" panose="020B0503020000020004" pitchFamily="50" charset="-127"/>
+                          <a:ea typeface="맑은 고딕" panose="020B0503020000020004" pitchFamily="50" charset="-127"/>
+                        </a:rPr>
+                        <a:t>거래방식</a:t>
+                      </a:r>
+                      <a:r>
+                        <a:rPr lang="en-US" altLang="ko-KR" sz="1100" b="0" i="0" u="none" strike="noStrike">
+                          <a:solidFill>
+                            <a:srgbClr val="9C6500"/>
+                          </a:solidFill>
+                          <a:effectLst/>
+                          <a:latin typeface="맑은 고딕" panose="020B0503020000020004" pitchFamily="50" charset="-127"/>
+                          <a:ea typeface="맑은 고딕" panose="020B0503020000020004" pitchFamily="50" charset="-127"/>
+                        </a:rPr>
+                        <a:t>(</a:t>
+                      </a:r>
+                      <a:r>
+                        <a:rPr lang="ko-KR" altLang="en-US" sz="1100" b="0" i="0" u="none" strike="noStrike">
+                          <a:solidFill>
+                            <a:srgbClr val="9C6500"/>
+                          </a:solidFill>
+                          <a:effectLst/>
+                          <a:latin typeface="맑은 고딕" panose="020B0503020000020004" pitchFamily="50" charset="-127"/>
+                          <a:ea typeface="맑은 고딕" panose="020B0503020000020004" pitchFamily="50" charset="-127"/>
+                        </a:rPr>
+                        <a:t>직거래</a:t>
+                      </a:r>
+                      <a:r>
+                        <a:rPr lang="en-US" altLang="ko-KR" sz="1100" b="0" i="0" u="none" strike="noStrike">
+                          <a:solidFill>
+                            <a:srgbClr val="9C6500"/>
+                          </a:solidFill>
+                          <a:effectLst/>
+                          <a:latin typeface="맑은 고딕" panose="020B0503020000020004" pitchFamily="50" charset="-127"/>
+                          <a:ea typeface="맑은 고딕" panose="020B0503020000020004" pitchFamily="50" charset="-127"/>
+                        </a:rPr>
+                        <a:t>, </a:t>
+                      </a:r>
+                      <a:r>
+                        <a:rPr lang="ko-KR" altLang="en-US" sz="1100" b="0" i="0" u="none" strike="noStrike">
+                          <a:solidFill>
+                            <a:srgbClr val="9C6500"/>
+                          </a:solidFill>
+                          <a:effectLst/>
+                          <a:latin typeface="맑은 고딕" panose="020B0503020000020004" pitchFamily="50" charset="-127"/>
+                          <a:ea typeface="맑은 고딕" panose="020B0503020000020004" pitchFamily="50" charset="-127"/>
+                        </a:rPr>
+                        <a:t>택배</a:t>
+                      </a:r>
+                      <a:r>
+                        <a:rPr lang="en-US" altLang="ko-KR" sz="1100" b="0" i="0" u="none" strike="noStrike">
+                          <a:solidFill>
+                            <a:srgbClr val="9C6500"/>
+                          </a:solidFill>
+                          <a:effectLst/>
+                          <a:latin typeface="맑은 고딕" panose="020B0503020000020004" pitchFamily="50" charset="-127"/>
+                          <a:ea typeface="맑은 고딕" panose="020B0503020000020004" pitchFamily="50" charset="-127"/>
+                        </a:rPr>
+                        <a:t>)</a:t>
+                      </a:r>
+                    </a:p>
+                  </a:txBody>
+                  <a:tcPr marL="7620" marR="7620" marT="7620" marB="0" anchor="ctr">
+                    <a:lnL w="12700" cap="flat" cmpd="sng" algn="ctr">
+                      <a:solidFill>
+                        <a:schemeClr val="tx1"/>
+                      </a:solidFill>
+                      <a:prstDash val="solid"/>
+                      <a:round/>
+                      <a:headEnd type="none" w="med" len="med"/>
+                      <a:tailEnd type="none" w="med" len="med"/>
+                    </a:lnL>
+                    <a:lnR w="12700" cap="flat" cmpd="sng" algn="ctr">
+                      <a:solidFill>
+                        <a:schemeClr val="tx1"/>
+                      </a:solidFill>
+                      <a:prstDash val="solid"/>
+                      <a:round/>
+                      <a:headEnd type="none" w="med" len="med"/>
+                      <a:tailEnd type="none" w="med" len="med"/>
+                    </a:lnR>
+                    <a:lnT w="6350" cap="flat" cmpd="sng" algn="ctr">
+                      <a:solidFill>
+                        <a:srgbClr val="5B9BD5"/>
+                      </a:solidFill>
+                      <a:prstDash val="solid"/>
+                      <a:round/>
+                      <a:headEnd type="none" w="med" len="med"/>
+                      <a:tailEnd type="none" w="med" len="med"/>
+                    </a:lnT>
+                    <a:lnB w="6350" cap="flat" cmpd="sng" algn="ctr">
+                      <a:solidFill>
+                        <a:srgbClr val="5B9BD5"/>
+                      </a:solidFill>
+                      <a:prstDash val="solid"/>
+                      <a:round/>
+                      <a:headEnd type="none" w="med" len="med"/>
+                      <a:tailEnd type="none" w="med" len="med"/>
+                    </a:lnB>
+                    <a:solidFill>
+                      <a:srgbClr val="FFEB9C"/>
+                    </a:solidFill>
+                  </a:tcPr>
+                </a:tc>
+                <a:tc>
+                  <a:txBody>
+                    <a:bodyPr/>
+                    <a:lstStyle/>
+                    <a:p>
+                      <a:pPr algn="ctr" fontAlgn="ctr"/>
+                      <a:r>
+                        <a:rPr lang="ko-KR" altLang="en-US" sz="1100" b="0" i="0" u="none" strike="noStrike">
+                          <a:solidFill>
+                            <a:srgbClr val="9C6500"/>
+                          </a:solidFill>
+                          <a:effectLst/>
+                          <a:latin typeface="맑은 고딕" panose="020B0503020000020004" pitchFamily="50" charset="-127"/>
+                          <a:ea typeface="맑은 고딕" panose="020B0503020000020004" pitchFamily="50" charset="-127"/>
+                        </a:rPr>
+                        <a:t>　</a:t>
+                      </a:r>
+                    </a:p>
+                  </a:txBody>
+                  <a:tcPr marL="7620" marR="7620" marT="7620" marB="0" anchor="ctr">
+                    <a:lnL w="12700" cap="flat" cmpd="sng" algn="ctr">
+                      <a:solidFill>
+                        <a:schemeClr val="tx1"/>
+                      </a:solidFill>
+                      <a:prstDash val="solid"/>
+                      <a:round/>
+                      <a:headEnd type="none" w="med" len="med"/>
+                      <a:tailEnd type="none" w="med" len="med"/>
+                    </a:lnL>
+                    <a:lnR w="25400" cap="flat" cmpd="dbl" algn="ctr">
+                      <a:solidFill>
+                        <a:srgbClr val="5B9BD5"/>
+                      </a:solidFill>
+                      <a:prstDash val="solid"/>
+                      <a:round/>
+                      <a:headEnd type="none" w="med" len="med"/>
+                      <a:tailEnd type="none" w="med" len="med"/>
+                    </a:lnR>
+                    <a:lnT w="6350" cap="flat" cmpd="sng" algn="ctr">
+                      <a:solidFill>
+                        <a:srgbClr val="5B9BD5"/>
+                      </a:solidFill>
+                      <a:prstDash val="solid"/>
+                      <a:round/>
+                      <a:headEnd type="none" w="med" len="med"/>
+                      <a:tailEnd type="none" w="med" len="med"/>
+                    </a:lnT>
+                    <a:lnB w="6350" cap="flat" cmpd="sng" algn="ctr">
+                      <a:solidFill>
+                        <a:srgbClr val="5B9BD5"/>
+                      </a:solidFill>
+                      <a:prstDash val="solid"/>
+                      <a:round/>
+                      <a:headEnd type="none" w="med" len="med"/>
+                      <a:tailEnd type="none" w="med" len="med"/>
+                    </a:lnB>
+                    <a:solidFill>
+                      <a:srgbClr val="FFEB9C"/>
+                    </a:solidFill>
+                  </a:tcPr>
+                </a:tc>
+              </a:tr>
+              <a:tr h="294533">
+                <a:tc vMerge="1">
+                  <a:txBody>
+                    <a:bodyPr/>
+                    <a:lstStyle/>
+                    <a:p>
+                      <a:pPr latinLnBrk="1"/>
+                      <a:endParaRPr lang="ko-KR" altLang="en-US"/>
+                    </a:p>
+                  </a:txBody>
+                  <a:tcPr/>
+                </a:tc>
+                <a:tc>
+                  <a:txBody>
+                    <a:bodyPr/>
+                    <a:lstStyle/>
+                    <a:p>
+                      <a:pPr algn="ctr" fontAlgn="ctr"/>
+                      <a:r>
+                        <a:rPr lang="ko-KR" altLang="en-US" sz="1100" b="0" i="0" u="none" strike="noStrike">
+                          <a:solidFill>
+                            <a:srgbClr val="9C6500"/>
+                          </a:solidFill>
+                          <a:effectLst/>
+                          <a:latin typeface="맑은 고딕" panose="020B0503020000020004" pitchFamily="50" charset="-127"/>
+                          <a:ea typeface="맑은 고딕" panose="020B0503020000020004" pitchFamily="50" charset="-127"/>
+                        </a:rPr>
+                        <a:t>　</a:t>
+                      </a:r>
+                    </a:p>
+                  </a:txBody>
+                  <a:tcPr marL="7620" marR="7620" marT="7620" marB="0" anchor="ctr">
+                    <a:lnL w="19050" cap="flat" cmpd="sng" algn="ctr">
+                      <a:solidFill>
+                        <a:srgbClr val="5B9BD5"/>
+                      </a:solidFill>
+                      <a:prstDash val="solid"/>
+                      <a:round/>
+                      <a:headEnd type="none" w="med" len="med"/>
+                      <a:tailEnd type="none" w="med" len="med"/>
+                    </a:lnL>
+                    <a:lnR w="12700" cap="flat" cmpd="sng" algn="ctr">
+                      <a:solidFill>
+                        <a:schemeClr val="tx1"/>
+                      </a:solidFill>
+                      <a:prstDash val="solid"/>
+                      <a:round/>
+                      <a:headEnd type="none" w="med" len="med"/>
+                      <a:tailEnd type="none" w="med" len="med"/>
+                    </a:lnR>
+                    <a:lnT w="6350" cap="flat" cmpd="sng" algn="ctr">
+                      <a:solidFill>
+                        <a:srgbClr val="5B9BD5"/>
+                      </a:solidFill>
+                      <a:prstDash val="solid"/>
+                      <a:round/>
+                      <a:headEnd type="none" w="med" len="med"/>
+                      <a:tailEnd type="none" w="med" len="med"/>
+                    </a:lnT>
+                    <a:lnB w="6350" cap="flat" cmpd="sng" algn="ctr">
+                      <a:solidFill>
+                        <a:srgbClr val="5B9BD5"/>
+                      </a:solidFill>
+                      <a:prstDash val="solid"/>
+                      <a:round/>
+                      <a:headEnd type="none" w="med" len="med"/>
+                      <a:tailEnd type="none" w="med" len="med"/>
+                    </a:lnB>
+                    <a:solidFill>
+                      <a:srgbClr val="FFEB9C"/>
+                    </a:solidFill>
+                  </a:tcPr>
+                </a:tc>
+                <a:tc>
+                  <a:txBody>
+                    <a:bodyPr/>
+                    <a:lstStyle/>
+                    <a:p>
+                      <a:pPr algn="ctr" fontAlgn="ctr"/>
+                      <a:r>
+                        <a:rPr lang="ko-KR" altLang="en-US" sz="1100" b="0" i="0" u="none" strike="noStrike" dirty="0">
+                          <a:solidFill>
+                            <a:srgbClr val="9C6500"/>
+                          </a:solidFill>
+                          <a:effectLst/>
+                          <a:latin typeface="맑은 고딕" panose="020B0503020000020004" pitchFamily="50" charset="-127"/>
+                          <a:ea typeface="맑은 고딕" panose="020B0503020000020004" pitchFamily="50" charset="-127"/>
+                        </a:rPr>
+                        <a:t>금액</a:t>
+                      </a:r>
+                    </a:p>
+                  </a:txBody>
+                  <a:tcPr marL="7620" marR="7620" marT="7620" marB="0" anchor="ctr">
+                    <a:lnL w="12700" cap="flat" cmpd="sng" algn="ctr">
+                      <a:solidFill>
+                        <a:schemeClr val="tx1"/>
+                      </a:solidFill>
+                      <a:prstDash val="solid"/>
+                      <a:round/>
+                      <a:headEnd type="none" w="med" len="med"/>
+                      <a:tailEnd type="none" w="med" len="med"/>
+                    </a:lnL>
+                    <a:lnR w="12700" cap="flat" cmpd="sng" algn="ctr">
+                      <a:solidFill>
+                        <a:schemeClr val="tx1"/>
+                      </a:solidFill>
+                      <a:prstDash val="solid"/>
+                      <a:round/>
+                      <a:headEnd type="none" w="med" len="med"/>
+                      <a:tailEnd type="none" w="med" len="med"/>
+                    </a:lnR>
+                    <a:lnT w="6350" cap="flat" cmpd="sng" algn="ctr">
+                      <a:solidFill>
+                        <a:srgbClr val="5B9BD5"/>
+                      </a:solidFill>
+                      <a:prstDash val="solid"/>
+                      <a:round/>
+                      <a:headEnd type="none" w="med" len="med"/>
+                      <a:tailEnd type="none" w="med" len="med"/>
+                    </a:lnT>
+                    <a:lnB w="12700" cap="flat" cmpd="sng" algn="ctr">
+                      <a:solidFill>
+                        <a:schemeClr val="tx1"/>
+                      </a:solidFill>
+                      <a:prstDash val="solid"/>
+                      <a:round/>
+                      <a:headEnd type="none" w="med" len="med"/>
+                      <a:tailEnd type="none" w="med" len="med"/>
+                    </a:lnB>
+                    <a:solidFill>
+                      <a:srgbClr val="FFEB9C"/>
+                    </a:solidFill>
+                  </a:tcPr>
+                </a:tc>
+                <a:tc>
+                  <a:txBody>
+                    <a:bodyPr/>
+                    <a:lstStyle/>
+                    <a:p>
+                      <a:pPr algn="ctr" fontAlgn="ctr"/>
+                      <a:r>
+                        <a:rPr lang="ko-KR" altLang="en-US" sz="1100" b="0" i="0" u="none" strike="noStrike">
+                          <a:solidFill>
+                            <a:srgbClr val="9C6500"/>
+                          </a:solidFill>
+                          <a:effectLst/>
+                          <a:latin typeface="맑은 고딕" panose="020B0503020000020004" pitchFamily="50" charset="-127"/>
+                          <a:ea typeface="맑은 고딕" panose="020B0503020000020004" pitchFamily="50" charset="-127"/>
+                        </a:rPr>
+                        <a:t>　</a:t>
+                      </a:r>
+                    </a:p>
+                  </a:txBody>
+                  <a:tcPr marL="7620" marR="7620" marT="7620" marB="0" anchor="ctr">
+                    <a:lnL w="12700" cap="flat" cmpd="sng" algn="ctr">
+                      <a:solidFill>
+                        <a:schemeClr val="tx1"/>
+                      </a:solidFill>
+                      <a:prstDash val="solid"/>
+                      <a:round/>
+                      <a:headEnd type="none" w="med" len="med"/>
+                      <a:tailEnd type="none" w="med" len="med"/>
+                    </a:lnL>
+                    <a:lnR w="25400" cap="flat" cmpd="dbl" algn="ctr">
+                      <a:solidFill>
+                        <a:srgbClr val="5B9BD5"/>
+                      </a:solidFill>
+                      <a:prstDash val="solid"/>
+                      <a:round/>
+                      <a:headEnd type="none" w="med" len="med"/>
+                      <a:tailEnd type="none" w="med" len="med"/>
+                    </a:lnR>
+                    <a:lnT w="6350" cap="flat" cmpd="sng" algn="ctr">
+                      <a:solidFill>
+                        <a:srgbClr val="5B9BD5"/>
+                      </a:solidFill>
+                      <a:prstDash val="solid"/>
+                      <a:round/>
+                      <a:headEnd type="none" w="med" len="med"/>
+                      <a:tailEnd type="none" w="med" len="med"/>
+                    </a:lnT>
+                    <a:lnB w="6350" cap="flat" cmpd="sng" algn="ctr">
+                      <a:solidFill>
+                        <a:srgbClr val="5B9BD5"/>
+                      </a:solidFill>
+                      <a:prstDash val="solid"/>
+                      <a:round/>
+                      <a:headEnd type="none" w="med" len="med"/>
+                      <a:tailEnd type="none" w="med" len="med"/>
+                    </a:lnB>
+                    <a:solidFill>
+                      <a:srgbClr val="FFEB9C"/>
+                    </a:solidFill>
+                  </a:tcPr>
+                </a:tc>
+              </a:tr>
+              <a:tr h="294533">
+                <a:tc vMerge="1">
+                  <a:txBody>
+                    <a:bodyPr/>
+                    <a:lstStyle/>
+                    <a:p>
+                      <a:pPr latinLnBrk="1"/>
+                      <a:endParaRPr lang="ko-KR" altLang="en-US"/>
+                    </a:p>
+                  </a:txBody>
+                  <a:tcPr/>
+                </a:tc>
+                <a:tc>
+                  <a:txBody>
+                    <a:bodyPr/>
+                    <a:lstStyle/>
+                    <a:p>
+                      <a:pPr algn="ctr" fontAlgn="ctr"/>
+                      <a:r>
+                        <a:rPr lang="ko-KR" altLang="en-US" sz="1100" b="0" i="0" u="none" strike="noStrike">
+                          <a:solidFill>
+                            <a:srgbClr val="9C6500"/>
+                          </a:solidFill>
+                          <a:effectLst/>
+                          <a:latin typeface="맑은 고딕" panose="020B0503020000020004" pitchFamily="50" charset="-127"/>
+                          <a:ea typeface="맑은 고딕" panose="020B0503020000020004" pitchFamily="50" charset="-127"/>
+                        </a:rPr>
+                        <a:t>　</a:t>
+                      </a:r>
+                    </a:p>
+                  </a:txBody>
+                  <a:tcPr marL="7620" marR="7620" marT="7620" marB="0" anchor="ctr">
+                    <a:lnL w="19050" cap="flat" cmpd="sng" algn="ctr">
+                      <a:solidFill>
+                        <a:srgbClr val="5B9BD5"/>
+                      </a:solidFill>
+                      <a:prstDash val="solid"/>
+                      <a:round/>
+                      <a:headEnd type="none" w="med" len="med"/>
+                      <a:tailEnd type="none" w="med" len="med"/>
+                    </a:lnL>
+                    <a:lnR w="6350" cap="flat" cmpd="sng" algn="ctr">
+                      <a:solidFill>
+                        <a:srgbClr val="5B9BD5"/>
+                      </a:solidFill>
+                      <a:prstDash val="solid"/>
+                      <a:round/>
+                      <a:headEnd type="none" w="med" len="med"/>
+                      <a:tailEnd type="none" w="med" len="med"/>
+                    </a:lnR>
+                    <a:lnT w="6350" cap="flat" cmpd="sng" algn="ctr">
+                      <a:solidFill>
+                        <a:srgbClr val="5B9BD5"/>
+                      </a:solidFill>
+                      <a:prstDash val="solid"/>
+                      <a:round/>
+                      <a:headEnd type="none" w="med" len="med"/>
+                      <a:tailEnd type="none" w="med" len="med"/>
+                    </a:lnT>
+                    <a:lnB w="6350" cap="flat" cmpd="sng" algn="ctr">
+                      <a:solidFill>
+                        <a:srgbClr val="5B9BD5"/>
+                      </a:solidFill>
+                      <a:prstDash val="solid"/>
+                      <a:round/>
+                      <a:headEnd type="none" w="med" len="med"/>
+                      <a:tailEnd type="none" w="med" len="med"/>
+                    </a:lnB>
+                    <a:solidFill>
+                      <a:srgbClr val="FFEB9C"/>
+                    </a:solidFill>
+                  </a:tcPr>
+                </a:tc>
+                <a:tc>
+                  <a:txBody>
+                    <a:bodyPr/>
+                    <a:lstStyle/>
+                    <a:p>
+                      <a:pPr algn="ctr" fontAlgn="ctr"/>
+                      <a:r>
+                        <a:rPr lang="ko-KR" altLang="en-US" sz="1100" b="0" i="0" u="none" strike="noStrike">
+                          <a:solidFill>
+                            <a:srgbClr val="9C6500"/>
+                          </a:solidFill>
+                          <a:effectLst/>
+                          <a:latin typeface="맑은 고딕" panose="020B0503020000020004" pitchFamily="50" charset="-127"/>
+                          <a:ea typeface="맑은 고딕" panose="020B0503020000020004" pitchFamily="50" charset="-127"/>
+                        </a:rPr>
+                        <a:t>상세설명</a:t>
+                      </a:r>
+                      <a:r>
+                        <a:rPr lang="en-US" altLang="ko-KR" sz="1100" b="0" i="0" u="none" strike="noStrike">
+                          <a:solidFill>
+                            <a:srgbClr val="9C6500"/>
+                          </a:solidFill>
+                          <a:effectLst/>
+                          <a:latin typeface="맑은 고딕" panose="020B0503020000020004" pitchFamily="50" charset="-127"/>
+                          <a:ea typeface="맑은 고딕" panose="020B0503020000020004" pitchFamily="50" charset="-127"/>
+                        </a:rPr>
+                        <a:t>(</a:t>
+                      </a:r>
+                      <a:r>
+                        <a:rPr lang="ko-KR" altLang="en-US" sz="1100" b="0" i="0" u="none" strike="noStrike">
+                          <a:solidFill>
+                            <a:srgbClr val="9C6500"/>
+                          </a:solidFill>
+                          <a:effectLst/>
+                          <a:latin typeface="맑은 고딕" panose="020B0503020000020004" pitchFamily="50" charset="-127"/>
+                          <a:ea typeface="맑은 고딕" panose="020B0503020000020004" pitchFamily="50" charset="-127"/>
+                        </a:rPr>
+                        <a:t>텍스트박스</a:t>
+                      </a:r>
+                      <a:r>
+                        <a:rPr lang="en-US" altLang="ko-KR" sz="1100" b="0" i="0" u="none" strike="noStrike">
+                          <a:solidFill>
+                            <a:srgbClr val="9C6500"/>
+                          </a:solidFill>
+                          <a:effectLst/>
+                          <a:latin typeface="맑은 고딕" panose="020B0503020000020004" pitchFamily="50" charset="-127"/>
+                          <a:ea typeface="맑은 고딕" panose="020B0503020000020004" pitchFamily="50" charset="-127"/>
+                        </a:rPr>
+                        <a:t>)</a:t>
+                      </a:r>
+                    </a:p>
+                  </a:txBody>
+                  <a:tcPr marL="7620" marR="7620" marT="7620" marB="0" anchor="ctr">
+                    <a:lnL w="6350" cap="flat" cmpd="sng" algn="ctr">
+                      <a:solidFill>
+                        <a:srgbClr val="5B9BD5"/>
+                      </a:solidFill>
+                      <a:prstDash val="solid"/>
+                      <a:round/>
+                      <a:headEnd type="none" w="med" len="med"/>
+                      <a:tailEnd type="none" w="med" len="med"/>
+                    </a:lnL>
+                    <a:lnR w="6350" cap="flat" cmpd="sng" algn="ctr">
+                      <a:solidFill>
+                        <a:srgbClr val="5B9BD5"/>
+                      </a:solidFill>
+                      <a:prstDash val="solid"/>
+                      <a:round/>
+                      <a:headEnd type="none" w="med" len="med"/>
+                      <a:tailEnd type="none" w="med" len="med"/>
+                    </a:lnR>
+                    <a:lnT w="12700" cap="flat" cmpd="sng" algn="ctr">
+                      <a:solidFill>
+                        <a:schemeClr val="tx1"/>
+                      </a:solidFill>
+                      <a:prstDash val="solid"/>
+                      <a:round/>
+                      <a:headEnd type="none" w="med" len="med"/>
+                      <a:tailEnd type="none" w="med" len="med"/>
+                    </a:lnT>
+                    <a:lnB w="6350" cap="flat" cmpd="sng" algn="ctr">
+                      <a:solidFill>
+                        <a:srgbClr val="5B9BD5"/>
+                      </a:solidFill>
+                      <a:prstDash val="solid"/>
+                      <a:round/>
+                      <a:headEnd type="none" w="med" len="med"/>
+                      <a:tailEnd type="none" w="med" len="med"/>
+                    </a:lnB>
+                    <a:solidFill>
+                      <a:srgbClr val="FFEB9C"/>
+                    </a:solidFill>
+                  </a:tcPr>
+                </a:tc>
+                <a:tc>
+                  <a:txBody>
+                    <a:bodyPr/>
+                    <a:lstStyle/>
+                    <a:p>
+                      <a:pPr algn="ctr" fontAlgn="ctr"/>
+                      <a:r>
+                        <a:rPr lang="ko-KR" altLang="en-US" sz="1100" b="0" i="0" u="none" strike="noStrike">
+                          <a:solidFill>
+                            <a:srgbClr val="9C6500"/>
+                          </a:solidFill>
+                          <a:effectLst/>
+                          <a:latin typeface="맑은 고딕" panose="020B0503020000020004" pitchFamily="50" charset="-127"/>
+                          <a:ea typeface="맑은 고딕" panose="020B0503020000020004" pitchFamily="50" charset="-127"/>
+                        </a:rPr>
+                        <a:t>　</a:t>
+                      </a:r>
+                    </a:p>
+                  </a:txBody>
+                  <a:tcPr marL="7620" marR="7620" marT="7620" marB="0" anchor="ctr">
+                    <a:lnL w="6350" cap="flat" cmpd="sng" algn="ctr">
+                      <a:solidFill>
+                        <a:srgbClr val="5B9BD5"/>
+                      </a:solidFill>
+                      <a:prstDash val="solid"/>
+                      <a:round/>
+                      <a:headEnd type="none" w="med" len="med"/>
+                      <a:tailEnd type="none" w="med" len="med"/>
+                    </a:lnL>
+                    <a:lnR w="25400" cap="flat" cmpd="dbl" algn="ctr">
+                      <a:solidFill>
+                        <a:srgbClr val="5B9BD5"/>
+                      </a:solidFill>
+                      <a:prstDash val="solid"/>
+                      <a:round/>
+                      <a:headEnd type="none" w="med" len="med"/>
+                      <a:tailEnd type="none" w="med" len="med"/>
+                    </a:lnR>
+                    <a:lnT w="6350" cap="flat" cmpd="sng" algn="ctr">
+                      <a:solidFill>
+                        <a:srgbClr val="5B9BD5"/>
+                      </a:solidFill>
+                      <a:prstDash val="solid"/>
+                      <a:round/>
+                      <a:headEnd type="none" w="med" len="med"/>
+                      <a:tailEnd type="none" w="med" len="med"/>
+                    </a:lnT>
+                    <a:lnB w="6350" cap="flat" cmpd="sng" algn="ctr">
+                      <a:solidFill>
+                        <a:srgbClr val="5B9BD5"/>
+                      </a:solidFill>
+                      <a:prstDash val="solid"/>
+                      <a:round/>
+                      <a:headEnd type="none" w="med" len="med"/>
+                      <a:tailEnd type="none" w="med" len="med"/>
+                    </a:lnB>
+                    <a:solidFill>
+                      <a:srgbClr val="FFEB9C"/>
+                    </a:solidFill>
+                  </a:tcPr>
+                </a:tc>
+              </a:tr>
+              <a:tr h="294533">
+                <a:tc rowSpan="4">
+                  <a:txBody>
+                    <a:bodyPr/>
+                    <a:lstStyle/>
+                    <a:p>
+                      <a:pPr algn="ctr" fontAlgn="ctr"/>
+                      <a:r>
+                        <a:rPr lang="ko-KR" altLang="en-US" sz="1100" b="0" i="0" u="none" strike="noStrike">
+                          <a:solidFill>
+                            <a:srgbClr val="9C0006"/>
+                          </a:solidFill>
+                          <a:effectLst/>
+                          <a:latin typeface="맑은 고딕" panose="020B0503020000020004" pitchFamily="50" charset="-127"/>
+                          <a:ea typeface="맑은 고딕" panose="020B0503020000020004" pitchFamily="50" charset="-127"/>
+                        </a:rPr>
+                        <a:t>자동 입력</a:t>
+                      </a:r>
+                    </a:p>
+                  </a:txBody>
+                  <a:tcPr marL="7620" marR="7620" marT="7620" marB="0" anchor="ctr">
+                    <a:lnL w="25400" cap="flat" cmpd="dbl" algn="ctr">
+                      <a:solidFill>
+                        <a:srgbClr val="5B9BD5"/>
+                      </a:solidFill>
+                      <a:prstDash val="solid"/>
+                      <a:round/>
+                      <a:headEnd type="none" w="med" len="med"/>
+                      <a:tailEnd type="none" w="med" len="med"/>
+                    </a:lnL>
+                    <a:lnR w="19050" cap="flat" cmpd="sng" algn="ctr">
+                      <a:solidFill>
+                        <a:srgbClr val="5B9BD5"/>
+                      </a:solidFill>
+                      <a:prstDash val="solid"/>
+                      <a:round/>
+                      <a:headEnd type="none" w="med" len="med"/>
+                      <a:tailEnd type="none" w="med" len="med"/>
+                    </a:lnR>
+                    <a:lnT w="6350" cap="flat" cmpd="sng" algn="ctr">
+                      <a:solidFill>
+                        <a:srgbClr val="5B9BD5"/>
+                      </a:solidFill>
+                      <a:prstDash val="solid"/>
+                      <a:round/>
+                      <a:headEnd type="none" w="med" len="med"/>
+                      <a:tailEnd type="none" w="med" len="med"/>
+                    </a:lnT>
+                    <a:lnB w="6350" cap="flat" cmpd="sng" algn="ctr">
+                      <a:solidFill>
+                        <a:srgbClr val="5B9BD5"/>
+                      </a:solidFill>
+                      <a:prstDash val="solid"/>
+                      <a:round/>
+                      <a:headEnd type="none" w="med" len="med"/>
+                      <a:tailEnd type="none" w="med" len="med"/>
+                    </a:lnB>
+                    <a:solidFill>
+                      <a:srgbClr val="FFC7CE"/>
+                    </a:solidFill>
+                  </a:tcPr>
+                </a:tc>
+                <a:tc>
+                  <a:txBody>
+                    <a:bodyPr/>
+                    <a:lstStyle/>
+                    <a:p>
+                      <a:pPr algn="ctr" fontAlgn="ctr"/>
+                      <a:r>
+                        <a:rPr lang="ko-KR" altLang="en-US" sz="1100" b="0" i="0" u="none" strike="noStrike">
+                          <a:solidFill>
+                            <a:srgbClr val="9C0006"/>
+                          </a:solidFill>
+                          <a:effectLst/>
+                          <a:latin typeface="맑은 고딕" panose="020B0503020000020004" pitchFamily="50" charset="-127"/>
+                          <a:ea typeface="맑은 고딕" panose="020B0503020000020004" pitchFamily="50" charset="-127"/>
+                        </a:rPr>
+                        <a:t>가입시간</a:t>
+                      </a:r>
+                    </a:p>
+                  </a:txBody>
+                  <a:tcPr marL="7620" marR="7620" marT="7620" marB="0" anchor="ctr">
+                    <a:lnL w="19050" cap="flat" cmpd="sng" algn="ctr">
+                      <a:solidFill>
+                        <a:srgbClr val="5B9BD5"/>
+                      </a:solidFill>
+                      <a:prstDash val="solid"/>
+                      <a:round/>
+                      <a:headEnd type="none" w="med" len="med"/>
+                      <a:tailEnd type="none" w="med" len="med"/>
+                    </a:lnL>
+                    <a:lnR w="6350" cap="flat" cmpd="sng" algn="ctr">
+                      <a:solidFill>
+                        <a:srgbClr val="5B9BD5"/>
+                      </a:solidFill>
+                      <a:prstDash val="solid"/>
+                      <a:round/>
+                      <a:headEnd type="none" w="med" len="med"/>
+                      <a:tailEnd type="none" w="med" len="med"/>
+                    </a:lnR>
+                    <a:lnT w="6350" cap="flat" cmpd="sng" algn="ctr">
+                      <a:solidFill>
+                        <a:srgbClr val="5B9BD5"/>
+                      </a:solidFill>
+                      <a:prstDash val="solid"/>
+                      <a:round/>
+                      <a:headEnd type="none" w="med" len="med"/>
+                      <a:tailEnd type="none" w="med" len="med"/>
+                    </a:lnT>
+                    <a:lnB w="6350" cap="flat" cmpd="sng" algn="ctr">
+                      <a:solidFill>
+                        <a:srgbClr val="5B9BD5"/>
+                      </a:solidFill>
+                      <a:prstDash val="solid"/>
+                      <a:round/>
+                      <a:headEnd type="none" w="med" len="med"/>
+                      <a:tailEnd type="none" w="med" len="med"/>
+                    </a:lnB>
+                    <a:solidFill>
+                      <a:srgbClr val="FFC7CE"/>
+                    </a:solidFill>
+                  </a:tcPr>
+                </a:tc>
+                <a:tc>
+                  <a:txBody>
+                    <a:bodyPr/>
+                    <a:lstStyle/>
+                    <a:p>
+                      <a:pPr algn="ctr" fontAlgn="ctr"/>
+                      <a:r>
+                        <a:rPr lang="ko-KR" altLang="en-US" sz="1100" b="0" i="0" u="none" strike="noStrike">
+                          <a:solidFill>
+                            <a:srgbClr val="9C0006"/>
+                          </a:solidFill>
+                          <a:effectLst/>
+                          <a:latin typeface="맑은 고딕" panose="020B0503020000020004" pitchFamily="50" charset="-127"/>
+                          <a:ea typeface="맑은 고딕" panose="020B0503020000020004" pitchFamily="50" charset="-127"/>
+                        </a:rPr>
+                        <a:t>게시시간</a:t>
+                      </a:r>
+                    </a:p>
+                  </a:txBody>
+                  <a:tcPr marL="7620" marR="7620" marT="7620" marB="0" anchor="ctr">
+                    <a:lnL w="6350" cap="flat" cmpd="sng" algn="ctr">
+                      <a:solidFill>
+                        <a:srgbClr val="5B9BD5"/>
+                      </a:solidFill>
+                      <a:prstDash val="solid"/>
+                      <a:round/>
+                      <a:headEnd type="none" w="med" len="med"/>
+                      <a:tailEnd type="none" w="med" len="med"/>
+                    </a:lnL>
+                    <a:lnR w="6350" cap="flat" cmpd="sng" algn="ctr">
+                      <a:solidFill>
+                        <a:srgbClr val="5B9BD5"/>
+                      </a:solidFill>
+                      <a:prstDash val="solid"/>
+                      <a:round/>
+                      <a:headEnd type="none" w="med" len="med"/>
+                      <a:tailEnd type="none" w="med" len="med"/>
+                    </a:lnR>
+                    <a:lnT w="6350" cap="flat" cmpd="sng" algn="ctr">
+                      <a:solidFill>
+                        <a:srgbClr val="5B9BD5"/>
+                      </a:solidFill>
+                      <a:prstDash val="solid"/>
+                      <a:round/>
+                      <a:headEnd type="none" w="med" len="med"/>
+                      <a:tailEnd type="none" w="med" len="med"/>
+                    </a:lnT>
+                    <a:lnB w="6350" cap="flat" cmpd="sng" algn="ctr">
+                      <a:solidFill>
+                        <a:srgbClr val="5B9BD5"/>
+                      </a:solidFill>
+                      <a:prstDash val="solid"/>
+                      <a:round/>
+                      <a:headEnd type="none" w="med" len="med"/>
+                      <a:tailEnd type="none" w="med" len="med"/>
+                    </a:lnB>
+                    <a:solidFill>
+                      <a:srgbClr val="FFC7CE"/>
+                    </a:solidFill>
+                  </a:tcPr>
+                </a:tc>
+                <a:tc>
+                  <a:txBody>
+                    <a:bodyPr/>
+                    <a:lstStyle/>
+                    <a:p>
+                      <a:pPr algn="ctr" fontAlgn="ctr"/>
+                      <a:r>
+                        <a:rPr lang="ko-KR" altLang="en-US" sz="1100" b="0" i="0" u="none" strike="noStrike">
+                          <a:solidFill>
+                            <a:srgbClr val="9C0006"/>
+                          </a:solidFill>
+                          <a:effectLst/>
+                          <a:latin typeface="맑은 고딕" panose="020B0503020000020004" pitchFamily="50" charset="-127"/>
+                          <a:ea typeface="맑은 고딕" panose="020B0503020000020004" pitchFamily="50" charset="-127"/>
+                        </a:rPr>
+                        <a:t>스크랩시간</a:t>
+                      </a:r>
+                    </a:p>
+                  </a:txBody>
+                  <a:tcPr marL="7620" marR="7620" marT="7620" marB="0" anchor="ctr">
+                    <a:lnL w="6350" cap="flat" cmpd="sng" algn="ctr">
+                      <a:solidFill>
+                        <a:srgbClr val="5B9BD5"/>
+                      </a:solidFill>
+                      <a:prstDash val="solid"/>
+                      <a:round/>
+                      <a:headEnd type="none" w="med" len="med"/>
+                      <a:tailEnd type="none" w="med" len="med"/>
+                    </a:lnL>
+                    <a:lnR w="25400" cap="flat" cmpd="dbl" algn="ctr">
+                      <a:solidFill>
+                        <a:srgbClr val="5B9BD5"/>
+                      </a:solidFill>
+                      <a:prstDash val="solid"/>
+                      <a:round/>
+                      <a:headEnd type="none" w="med" len="med"/>
+                      <a:tailEnd type="none" w="med" len="med"/>
+                    </a:lnR>
+                    <a:lnT w="6350" cap="flat" cmpd="sng" algn="ctr">
+                      <a:solidFill>
+                        <a:srgbClr val="5B9BD5"/>
+                      </a:solidFill>
+                      <a:prstDash val="solid"/>
+                      <a:round/>
+                      <a:headEnd type="none" w="med" len="med"/>
+                      <a:tailEnd type="none" w="med" len="med"/>
+                    </a:lnT>
+                    <a:lnB w="6350" cap="flat" cmpd="sng" algn="ctr">
+                      <a:solidFill>
+                        <a:srgbClr val="5B9BD5"/>
+                      </a:solidFill>
+                      <a:prstDash val="solid"/>
+                      <a:round/>
+                      <a:headEnd type="none" w="med" len="med"/>
+                      <a:tailEnd type="none" w="med" len="med"/>
+                    </a:lnB>
+                    <a:solidFill>
+                      <a:srgbClr val="FFC7CE"/>
+                    </a:solidFill>
+                  </a:tcPr>
+                </a:tc>
+              </a:tr>
+              <a:tr h="294533">
+                <a:tc vMerge="1">
+                  <a:txBody>
+                    <a:bodyPr/>
+                    <a:lstStyle/>
+                    <a:p>
+                      <a:pPr latinLnBrk="1"/>
+                      <a:endParaRPr lang="ko-KR" altLang="en-US"/>
+                    </a:p>
+                  </a:txBody>
+                  <a:tcPr/>
+                </a:tc>
+                <a:tc>
+                  <a:txBody>
+                    <a:bodyPr/>
+                    <a:lstStyle/>
+                    <a:p>
+                      <a:pPr algn="ctr" fontAlgn="ctr"/>
+                      <a:r>
+                        <a:rPr lang="ko-KR" altLang="en-US" sz="1100" b="0" i="0" u="none" strike="noStrike">
+                          <a:solidFill>
+                            <a:srgbClr val="9C0006"/>
+                          </a:solidFill>
+                          <a:effectLst/>
+                          <a:latin typeface="맑은 고딕" panose="020B0503020000020004" pitchFamily="50" charset="-127"/>
+                          <a:ea typeface="맑은 고딕" panose="020B0503020000020004" pitchFamily="50" charset="-127"/>
+                        </a:rPr>
+                        <a:t>　</a:t>
+                      </a:r>
+                    </a:p>
+                  </a:txBody>
+                  <a:tcPr marL="7620" marR="7620" marT="7620" marB="0" anchor="ctr">
+                    <a:lnL w="19050" cap="flat" cmpd="sng" algn="ctr">
+                      <a:solidFill>
+                        <a:srgbClr val="5B9BD5"/>
+                      </a:solidFill>
+                      <a:prstDash val="solid"/>
+                      <a:round/>
+                      <a:headEnd type="none" w="med" len="med"/>
+                      <a:tailEnd type="none" w="med" len="med"/>
+                    </a:lnL>
+                    <a:lnR w="6350" cap="flat" cmpd="sng" algn="ctr">
+                      <a:solidFill>
+                        <a:srgbClr val="5B9BD5"/>
+                      </a:solidFill>
+                      <a:prstDash val="solid"/>
+                      <a:round/>
+                      <a:headEnd type="none" w="med" len="med"/>
+                      <a:tailEnd type="none" w="med" len="med"/>
+                    </a:lnR>
+                    <a:lnT w="6350" cap="flat" cmpd="sng" algn="ctr">
+                      <a:solidFill>
+                        <a:srgbClr val="5B9BD5"/>
+                      </a:solidFill>
+                      <a:prstDash val="solid"/>
+                      <a:round/>
+                      <a:headEnd type="none" w="med" len="med"/>
+                      <a:tailEnd type="none" w="med" len="med"/>
+                    </a:lnT>
+                    <a:lnB w="6350" cap="flat" cmpd="sng" algn="ctr">
+                      <a:solidFill>
+                        <a:srgbClr val="5B9BD5"/>
+                      </a:solidFill>
+                      <a:prstDash val="solid"/>
+                      <a:round/>
+                      <a:headEnd type="none" w="med" len="med"/>
+                      <a:tailEnd type="none" w="med" len="med"/>
+                    </a:lnB>
+                    <a:solidFill>
+                      <a:srgbClr val="FFC7CE"/>
+                    </a:solidFill>
+                  </a:tcPr>
+                </a:tc>
+                <a:tc>
+                  <a:txBody>
+                    <a:bodyPr/>
+                    <a:lstStyle/>
+                    <a:p>
+                      <a:pPr algn="ctr" fontAlgn="ctr"/>
+                      <a:r>
+                        <a:rPr lang="ko-KR" altLang="en-US" sz="1100" b="0" i="0" u="none" strike="noStrike">
+                          <a:solidFill>
+                            <a:srgbClr val="9C0006"/>
+                          </a:solidFill>
+                          <a:effectLst/>
+                          <a:latin typeface="맑은 고딕" panose="020B0503020000020004" pitchFamily="50" charset="-127"/>
+                          <a:ea typeface="맑은 고딕" panose="020B0503020000020004" pitchFamily="50" charset="-127"/>
+                        </a:rPr>
+                        <a:t>판매자 정보</a:t>
+                      </a:r>
+                      <a:r>
+                        <a:rPr lang="en-US" altLang="ko-KR" sz="1100" b="0" i="0" u="none" strike="noStrike">
+                          <a:solidFill>
+                            <a:srgbClr val="9C0006"/>
+                          </a:solidFill>
+                          <a:effectLst/>
+                          <a:latin typeface="맑은 고딕" panose="020B0503020000020004" pitchFamily="50" charset="-127"/>
+                          <a:ea typeface="맑은 고딕" panose="020B0503020000020004" pitchFamily="50" charset="-127"/>
+                        </a:rPr>
+                        <a:t>(</a:t>
+                      </a:r>
+                      <a:r>
+                        <a:rPr lang="en-US" sz="1100" b="0" i="0" u="none" strike="noStrike">
+                          <a:solidFill>
+                            <a:srgbClr val="9C0006"/>
+                          </a:solidFill>
+                          <a:effectLst/>
+                          <a:latin typeface="맑은 고딕" panose="020B0503020000020004" pitchFamily="50" charset="-127"/>
+                          <a:ea typeface="맑은 고딕" panose="020B0503020000020004" pitchFamily="50" charset="-127"/>
+                        </a:rPr>
+                        <a:t>id)</a:t>
+                      </a:r>
+                    </a:p>
+                  </a:txBody>
+                  <a:tcPr marL="7620" marR="7620" marT="7620" marB="0" anchor="ctr">
+                    <a:lnL w="6350" cap="flat" cmpd="sng" algn="ctr">
+                      <a:solidFill>
+                        <a:srgbClr val="5B9BD5"/>
+                      </a:solidFill>
+                      <a:prstDash val="solid"/>
+                      <a:round/>
+                      <a:headEnd type="none" w="med" len="med"/>
+                      <a:tailEnd type="none" w="med" len="med"/>
+                    </a:lnL>
+                    <a:lnR w="6350" cap="flat" cmpd="sng" algn="ctr">
+                      <a:solidFill>
+                        <a:srgbClr val="5B9BD5"/>
+                      </a:solidFill>
+                      <a:prstDash val="solid"/>
+                      <a:round/>
+                      <a:headEnd type="none" w="med" len="med"/>
+                      <a:tailEnd type="none" w="med" len="med"/>
+                    </a:lnR>
+                    <a:lnT w="6350" cap="flat" cmpd="sng" algn="ctr">
+                      <a:solidFill>
+                        <a:srgbClr val="5B9BD5"/>
+                      </a:solidFill>
+                      <a:prstDash val="solid"/>
+                      <a:round/>
+                      <a:headEnd type="none" w="med" len="med"/>
+                      <a:tailEnd type="none" w="med" len="med"/>
+                    </a:lnT>
+                    <a:lnB w="6350" cap="flat" cmpd="sng" algn="ctr">
+                      <a:solidFill>
+                        <a:srgbClr val="5B9BD5"/>
+                      </a:solidFill>
+                      <a:prstDash val="solid"/>
+                      <a:round/>
+                      <a:headEnd type="none" w="med" len="med"/>
+                      <a:tailEnd type="none" w="med" len="med"/>
+                    </a:lnB>
+                    <a:solidFill>
+                      <a:srgbClr val="FFC7CE"/>
+                    </a:solidFill>
+                  </a:tcPr>
+                </a:tc>
+                <a:tc>
+                  <a:txBody>
+                    <a:bodyPr/>
+                    <a:lstStyle/>
+                    <a:p>
+                      <a:pPr algn="ctr" fontAlgn="ctr"/>
+                      <a:r>
+                        <a:rPr lang="en-US" sz="1100" b="0" i="0" u="none" strike="noStrike">
+                          <a:solidFill>
+                            <a:srgbClr val="9C0006"/>
+                          </a:solidFill>
+                          <a:effectLst/>
+                          <a:latin typeface="맑은 고딕" panose="020B0503020000020004" pitchFamily="50" charset="-127"/>
+                          <a:ea typeface="맑은 고딕" panose="020B0503020000020004" pitchFamily="50" charset="-127"/>
+                        </a:rPr>
+                        <a:t>db id(</a:t>
+                      </a:r>
+                      <a:r>
+                        <a:rPr lang="ko-KR" altLang="en-US" sz="1100" b="0" i="0" u="none" strike="noStrike">
+                          <a:solidFill>
+                            <a:srgbClr val="9C0006"/>
+                          </a:solidFill>
+                          <a:effectLst/>
+                          <a:latin typeface="맑은 고딕" panose="020B0503020000020004" pitchFamily="50" charset="-127"/>
+                          <a:ea typeface="맑은 고딕" panose="020B0503020000020004" pitchFamily="50" charset="-127"/>
+                        </a:rPr>
+                        <a:t>사용자</a:t>
+                      </a:r>
+                      <a:r>
+                        <a:rPr lang="en-US" altLang="ko-KR" sz="1100" b="0" i="0" u="none" strike="noStrike">
+                          <a:solidFill>
+                            <a:srgbClr val="9C0006"/>
+                          </a:solidFill>
+                          <a:effectLst/>
+                          <a:latin typeface="맑은 고딕" panose="020B0503020000020004" pitchFamily="50" charset="-127"/>
+                          <a:ea typeface="맑은 고딕" panose="020B0503020000020004" pitchFamily="50" charset="-127"/>
+                        </a:rPr>
+                        <a:t>)</a:t>
+                      </a:r>
+                    </a:p>
+                  </a:txBody>
+                  <a:tcPr marL="7620" marR="7620" marT="7620" marB="0" anchor="ctr">
+                    <a:lnL w="6350" cap="flat" cmpd="sng" algn="ctr">
+                      <a:solidFill>
+                        <a:srgbClr val="5B9BD5"/>
+                      </a:solidFill>
+                      <a:prstDash val="solid"/>
+                      <a:round/>
+                      <a:headEnd type="none" w="med" len="med"/>
+                      <a:tailEnd type="none" w="med" len="med"/>
+                    </a:lnL>
+                    <a:lnR w="25400" cap="flat" cmpd="dbl" algn="ctr">
+                      <a:solidFill>
+                        <a:srgbClr val="5B9BD5"/>
+                      </a:solidFill>
+                      <a:prstDash val="solid"/>
+                      <a:round/>
+                      <a:headEnd type="none" w="med" len="med"/>
+                      <a:tailEnd type="none" w="med" len="med"/>
+                    </a:lnR>
+                    <a:lnT w="6350" cap="flat" cmpd="sng" algn="ctr">
+                      <a:solidFill>
+                        <a:srgbClr val="5B9BD5"/>
+                      </a:solidFill>
+                      <a:prstDash val="solid"/>
+                      <a:round/>
+                      <a:headEnd type="none" w="med" len="med"/>
+                      <a:tailEnd type="none" w="med" len="med"/>
+                    </a:lnT>
+                    <a:lnB w="6350" cap="flat" cmpd="sng" algn="ctr">
+                      <a:solidFill>
+                        <a:srgbClr val="5B9BD5"/>
+                      </a:solidFill>
+                      <a:prstDash val="solid"/>
+                      <a:round/>
+                      <a:headEnd type="none" w="med" len="med"/>
+                      <a:tailEnd type="none" w="med" len="med"/>
+                    </a:lnB>
+                    <a:solidFill>
+                      <a:srgbClr val="FFC7CE"/>
+                    </a:solidFill>
+                  </a:tcPr>
+                </a:tc>
+              </a:tr>
+              <a:tr h="294533">
+                <a:tc vMerge="1">
+                  <a:txBody>
+                    <a:bodyPr/>
+                    <a:lstStyle/>
+                    <a:p>
+                      <a:pPr latinLnBrk="1"/>
+                      <a:endParaRPr lang="ko-KR" altLang="en-US"/>
+                    </a:p>
+                  </a:txBody>
+                  <a:tcPr/>
+                </a:tc>
+                <a:tc>
+                  <a:txBody>
+                    <a:bodyPr/>
+                    <a:lstStyle/>
+                    <a:p>
+                      <a:pPr algn="ctr" fontAlgn="ctr"/>
+                      <a:r>
+                        <a:rPr lang="ko-KR" altLang="en-US" sz="1100" b="0" i="0" u="none" strike="noStrike">
+                          <a:solidFill>
+                            <a:srgbClr val="9C0006"/>
+                          </a:solidFill>
+                          <a:effectLst/>
+                          <a:latin typeface="맑은 고딕" panose="020B0503020000020004" pitchFamily="50" charset="-127"/>
+                          <a:ea typeface="맑은 고딕" panose="020B0503020000020004" pitchFamily="50" charset="-127"/>
+                        </a:rPr>
+                        <a:t>　</a:t>
+                      </a:r>
+                    </a:p>
+                  </a:txBody>
+                  <a:tcPr marL="7620" marR="7620" marT="7620" marB="0" anchor="ctr">
+                    <a:lnL w="19050" cap="flat" cmpd="sng" algn="ctr">
+                      <a:solidFill>
+                        <a:srgbClr val="5B9BD5"/>
+                      </a:solidFill>
+                      <a:prstDash val="solid"/>
+                      <a:round/>
+                      <a:headEnd type="none" w="med" len="med"/>
+                      <a:tailEnd type="none" w="med" len="med"/>
+                    </a:lnL>
+                    <a:lnR w="6350" cap="flat" cmpd="sng" algn="ctr">
+                      <a:solidFill>
+                        <a:srgbClr val="5B9BD5"/>
+                      </a:solidFill>
+                      <a:prstDash val="solid"/>
+                      <a:round/>
+                      <a:headEnd type="none" w="med" len="med"/>
+                      <a:tailEnd type="none" w="med" len="med"/>
+                    </a:lnR>
+                    <a:lnT w="6350" cap="flat" cmpd="sng" algn="ctr">
+                      <a:solidFill>
+                        <a:srgbClr val="5B9BD5"/>
+                      </a:solidFill>
+                      <a:prstDash val="solid"/>
+                      <a:round/>
+                      <a:headEnd type="none" w="med" len="med"/>
+                      <a:tailEnd type="none" w="med" len="med"/>
+                    </a:lnT>
+                    <a:lnB w="6350" cap="flat" cmpd="sng" algn="ctr">
+                      <a:solidFill>
+                        <a:srgbClr val="5B9BD5"/>
+                      </a:solidFill>
+                      <a:prstDash val="solid"/>
+                      <a:round/>
+                      <a:headEnd type="none" w="med" len="med"/>
+                      <a:tailEnd type="none" w="med" len="med"/>
+                    </a:lnB>
+                    <a:solidFill>
+                      <a:srgbClr val="FFC7CE"/>
+                    </a:solidFill>
+                  </a:tcPr>
+                </a:tc>
+                <a:tc>
+                  <a:txBody>
+                    <a:bodyPr/>
+                    <a:lstStyle/>
+                    <a:p>
+                      <a:pPr algn="ctr" fontAlgn="ctr"/>
+                      <a:r>
+                        <a:rPr lang="ko-KR" altLang="en-US" sz="1100" b="0" i="0" u="none" strike="noStrike">
+                          <a:solidFill>
+                            <a:srgbClr val="9C0006"/>
+                          </a:solidFill>
+                          <a:effectLst/>
+                          <a:latin typeface="맑은 고딕" panose="020B0503020000020004" pitchFamily="50" charset="-127"/>
+                          <a:ea typeface="맑은 고딕" panose="020B0503020000020004" pitchFamily="50" charset="-127"/>
+                        </a:rPr>
+                        <a:t>판매자 정보</a:t>
+                      </a:r>
+                      <a:r>
+                        <a:rPr lang="en-US" altLang="ko-KR" sz="1100" b="0" i="0" u="none" strike="noStrike">
+                          <a:solidFill>
+                            <a:srgbClr val="9C0006"/>
+                          </a:solidFill>
+                          <a:effectLst/>
+                          <a:latin typeface="맑은 고딕" panose="020B0503020000020004" pitchFamily="50" charset="-127"/>
+                          <a:ea typeface="맑은 고딕" panose="020B0503020000020004" pitchFamily="50" charset="-127"/>
+                        </a:rPr>
+                        <a:t>(</a:t>
+                      </a:r>
+                      <a:r>
+                        <a:rPr lang="ko-KR" altLang="en-US" sz="1100" b="0" i="0" u="none" strike="noStrike">
+                          <a:solidFill>
+                            <a:srgbClr val="9C0006"/>
+                          </a:solidFill>
+                          <a:effectLst/>
+                          <a:latin typeface="맑은 고딕" panose="020B0503020000020004" pitchFamily="50" charset="-127"/>
+                          <a:ea typeface="맑은 고딕" panose="020B0503020000020004" pitchFamily="50" charset="-127"/>
+                        </a:rPr>
+                        <a:t>전화번호</a:t>
+                      </a:r>
+                      <a:r>
+                        <a:rPr lang="en-US" altLang="ko-KR" sz="1100" b="0" i="0" u="none" strike="noStrike">
+                          <a:solidFill>
+                            <a:srgbClr val="9C0006"/>
+                          </a:solidFill>
+                          <a:effectLst/>
+                          <a:latin typeface="맑은 고딕" panose="020B0503020000020004" pitchFamily="50" charset="-127"/>
+                          <a:ea typeface="맑은 고딕" panose="020B0503020000020004" pitchFamily="50" charset="-127"/>
+                        </a:rPr>
+                        <a:t>)</a:t>
+                      </a:r>
+                    </a:p>
+                  </a:txBody>
+                  <a:tcPr marL="7620" marR="7620" marT="7620" marB="0" anchor="ctr">
+                    <a:lnL w="6350" cap="flat" cmpd="sng" algn="ctr">
+                      <a:solidFill>
+                        <a:srgbClr val="5B9BD5"/>
+                      </a:solidFill>
+                      <a:prstDash val="solid"/>
+                      <a:round/>
+                      <a:headEnd type="none" w="med" len="med"/>
+                      <a:tailEnd type="none" w="med" len="med"/>
+                    </a:lnL>
+                    <a:lnR w="6350" cap="flat" cmpd="sng" algn="ctr">
+                      <a:solidFill>
+                        <a:srgbClr val="5B9BD5"/>
+                      </a:solidFill>
+                      <a:prstDash val="solid"/>
+                      <a:round/>
+                      <a:headEnd type="none" w="med" len="med"/>
+                      <a:tailEnd type="none" w="med" len="med"/>
+                    </a:lnR>
+                    <a:lnT w="6350" cap="flat" cmpd="sng" algn="ctr">
+                      <a:solidFill>
+                        <a:srgbClr val="5B9BD5"/>
+                      </a:solidFill>
+                      <a:prstDash val="solid"/>
+                      <a:round/>
+                      <a:headEnd type="none" w="med" len="med"/>
+                      <a:tailEnd type="none" w="med" len="med"/>
+                    </a:lnT>
+                    <a:lnB w="6350" cap="flat" cmpd="sng" algn="ctr">
+                      <a:solidFill>
+                        <a:srgbClr val="5B9BD5"/>
+                      </a:solidFill>
+                      <a:prstDash val="solid"/>
+                      <a:round/>
+                      <a:headEnd type="none" w="med" len="med"/>
+                      <a:tailEnd type="none" w="med" len="med"/>
+                    </a:lnB>
+                    <a:solidFill>
+                      <a:srgbClr val="FFC7CE"/>
+                    </a:solidFill>
+                  </a:tcPr>
+                </a:tc>
+                <a:tc>
+                  <a:txBody>
+                    <a:bodyPr/>
+                    <a:lstStyle/>
+                    <a:p>
+                      <a:pPr algn="ctr" fontAlgn="ctr"/>
+                      <a:r>
+                        <a:rPr lang="en-US" sz="1100" b="0" i="0" u="none" strike="noStrike">
+                          <a:solidFill>
+                            <a:srgbClr val="9C0006"/>
+                          </a:solidFill>
+                          <a:effectLst/>
+                          <a:latin typeface="맑은 고딕" panose="020B0503020000020004" pitchFamily="50" charset="-127"/>
+                          <a:ea typeface="맑은 고딕" panose="020B0503020000020004" pitchFamily="50" charset="-127"/>
+                        </a:rPr>
+                        <a:t>db id(</a:t>
+                      </a:r>
+                      <a:r>
+                        <a:rPr lang="ko-KR" altLang="en-US" sz="1100" b="0" i="0" u="none" strike="noStrike">
+                          <a:solidFill>
+                            <a:srgbClr val="9C0006"/>
+                          </a:solidFill>
+                          <a:effectLst/>
+                          <a:latin typeface="맑은 고딕" panose="020B0503020000020004" pitchFamily="50" charset="-127"/>
+                          <a:ea typeface="맑은 고딕" panose="020B0503020000020004" pitchFamily="50" charset="-127"/>
+                        </a:rPr>
+                        <a:t>게시글</a:t>
+                      </a:r>
+                      <a:r>
+                        <a:rPr lang="en-US" altLang="ko-KR" sz="1100" b="0" i="0" u="none" strike="noStrike">
+                          <a:solidFill>
+                            <a:srgbClr val="9C0006"/>
+                          </a:solidFill>
+                          <a:effectLst/>
+                          <a:latin typeface="맑은 고딕" panose="020B0503020000020004" pitchFamily="50" charset="-127"/>
+                          <a:ea typeface="맑은 고딕" panose="020B0503020000020004" pitchFamily="50" charset="-127"/>
+                        </a:rPr>
+                        <a:t>)</a:t>
+                      </a:r>
+                    </a:p>
+                  </a:txBody>
+                  <a:tcPr marL="7620" marR="7620" marT="7620" marB="0" anchor="ctr">
+                    <a:lnL w="6350" cap="flat" cmpd="sng" algn="ctr">
+                      <a:solidFill>
+                        <a:srgbClr val="5B9BD5"/>
+                      </a:solidFill>
+                      <a:prstDash val="solid"/>
+                      <a:round/>
+                      <a:headEnd type="none" w="med" len="med"/>
+                      <a:tailEnd type="none" w="med" len="med"/>
+                    </a:lnL>
+                    <a:lnR w="25400" cap="flat" cmpd="dbl" algn="ctr">
+                      <a:solidFill>
+                        <a:srgbClr val="5B9BD5"/>
+                      </a:solidFill>
+                      <a:prstDash val="solid"/>
+                      <a:round/>
+                      <a:headEnd type="none" w="med" len="med"/>
+                      <a:tailEnd type="none" w="med" len="med"/>
+                    </a:lnR>
+                    <a:lnT w="6350" cap="flat" cmpd="sng" algn="ctr">
+                      <a:solidFill>
+                        <a:srgbClr val="5B9BD5"/>
+                      </a:solidFill>
+                      <a:prstDash val="solid"/>
+                      <a:round/>
+                      <a:headEnd type="none" w="med" len="med"/>
+                      <a:tailEnd type="none" w="med" len="med"/>
+                    </a:lnT>
+                    <a:lnB w="6350" cap="flat" cmpd="sng" algn="ctr">
+                      <a:solidFill>
+                        <a:srgbClr val="5B9BD5"/>
+                      </a:solidFill>
+                      <a:prstDash val="solid"/>
+                      <a:round/>
+                      <a:headEnd type="none" w="med" len="med"/>
+                      <a:tailEnd type="none" w="med" len="med"/>
+                    </a:lnB>
+                    <a:solidFill>
+                      <a:srgbClr val="FFC7CE"/>
+                    </a:solidFill>
+                  </a:tcPr>
+                </a:tc>
+              </a:tr>
+              <a:tr h="294533">
+                <a:tc vMerge="1">
+                  <a:txBody>
+                    <a:bodyPr/>
+                    <a:lstStyle/>
+                    <a:p>
+                      <a:pPr latinLnBrk="1"/>
+                      <a:endParaRPr lang="ko-KR" altLang="en-US"/>
+                    </a:p>
+                  </a:txBody>
+                  <a:tcPr/>
+                </a:tc>
+                <a:tc>
+                  <a:txBody>
+                    <a:bodyPr/>
+                    <a:lstStyle/>
+                    <a:p>
+                      <a:pPr algn="ctr" fontAlgn="ctr"/>
+                      <a:r>
+                        <a:rPr lang="ko-KR" altLang="en-US" sz="1100" b="0" i="0" u="none" strike="noStrike">
+                          <a:solidFill>
+                            <a:srgbClr val="9C0006"/>
+                          </a:solidFill>
+                          <a:effectLst/>
+                          <a:latin typeface="맑은 고딕" panose="020B0503020000020004" pitchFamily="50" charset="-127"/>
+                          <a:ea typeface="맑은 고딕" panose="020B0503020000020004" pitchFamily="50" charset="-127"/>
+                        </a:rPr>
+                        <a:t>　</a:t>
+                      </a:r>
+                    </a:p>
+                  </a:txBody>
+                  <a:tcPr marL="7620" marR="7620" marT="7620" marB="0" anchor="ctr">
+                    <a:lnL w="19050" cap="flat" cmpd="sng" algn="ctr">
+                      <a:solidFill>
+                        <a:srgbClr val="5B9BD5"/>
+                      </a:solidFill>
+                      <a:prstDash val="solid"/>
+                      <a:round/>
+                      <a:headEnd type="none" w="med" len="med"/>
+                      <a:tailEnd type="none" w="med" len="med"/>
+                    </a:lnL>
+                    <a:lnR w="6350" cap="flat" cmpd="sng" algn="ctr">
+                      <a:solidFill>
+                        <a:srgbClr val="5B9BD5"/>
+                      </a:solidFill>
+                      <a:prstDash val="solid"/>
+                      <a:round/>
+                      <a:headEnd type="none" w="med" len="med"/>
+                      <a:tailEnd type="none" w="med" len="med"/>
+                    </a:lnR>
+                    <a:lnT w="6350" cap="flat" cmpd="sng" algn="ctr">
+                      <a:solidFill>
+                        <a:srgbClr val="5B9BD5"/>
+                      </a:solidFill>
+                      <a:prstDash val="solid"/>
+                      <a:round/>
+                      <a:headEnd type="none" w="med" len="med"/>
+                      <a:tailEnd type="none" w="med" len="med"/>
+                    </a:lnT>
+                    <a:lnB w="6350" cap="flat" cmpd="sng" algn="ctr">
+                      <a:solidFill>
+                        <a:srgbClr val="5B9BD5"/>
+                      </a:solidFill>
+                      <a:prstDash val="solid"/>
+                      <a:round/>
+                      <a:headEnd type="none" w="med" len="med"/>
+                      <a:tailEnd type="none" w="med" len="med"/>
+                    </a:lnB>
+                    <a:solidFill>
+                      <a:srgbClr val="FFC7CE"/>
+                    </a:solidFill>
+                  </a:tcPr>
+                </a:tc>
+                <a:tc>
+                  <a:txBody>
+                    <a:bodyPr/>
+                    <a:lstStyle/>
+                    <a:p>
+                      <a:pPr algn="ctr" fontAlgn="ctr"/>
+                      <a:r>
+                        <a:rPr lang="ko-KR" altLang="en-US" sz="1100" b="0" i="0" u="none" strike="noStrike">
+                          <a:solidFill>
+                            <a:srgbClr val="9C0006"/>
+                          </a:solidFill>
+                          <a:effectLst/>
+                          <a:latin typeface="맑은 고딕" panose="020B0503020000020004" pitchFamily="50" charset="-127"/>
+                          <a:ea typeface="맑은 고딕" panose="020B0503020000020004" pitchFamily="50" charset="-127"/>
+                        </a:rPr>
+                        <a:t>솔드아웃</a:t>
+                      </a:r>
+                      <a:r>
+                        <a:rPr lang="en-US" altLang="ko-KR" sz="1100" b="0" i="0" u="none" strike="noStrike">
+                          <a:solidFill>
+                            <a:srgbClr val="9C0006"/>
+                          </a:solidFill>
+                          <a:effectLst/>
+                          <a:latin typeface="맑은 고딕" panose="020B0503020000020004" pitchFamily="50" charset="-127"/>
+                          <a:ea typeface="맑은 고딕" panose="020B0503020000020004" pitchFamily="50" charset="-127"/>
+                        </a:rPr>
+                        <a:t>(</a:t>
+                      </a:r>
+                      <a:r>
+                        <a:rPr lang="en-US" sz="1100" b="0" i="0" u="none" strike="noStrike">
+                          <a:solidFill>
+                            <a:srgbClr val="9C0006"/>
+                          </a:solidFill>
+                          <a:effectLst/>
+                          <a:latin typeface="맑은 고딕" panose="020B0503020000020004" pitchFamily="50" charset="-127"/>
+                          <a:ea typeface="맑은 고딕" panose="020B0503020000020004" pitchFamily="50" charset="-127"/>
+                        </a:rPr>
+                        <a:t>Boolean)</a:t>
+                      </a:r>
+                    </a:p>
+                  </a:txBody>
+                  <a:tcPr marL="7620" marR="7620" marT="7620" marB="0" anchor="ctr">
+                    <a:lnL w="6350" cap="flat" cmpd="sng" algn="ctr">
+                      <a:solidFill>
+                        <a:srgbClr val="5B9BD5"/>
+                      </a:solidFill>
+                      <a:prstDash val="solid"/>
+                      <a:round/>
+                      <a:headEnd type="none" w="med" len="med"/>
+                      <a:tailEnd type="none" w="med" len="med"/>
+                    </a:lnL>
+                    <a:lnR w="6350" cap="flat" cmpd="sng" algn="ctr">
+                      <a:solidFill>
+                        <a:srgbClr val="5B9BD5"/>
+                      </a:solidFill>
+                      <a:prstDash val="solid"/>
+                      <a:round/>
+                      <a:headEnd type="none" w="med" len="med"/>
+                      <a:tailEnd type="none" w="med" len="med"/>
+                    </a:lnR>
+                    <a:lnT w="6350" cap="flat" cmpd="sng" algn="ctr">
+                      <a:solidFill>
+                        <a:srgbClr val="5B9BD5"/>
+                      </a:solidFill>
+                      <a:prstDash val="solid"/>
+                      <a:round/>
+                      <a:headEnd type="none" w="med" len="med"/>
+                      <a:tailEnd type="none" w="med" len="med"/>
+                    </a:lnT>
+                    <a:lnB w="6350" cap="flat" cmpd="sng" algn="ctr">
+                      <a:solidFill>
+                        <a:srgbClr val="5B9BD5"/>
+                      </a:solidFill>
+                      <a:prstDash val="solid"/>
+                      <a:round/>
+                      <a:headEnd type="none" w="med" len="med"/>
+                      <a:tailEnd type="none" w="med" len="med"/>
+                    </a:lnB>
+                    <a:solidFill>
+                      <a:srgbClr val="FFC7CE"/>
+                    </a:solidFill>
+                  </a:tcPr>
+                </a:tc>
+                <a:tc>
+                  <a:txBody>
+                    <a:bodyPr/>
+                    <a:lstStyle/>
+                    <a:p>
+                      <a:pPr algn="ctr" fontAlgn="ctr"/>
+                      <a:r>
+                        <a:rPr lang="ko-KR" altLang="en-US" sz="1100" b="0" i="0" u="none" strike="noStrike">
+                          <a:solidFill>
+                            <a:srgbClr val="9C0006"/>
+                          </a:solidFill>
+                          <a:effectLst/>
+                          <a:latin typeface="맑은 고딕" panose="020B0503020000020004" pitchFamily="50" charset="-127"/>
+                          <a:ea typeface="맑은 고딕" panose="020B0503020000020004" pitchFamily="50" charset="-127"/>
+                        </a:rPr>
+                        <a:t>　</a:t>
+                      </a:r>
+                    </a:p>
+                  </a:txBody>
+                  <a:tcPr marL="7620" marR="7620" marT="7620" marB="0" anchor="ctr">
+                    <a:lnL w="6350" cap="flat" cmpd="sng" algn="ctr">
+                      <a:solidFill>
+                        <a:srgbClr val="5B9BD5"/>
+                      </a:solidFill>
+                      <a:prstDash val="solid"/>
+                      <a:round/>
+                      <a:headEnd type="none" w="med" len="med"/>
+                      <a:tailEnd type="none" w="med" len="med"/>
+                    </a:lnL>
+                    <a:lnR w="25400" cap="flat" cmpd="dbl" algn="ctr">
+                      <a:solidFill>
+                        <a:srgbClr val="5B9BD5"/>
+                      </a:solidFill>
+                      <a:prstDash val="solid"/>
+                      <a:round/>
+                      <a:headEnd type="none" w="med" len="med"/>
+                      <a:tailEnd type="none" w="med" len="med"/>
+                    </a:lnR>
+                    <a:lnT w="6350" cap="flat" cmpd="sng" algn="ctr">
+                      <a:solidFill>
+                        <a:srgbClr val="5B9BD5"/>
+                      </a:solidFill>
+                      <a:prstDash val="solid"/>
+                      <a:round/>
+                      <a:headEnd type="none" w="med" len="med"/>
+                      <a:tailEnd type="none" w="med" len="med"/>
+                    </a:lnT>
+                    <a:lnB w="6350" cap="flat" cmpd="sng" algn="ctr">
+                      <a:solidFill>
+                        <a:srgbClr val="5B9BD5"/>
+                      </a:solidFill>
+                      <a:prstDash val="solid"/>
+                      <a:round/>
+                      <a:headEnd type="none" w="med" len="med"/>
+                      <a:tailEnd type="none" w="med" len="med"/>
+                    </a:lnB>
+                    <a:solidFill>
+                      <a:srgbClr val="FFC7CE"/>
+                    </a:solidFill>
+                  </a:tcPr>
+                </a:tc>
+              </a:tr>
+              <a:tr h="294533">
+                <a:tc>
+                  <a:txBody>
+                    <a:bodyPr/>
+                    <a:lstStyle/>
+                    <a:p>
+                      <a:pPr algn="ctr" fontAlgn="ctr"/>
+                      <a:r>
+                        <a:rPr lang="ko-KR" altLang="en-US" sz="1100" b="0" i="0" u="none" strike="noStrike" dirty="0">
+                          <a:solidFill>
+                            <a:srgbClr val="757171"/>
+                          </a:solidFill>
+                          <a:effectLst/>
+                          <a:latin typeface="맑은 고딕" panose="020B0503020000020004" pitchFamily="50" charset="-127"/>
+                          <a:ea typeface="맑은 고딕" panose="020B0503020000020004" pitchFamily="50" charset="-127"/>
+                        </a:rPr>
+                        <a:t>추가 사항</a:t>
+                      </a:r>
+                    </a:p>
+                  </a:txBody>
+                  <a:tcPr marL="7620" marR="7620" marT="7620" marB="0" anchor="ctr">
+                    <a:lnL w="25400" cap="flat" cmpd="dbl" algn="ctr">
+                      <a:solidFill>
+                        <a:srgbClr val="5B9BD5"/>
+                      </a:solidFill>
+                      <a:prstDash val="solid"/>
+                      <a:round/>
+                      <a:headEnd type="none" w="med" len="med"/>
+                      <a:tailEnd type="none" w="med" len="med"/>
+                    </a:lnL>
+                    <a:lnR w="19050" cap="flat" cmpd="sng" algn="ctr">
+                      <a:solidFill>
+                        <a:srgbClr val="5B9BD5"/>
+                      </a:solidFill>
+                      <a:prstDash val="solid"/>
+                      <a:round/>
+                      <a:headEnd type="none" w="med" len="med"/>
+                      <a:tailEnd type="none" w="med" len="med"/>
+                    </a:lnR>
+                    <a:lnT w="6350" cap="flat" cmpd="sng" algn="ctr">
+                      <a:solidFill>
+                        <a:srgbClr val="5B9BD5"/>
+                      </a:solidFill>
+                      <a:prstDash val="solid"/>
+                      <a:round/>
+                      <a:headEnd type="none" w="med" len="med"/>
+                      <a:tailEnd type="none" w="med" len="med"/>
+                    </a:lnT>
+                    <a:lnB w="12700" cap="flat" cmpd="sng" algn="ctr">
+                      <a:noFill/>
+                      <a:prstDash val="solid"/>
+                      <a:round/>
+                      <a:headEnd type="none" w="med" len="med"/>
+                      <a:tailEnd type="none" w="med" len="med"/>
+                    </a:lnB>
+                    <a:solidFill>
+                      <a:srgbClr val="F2F2F2"/>
+                    </a:solidFill>
+                  </a:tcPr>
+                </a:tc>
+                <a:tc>
+                  <a:txBody>
+                    <a:bodyPr/>
+                    <a:lstStyle/>
+                    <a:p>
+                      <a:pPr algn="ctr" fontAlgn="ctr"/>
+                      <a:r>
+                        <a:rPr lang="ko-KR" altLang="en-US" sz="1100" b="0" i="0" u="none" strike="noStrike">
+                          <a:solidFill>
+                            <a:srgbClr val="757171"/>
+                          </a:solidFill>
+                          <a:effectLst/>
+                          <a:latin typeface="맑은 고딕" panose="020B0503020000020004" pitchFamily="50" charset="-127"/>
+                          <a:ea typeface="맑은 고딕" panose="020B0503020000020004" pitchFamily="50" charset="-127"/>
+                        </a:rPr>
+                        <a:t>카테고리설정</a:t>
+                      </a:r>
+                    </a:p>
+                  </a:txBody>
+                  <a:tcPr marL="7620" marR="7620" marT="7620" marB="0" anchor="ctr">
+                    <a:lnL w="19050" cap="flat" cmpd="sng" algn="ctr">
+                      <a:solidFill>
+                        <a:srgbClr val="5B9BD5"/>
+                      </a:solidFill>
+                      <a:prstDash val="solid"/>
+                      <a:round/>
+                      <a:headEnd type="none" w="med" len="med"/>
+                      <a:tailEnd type="none" w="med" len="med"/>
+                    </a:lnL>
+                    <a:lnR w="6350" cap="flat" cmpd="sng" algn="ctr">
+                      <a:solidFill>
+                        <a:srgbClr val="5B9BD5"/>
+                      </a:solidFill>
+                      <a:prstDash val="solid"/>
+                      <a:round/>
+                      <a:headEnd type="none" w="med" len="med"/>
+                      <a:tailEnd type="none" w="med" len="med"/>
+                    </a:lnR>
+                    <a:lnT w="6350" cap="flat" cmpd="sng" algn="ctr">
+                      <a:solidFill>
+                        <a:srgbClr val="5B9BD5"/>
+                      </a:solidFill>
+                      <a:prstDash val="solid"/>
+                      <a:round/>
+                      <a:headEnd type="none" w="med" len="med"/>
+                      <a:tailEnd type="none" w="med" len="med"/>
+                    </a:lnT>
+                    <a:lnB w="6350" cap="flat" cmpd="sng" algn="ctr">
+                      <a:solidFill>
+                        <a:srgbClr val="5B9BD5"/>
+                      </a:solidFill>
+                      <a:prstDash val="solid"/>
+                      <a:round/>
+                      <a:headEnd type="none" w="med" len="med"/>
+                      <a:tailEnd type="none" w="med" len="med"/>
+                    </a:lnB>
+                    <a:solidFill>
+                      <a:srgbClr val="F2F2F2"/>
+                    </a:solidFill>
+                  </a:tcPr>
+                </a:tc>
+                <a:tc>
+                  <a:txBody>
+                    <a:bodyPr/>
+                    <a:lstStyle/>
+                    <a:p>
+                      <a:pPr algn="ctr" fontAlgn="ctr"/>
+                      <a:r>
+                        <a:rPr lang="ko-KR" altLang="en-US" sz="1100" b="1" i="0" u="none" strike="noStrike">
+                          <a:solidFill>
+                            <a:srgbClr val="757171"/>
+                          </a:solidFill>
+                          <a:effectLst/>
+                          <a:latin typeface="맑은 고딕" panose="020B0503020000020004" pitchFamily="50" charset="-127"/>
+                          <a:ea typeface="맑은 고딕" panose="020B0503020000020004" pitchFamily="50" charset="-127"/>
+                        </a:rPr>
+                        <a:t>　</a:t>
+                      </a:r>
+                    </a:p>
+                  </a:txBody>
+                  <a:tcPr marL="7620" marR="7620" marT="7620" marB="0" anchor="ctr">
+                    <a:lnL w="6350" cap="flat" cmpd="sng" algn="ctr">
+                      <a:solidFill>
+                        <a:srgbClr val="5B9BD5"/>
+                      </a:solidFill>
+                      <a:prstDash val="solid"/>
+                      <a:round/>
+                      <a:headEnd type="none" w="med" len="med"/>
+                      <a:tailEnd type="none" w="med" len="med"/>
+                    </a:lnL>
+                    <a:lnR w="6350" cap="flat" cmpd="sng" algn="ctr">
+                      <a:solidFill>
+                        <a:srgbClr val="5B9BD5"/>
+                      </a:solidFill>
+                      <a:prstDash val="solid"/>
+                      <a:round/>
+                      <a:headEnd type="none" w="med" len="med"/>
+                      <a:tailEnd type="none" w="med" len="med"/>
+                    </a:lnR>
+                    <a:lnT w="6350" cap="flat" cmpd="sng" algn="ctr">
+                      <a:solidFill>
+                        <a:srgbClr val="5B9BD5"/>
+                      </a:solidFill>
+                      <a:prstDash val="solid"/>
+                      <a:round/>
+                      <a:headEnd type="none" w="med" len="med"/>
+                      <a:tailEnd type="none" w="med" len="med"/>
+                    </a:lnT>
+                    <a:lnB w="6350" cap="flat" cmpd="sng" algn="ctr">
+                      <a:solidFill>
+                        <a:srgbClr val="5B9BD5"/>
+                      </a:solidFill>
+                      <a:prstDash val="solid"/>
+                      <a:round/>
+                      <a:headEnd type="none" w="med" len="med"/>
+                      <a:tailEnd type="none" w="med" len="med"/>
+                    </a:lnB>
+                    <a:solidFill>
+                      <a:srgbClr val="F2F2F2"/>
+                    </a:solidFill>
+                  </a:tcPr>
+                </a:tc>
+                <a:tc>
+                  <a:txBody>
+                    <a:bodyPr/>
+                    <a:lstStyle/>
+                    <a:p>
+                      <a:pPr algn="ctr" fontAlgn="ctr"/>
+                      <a:r>
+                        <a:rPr lang="ko-KR" altLang="en-US" sz="1100" b="1" i="0" u="none" strike="noStrike">
+                          <a:solidFill>
+                            <a:srgbClr val="757171"/>
+                          </a:solidFill>
+                          <a:effectLst/>
+                          <a:latin typeface="맑은 고딕" panose="020B0503020000020004" pitchFamily="50" charset="-127"/>
+                          <a:ea typeface="맑은 고딕" panose="020B0503020000020004" pitchFamily="50" charset="-127"/>
+                        </a:rPr>
+                        <a:t>　</a:t>
+                      </a:r>
+                    </a:p>
+                  </a:txBody>
+                  <a:tcPr marL="7620" marR="7620" marT="7620" marB="0" anchor="ctr">
+                    <a:lnL w="6350" cap="flat" cmpd="sng" algn="ctr">
+                      <a:solidFill>
+                        <a:srgbClr val="5B9BD5"/>
+                      </a:solidFill>
+                      <a:prstDash val="solid"/>
+                      <a:round/>
+                      <a:headEnd type="none" w="med" len="med"/>
+                      <a:tailEnd type="none" w="med" len="med"/>
+                    </a:lnL>
+                    <a:lnR w="25400" cap="flat" cmpd="dbl" algn="ctr">
+                      <a:solidFill>
+                        <a:srgbClr val="5B9BD5"/>
+                      </a:solidFill>
+                      <a:prstDash val="solid"/>
+                      <a:round/>
+                      <a:headEnd type="none" w="med" len="med"/>
+                      <a:tailEnd type="none" w="med" len="med"/>
+                    </a:lnR>
+                    <a:lnT w="6350" cap="flat" cmpd="sng" algn="ctr">
+                      <a:solidFill>
+                        <a:srgbClr val="5B9BD5"/>
+                      </a:solidFill>
+                      <a:prstDash val="solid"/>
+                      <a:round/>
+                      <a:headEnd type="none" w="med" len="med"/>
+                      <a:tailEnd type="none" w="med" len="med"/>
+                    </a:lnT>
+                    <a:lnB w="6350" cap="flat" cmpd="sng" algn="ctr">
+                      <a:solidFill>
+                        <a:srgbClr val="5B9BD5"/>
+                      </a:solidFill>
+                      <a:prstDash val="solid"/>
+                      <a:round/>
+                      <a:headEnd type="none" w="med" len="med"/>
+                      <a:tailEnd type="none" w="med" len="med"/>
+                    </a:lnB>
+                    <a:solidFill>
+                      <a:srgbClr val="F2F2F2"/>
+                    </a:solidFill>
+                  </a:tcPr>
+                </a:tc>
+              </a:tr>
+              <a:tr h="304689">
+                <a:tc>
+                  <a:txBody>
+                    <a:bodyPr/>
+                    <a:lstStyle/>
+                    <a:p>
+                      <a:pPr algn="ctr" fontAlgn="ctr"/>
+                      <a:r>
+                        <a:rPr lang="en-US" altLang="ko-KR" sz="900" b="0" i="0" u="none" strike="noStrike" dirty="0">
+                          <a:solidFill>
+                            <a:srgbClr val="757171"/>
+                          </a:solidFill>
+                          <a:effectLst/>
+                          <a:latin typeface="맑은 고딕" panose="020B0503020000020004" pitchFamily="50" charset="-127"/>
+                          <a:ea typeface="맑은 고딕" panose="020B0503020000020004" pitchFamily="50" charset="-127"/>
+                        </a:rPr>
+                        <a:t>(</a:t>
+                      </a:r>
+                      <a:r>
+                        <a:rPr lang="ko-KR" altLang="en-US" sz="900" b="0" i="0" u="none" strike="noStrike" dirty="0">
+                          <a:solidFill>
+                            <a:srgbClr val="757171"/>
+                          </a:solidFill>
+                          <a:effectLst/>
+                          <a:latin typeface="맑은 고딕" panose="020B0503020000020004" pitchFamily="50" charset="-127"/>
+                          <a:ea typeface="맑은 고딕" panose="020B0503020000020004" pitchFamily="50" charset="-127"/>
+                        </a:rPr>
+                        <a:t>로그인 필요</a:t>
+                      </a:r>
+                      <a:r>
+                        <a:rPr lang="en-US" altLang="ko-KR" sz="900" b="0" i="0" u="none" strike="noStrike" dirty="0">
+                          <a:solidFill>
+                            <a:srgbClr val="757171"/>
+                          </a:solidFill>
+                          <a:effectLst/>
+                          <a:latin typeface="맑은 고딕" panose="020B0503020000020004" pitchFamily="50" charset="-127"/>
+                          <a:ea typeface="맑은 고딕" panose="020B0503020000020004" pitchFamily="50" charset="-127"/>
+                        </a:rPr>
+                        <a:t>)</a:t>
+                      </a:r>
+                    </a:p>
+                  </a:txBody>
+                  <a:tcPr marL="7620" marR="7620" marT="7620" marB="0" anchor="ctr">
+                    <a:lnL w="25400" cap="flat" cmpd="dbl" algn="ctr">
+                      <a:solidFill>
+                        <a:srgbClr val="5B9BD5"/>
+                      </a:solidFill>
+                      <a:prstDash val="solid"/>
+                      <a:round/>
+                      <a:headEnd type="none" w="med" len="med"/>
+                      <a:tailEnd type="none" w="med" len="med"/>
+                    </a:lnL>
+                    <a:lnR w="19050" cap="flat" cmpd="sng" algn="ctr">
+                      <a:solidFill>
+                        <a:srgbClr val="5B9BD5"/>
+                      </a:solidFill>
+                      <a:prstDash val="solid"/>
+                      <a:round/>
+                      <a:headEnd type="none" w="med" len="med"/>
+                      <a:tailEnd type="none" w="med" len="med"/>
+                    </a:lnR>
+                    <a:lnT w="12700" cap="flat" cmpd="sng" algn="ctr">
+                      <a:noFill/>
+                      <a:prstDash val="solid"/>
+                      <a:round/>
+                      <a:headEnd type="none" w="med" len="med"/>
+                      <a:tailEnd type="none" w="med" len="med"/>
+                    </a:lnT>
+                    <a:lnB w="25400" cap="flat" cmpd="dbl" algn="ctr">
+                      <a:solidFill>
+                        <a:srgbClr val="5B9BD5"/>
+                      </a:solidFill>
+                      <a:prstDash val="solid"/>
+                      <a:round/>
+                      <a:headEnd type="none" w="med" len="med"/>
+                      <a:tailEnd type="none" w="med" len="med"/>
+                    </a:lnB>
+                    <a:solidFill>
+                      <a:srgbClr val="F2F2F2"/>
+                    </a:solidFill>
+                  </a:tcPr>
+                </a:tc>
+                <a:tc>
+                  <a:txBody>
+                    <a:bodyPr/>
+                    <a:lstStyle/>
+                    <a:p>
+                      <a:pPr algn="ctr" fontAlgn="ctr"/>
+                      <a:r>
+                        <a:rPr lang="ko-KR" altLang="en-US" sz="1100" b="1" i="0" u="none" strike="noStrike">
+                          <a:solidFill>
+                            <a:srgbClr val="757171"/>
+                          </a:solidFill>
+                          <a:effectLst/>
+                          <a:latin typeface="맑은 고딕" panose="020B0503020000020004" pitchFamily="50" charset="-127"/>
+                          <a:ea typeface="맑은 고딕" panose="020B0503020000020004" pitchFamily="50" charset="-127"/>
+                        </a:rPr>
+                        <a:t>　</a:t>
+                      </a:r>
+                    </a:p>
+                  </a:txBody>
+                  <a:tcPr marL="7620" marR="7620" marT="7620" marB="0" anchor="ctr">
+                    <a:lnL w="19050" cap="flat" cmpd="sng" algn="ctr">
+                      <a:solidFill>
+                        <a:srgbClr val="5B9BD5"/>
+                      </a:solidFill>
+                      <a:prstDash val="solid"/>
+                      <a:round/>
+                      <a:headEnd type="none" w="med" len="med"/>
+                      <a:tailEnd type="none" w="med" len="med"/>
+                    </a:lnL>
+                    <a:lnR w="6350" cap="flat" cmpd="sng" algn="ctr">
+                      <a:solidFill>
+                        <a:srgbClr val="5B9BD5"/>
+                      </a:solidFill>
+                      <a:prstDash val="solid"/>
+                      <a:round/>
+                      <a:headEnd type="none" w="med" len="med"/>
+                      <a:tailEnd type="none" w="med" len="med"/>
+                    </a:lnR>
+                    <a:lnT w="6350" cap="flat" cmpd="sng" algn="ctr">
+                      <a:solidFill>
+                        <a:srgbClr val="5B9BD5"/>
+                      </a:solidFill>
+                      <a:prstDash val="solid"/>
+                      <a:round/>
+                      <a:headEnd type="none" w="med" len="med"/>
+                      <a:tailEnd type="none" w="med" len="med"/>
+                    </a:lnT>
+                    <a:lnB w="25400" cap="flat" cmpd="dbl" algn="ctr">
+                      <a:solidFill>
+                        <a:srgbClr val="5B9BD5"/>
+                      </a:solidFill>
+                      <a:prstDash val="solid"/>
+                      <a:round/>
+                      <a:headEnd type="none" w="med" len="med"/>
+                      <a:tailEnd type="none" w="med" len="med"/>
+                    </a:lnB>
+                    <a:solidFill>
+                      <a:srgbClr val="F2F2F2"/>
+                    </a:solidFill>
+                  </a:tcPr>
+                </a:tc>
+                <a:tc>
+                  <a:txBody>
+                    <a:bodyPr/>
+                    <a:lstStyle/>
+                    <a:p>
+                      <a:pPr algn="ctr" fontAlgn="ctr"/>
+                      <a:r>
+                        <a:rPr lang="ko-KR" altLang="en-US" sz="1100" b="1" i="0" u="none" strike="noStrike">
+                          <a:solidFill>
+                            <a:srgbClr val="757171"/>
+                          </a:solidFill>
+                          <a:effectLst/>
+                          <a:latin typeface="맑은 고딕" panose="020B0503020000020004" pitchFamily="50" charset="-127"/>
+                          <a:ea typeface="맑은 고딕" panose="020B0503020000020004" pitchFamily="50" charset="-127"/>
+                        </a:rPr>
+                        <a:t>　</a:t>
+                      </a:r>
+                    </a:p>
+                  </a:txBody>
+                  <a:tcPr marL="7620" marR="7620" marT="7620" marB="0" anchor="ctr">
+                    <a:lnL w="6350" cap="flat" cmpd="sng" algn="ctr">
+                      <a:solidFill>
+                        <a:srgbClr val="5B9BD5"/>
+                      </a:solidFill>
+                      <a:prstDash val="solid"/>
+                      <a:round/>
+                      <a:headEnd type="none" w="med" len="med"/>
+                      <a:tailEnd type="none" w="med" len="med"/>
+                    </a:lnL>
+                    <a:lnR w="6350" cap="flat" cmpd="sng" algn="ctr">
+                      <a:solidFill>
+                        <a:srgbClr val="5B9BD5"/>
+                      </a:solidFill>
+                      <a:prstDash val="solid"/>
+                      <a:round/>
+                      <a:headEnd type="none" w="med" len="med"/>
+                      <a:tailEnd type="none" w="med" len="med"/>
+                    </a:lnR>
+                    <a:lnT w="6350" cap="flat" cmpd="sng" algn="ctr">
+                      <a:solidFill>
+                        <a:srgbClr val="5B9BD5"/>
+                      </a:solidFill>
+                      <a:prstDash val="solid"/>
+                      <a:round/>
+                      <a:headEnd type="none" w="med" len="med"/>
+                      <a:tailEnd type="none" w="med" len="med"/>
+                    </a:lnT>
+                    <a:lnB w="25400" cap="flat" cmpd="dbl" algn="ctr">
+                      <a:solidFill>
+                        <a:srgbClr val="5B9BD5"/>
+                      </a:solidFill>
+                      <a:prstDash val="solid"/>
+                      <a:round/>
+                      <a:headEnd type="none" w="med" len="med"/>
+                      <a:tailEnd type="none" w="med" len="med"/>
+                    </a:lnB>
+                    <a:solidFill>
+                      <a:srgbClr val="F2F2F2"/>
+                    </a:solidFill>
+                  </a:tcPr>
+                </a:tc>
+                <a:tc>
+                  <a:txBody>
+                    <a:bodyPr/>
+                    <a:lstStyle/>
+                    <a:p>
+                      <a:pPr algn="ctr" fontAlgn="ctr"/>
+                      <a:r>
+                        <a:rPr lang="ko-KR" altLang="en-US" sz="1100" b="1" i="0" u="none" strike="noStrike" dirty="0">
+                          <a:solidFill>
+                            <a:srgbClr val="757171"/>
+                          </a:solidFill>
+                          <a:effectLst/>
+                          <a:latin typeface="맑은 고딕" panose="020B0503020000020004" pitchFamily="50" charset="-127"/>
+                          <a:ea typeface="맑은 고딕" panose="020B0503020000020004" pitchFamily="50" charset="-127"/>
+                        </a:rPr>
+                        <a:t>　</a:t>
+                      </a:r>
+                    </a:p>
+                  </a:txBody>
+                  <a:tcPr marL="7620" marR="7620" marT="7620" marB="0" anchor="ctr">
+                    <a:lnL w="6350" cap="flat" cmpd="sng" algn="ctr">
+                      <a:solidFill>
+                        <a:srgbClr val="5B9BD5"/>
+                      </a:solidFill>
+                      <a:prstDash val="solid"/>
+                      <a:round/>
+                      <a:headEnd type="none" w="med" len="med"/>
+                      <a:tailEnd type="none" w="med" len="med"/>
+                    </a:lnL>
+                    <a:lnR w="25400" cap="flat" cmpd="dbl" algn="ctr">
+                      <a:solidFill>
+                        <a:srgbClr val="5B9BD5"/>
+                      </a:solidFill>
+                      <a:prstDash val="solid"/>
+                      <a:round/>
+                      <a:headEnd type="none" w="med" len="med"/>
+                      <a:tailEnd type="none" w="med" len="med"/>
+                    </a:lnR>
+                    <a:lnT w="6350" cap="flat" cmpd="sng" algn="ctr">
+                      <a:solidFill>
+                        <a:srgbClr val="5B9BD5"/>
+                      </a:solidFill>
+                      <a:prstDash val="solid"/>
+                      <a:round/>
+                      <a:headEnd type="none" w="med" len="med"/>
+                      <a:tailEnd type="none" w="med" len="med"/>
+                    </a:lnT>
+                    <a:lnB w="25400" cap="flat" cmpd="dbl" algn="ctr">
+                      <a:solidFill>
+                        <a:srgbClr val="5B9BD5"/>
+                      </a:solidFill>
+                      <a:prstDash val="solid"/>
+                      <a:round/>
+                      <a:headEnd type="none" w="med" len="med"/>
+                      <a:tailEnd type="none" w="med" len="med"/>
+                    </a:lnB>
+                    <a:solidFill>
+                      <a:srgbClr val="F2F2F2"/>
+                    </a:solidFill>
+                  </a:tcPr>
+                </a:tc>
+              </a:tr>
+            </a:tbl>
+          </a:graphicData>
+        </a:graphic>
+      </p:graphicFrame>
+    </p:spTree>
+    <p:extLst>
+      <p:ext uri="{BB962C8B-B14F-4D97-AF65-F5344CB8AC3E}">
+        <p14:creationId xmlns:p14="http://schemas.microsoft.com/office/powerpoint/2010/main" val="1653330075"/>
       </p:ext>
     </p:extLst>
   </p:cSld>
